--- a/2020_11_11/세미나1.pptx
+++ b/2020_11_11/세미나1.pptx
@@ -5,7 +5,7 @@
     <p:sldMasterId id="2147483648" r:id="rId1"/>
   </p:sldMasterIdLst>
   <p:notesMasterIdLst>
-    <p:notesMasterId r:id="rId21"/>
+    <p:notesMasterId r:id="rId23"/>
   </p:notesMasterIdLst>
   <p:sldIdLst>
     <p:sldId id="271" r:id="rId2"/>
@@ -23,22 +23,24 @@
     <p:sldId id="288" r:id="rId14"/>
     <p:sldId id="289" r:id="rId15"/>
     <p:sldId id="297" r:id="rId16"/>
-    <p:sldId id="298" r:id="rId17"/>
-    <p:sldId id="299" r:id="rId18"/>
-    <p:sldId id="286" r:id="rId19"/>
-    <p:sldId id="280" r:id="rId20"/>
+    <p:sldId id="301" r:id="rId17"/>
+    <p:sldId id="300" r:id="rId18"/>
+    <p:sldId id="298" r:id="rId19"/>
+    <p:sldId id="299" r:id="rId20"/>
+    <p:sldId id="286" r:id="rId21"/>
+    <p:sldId id="280" r:id="rId22"/>
   </p:sldIdLst>
   <p:sldSz cx="12192000" cy="6858000"/>
   <p:notesSz cx="6858000" cy="9144000"/>
   <p:embeddedFontLst>
     <p:embeddedFont>
       <p:font typeface="THE정고딕140" panose="02020603020101020101" pitchFamily="18" charset="-127"/>
-      <p:regular r:id="rId22"/>
+      <p:regular r:id="rId24"/>
     </p:embeddedFont>
     <p:embeddedFont>
       <p:font typeface="맑은 고딕" panose="020B0503020000020004" pitchFamily="50" charset="-127"/>
-      <p:regular r:id="rId23"/>
-      <p:bold r:id="rId24"/>
+      <p:regular r:id="rId25"/>
+      <p:bold r:id="rId26"/>
     </p:embeddedFont>
   </p:embeddedFontLst>
   <p:defaultTextStyle>
@@ -1303,7 +1305,7 @@
           <a:p>
             <a:fld id="{0EB398E2-E316-4E96-990E-23BE4EE0A812}" type="datetimeFigureOut">
               <a:rPr lang="ko-KR" altLang="en-US" smtClean="0"/>
-              <a:t>2020-11-10</a:t>
+              <a:t>2020-11-11</a:t>
             </a:fld>
             <a:endParaRPr lang="ko-KR" altLang="en-US"/>
           </a:p>
@@ -1614,6 +1616,51 @@
           <a:bodyPr/>
           <a:lstStyle/>
           <a:p>
+            <a:r>
+              <a:rPr lang="ko-KR" altLang="en-US"/>
+              <a:t>세미나의 주제는 음 이번 세미나에 여러가지 주제가 나오는데 웹 프로그래밍과 </a:t>
+            </a:r>
+            <a:r>
+              <a:rPr lang="en-US" altLang="ko-KR"/>
+              <a:t>JavaScript</a:t>
+            </a:r>
+            <a:r>
+              <a:rPr lang="ko-KR" altLang="en-US"/>
+              <a:t>로 발표자료의 제목을 정했습니다</a:t>
+            </a:r>
+            <a:r>
+              <a:rPr lang="en-US" altLang="ko-KR"/>
+              <a:t>.</a:t>
+            </a:r>
+          </a:p>
+          <a:p>
+            <a:endParaRPr lang="en-US" altLang="ko-KR"/>
+          </a:p>
+          <a:p>
+            <a:r>
+              <a:rPr lang="ko-KR" altLang="en-US"/>
+              <a:t>아무래도 제가 가장 관심있는 분야이기도 하고</a:t>
+            </a:r>
+            <a:r>
+              <a:rPr lang="en-US" altLang="ko-KR"/>
+              <a:t>, </a:t>
+            </a:r>
+            <a:r>
+              <a:rPr lang="ko-KR" altLang="en-US"/>
+              <a:t>후배들에게는 이러한 진로도 존재하고 미리 알아가자는 취지로</a:t>
+            </a:r>
+            <a:r>
+              <a:rPr lang="en-US" altLang="ko-KR"/>
+              <a:t>, </a:t>
+            </a:r>
+            <a:r>
+              <a:rPr lang="ko-KR" altLang="en-US"/>
+              <a:t>선배나 동기들에게는 기존에 알더라도 좀 더 자세히 또한 몰랐던 부분에 대해 알려주기 위해 세미나 주제를 이렇게 잡았습니다</a:t>
+            </a:r>
+            <a:r>
+              <a:rPr lang="en-US" altLang="ko-KR"/>
+              <a:t>.</a:t>
+            </a:r>
             <a:endParaRPr lang="ko-KR" altLang="en-US" dirty="0"/>
           </a:p>
         </p:txBody>
@@ -1742,8 +1789,12 @@
           </a:p>
           <a:p>
             <a:r>
-              <a:rPr lang="ko-KR" altLang="en-US" dirty="0"/>
-              <a:t>하지만 아직은 이 칸에 뭘 입력해도 작동하지 않습니다</a:t>
+              <a:rPr lang="ko-KR" altLang="en-US"/>
+              <a:t>하지만 아쉽게도 </a:t>
+            </a:r>
+            <a:r>
+              <a:rPr lang="ko-KR" altLang="en-US" dirty="0"/>
+              <a:t>아직은 이 칸에 뭘 입력해도 작동하지 않습니다</a:t>
             </a:r>
             <a:r>
               <a:rPr lang="en-US" altLang="ko-KR" dirty="0"/>
@@ -1755,8 +1806,12 @@
           </a:p>
           <a:p>
             <a:r>
-              <a:rPr lang="ko-KR" altLang="en-US" dirty="0"/>
-              <a:t>자바스크립트로 작동하도록 해보겠습니다</a:t>
+              <a:rPr lang="ko-KR" altLang="en-US"/>
+              <a:t>자바스크립트로 이 계산기가 </a:t>
+            </a:r>
+            <a:r>
+              <a:rPr lang="ko-KR" altLang="en-US" dirty="0"/>
+              <a:t>작동하도록 해보겠습니다</a:t>
             </a:r>
             <a:r>
               <a:rPr lang="en-US" altLang="ko-KR" dirty="0"/>
@@ -1960,12 +2015,12 @@
           </a:p>
           <a:p>
             <a:r>
-              <a:rPr lang="en-US" altLang="ko-KR" dirty="0"/>
-              <a:t>HTML</a:t>
-            </a:r>
-            <a:r>
-              <a:rPr lang="ko-KR" altLang="en-US" dirty="0"/>
-              <a:t>요소를 생성해서 집어넣습니다</a:t>
+              <a:rPr lang="ko-KR" altLang="en-US"/>
+              <a:t>새로운 요소를 </a:t>
+            </a:r>
+            <a:r>
+              <a:rPr lang="ko-KR" altLang="en-US" dirty="0"/>
+              <a:t>생성해서 집어넣습니다</a:t>
             </a:r>
             <a:r>
               <a:rPr lang="en-US" altLang="ko-KR" dirty="0"/>
@@ -2056,8 +2111,12 @@
           <a:lstStyle/>
           <a:p>
             <a:r>
-              <a:rPr lang="ko-KR" altLang="en-US" dirty="0"/>
-              <a:t>정상적으로 동작하네요</a:t>
+              <a:rPr lang="ko-KR" altLang="en-US"/>
+              <a:t>정상적으로 동작하는 것을 볼 수 있습니다</a:t>
+            </a:r>
+            <a:r>
+              <a:rPr lang="en-US" altLang="ko-KR"/>
+              <a:t>.</a:t>
             </a:r>
             <a:endParaRPr lang="en-US" altLang="ko-KR" dirty="0"/>
           </a:p>
@@ -2106,7 +2165,15 @@
             </a:r>
             <a:r>
               <a:rPr lang="ko-KR" altLang="en-US" dirty="0"/>
-              <a:t>는 가져다 놓은 것을 꾸미는 문서로 둘 다 프로그래밍 언어라고 말하기엔 무리인 감이 있습니다</a:t>
+              <a:t>는 가져다 놓은 것을 꾸미는 문서로 둘 다 프로그래밍 언어라고 말하기엔 </a:t>
+            </a:r>
+            <a:r>
+              <a:rPr lang="ko-KR" altLang="en-US"/>
+              <a:t>무리인 감이 없잖아 </a:t>
+            </a:r>
+            <a:r>
+              <a:rPr lang="ko-KR" altLang="en-US" dirty="0"/>
+              <a:t>있습니다</a:t>
             </a:r>
             <a:r>
               <a:rPr lang="en-US" altLang="ko-KR" dirty="0"/>
@@ -2119,30 +2186,58 @@
           <a:p>
             <a:r>
               <a:rPr lang="ko-KR" altLang="en-US" dirty="0"/>
-              <a:t>그럼 웹 프로그래밍에서는 프로그래밍이 언어 할 만한 것은 자바스크립트라는 것 밖에 없을 것 같네요</a:t>
-            </a:r>
+              <a:t>그럼 웹 </a:t>
+            </a:r>
+            <a:r>
+              <a:rPr lang="ko-KR" altLang="en-US"/>
+              <a:t>프로그래밍에서는 프로그래밍 언어 라고 </a:t>
+            </a:r>
+            <a:r>
+              <a:rPr lang="ko-KR" altLang="en-US" dirty="0"/>
+              <a:t>할 만한 것은 자바스크립트라는 것 밖에 없을 </a:t>
+            </a:r>
+            <a:r>
+              <a:rPr lang="ko-KR" altLang="en-US"/>
+              <a:t>것 같네요</a:t>
+            </a:r>
+            <a:endParaRPr lang="en-US" altLang="ko-KR"/>
+          </a:p>
+          <a:p>
+            <a:endParaRPr lang="en-US" altLang="ko-KR"/>
+          </a:p>
+          <a:p>
+            <a:r>
+              <a:rPr lang="ko-KR" altLang="en-US"/>
+              <a:t>자바스크립트를 통해 정적인 웹이 동적으로 변해</a:t>
+            </a:r>
+            <a:r>
+              <a:rPr lang="en-US" altLang="ko-KR"/>
+              <a:t>, </a:t>
+            </a:r>
+            <a:r>
+              <a:rPr lang="ko-KR" altLang="en-US"/>
+              <a:t>여러 이벤트에 웹이 적절한 동작을 취하도록 해주는 중요한 언어입니다</a:t>
+            </a:r>
+            <a:r>
+              <a:rPr lang="en-US" altLang="ko-KR"/>
+              <a:t>.</a:t>
+            </a:r>
+          </a:p>
+          <a:p>
             <a:endParaRPr lang="en-US" altLang="ko-KR" dirty="0"/>
           </a:p>
           <a:p>
-            <a:endParaRPr lang="en-US" altLang="ko-KR" dirty="0"/>
-          </a:p>
-          <a:p>
-            <a:r>
-              <a:rPr lang="ko-KR" altLang="en-US" dirty="0"/>
-              <a:t>저도 당연히 가장 중요하다고 생각하고요</a:t>
-            </a:r>
-            <a:r>
-              <a:rPr lang="en-US" altLang="ko-KR" dirty="0"/>
-              <a:t>..</a:t>
-            </a:r>
-          </a:p>
-          <a:p>
-            <a:endParaRPr lang="en-US" altLang="ko-KR" dirty="0"/>
-          </a:p>
-          <a:p>
-            <a:r>
-              <a:rPr lang="ko-KR" altLang="en-US" dirty="0"/>
-              <a:t>저희는 지금부터 이 자바스크립트에 대해서 자세히 알아보고 더 나아가 그 자바스크립트를 더 잘 활용할 수 있는 도구에 대해서 알아보겠습니다</a:t>
+            <a:r>
+              <a:rPr lang="ko-KR" altLang="en-US" dirty="0"/>
+              <a:t>저희는 지금부터 이 </a:t>
+            </a:r>
+            <a:r>
+              <a:rPr lang="ko-KR" altLang="en-US"/>
+              <a:t>자바스크립트에 대해 좀 더 알아보고 그 </a:t>
+            </a:r>
+            <a:r>
+              <a:rPr lang="ko-KR" altLang="en-US" dirty="0"/>
+              <a:t>자바스크립트를 더 잘 활용할 수 있는 도구에 대해서 알아보겠습니다</a:t>
             </a:r>
             <a:r>
               <a:rPr lang="en-US" altLang="ko-KR" dirty="0"/>
@@ -2308,8 +2403,20 @@
               <a:t>90</a:t>
             </a:r>
             <a:r>
-              <a:rPr lang="ko-KR" altLang="en-US" dirty="0"/>
-              <a:t>년대 당시에는 정적인 웹 페이지들 </a:t>
+              <a:rPr lang="ko-KR" altLang="en-US"/>
+              <a:t>년대 당시에는 </a:t>
+            </a:r>
+            <a:r>
+              <a:rPr lang="en-US" altLang="ko-KR"/>
+              <a:t>HTML, CSS</a:t>
+            </a:r>
+            <a:r>
+              <a:rPr lang="ko-KR" altLang="en-US"/>
+              <a:t>로만 이루어진 정적인 </a:t>
+            </a:r>
+            <a:r>
+              <a:rPr lang="ko-KR" altLang="en-US" dirty="0"/>
+              <a:t>웹 페이지들 </a:t>
             </a:r>
             <a:r>
               <a:rPr lang="ko-KR" altLang="en-US" dirty="0" err="1"/>
@@ -2337,32 +2444,6 @@
           </a:p>
           <a:p>
             <a:r>
-              <a:rPr lang="en-US" altLang="ko-KR" dirty="0"/>
-              <a:t>(+ </a:t>
-            </a:r>
-            <a:r>
-              <a:rPr lang="ko-KR" altLang="en-US" dirty="0"/>
-              <a:t>동적</a:t>
-            </a:r>
-            <a:r>
-              <a:rPr lang="en-US" altLang="ko-KR" dirty="0"/>
-              <a:t>, </a:t>
-            </a:r>
-            <a:r>
-              <a:rPr lang="ko-KR" altLang="en-US" dirty="0"/>
-              <a:t>정적 설명</a:t>
-            </a:r>
-            <a:r>
-              <a:rPr lang="en-US" altLang="ko-KR"/>
-              <a:t>)</a:t>
-            </a:r>
-            <a:endParaRPr lang="en-US" altLang="ko-KR" dirty="0"/>
-          </a:p>
-          <a:p>
-            <a:endParaRPr lang="en-US" altLang="ko-KR" dirty="0"/>
-          </a:p>
-          <a:p>
-            <a:r>
               <a:rPr lang="ko-KR" altLang="en-US" dirty="0"/>
               <a:t>이 이름이 그 해에 라이브스크립트로 변경되었습니다</a:t>
             </a:r>
@@ -2377,15 +2458,23 @@
           <a:p>
             <a:r>
               <a:rPr lang="ko-KR" altLang="en-US" dirty="0"/>
-              <a:t>하지만 이름이 생소할 수 있어 많은 인기를 받지 못할거라 생각해 그 당시 상당히 인기있던 프로그래밍 언어 자바를 보고</a:t>
-            </a:r>
-            <a:r>
-              <a:rPr lang="en-US" altLang="ko-KR" dirty="0"/>
-              <a:t>, </a:t>
-            </a:r>
-            <a:r>
-              <a:rPr lang="ko-KR" altLang="en-US" dirty="0"/>
-              <a:t>이름을 자바스크립트라고 변경한 거라 전혀 </a:t>
+              <a:t>하지만 이름이 생소할 수 있어 많은 인기를 받지 못할거라 생각해 그 당시 상당히 인기있던 프로그래밍 </a:t>
+            </a:r>
+            <a:r>
+              <a:rPr lang="ko-KR" altLang="en-US"/>
+              <a:t>언어 자바의 이름을 따</a:t>
+            </a:r>
+            <a:r>
+              <a:rPr lang="en-US" altLang="ko-KR"/>
+              <a:t> </a:t>
+            </a:r>
+            <a:r>
+              <a:rPr lang="ko-KR" altLang="en-US"/>
+              <a:t>자바스크립트라고 </a:t>
+            </a:r>
+            <a:r>
+              <a:rPr lang="ko-KR" altLang="en-US" dirty="0"/>
+              <a:t>변경한 거라 전혀 </a:t>
             </a:r>
             <a:r>
               <a:rPr lang="ko-KR" altLang="en-US" dirty="0" err="1"/>
@@ -2393,12 +2482,17 @@
             </a:r>
             <a:r>
               <a:rPr lang="ko-KR" altLang="en-US" dirty="0"/>
-              <a:t> 상관이 없습니다</a:t>
-            </a:r>
-            <a:r>
-              <a:rPr lang="en-US" altLang="ko-KR" dirty="0"/>
+              <a:t> </a:t>
+            </a:r>
+            <a:r>
+              <a:rPr lang="ko-KR" altLang="en-US"/>
+              <a:t>상관이 없는 언어입니다</a:t>
+            </a:r>
+            <a:r>
+              <a:rPr lang="en-US" altLang="ko-KR"/>
               <a:t>.</a:t>
             </a:r>
+            <a:endParaRPr lang="en-US" altLang="ko-KR" dirty="0"/>
           </a:p>
         </p:txBody>
       </p:sp>
@@ -2483,62 +2577,39 @@
           <a:lstStyle/>
           <a:p>
             <a:r>
-              <a:rPr lang="ko-KR" altLang="en-US" dirty="0" err="1"/>
-              <a:t>방금도</a:t>
-            </a:r>
-            <a:r>
-              <a:rPr lang="ko-KR" altLang="en-US" dirty="0"/>
-              <a:t> 말했듯 </a:t>
-            </a:r>
-            <a:r>
-              <a:rPr lang="en-US" altLang="ko-KR" dirty="0" err="1"/>
+              <a:rPr lang="ko-KR" altLang="en-US"/>
+              <a:t>이러한 </a:t>
+            </a:r>
+            <a:r>
+              <a:rPr lang="en-US" altLang="ko-KR"/>
               <a:t>Javascript</a:t>
             </a:r>
             <a:r>
               <a:rPr lang="ko-KR" altLang="en-US" dirty="0"/>
-              <a:t>는 웹 에서 상당히 중요한 역할을 하고 있습니다</a:t>
-            </a:r>
-            <a:r>
-              <a:rPr lang="en-US" altLang="ko-KR" dirty="0"/>
+              <a:t>는 웹 에서 상당히 중요한 역할을 하고 </a:t>
+            </a:r>
+            <a:r>
+              <a:rPr lang="ko-KR" altLang="en-US"/>
+              <a:t>있습니다</a:t>
+            </a:r>
+            <a:r>
+              <a:rPr lang="en-US" altLang="ko-KR"/>
               <a:t>.</a:t>
             </a:r>
           </a:p>
           <a:p>
+            <a:endParaRPr lang="en-US" altLang="ko-KR"/>
+          </a:p>
+          <a:p>
+            <a:r>
+              <a:rPr lang="en-US" altLang="ko-KR"/>
+              <a:t>JavaScript</a:t>
+            </a:r>
+            <a:r>
+              <a:rPr lang="ko-KR" altLang="en-US"/>
+              <a:t>가 없다면 정적인 웹 페이지들만 존재하게 되겠죠</a:t>
+            </a:r>
             <a:endParaRPr lang="en-US" altLang="ko-KR" dirty="0"/>
-          </a:p>
-          <a:p>
-            <a:r>
-              <a:rPr lang="ko-KR" altLang="en-US" dirty="0"/>
-              <a:t>제가 웹 프로그래밍에 대해 아무것도 모를 </a:t>
-            </a:r>
-            <a:r>
-              <a:rPr lang="ko-KR" altLang="en-US" dirty="0" err="1"/>
-              <a:t>떄</a:t>
-            </a:r>
-            <a:r>
-              <a:rPr lang="en-US" altLang="ko-KR" dirty="0"/>
-              <a:t>, </a:t>
-            </a:r>
-            <a:r>
-              <a:rPr lang="ko-KR" altLang="en-US" dirty="0"/>
-              <a:t>웹을 하고싶다면 </a:t>
-            </a:r>
-            <a:r>
-              <a:rPr lang="en-US" altLang="ko-KR" dirty="0" err="1"/>
-              <a:t>Javascript</a:t>
-            </a:r>
-            <a:r>
-              <a:rPr lang="ko-KR" altLang="en-US" dirty="0"/>
-              <a:t>를 배워라 라는 말을 듣기도 </a:t>
-            </a:r>
-            <a:r>
-              <a:rPr lang="ko-KR" altLang="en-US" dirty="0" err="1"/>
-              <a:t>했었는데요</a:t>
-            </a:r>
-            <a:r>
-              <a:rPr lang="en-US" altLang="ko-KR" dirty="0"/>
-              <a:t>.</a:t>
-            </a:r>
           </a:p>
           <a:p>
             <a:endParaRPr lang="en-US" altLang="ko-KR" dirty="0"/>
@@ -2733,15 +2804,45 @@
           <a:p>
             <a:r>
               <a:rPr lang="ko-KR" altLang="en-US" dirty="0"/>
-              <a:t>오늘날 웹 프로그래밍의 동향은 </a:t>
-            </a:r>
+              <a:t>오늘날 웹 프로그래밍의 </a:t>
+            </a:r>
+            <a:r>
+              <a:rPr lang="ko-KR" altLang="en-US"/>
+              <a:t>동향은 </a:t>
+            </a:r>
+            <a:r>
+              <a:rPr lang="en-US" altLang="ko-KR"/>
+              <a:t>SPA</a:t>
+            </a:r>
+            <a:r>
+              <a:rPr lang="ko-KR" altLang="en-US"/>
+              <a:t>라고 합니다</a:t>
+            </a:r>
+            <a:r>
+              <a:rPr lang="en-US" altLang="ko-KR"/>
+              <a:t>.</a:t>
+            </a:r>
+            <a:endParaRPr lang="en-US" altLang="ko-KR" dirty="0"/>
+          </a:p>
+          <a:p>
+            <a:endParaRPr lang="en-US" altLang="ko-KR" dirty="0"/>
+          </a:p>
+          <a:p>
             <a:r>
               <a:rPr lang="en-US" altLang="ko-KR" dirty="0"/>
-              <a:t>SPA </a:t>
-            </a:r>
-            <a:r>
-              <a:rPr lang="ko-KR" altLang="en-US" dirty="0"/>
-              <a:t>입니다</a:t>
+              <a:t>SPA</a:t>
+            </a:r>
+            <a:r>
+              <a:rPr lang="ko-KR" altLang="en-US" dirty="0"/>
+              <a:t>란 </a:t>
+            </a:r>
+            <a:r>
+              <a:rPr lang="en-US" altLang="ko-KR" dirty="0"/>
+              <a:t>Single Page Application</a:t>
+            </a:r>
+            <a:r>
+              <a:rPr lang="ko-KR" altLang="en-US" dirty="0"/>
+              <a:t> 의 약자입니다</a:t>
             </a:r>
             <a:r>
               <a:rPr lang="en-US" altLang="ko-KR" dirty="0"/>
@@ -2753,265 +2854,20 @@
           </a:p>
           <a:p>
             <a:r>
-              <a:rPr lang="en-US" altLang="ko-KR" dirty="0"/>
-              <a:t>SPA</a:t>
-            </a:r>
-            <a:r>
-              <a:rPr lang="ko-KR" altLang="en-US" dirty="0"/>
-              <a:t>란 </a:t>
-            </a:r>
-            <a:r>
-              <a:rPr lang="en-US" altLang="ko-KR" dirty="0"/>
-              <a:t>Single Page Application</a:t>
-            </a:r>
-            <a:r>
-              <a:rPr lang="ko-KR" altLang="en-US" dirty="0"/>
-              <a:t> 의 약자입니다</a:t>
-            </a:r>
-            <a:r>
-              <a:rPr lang="en-US" altLang="ko-KR" dirty="0"/>
-              <a:t>.</a:t>
-            </a:r>
+              <a:rPr lang="ko-KR" altLang="en-US" dirty="0"/>
+              <a:t>설명에 </a:t>
+            </a:r>
+            <a:r>
+              <a:rPr lang="ko-KR" altLang="en-US"/>
+              <a:t>들어가기 전에 간단한 예시를 들어볼게요</a:t>
+            </a:r>
+            <a:endParaRPr lang="en-US" altLang="ko-KR"/>
+          </a:p>
+          <a:p>
+            <a:endParaRPr lang="en-US" altLang="ko-KR"/>
           </a:p>
           <a:p>
             <a:endParaRPr lang="en-US" altLang="ko-KR" dirty="0"/>
-          </a:p>
-          <a:p>
-            <a:r>
-              <a:rPr lang="ko-KR" altLang="en-US" dirty="0"/>
-              <a:t>설명에 들어가기 전에 예시를 </a:t>
-            </a:r>
-            <a:r>
-              <a:rPr lang="ko-KR" altLang="en-US" dirty="0" err="1"/>
-              <a:t>들어볼게요</a:t>
-            </a:r>
-            <a:endParaRPr lang="en-US" altLang="ko-KR" dirty="0"/>
-          </a:p>
-          <a:p>
-            <a:endParaRPr lang="en-US" altLang="ko-KR" dirty="0"/>
-          </a:p>
-          <a:p>
-            <a:r>
-              <a:rPr lang="ko-KR" altLang="en-US" dirty="0"/>
-              <a:t>이것저것 많이 있는 웹사이트에서 한 게시글을 읽고 내용이 마음에 들어 </a:t>
-            </a:r>
-            <a:r>
-              <a:rPr lang="ko-KR" altLang="en-US" dirty="0" err="1"/>
-              <a:t>좋아요를</a:t>
-            </a:r>
-            <a:r>
-              <a:rPr lang="ko-KR" altLang="en-US" dirty="0"/>
-              <a:t> 눌렀는데 고작 좋아요 개수 하나 업데이트 한다고</a:t>
-            </a:r>
-            <a:r>
-              <a:rPr lang="en-US" altLang="ko-KR" dirty="0"/>
-              <a:t>, </a:t>
-            </a:r>
-            <a:r>
-              <a:rPr lang="ko-KR" altLang="en-US" dirty="0"/>
-              <a:t>화면이 깜빡 하면서 페이지가 새로 </a:t>
-            </a:r>
-            <a:r>
-              <a:rPr lang="ko-KR" altLang="en-US" dirty="0" err="1"/>
-              <a:t>로딩되는거죠</a:t>
-            </a:r>
-            <a:r>
-              <a:rPr lang="en-US" altLang="ko-KR" dirty="0"/>
-              <a:t>.</a:t>
-            </a:r>
-          </a:p>
-          <a:p>
-            <a:endParaRPr lang="en-US" altLang="ko-KR" dirty="0"/>
-          </a:p>
-          <a:p>
-            <a:r>
-              <a:rPr lang="ko-KR" altLang="en-US" dirty="0"/>
-              <a:t>이 과정을 서버 입장에서 살펴보자면 사용자가 이 게시물의 주소로 접속했을 때</a:t>
-            </a:r>
-            <a:r>
-              <a:rPr lang="en-US" altLang="ko-KR" dirty="0"/>
-              <a:t>, </a:t>
-            </a:r>
-            <a:r>
-              <a:rPr lang="ko-KR" altLang="en-US" dirty="0"/>
-              <a:t>서버는 이를 파악하고 데이터베이스에서 해당 페이지에 대한 여러 정보들을 받아와 </a:t>
-            </a:r>
-            <a:r>
-              <a:rPr lang="en-US" altLang="ko-KR" dirty="0"/>
-              <a:t>HTML CSS JavaScript</a:t>
-            </a:r>
-            <a:r>
-              <a:rPr lang="ko-KR" altLang="en-US" dirty="0"/>
-              <a:t>로 작성해 사용자 화면에 보여지게 </a:t>
-            </a:r>
-            <a:r>
-              <a:rPr lang="ko-KR" altLang="en-US" dirty="0" err="1"/>
-              <a:t>하는거죠</a:t>
-            </a:r>
-            <a:endParaRPr lang="en-US" altLang="ko-KR" dirty="0"/>
-          </a:p>
-          <a:p>
-            <a:endParaRPr lang="en-US" altLang="ko-KR" dirty="0"/>
-          </a:p>
-          <a:p>
-            <a:r>
-              <a:rPr lang="ko-KR" altLang="en-US" dirty="0"/>
-              <a:t>사용자가 </a:t>
-            </a:r>
-            <a:r>
-              <a:rPr lang="ko-KR" altLang="en-US" dirty="0" err="1"/>
-              <a:t>좋아요를</a:t>
-            </a:r>
-            <a:r>
-              <a:rPr lang="ko-KR" altLang="en-US" dirty="0"/>
-              <a:t> 누르면</a:t>
-            </a:r>
-            <a:endParaRPr lang="en-US" altLang="ko-KR" dirty="0"/>
-          </a:p>
-          <a:p>
-            <a:endParaRPr lang="en-US" altLang="ko-KR" dirty="0"/>
-          </a:p>
-          <a:p>
-            <a:r>
-              <a:rPr lang="ko-KR" altLang="en-US" dirty="0"/>
-              <a:t>서버는 또 이를 파악해 데이터베이스에서 아까 불러온 많은 양의 데이터들과 함께 </a:t>
-            </a:r>
-            <a:r>
-              <a:rPr lang="en-US" altLang="ko-KR" dirty="0"/>
-              <a:t>HTML CSS JavaScript</a:t>
-            </a:r>
-            <a:r>
-              <a:rPr lang="ko-KR" altLang="en-US" dirty="0"/>
-              <a:t>로 작성해 사용자 화면에 보이게 </a:t>
-            </a:r>
-            <a:r>
-              <a:rPr lang="ko-KR" altLang="en-US" dirty="0" err="1"/>
-              <a:t>만들어야합니다</a:t>
-            </a:r>
-            <a:r>
-              <a:rPr lang="en-US" altLang="ko-KR" dirty="0"/>
-              <a:t>. </a:t>
-            </a:r>
-            <a:r>
-              <a:rPr lang="ko-KR" altLang="en-US" dirty="0"/>
-              <a:t>새로운 페이지로요</a:t>
-            </a:r>
-            <a:endParaRPr lang="en-US" altLang="ko-KR" dirty="0"/>
-          </a:p>
-          <a:p>
-            <a:endParaRPr lang="en-US" altLang="ko-KR" dirty="0"/>
-          </a:p>
-          <a:p>
-            <a:r>
-              <a:rPr lang="ko-KR" altLang="en-US" dirty="0"/>
-              <a:t>고작 좋아요 버튼 하나를 업데이트한다고 이러한 과정을 반복한다면</a:t>
-            </a:r>
-            <a:r>
-              <a:rPr lang="en-US" altLang="ko-KR" dirty="0"/>
-              <a:t>, </a:t>
-            </a:r>
-            <a:r>
-              <a:rPr lang="ko-KR" altLang="en-US" dirty="0"/>
-              <a:t>특히나 해당 페이지에 많은 내용이 </a:t>
-            </a:r>
-            <a:r>
-              <a:rPr lang="ko-KR" altLang="en-US" dirty="0" err="1"/>
-              <a:t>들어있다면</a:t>
-            </a:r>
-            <a:r>
-              <a:rPr lang="ko-KR" altLang="en-US" dirty="0"/>
-              <a:t> 데이터의 낭비는 심해지겠죠</a:t>
-            </a:r>
-            <a:endParaRPr lang="en-US" altLang="ko-KR" dirty="0"/>
-          </a:p>
-          <a:p>
-            <a:endParaRPr lang="en-US" altLang="ko-KR" dirty="0"/>
-          </a:p>
-          <a:p>
-            <a:r>
-              <a:rPr lang="ko-KR" altLang="en-US" dirty="0"/>
-              <a:t>이게 과연 효율적이라고 볼 수 있을까요</a:t>
-            </a:r>
-            <a:r>
-              <a:rPr lang="en-US" altLang="ko-KR" dirty="0"/>
-              <a:t>?</a:t>
-            </a:r>
-          </a:p>
-          <a:p>
-            <a:endParaRPr lang="en-US" altLang="ko-KR" dirty="0"/>
-          </a:p>
-          <a:p>
-            <a:r>
-              <a:rPr lang="ko-KR" altLang="en-US" dirty="0"/>
-              <a:t>예전에는 이러한 웹 페이지들이 대부분이었다고 합니다</a:t>
-            </a:r>
-            <a:r>
-              <a:rPr lang="en-US" altLang="ko-KR" dirty="0"/>
-              <a:t>.</a:t>
-            </a:r>
-          </a:p>
-          <a:p>
-            <a:endParaRPr lang="en-US" altLang="ko-KR" dirty="0"/>
-          </a:p>
-          <a:p>
-            <a:r>
-              <a:rPr lang="ko-KR" altLang="en-US" dirty="0"/>
-              <a:t>여기서 </a:t>
-            </a:r>
-            <a:r>
-              <a:rPr lang="en-US" altLang="ko-KR" dirty="0"/>
-              <a:t>SPA</a:t>
-            </a:r>
-            <a:r>
-              <a:rPr lang="ko-KR" altLang="en-US" dirty="0"/>
-              <a:t>의 강점이 드러납니다</a:t>
-            </a:r>
-            <a:r>
-              <a:rPr lang="en-US" altLang="ko-KR" dirty="0"/>
-              <a:t>.</a:t>
-            </a:r>
-          </a:p>
-          <a:p>
-            <a:endParaRPr lang="en-US" altLang="ko-KR" dirty="0"/>
-          </a:p>
-          <a:p>
-            <a:r>
-              <a:rPr lang="ko-KR" altLang="en-US" dirty="0"/>
-              <a:t>서버로부터 완전히 새로운 페이지를 불러오지 않고 현재의 페이지를 동적으로 다시 작성해서 마치 사용자와 소통하는 듯한 웹 사이트 이게 </a:t>
-            </a:r>
-            <a:r>
-              <a:rPr lang="en-US" altLang="ko-KR" dirty="0"/>
-              <a:t>SPA</a:t>
-            </a:r>
-            <a:r>
-              <a:rPr lang="ko-KR" altLang="en-US" dirty="0"/>
-              <a:t>입니다</a:t>
-            </a:r>
-            <a:r>
-              <a:rPr lang="en-US" altLang="ko-KR" dirty="0"/>
-              <a:t>.</a:t>
-            </a:r>
-          </a:p>
-          <a:p>
-            <a:endParaRPr lang="en-US" altLang="ko-KR" dirty="0"/>
-          </a:p>
-          <a:p>
-            <a:r>
-              <a:rPr lang="ko-KR" altLang="en-US" dirty="0"/>
-              <a:t>사용자가 행동을 취할 때 마다 페이지를 만들어서 보여줘야 할 필요가 없이 한 페이지내에서 이를 업데이트 하면 된다는 뜻에 </a:t>
-            </a:r>
-            <a:r>
-              <a:rPr lang="en-US" altLang="ko-KR" dirty="0"/>
-              <a:t>Single</a:t>
-            </a:r>
-            <a:r>
-              <a:rPr lang="ko-KR" altLang="en-US" dirty="0"/>
-              <a:t>라는 약자를 가진 것으로 보입니다</a:t>
-            </a:r>
-            <a:r>
-              <a:rPr lang="en-US" altLang="ko-KR" dirty="0"/>
-              <a:t>.</a:t>
-            </a:r>
           </a:p>
         </p:txBody>
       </p:sp>
@@ -3096,437 +2952,206 @@
           <a:lstStyle/>
           <a:p>
             <a:r>
-              <a:rPr lang="en-US" altLang="ko-KR" dirty="0"/>
+              <a:rPr lang="ko-KR" altLang="en-US"/>
+              <a:t>이것저것 많이 있는 웹사이트에서 한 게시글을 읽고 내용이 마음에 들어 좋아요를 눌렀는데 고작 좋아요 개수 하나 업데이트 한다고</a:t>
+            </a:r>
+            <a:r>
+              <a:rPr lang="en-US" altLang="ko-KR"/>
+              <a:t>, </a:t>
+            </a:r>
+            <a:r>
+              <a:rPr lang="ko-KR" altLang="en-US"/>
+              <a:t>화면이 깜빡 하면서 페이지가 새로 로딩합니다</a:t>
+            </a:r>
+            <a:r>
+              <a:rPr lang="en-US" altLang="ko-KR"/>
+              <a:t>.</a:t>
+            </a:r>
+          </a:p>
+          <a:p>
+            <a:endParaRPr lang="en-US" altLang="ko-KR"/>
+          </a:p>
+          <a:p>
+            <a:r>
+              <a:rPr lang="ko-KR" altLang="en-US"/>
+              <a:t>이 과정을 서버 입장에서 살펴보자면 사용자가 최초에 이 게시물의 주소로 접속했을 때</a:t>
+            </a:r>
+            <a:r>
+              <a:rPr lang="en-US" altLang="ko-KR"/>
+              <a:t>, </a:t>
+            </a:r>
+            <a:r>
+              <a:rPr lang="ko-KR" altLang="en-US"/>
+              <a:t>서버는 이를 파악하고 데이터베이스에서 해당 페이지에 대한 여러 정보들을 받아와 </a:t>
+            </a:r>
+            <a:r>
+              <a:rPr lang="en-US" altLang="ko-KR"/>
+              <a:t>HTML CSS JavaScript</a:t>
+            </a:r>
+            <a:r>
+              <a:rPr lang="ko-KR" altLang="en-US"/>
+              <a:t>로 페이지를 작성해 사용자 화면에 보여지게 하는거죠</a:t>
+            </a:r>
+            <a:endParaRPr lang="en-US" altLang="ko-KR"/>
+          </a:p>
+          <a:p>
+            <a:endParaRPr lang="en-US" altLang="ko-KR"/>
+          </a:p>
+          <a:p>
+            <a:r>
+              <a:rPr lang="ko-KR" altLang="en-US"/>
+              <a:t>이 때</a:t>
+            </a:r>
+            <a:r>
+              <a:rPr lang="en-US" altLang="ko-KR"/>
+              <a:t>, </a:t>
+            </a:r>
+            <a:r>
+              <a:rPr lang="ko-KR" altLang="en-US"/>
+              <a:t>사용자가 좋아요를 누르면</a:t>
+            </a:r>
+            <a:endParaRPr lang="en-US" altLang="ko-KR"/>
+          </a:p>
+          <a:p>
+            <a:endParaRPr lang="en-US" altLang="ko-KR"/>
+          </a:p>
+          <a:p>
+            <a:r>
+              <a:rPr lang="ko-KR" altLang="en-US"/>
+              <a:t>서버는 또 이를 파악해 데이터베이스에서 아까 불러온 많은 양의 데이터들과 함께 </a:t>
+            </a:r>
+            <a:r>
+              <a:rPr lang="en-US" altLang="ko-KR"/>
+              <a:t>HTML CSS JavaScript</a:t>
+            </a:r>
+            <a:r>
+              <a:rPr lang="ko-KR" altLang="en-US"/>
+              <a:t>로 작성해 사용자 화면에 보이게 만들어야합니다</a:t>
+            </a:r>
+            <a:r>
+              <a:rPr lang="en-US" altLang="ko-KR"/>
+              <a:t>. </a:t>
+            </a:r>
+            <a:r>
+              <a:rPr lang="ko-KR" altLang="en-US"/>
+              <a:t>새로운 페이지로요</a:t>
+            </a:r>
+            <a:endParaRPr lang="en-US" altLang="ko-KR"/>
+          </a:p>
+          <a:p>
+            <a:endParaRPr lang="en-US" altLang="ko-KR"/>
+          </a:p>
+          <a:p>
+            <a:r>
+              <a:rPr lang="ko-KR" altLang="en-US"/>
+              <a:t>좋아요 수를 바꾼다고 이러한 과정을 반복한다면</a:t>
+            </a:r>
+            <a:r>
+              <a:rPr lang="en-US" altLang="ko-KR"/>
+              <a:t>, </a:t>
+            </a:r>
+            <a:r>
+              <a:rPr lang="ko-KR" altLang="en-US"/>
+              <a:t>특히나 해당 페이지에 많은 내용이 들어있다면 데이터의 낭비는 더욱 심해지겠죠</a:t>
+            </a:r>
+            <a:endParaRPr lang="en-US" altLang="ko-KR"/>
+          </a:p>
+          <a:p>
+            <a:endParaRPr lang="en-US" altLang="ko-KR"/>
+          </a:p>
+          <a:p>
+            <a:r>
+              <a:rPr lang="ko-KR" altLang="en-US"/>
+              <a:t>이게 과연 효율적이라고 볼 수 있을까요</a:t>
+            </a:r>
+            <a:r>
+              <a:rPr lang="en-US" altLang="ko-KR"/>
+              <a:t>?</a:t>
+            </a:r>
+          </a:p>
+          <a:p>
+            <a:endParaRPr lang="en-US" altLang="ko-KR"/>
+          </a:p>
+          <a:p>
+            <a:r>
+              <a:rPr lang="ko-KR" altLang="en-US"/>
+              <a:t>예전에는 이러한 웹 페이지들이 대부분이었다고 합니다</a:t>
+            </a:r>
+            <a:r>
+              <a:rPr lang="en-US" altLang="ko-KR"/>
+              <a:t>.</a:t>
+            </a:r>
+          </a:p>
+          <a:p>
+            <a:endParaRPr lang="en-US" altLang="ko-KR"/>
+          </a:p>
+          <a:p>
+            <a:r>
+              <a:rPr lang="ko-KR" altLang="en-US"/>
+              <a:t>여기서 </a:t>
+            </a:r>
+            <a:r>
+              <a:rPr lang="en-US" altLang="ko-KR"/>
               <a:t>SPA</a:t>
             </a:r>
             <a:r>
-              <a:rPr lang="ko-KR" altLang="en-US" dirty="0"/>
-              <a:t>와 같은 웹 페이지를 쉽게 만들 수 있도록 해주는 자바스크립트 프레임워크에는 여러가지가 있습니다</a:t>
-            </a:r>
-            <a:r>
-              <a:rPr lang="en-US" altLang="ko-KR" dirty="0"/>
+              <a:rPr lang="ko-KR" altLang="en-US"/>
+              <a:t>의 강점이 드러납니다</a:t>
+            </a:r>
+            <a:r>
+              <a:rPr lang="en-US" altLang="ko-KR"/>
               <a:t>.</a:t>
             </a:r>
           </a:p>
           <a:p>
-            <a:endParaRPr lang="en-US" altLang="ko-KR" dirty="0"/>
-          </a:p>
-          <a:p>
-            <a:r>
-              <a:rPr lang="ko-KR" altLang="en-US" dirty="0"/>
-              <a:t>여기서 </a:t>
-            </a:r>
-            <a:r>
-              <a:rPr lang="en-US" altLang="ko-KR" dirty="0"/>
-              <a:t>framework</a:t>
-            </a:r>
-            <a:r>
-              <a:rPr lang="ko-KR" altLang="en-US" dirty="0"/>
-              <a:t>란 복잡한 내용을 간단히 미리 규격화</a:t>
-            </a:r>
-            <a:r>
-              <a:rPr lang="en-US" altLang="ko-KR" dirty="0"/>
-              <a:t>/</a:t>
-            </a:r>
-            <a:r>
-              <a:rPr lang="ko-KR" altLang="en-US" dirty="0"/>
-              <a:t>모듈화 </a:t>
-            </a:r>
-            <a:r>
-              <a:rPr lang="ko-KR" altLang="en-US" dirty="0" err="1"/>
-              <a:t>해둔</a:t>
-            </a:r>
-            <a:r>
-              <a:rPr lang="ko-KR" altLang="en-US" dirty="0"/>
-              <a:t> 도구를 말합니다</a:t>
-            </a:r>
-            <a:r>
-              <a:rPr lang="en-US" altLang="ko-KR" dirty="0"/>
-              <a:t>. </a:t>
-            </a:r>
-          </a:p>
-          <a:p>
-            <a:endParaRPr lang="en-US" altLang="ko-KR" dirty="0"/>
-          </a:p>
-          <a:p>
-            <a:r>
-              <a:rPr lang="ko-KR" altLang="en-US" dirty="0"/>
-              <a:t>무언가를 간편화 했기 때문에 가지는 장점도 있지만</a:t>
-            </a:r>
-            <a:r>
-              <a:rPr lang="en-US" altLang="ko-KR" dirty="0"/>
-              <a:t>, </a:t>
-            </a:r>
-            <a:r>
-              <a:rPr lang="ko-KR" altLang="en-US" dirty="0"/>
-              <a:t>동시에 원본이 갖고있는 장점이나</a:t>
-            </a:r>
-            <a:r>
-              <a:rPr lang="en-US" altLang="ko-KR" dirty="0"/>
-              <a:t>, </a:t>
-            </a:r>
-            <a:r>
-              <a:rPr lang="ko-KR" altLang="en-US" dirty="0"/>
-              <a:t>세부적 내용을 잃는 부작용이 발생하죠</a:t>
-            </a:r>
-            <a:r>
-              <a:rPr lang="en-US" altLang="ko-KR" dirty="0"/>
+            <a:endParaRPr lang="en-US" altLang="ko-KR"/>
+          </a:p>
+          <a:p>
+            <a:r>
+              <a:rPr lang="ko-KR" altLang="en-US"/>
+              <a:t>서버로부터 완전히 새로운 페이지를 불러오지 않고 현재의 페이지를 동적으로 다시 작성해서 마치 사용자와 소통하는 듯한 웹 사이트 이게 </a:t>
+            </a:r>
+            <a:r>
+              <a:rPr lang="en-US" altLang="ko-KR"/>
+              <a:t>SPA,</a:t>
+            </a:r>
+            <a:r>
+              <a:rPr lang="ko-KR" altLang="en-US"/>
+              <a:t> </a:t>
+            </a:r>
+            <a:r>
+              <a:rPr lang="en-US" altLang="ko-KR"/>
+              <a:t>Single Page Application</a:t>
+            </a:r>
+            <a:r>
+              <a:rPr lang="ko-KR" altLang="en-US"/>
+              <a:t>입니다</a:t>
+            </a:r>
+            <a:r>
+              <a:rPr lang="en-US" altLang="ko-KR"/>
               <a:t>.</a:t>
             </a:r>
           </a:p>
           <a:p>
-            <a:endParaRPr lang="en-US" altLang="ko-KR" dirty="0"/>
-          </a:p>
-          <a:p>
-            <a:r>
-              <a:rPr lang="ko-KR" altLang="en-US" dirty="0"/>
-              <a:t>음 </a:t>
-            </a:r>
-            <a:r>
-              <a:rPr lang="ko-KR" altLang="en-US" dirty="0" err="1"/>
-              <a:t>열권짜리</a:t>
-            </a:r>
-            <a:r>
-              <a:rPr lang="ko-KR" altLang="en-US" dirty="0"/>
-              <a:t> 원본이 </a:t>
-            </a:r>
-            <a:r>
-              <a:rPr lang="ko-KR" altLang="en-US" dirty="0" err="1"/>
-              <a:t>있는책을</a:t>
-            </a:r>
-            <a:r>
-              <a:rPr lang="ko-KR" altLang="en-US" dirty="0"/>
-              <a:t> </a:t>
-            </a:r>
-            <a:r>
-              <a:rPr lang="en-US" altLang="ko-KR" dirty="0"/>
-              <a:t>1</a:t>
-            </a:r>
-            <a:r>
-              <a:rPr lang="ko-KR" altLang="en-US" dirty="0" err="1"/>
-              <a:t>시간짜리</a:t>
-            </a:r>
-            <a:r>
-              <a:rPr lang="ko-KR" altLang="en-US" dirty="0"/>
-              <a:t> 영상으로 만들어 보는 것과 비슷합니다</a:t>
-            </a:r>
-            <a:r>
-              <a:rPr lang="en-US" altLang="ko-KR" dirty="0"/>
+            <a:endParaRPr lang="en-US" altLang="ko-KR"/>
+          </a:p>
+          <a:p>
+            <a:r>
+              <a:rPr lang="ko-KR" altLang="en-US"/>
+              <a:t>사용자가 행동을 취할 때 마다 페이지를 만들어서 보여줘야 할 필요가 없이 한 페이지내에서 이를 업데이트 하면 된다는 뜻에 </a:t>
+            </a:r>
+            <a:r>
+              <a:rPr lang="en-US" altLang="ko-KR"/>
+              <a:t>Single</a:t>
+            </a:r>
+            <a:r>
+              <a:rPr lang="ko-KR" altLang="en-US"/>
+              <a:t>라는 약자를 가진 것으로 보입니다</a:t>
+            </a:r>
+            <a:r>
+              <a:rPr lang="en-US" altLang="ko-KR"/>
               <a:t>.</a:t>
             </a:r>
-          </a:p>
-          <a:p>
-            <a:endParaRPr lang="en-US" altLang="ko-KR" dirty="0"/>
-          </a:p>
-          <a:p>
-            <a:r>
-              <a:rPr lang="ko-KR" altLang="en-US" dirty="0"/>
-              <a:t>더 이해하기 쉽고</a:t>
-            </a:r>
-            <a:r>
-              <a:rPr lang="en-US" altLang="ko-KR" dirty="0"/>
-              <a:t>, </a:t>
-            </a:r>
-            <a:r>
-              <a:rPr lang="ko-KR" altLang="en-US" dirty="0"/>
-              <a:t>빠른 시간내에 이해할 수 있지만 원본이 가지는 디테일은 잃는 위험부담이 있죠</a:t>
-            </a:r>
-            <a:r>
-              <a:rPr lang="en-US" altLang="ko-KR" dirty="0"/>
-              <a:t>..</a:t>
-            </a:r>
-          </a:p>
-          <a:p>
-            <a:endParaRPr lang="en-US" altLang="ko-KR" dirty="0"/>
-          </a:p>
-          <a:p>
-            <a:pPr marL="0" marR="0" lvl="0" indent="0" algn="l" defTabSz="914400" rtl="0" eaLnBrk="1" fontAlgn="auto" latinLnBrk="1" hangingPunct="1">
-              <a:lnSpc>
-                <a:spcPct val="100000"/>
-              </a:lnSpc>
-              <a:spcBef>
-                <a:spcPts val="0"/>
-              </a:spcBef>
-              <a:spcAft>
-                <a:spcPts val="0"/>
-              </a:spcAft>
-              <a:buClrTx/>
-              <a:buSzTx/>
-              <a:buFontTx/>
-              <a:buNone/>
-              <a:tabLst/>
-              <a:defRPr/>
-            </a:pPr>
-            <a:r>
-              <a:rPr lang="ko-KR" altLang="en-US" dirty="0"/>
-              <a:t>간혹 프레임워크가 남이 이미 </a:t>
-            </a:r>
-            <a:r>
-              <a:rPr lang="ko-KR" altLang="en-US" dirty="0" err="1"/>
-              <a:t>짜놓은</a:t>
-            </a:r>
-            <a:r>
-              <a:rPr lang="ko-KR" altLang="en-US" dirty="0"/>
-              <a:t> 코드라는 점에서 라이브러리와 비슷한 점이 있어 헷갈릴 수 있는데</a:t>
-            </a:r>
-            <a:r>
-              <a:rPr lang="en-US" altLang="ko-KR" dirty="0"/>
-              <a:t>,</a:t>
-            </a:r>
-          </a:p>
-          <a:p>
-            <a:pPr marL="0" marR="0" lvl="0" indent="0" algn="l" defTabSz="914400" rtl="0" eaLnBrk="1" fontAlgn="auto" latinLnBrk="1" hangingPunct="1">
-              <a:lnSpc>
-                <a:spcPct val="100000"/>
-              </a:lnSpc>
-              <a:spcBef>
-                <a:spcPts val="0"/>
-              </a:spcBef>
-              <a:spcAft>
-                <a:spcPts val="0"/>
-              </a:spcAft>
-              <a:buClrTx/>
-              <a:buSzTx/>
-              <a:buFontTx/>
-              <a:buNone/>
-              <a:tabLst/>
-              <a:defRPr/>
-            </a:pPr>
-            <a:endParaRPr lang="en-US" altLang="ko-KR" dirty="0"/>
-          </a:p>
-          <a:p>
-            <a:pPr marL="0" marR="0" lvl="0" indent="0" algn="l" defTabSz="914400" rtl="0" eaLnBrk="1" fontAlgn="auto" latinLnBrk="1" hangingPunct="1">
-              <a:lnSpc>
-                <a:spcPct val="100000"/>
-              </a:lnSpc>
-              <a:spcBef>
-                <a:spcPts val="0"/>
-              </a:spcBef>
-              <a:spcAft>
-                <a:spcPts val="0"/>
-              </a:spcAft>
-              <a:buClrTx/>
-              <a:buSzTx/>
-              <a:buFontTx/>
-              <a:buNone/>
-              <a:tabLst/>
-              <a:defRPr/>
-            </a:pPr>
-            <a:r>
-              <a:rPr lang="ko-KR" altLang="en-US" dirty="0"/>
-              <a:t>라이브러리가 각각 개별적인 기능들이라고 한다면</a:t>
-            </a:r>
-            <a:r>
-              <a:rPr lang="en-US" altLang="ko-KR" dirty="0"/>
-              <a:t>, </a:t>
-            </a:r>
-            <a:r>
-              <a:rPr lang="ko-KR" altLang="en-US" dirty="0"/>
-              <a:t>프레임워크는 이것들이 연결되어 기초적인 골격을 갖춘 상태입니다</a:t>
-            </a:r>
-            <a:r>
-              <a:rPr lang="en-US" altLang="ko-KR" dirty="0"/>
-              <a:t>.</a:t>
-            </a:r>
-          </a:p>
-          <a:p>
-            <a:pPr marL="0" marR="0" lvl="0" indent="0" algn="l" defTabSz="914400" rtl="0" eaLnBrk="1" fontAlgn="auto" latinLnBrk="1" hangingPunct="1">
-              <a:lnSpc>
-                <a:spcPct val="100000"/>
-              </a:lnSpc>
-              <a:spcBef>
-                <a:spcPts val="0"/>
-              </a:spcBef>
-              <a:spcAft>
-                <a:spcPts val="0"/>
-              </a:spcAft>
-              <a:buClrTx/>
-              <a:buSzTx/>
-              <a:buFontTx/>
-              <a:buNone/>
-              <a:tabLst/>
-              <a:defRPr/>
-            </a:pPr>
-            <a:endParaRPr lang="en-US" altLang="ko-KR" dirty="0"/>
-          </a:p>
-          <a:p>
-            <a:pPr marL="0" marR="0" lvl="0" indent="0" algn="l" defTabSz="914400" rtl="0" eaLnBrk="1" fontAlgn="auto" latinLnBrk="1" hangingPunct="1">
-              <a:lnSpc>
-                <a:spcPct val="100000"/>
-              </a:lnSpc>
-              <a:spcBef>
-                <a:spcPts val="0"/>
-              </a:spcBef>
-              <a:spcAft>
-                <a:spcPts val="0"/>
-              </a:spcAft>
-              <a:buClrTx/>
-              <a:buSzTx/>
-              <a:buFontTx/>
-              <a:buNone/>
-              <a:tabLst/>
-              <a:defRPr/>
-            </a:pPr>
-            <a:r>
-              <a:rPr lang="ko-KR" altLang="en-US" dirty="0"/>
-              <a:t>쉽게 말해 가져다 쓰는게 라이브러리고</a:t>
-            </a:r>
-            <a:r>
-              <a:rPr lang="en-US" altLang="ko-KR" dirty="0"/>
-              <a:t>, </a:t>
-            </a:r>
-            <a:r>
-              <a:rPr lang="ko-KR" altLang="en-US" dirty="0"/>
-              <a:t>기본 틀로 삼아 위에 뭘 덧붙이는게 </a:t>
-            </a:r>
-            <a:r>
-              <a:rPr lang="ko-KR" altLang="en-US" dirty="0" err="1"/>
-              <a:t>프레임워크입니다</a:t>
-            </a:r>
-            <a:r>
-              <a:rPr lang="en-US" altLang="ko-KR" dirty="0"/>
-              <a:t>.</a:t>
-            </a:r>
-          </a:p>
-          <a:p>
-            <a:pPr marL="0" marR="0" lvl="0" indent="0" algn="l" defTabSz="914400" rtl="0" eaLnBrk="1" fontAlgn="auto" latinLnBrk="1" hangingPunct="1">
-              <a:lnSpc>
-                <a:spcPct val="100000"/>
-              </a:lnSpc>
-              <a:spcBef>
-                <a:spcPts val="0"/>
-              </a:spcBef>
-              <a:spcAft>
-                <a:spcPts val="0"/>
-              </a:spcAft>
-              <a:buClrTx/>
-              <a:buSzTx/>
-              <a:buFontTx/>
-              <a:buNone/>
-              <a:tabLst/>
-              <a:defRPr/>
-            </a:pPr>
-            <a:endParaRPr lang="en-US" altLang="ko-KR" dirty="0"/>
-          </a:p>
-          <a:p>
-            <a:pPr marL="0" marR="0" lvl="0" indent="0" algn="l" defTabSz="914400" rtl="0" eaLnBrk="1" fontAlgn="auto" latinLnBrk="1" hangingPunct="1">
-              <a:lnSpc>
-                <a:spcPct val="100000"/>
-              </a:lnSpc>
-              <a:spcBef>
-                <a:spcPts val="0"/>
-              </a:spcBef>
-              <a:spcAft>
-                <a:spcPts val="0"/>
-              </a:spcAft>
-              <a:buClrTx/>
-              <a:buSzTx/>
-              <a:buFontTx/>
-              <a:buNone/>
-              <a:tabLst/>
-              <a:defRPr/>
-            </a:pPr>
-            <a:r>
-              <a:rPr lang="ko-KR" altLang="en-US" dirty="0"/>
-              <a:t>현재 </a:t>
-            </a:r>
-            <a:r>
-              <a:rPr lang="en-US" altLang="ko-KR" dirty="0"/>
-              <a:t>JavaScript</a:t>
-            </a:r>
-            <a:r>
-              <a:rPr lang="ko-KR" altLang="en-US" dirty="0"/>
-              <a:t>라는 언어를 프레임워크화 해 사용하기 편리하게 만든 것을 바로 자바스크립트 프레임워크라고 부릅니다</a:t>
-            </a:r>
-            <a:r>
-              <a:rPr lang="en-US" altLang="ko-KR" dirty="0"/>
-              <a:t>.</a:t>
-            </a:r>
-          </a:p>
-          <a:p>
-            <a:pPr marL="0" marR="0" lvl="0" indent="0" algn="l" defTabSz="914400" rtl="0" eaLnBrk="1" fontAlgn="auto" latinLnBrk="1" hangingPunct="1">
-              <a:lnSpc>
-                <a:spcPct val="100000"/>
-              </a:lnSpc>
-              <a:spcBef>
-                <a:spcPts val="0"/>
-              </a:spcBef>
-              <a:spcAft>
-                <a:spcPts val="0"/>
-              </a:spcAft>
-              <a:buClrTx/>
-              <a:buSzTx/>
-              <a:buFontTx/>
-              <a:buNone/>
-              <a:tabLst/>
-              <a:defRPr/>
-            </a:pPr>
-            <a:endParaRPr lang="en-US" altLang="ko-KR" dirty="0"/>
-          </a:p>
-          <a:p>
-            <a:r>
-              <a:rPr lang="ko-KR" altLang="en-US" dirty="0"/>
-              <a:t>이러한 프레임워크들은 상당히 많이 존재합니다</a:t>
-            </a:r>
-            <a:r>
-              <a:rPr lang="en-US" altLang="ko-KR" dirty="0"/>
-              <a:t>.</a:t>
-            </a:r>
-          </a:p>
-          <a:p>
-            <a:endParaRPr lang="en-US" altLang="ko-KR" dirty="0"/>
-          </a:p>
-          <a:p>
-            <a:r>
-              <a:rPr lang="ko-KR" altLang="en-US" dirty="0"/>
-              <a:t>그 중 가장 인기가 많은 세 종류가 있는데 각 </a:t>
-            </a:r>
-            <a:r>
-              <a:rPr lang="ko-KR" altLang="en-US" dirty="0" err="1"/>
-              <a:t>각</a:t>
-            </a:r>
-            <a:r>
-              <a:rPr lang="ko-KR" altLang="en-US" dirty="0"/>
-              <a:t> </a:t>
-            </a:r>
-            <a:endParaRPr lang="en-US" altLang="ko-KR" dirty="0"/>
-          </a:p>
-          <a:p>
-            <a:endParaRPr lang="en-US" altLang="ko-KR" dirty="0"/>
-          </a:p>
-          <a:p>
-            <a:r>
-              <a:rPr lang="en-US" altLang="ko-KR" dirty="0"/>
-              <a:t>Vue.js, React, </a:t>
-            </a:r>
-            <a:r>
-              <a:rPr lang="en-US" altLang="ko-KR" dirty="0" err="1"/>
-              <a:t>Angluar</a:t>
-            </a:r>
-            <a:r>
-              <a:rPr lang="ko-KR" altLang="en-US" dirty="0"/>
-              <a:t>입니다</a:t>
-            </a:r>
-            <a:r>
-              <a:rPr lang="en-US" altLang="ko-KR" dirty="0"/>
-              <a:t>.</a:t>
-            </a:r>
-          </a:p>
-          <a:p>
-            <a:endParaRPr lang="en-US" altLang="ko-KR" dirty="0"/>
-          </a:p>
-          <a:p>
-            <a:r>
-              <a:rPr lang="ko-KR" altLang="en-US" dirty="0"/>
-              <a:t>개발자들이 뽑은 인기 순도 말한 순서 그대로입니다</a:t>
-            </a:r>
-            <a:r>
-              <a:rPr lang="en-US" altLang="ko-KR" dirty="0"/>
-              <a:t>.</a:t>
-            </a:r>
-          </a:p>
-          <a:p>
-            <a:endParaRPr lang="en-US" altLang="ko-KR" dirty="0"/>
           </a:p>
           <a:p>
             <a:endParaRPr lang="en-US" altLang="ko-KR" dirty="0"/>
@@ -3559,7 +3184,7 @@
     </p:spTree>
     <p:extLst>
       <p:ext uri="{BB962C8B-B14F-4D97-AF65-F5344CB8AC3E}">
-        <p14:creationId xmlns:p14="http://schemas.microsoft.com/office/powerpoint/2010/main" val="1964135762"/>
+        <p14:creationId xmlns:p14="http://schemas.microsoft.com/office/powerpoint/2010/main" val="1636395551"/>
       </p:ext>
     </p:extLst>
   </p:cSld>
@@ -3614,124 +3239,388 @@
           <a:lstStyle/>
           <a:p>
             <a:r>
-              <a:rPr lang="ko-KR" altLang="en-US" dirty="0"/>
-              <a:t>그 중 제가 앞으로 몇 번의 세미나 동안 공부하고 조사해올 프레임워크는 </a:t>
-            </a:r>
-            <a:r>
-              <a:rPr lang="en-US" altLang="ko-KR" dirty="0"/>
-              <a:t>Vue.js</a:t>
-            </a:r>
-            <a:r>
-              <a:rPr lang="ko-KR" altLang="en-US" dirty="0"/>
-              <a:t>입니다</a:t>
-            </a:r>
-            <a:r>
-              <a:rPr lang="en-US" altLang="ko-KR" dirty="0"/>
+              <a:rPr lang="en-US" altLang="ko-KR"/>
+              <a:t>SPA</a:t>
+            </a:r>
+            <a:r>
+              <a:rPr lang="ko-KR" altLang="en-US"/>
+              <a:t>와 같은 웹 페이지를 쉽게 만들 수 있는 방법은 뭐가 있을까요</a:t>
+            </a:r>
+            <a:r>
+              <a:rPr lang="en-US" altLang="ko-KR"/>
+              <a:t>?</a:t>
+            </a:r>
+          </a:p>
+          <a:p>
+            <a:endParaRPr lang="en-US" altLang="ko-KR"/>
+          </a:p>
+          <a:p>
+            <a:r>
+              <a:rPr lang="ko-KR" altLang="en-US"/>
+              <a:t>바로 자바스크립트 프레임워크를 사용하는 것입니다</a:t>
+            </a:r>
+            <a:r>
+              <a:rPr lang="en-US" altLang="ko-KR"/>
               <a:t>.</a:t>
             </a:r>
           </a:p>
           <a:p>
+            <a:endParaRPr lang="en-US" altLang="ko-KR"/>
+          </a:p>
+          <a:p>
+            <a:r>
+              <a:rPr lang="en-US" altLang="ko-KR"/>
+              <a:t>SPA framework </a:t>
+            </a:r>
+            <a:r>
+              <a:rPr lang="ko-KR" altLang="en-US"/>
+              <a:t>라고도 불립니다</a:t>
+            </a:r>
+            <a:r>
+              <a:rPr lang="en-US" altLang="ko-KR"/>
+              <a:t>.</a:t>
+            </a:r>
+          </a:p>
+          <a:p>
+            <a:endParaRPr lang="en-US" altLang="ko-KR"/>
+          </a:p>
+          <a:p>
+            <a:r>
+              <a:rPr lang="ko-KR" altLang="en-US"/>
+              <a:t>여기서 프레임워크란 복잡한 내용을 간단히 미리 규격화</a:t>
+            </a:r>
+            <a:r>
+              <a:rPr lang="en-US" altLang="ko-KR"/>
+              <a:t>/</a:t>
+            </a:r>
+            <a:r>
+              <a:rPr lang="ko-KR" altLang="en-US"/>
+              <a:t>모듈화 해둔 도구를 말합니다</a:t>
+            </a:r>
+            <a:r>
+              <a:rPr lang="en-US" altLang="ko-KR"/>
+              <a:t>. </a:t>
+            </a:r>
+          </a:p>
+          <a:p>
+            <a:endParaRPr lang="en-US" altLang="ko-KR"/>
+          </a:p>
+          <a:p>
+            <a:r>
+              <a:rPr lang="ko-KR" altLang="en-US"/>
+              <a:t>무언가를 간편화 했기 때문에 가지는 장점도 있지만</a:t>
+            </a:r>
+            <a:r>
+              <a:rPr lang="en-US" altLang="ko-KR"/>
+              <a:t>, </a:t>
+            </a:r>
+            <a:r>
+              <a:rPr lang="ko-KR" altLang="en-US"/>
+              <a:t>동시에 원본이 갖고있는 장점이나</a:t>
+            </a:r>
+            <a:r>
+              <a:rPr lang="en-US" altLang="ko-KR"/>
+              <a:t>, </a:t>
+            </a:r>
+            <a:r>
+              <a:rPr lang="ko-KR" altLang="en-US"/>
+              <a:t>디테일한 내용을 잃는 부작용이 발생하죠</a:t>
+            </a:r>
+            <a:r>
+              <a:rPr lang="en-US" altLang="ko-KR"/>
+              <a:t>.</a:t>
+            </a:r>
+          </a:p>
+          <a:p>
+            <a:endParaRPr lang="en-US" altLang="ko-KR"/>
+          </a:p>
+          <a:p>
+            <a:r>
+              <a:rPr lang="ko-KR" altLang="en-US"/>
+              <a:t>음 열권짜리 원본이 있는책을 </a:t>
+            </a:r>
+            <a:r>
+              <a:rPr lang="en-US" altLang="ko-KR"/>
+              <a:t>1</a:t>
+            </a:r>
+            <a:r>
+              <a:rPr lang="ko-KR" altLang="en-US"/>
+              <a:t>시간짜리 영상으로 만들어 보는 것과 비슷합니다</a:t>
+            </a:r>
+            <a:r>
+              <a:rPr lang="en-US" altLang="ko-KR"/>
+              <a:t>.</a:t>
+            </a:r>
+          </a:p>
+          <a:p>
+            <a:endParaRPr lang="en-US" altLang="ko-KR"/>
+          </a:p>
+          <a:p>
+            <a:r>
+              <a:rPr lang="ko-KR" altLang="en-US"/>
+              <a:t>더 이해하기 쉽고</a:t>
+            </a:r>
+            <a:r>
+              <a:rPr lang="en-US" altLang="ko-KR"/>
+              <a:t>, </a:t>
+            </a:r>
+            <a:r>
+              <a:rPr lang="ko-KR" altLang="en-US"/>
+              <a:t>빠른 시간내에 이해할 수 있지만 원본이 가지는 디테일은 잃는 위험부담이 있죠</a:t>
+            </a:r>
+            <a:r>
+              <a:rPr lang="en-US" altLang="ko-KR"/>
+              <a:t>..</a:t>
+            </a:r>
+          </a:p>
+          <a:p>
+            <a:endParaRPr lang="en-US" altLang="ko-KR"/>
+          </a:p>
+          <a:p>
+            <a:pPr marL="0" marR="0" lvl="0" indent="0" algn="l" defTabSz="914400" rtl="0" eaLnBrk="1" fontAlgn="auto" latinLnBrk="1" hangingPunct="1">
+              <a:lnSpc>
+                <a:spcPct val="100000"/>
+              </a:lnSpc>
+              <a:spcBef>
+                <a:spcPts val="0"/>
+              </a:spcBef>
+              <a:spcAft>
+                <a:spcPts val="0"/>
+              </a:spcAft>
+              <a:buClrTx/>
+              <a:buSzTx/>
+              <a:buFontTx/>
+              <a:buNone/>
+              <a:tabLst/>
+              <a:defRPr/>
+            </a:pPr>
+            <a:r>
+              <a:rPr lang="ko-KR" altLang="en-US"/>
+              <a:t>간혹 프레임워크가 남이 이미 짜놓은 코드라는 점에서 라이브러리와 비슷한 점이 있어 헷갈릴 수 있는데</a:t>
+            </a:r>
+            <a:r>
+              <a:rPr lang="en-US" altLang="ko-KR"/>
+              <a:t>,</a:t>
+            </a:r>
+          </a:p>
+          <a:p>
+            <a:pPr marL="0" marR="0" lvl="0" indent="0" algn="l" defTabSz="914400" rtl="0" eaLnBrk="1" fontAlgn="auto" latinLnBrk="1" hangingPunct="1">
+              <a:lnSpc>
+                <a:spcPct val="100000"/>
+              </a:lnSpc>
+              <a:spcBef>
+                <a:spcPts val="0"/>
+              </a:spcBef>
+              <a:spcAft>
+                <a:spcPts val="0"/>
+              </a:spcAft>
+              <a:buClrTx/>
+              <a:buSzTx/>
+              <a:buFontTx/>
+              <a:buNone/>
+              <a:tabLst/>
+              <a:defRPr/>
+            </a:pPr>
+            <a:endParaRPr lang="en-US" altLang="ko-KR"/>
+          </a:p>
+          <a:p>
+            <a:pPr marL="0" marR="0" lvl="0" indent="0" algn="l" defTabSz="914400" rtl="0" eaLnBrk="1" fontAlgn="auto" latinLnBrk="1" hangingPunct="1">
+              <a:lnSpc>
+                <a:spcPct val="100000"/>
+              </a:lnSpc>
+              <a:spcBef>
+                <a:spcPts val="0"/>
+              </a:spcBef>
+              <a:spcAft>
+                <a:spcPts val="0"/>
+              </a:spcAft>
+              <a:buClrTx/>
+              <a:buSzTx/>
+              <a:buFontTx/>
+              <a:buNone/>
+              <a:tabLst/>
+              <a:defRPr/>
+            </a:pPr>
+            <a:r>
+              <a:rPr lang="ko-KR" altLang="en-US"/>
+              <a:t>라이브러리가 각각 개별적인 기능들이라고 한다면</a:t>
+            </a:r>
+            <a:r>
+              <a:rPr lang="en-US" altLang="ko-KR"/>
+              <a:t>, </a:t>
+            </a:r>
+            <a:r>
+              <a:rPr lang="ko-KR" altLang="en-US"/>
+              <a:t>프레임워크는 이것들이 연결되어 기초적인 골격을 갖춘 상태입니다</a:t>
+            </a:r>
+            <a:r>
+              <a:rPr lang="en-US" altLang="ko-KR"/>
+              <a:t>.</a:t>
+            </a:r>
+          </a:p>
+          <a:p>
+            <a:pPr marL="0" marR="0" lvl="0" indent="0" algn="l" defTabSz="914400" rtl="0" eaLnBrk="1" fontAlgn="auto" latinLnBrk="1" hangingPunct="1">
+              <a:lnSpc>
+                <a:spcPct val="100000"/>
+              </a:lnSpc>
+              <a:spcBef>
+                <a:spcPts val="0"/>
+              </a:spcBef>
+              <a:spcAft>
+                <a:spcPts val="0"/>
+              </a:spcAft>
+              <a:buClrTx/>
+              <a:buSzTx/>
+              <a:buFontTx/>
+              <a:buNone/>
+              <a:tabLst/>
+              <a:defRPr/>
+            </a:pPr>
+            <a:endParaRPr lang="en-US" altLang="ko-KR"/>
+          </a:p>
+          <a:p>
+            <a:pPr marL="0" marR="0" lvl="0" indent="0" algn="l" defTabSz="914400" rtl="0" eaLnBrk="1" fontAlgn="auto" latinLnBrk="1" hangingPunct="1">
+              <a:lnSpc>
+                <a:spcPct val="100000"/>
+              </a:lnSpc>
+              <a:spcBef>
+                <a:spcPts val="0"/>
+              </a:spcBef>
+              <a:spcAft>
+                <a:spcPts val="0"/>
+              </a:spcAft>
+              <a:buClrTx/>
+              <a:buSzTx/>
+              <a:buFontTx/>
+              <a:buNone/>
+              <a:tabLst/>
+              <a:defRPr/>
+            </a:pPr>
+            <a:r>
+              <a:rPr lang="ko-KR" altLang="en-US"/>
+              <a:t>쉽게 말해 가져다 쓰는게 라이브러리고</a:t>
+            </a:r>
+            <a:r>
+              <a:rPr lang="en-US" altLang="ko-KR"/>
+              <a:t>, </a:t>
+            </a:r>
+            <a:r>
+              <a:rPr lang="ko-KR" altLang="en-US"/>
+              <a:t>기본 틀로 삼아 위에 뭘 덧붙이는게 프레임워크입니다</a:t>
+            </a:r>
+            <a:r>
+              <a:rPr lang="en-US" altLang="ko-KR"/>
+              <a:t>.</a:t>
+            </a:r>
+          </a:p>
+          <a:p>
+            <a:pPr marL="0" marR="0" lvl="0" indent="0" algn="l" defTabSz="914400" rtl="0" eaLnBrk="1" fontAlgn="auto" latinLnBrk="1" hangingPunct="1">
+              <a:lnSpc>
+                <a:spcPct val="100000"/>
+              </a:lnSpc>
+              <a:spcBef>
+                <a:spcPts val="0"/>
+              </a:spcBef>
+              <a:spcAft>
+                <a:spcPts val="0"/>
+              </a:spcAft>
+              <a:buClrTx/>
+              <a:buSzTx/>
+              <a:buFontTx/>
+              <a:buNone/>
+              <a:tabLst/>
+              <a:defRPr/>
+            </a:pPr>
+            <a:endParaRPr lang="en-US" altLang="ko-KR"/>
+          </a:p>
+          <a:p>
+            <a:pPr marL="0" marR="0" lvl="0" indent="0" algn="l" defTabSz="914400" rtl="0" eaLnBrk="1" fontAlgn="auto" latinLnBrk="1" hangingPunct="1">
+              <a:lnSpc>
+                <a:spcPct val="100000"/>
+              </a:lnSpc>
+              <a:spcBef>
+                <a:spcPts val="0"/>
+              </a:spcBef>
+              <a:spcAft>
+                <a:spcPts val="0"/>
+              </a:spcAft>
+              <a:buClrTx/>
+              <a:buSzTx/>
+              <a:buFontTx/>
+              <a:buNone/>
+              <a:tabLst/>
+              <a:defRPr/>
+            </a:pPr>
+            <a:r>
+              <a:rPr lang="ko-KR" altLang="en-US"/>
+              <a:t>현재 </a:t>
+            </a:r>
+            <a:r>
+              <a:rPr lang="en-US" altLang="ko-KR"/>
+              <a:t>JavaScript</a:t>
+            </a:r>
+            <a:r>
+              <a:rPr lang="ko-KR" altLang="en-US"/>
+              <a:t>라는 언어를 프레임워크화 해 사용하기 편리하게 만든 것을 바로 자바스크립트 프레임워크라고 부릅니다</a:t>
+            </a:r>
+            <a:r>
+              <a:rPr lang="en-US" altLang="ko-KR"/>
+              <a:t>.</a:t>
+            </a:r>
+          </a:p>
+          <a:p>
+            <a:pPr marL="0" marR="0" lvl="0" indent="0" algn="l" defTabSz="914400" rtl="0" eaLnBrk="1" fontAlgn="auto" latinLnBrk="1" hangingPunct="1">
+              <a:lnSpc>
+                <a:spcPct val="100000"/>
+              </a:lnSpc>
+              <a:spcBef>
+                <a:spcPts val="0"/>
+              </a:spcBef>
+              <a:spcAft>
+                <a:spcPts val="0"/>
+              </a:spcAft>
+              <a:buClrTx/>
+              <a:buSzTx/>
+              <a:buFontTx/>
+              <a:buNone/>
+              <a:tabLst/>
+              <a:defRPr/>
+            </a:pPr>
+            <a:endParaRPr lang="en-US" altLang="ko-KR"/>
+          </a:p>
+          <a:p>
+            <a:r>
+              <a:rPr lang="ko-KR" altLang="en-US"/>
+              <a:t>이러한 프레임워크들은 다음과 같이 상당히 많은 종류가 있습니다</a:t>
+            </a:r>
+            <a:r>
+              <a:rPr lang="en-US" altLang="ko-KR"/>
+              <a:t>.</a:t>
+            </a:r>
+          </a:p>
+          <a:p>
+            <a:endParaRPr lang="en-US" altLang="ko-KR"/>
+          </a:p>
+          <a:p>
+            <a:r>
+              <a:rPr lang="ko-KR" altLang="en-US"/>
+              <a:t>저도 이번에 찾아보다 알게되었는데 프레임워크의 이름이 </a:t>
+            </a:r>
+            <a:r>
+              <a:rPr lang="en-US" altLang="ko-KR"/>
+              <a:t>D.va.js </a:t>
+            </a:r>
+            <a:r>
+              <a:rPr lang="ko-KR" altLang="en-US"/>
+              <a:t>라는 프레임워크도 있더라고요</a:t>
+            </a:r>
+            <a:endParaRPr lang="en-US" altLang="ko-KR"/>
+          </a:p>
+          <a:p>
+            <a:endParaRPr lang="en-US" altLang="ko-KR"/>
+          </a:p>
+          <a:p>
             <a:endParaRPr lang="en-US" altLang="ko-KR" dirty="0"/>
-          </a:p>
-          <a:p>
-            <a:r>
-              <a:rPr lang="ko-KR" altLang="en-US" dirty="0"/>
-              <a:t>저번 방학 때</a:t>
-            </a:r>
-            <a:r>
-              <a:rPr lang="en-US" altLang="ko-KR" dirty="0"/>
-              <a:t>, </a:t>
-            </a:r>
-            <a:r>
-              <a:rPr lang="ko-KR" altLang="en-US" dirty="0" err="1"/>
-              <a:t>셈틀꾼</a:t>
-            </a:r>
-            <a:r>
-              <a:rPr lang="ko-KR" altLang="en-US" dirty="0"/>
-              <a:t> 홈페이지를 만드는 프로젝트도 해보고</a:t>
-            </a:r>
-            <a:r>
-              <a:rPr lang="en-US" altLang="ko-KR" dirty="0"/>
-              <a:t>, </a:t>
-            </a:r>
-            <a:r>
-              <a:rPr lang="ko-KR" altLang="en-US" dirty="0"/>
-              <a:t>최근에는 </a:t>
-            </a:r>
-            <a:r>
-              <a:rPr lang="ko-KR" altLang="en-US" dirty="0" err="1"/>
-              <a:t>오픈소스프로젝트를</a:t>
-            </a:r>
-            <a:r>
-              <a:rPr lang="ko-KR" altLang="en-US" dirty="0"/>
-              <a:t> 이 프레임워크를 사용해 구현하는 등 </a:t>
-            </a:r>
-            <a:r>
-              <a:rPr lang="ko-KR" altLang="en-US" dirty="0" err="1"/>
-              <a:t>접할기회가</a:t>
-            </a:r>
-            <a:r>
-              <a:rPr lang="ko-KR" altLang="en-US" dirty="0"/>
-              <a:t> 많았습니다</a:t>
-            </a:r>
-            <a:r>
-              <a:rPr lang="en-US" altLang="ko-KR" dirty="0"/>
-              <a:t>.</a:t>
-            </a:r>
-          </a:p>
-          <a:p>
-            <a:endParaRPr lang="en-US" altLang="ko-KR" dirty="0"/>
-          </a:p>
-          <a:p>
-            <a:r>
-              <a:rPr lang="ko-KR" altLang="en-US" dirty="0"/>
-              <a:t>그 때 당시에는</a:t>
-            </a:r>
-            <a:r>
-              <a:rPr lang="en-US" altLang="ko-KR" dirty="0"/>
-              <a:t>, </a:t>
-            </a:r>
-            <a:r>
-              <a:rPr lang="ko-KR" altLang="en-US" dirty="0"/>
-              <a:t>이 프레임워크에 대해 깊게 이해하거나</a:t>
-            </a:r>
-            <a:r>
-              <a:rPr lang="en-US" altLang="ko-KR" dirty="0"/>
-              <a:t>, </a:t>
-            </a:r>
-            <a:r>
-              <a:rPr lang="ko-KR" altLang="en-US" dirty="0" err="1"/>
-              <a:t>용어등</a:t>
-            </a:r>
-            <a:r>
-              <a:rPr lang="ko-KR" altLang="en-US" dirty="0"/>
-              <a:t> 헷갈리고 모르는 부분이 있어도 급급히 사용법만 숙지하거나 구글의 힘을 빌려 코딩을 진행해 왔습니다</a:t>
-            </a:r>
-            <a:r>
-              <a:rPr lang="en-US" altLang="ko-KR" dirty="0"/>
-              <a:t>.</a:t>
-            </a:r>
-          </a:p>
-          <a:p>
-            <a:endParaRPr lang="en-US" altLang="ko-KR" dirty="0"/>
-          </a:p>
-          <a:p>
-            <a:r>
-              <a:rPr lang="ko-KR" altLang="en-US" dirty="0"/>
-              <a:t>앞으로 있을 세미나를 계기로 제가 가장 자주 활용하는 프레임워크인 </a:t>
-            </a:r>
-            <a:r>
-              <a:rPr lang="en-US" altLang="ko-KR" dirty="0"/>
-              <a:t>Vue.js</a:t>
-            </a:r>
-            <a:r>
-              <a:rPr lang="ko-KR" altLang="en-US" dirty="0"/>
-              <a:t>에 대한 이해와 </a:t>
-            </a:r>
-            <a:r>
-              <a:rPr lang="en-US" altLang="ko-KR" dirty="0"/>
-              <a:t>…</a:t>
-            </a:r>
           </a:p>
         </p:txBody>
       </p:sp>
@@ -3761,7 +3650,7 @@
     </p:spTree>
     <p:extLst>
       <p:ext uri="{BB962C8B-B14F-4D97-AF65-F5344CB8AC3E}">
-        <p14:creationId xmlns:p14="http://schemas.microsoft.com/office/powerpoint/2010/main" val="1674570516"/>
+        <p14:creationId xmlns:p14="http://schemas.microsoft.com/office/powerpoint/2010/main" val="1454235683"/>
       </p:ext>
     </p:extLst>
   </p:cSld>
@@ -3815,7 +3704,124 @@
           <a:bodyPr/>
           <a:lstStyle/>
           <a:p>
-            <a:endParaRPr lang="ko-KR" altLang="en-US" dirty="0"/>
+            <a:r>
+              <a:rPr lang="ko-KR" altLang="en-US"/>
+              <a:t>수 많은 프레임워크들 중 가장 </a:t>
+            </a:r>
+            <a:r>
+              <a:rPr lang="ko-KR" altLang="en-US" dirty="0"/>
+              <a:t>인기가 </a:t>
+            </a:r>
+            <a:r>
+              <a:rPr lang="ko-KR" altLang="en-US"/>
+              <a:t>많은 세 개가 </a:t>
+            </a:r>
+            <a:r>
+              <a:rPr lang="ko-KR" altLang="en-US" dirty="0"/>
+              <a:t>있는데 각 </a:t>
+            </a:r>
+            <a:r>
+              <a:rPr lang="ko-KR" altLang="en-US" dirty="0" err="1"/>
+              <a:t>각</a:t>
+            </a:r>
+            <a:r>
+              <a:rPr lang="ko-KR" altLang="en-US" dirty="0"/>
+              <a:t> </a:t>
+            </a:r>
+            <a:endParaRPr lang="en-US" altLang="ko-KR" dirty="0"/>
+          </a:p>
+          <a:p>
+            <a:endParaRPr lang="en-US" altLang="ko-KR" dirty="0"/>
+          </a:p>
+          <a:p>
+            <a:r>
+              <a:rPr lang="en-US" altLang="ko-KR" dirty="0"/>
+              <a:t>Vue.js, React, </a:t>
+            </a:r>
+            <a:r>
+              <a:rPr lang="en-US" altLang="ko-KR" dirty="0" err="1"/>
+              <a:t>Angluar</a:t>
+            </a:r>
+            <a:r>
+              <a:rPr lang="ko-KR" altLang="en-US" dirty="0"/>
+              <a:t>입니다</a:t>
+            </a:r>
+            <a:r>
+              <a:rPr lang="en-US" altLang="ko-KR" dirty="0"/>
+              <a:t>.</a:t>
+            </a:r>
+          </a:p>
+          <a:p>
+            <a:endParaRPr lang="en-US" altLang="ko-KR" dirty="0"/>
+          </a:p>
+          <a:p>
+            <a:r>
+              <a:rPr lang="ko-KR" altLang="en-US" dirty="0"/>
+              <a:t>개발자들이 뽑은 인기 </a:t>
+            </a:r>
+            <a:r>
+              <a:rPr lang="ko-KR" altLang="en-US"/>
+              <a:t>순도 </a:t>
+            </a:r>
+            <a:r>
+              <a:rPr lang="en-US" altLang="ko-KR"/>
+              <a:t>Vue.js</a:t>
+            </a:r>
+            <a:r>
+              <a:rPr lang="ko-KR" altLang="en-US"/>
+              <a:t>가 </a:t>
+            </a:r>
+            <a:r>
+              <a:rPr lang="en-US" altLang="ko-KR"/>
+              <a:t>1</a:t>
+            </a:r>
+            <a:r>
+              <a:rPr lang="ko-KR" altLang="en-US"/>
+              <a:t>등</a:t>
+            </a:r>
+            <a:r>
+              <a:rPr lang="en-US" altLang="ko-KR"/>
+              <a:t>, React</a:t>
+            </a:r>
+            <a:r>
+              <a:rPr lang="ko-KR" altLang="en-US"/>
+              <a:t>가 </a:t>
+            </a:r>
+            <a:r>
+              <a:rPr lang="en-US" altLang="ko-KR"/>
+              <a:t>2</a:t>
+            </a:r>
+            <a:r>
+              <a:rPr lang="ko-KR" altLang="en-US"/>
+              <a:t>등</a:t>
+            </a:r>
+            <a:r>
+              <a:rPr lang="en-US" altLang="ko-KR"/>
+              <a:t>, Angluar</a:t>
+            </a:r>
+            <a:r>
+              <a:rPr lang="ko-KR" altLang="en-US"/>
+              <a:t>가 </a:t>
+            </a:r>
+            <a:r>
+              <a:rPr lang="en-US" altLang="ko-KR"/>
+              <a:t>3</a:t>
+            </a:r>
+            <a:r>
+              <a:rPr lang="ko-KR" altLang="en-US"/>
+              <a:t>등입니다</a:t>
+            </a:r>
+            <a:r>
+              <a:rPr lang="en-US" altLang="ko-KR"/>
+              <a:t>.</a:t>
+            </a:r>
+            <a:endParaRPr lang="en-US" altLang="ko-KR" dirty="0"/>
+          </a:p>
+          <a:p>
+            <a:endParaRPr lang="en-US" altLang="ko-KR" dirty="0"/>
+          </a:p>
+          <a:p>
+            <a:endParaRPr lang="en-US" altLang="ko-KR" dirty="0"/>
           </a:p>
         </p:txBody>
       </p:sp>
@@ -3845,7 +3851,222 @@
     </p:spTree>
     <p:extLst>
       <p:ext uri="{BB962C8B-B14F-4D97-AF65-F5344CB8AC3E}">
-        <p14:creationId xmlns:p14="http://schemas.microsoft.com/office/powerpoint/2010/main" val="167855094"/>
+        <p14:creationId xmlns:p14="http://schemas.microsoft.com/office/powerpoint/2010/main" val="1964135762"/>
+      </p:ext>
+    </p:extLst>
+  </p:cSld>
+  <p:clrMapOvr>
+    <a:masterClrMapping/>
+  </p:clrMapOvr>
+</p:notes>
+</file>
+
+<file path=ppt/notesSlides/notesSlide19.xml><?xml version="1.0" encoding="utf-8"?>
+<p:notes xmlns:a="http://schemas.openxmlformats.org/drawingml/2006/main" xmlns:r="http://schemas.openxmlformats.org/officeDocument/2006/relationships" xmlns:p="http://schemas.openxmlformats.org/presentationml/2006/main">
+  <p:cSld>
+    <p:spTree>
+      <p:nvGrpSpPr>
+        <p:cNvPr id="1" name=""/>
+        <p:cNvGrpSpPr/>
+        <p:nvPr/>
+      </p:nvGrpSpPr>
+      <p:grpSpPr>
+        <a:xfrm>
+          <a:off x="0" y="0"/>
+          <a:ext cx="0" cy="0"/>
+          <a:chOff x="0" y="0"/>
+          <a:chExt cx="0" cy="0"/>
+        </a:xfrm>
+      </p:grpSpPr>
+      <p:sp>
+        <p:nvSpPr>
+          <p:cNvPr id="2" name="슬라이드 이미지 개체 틀 1"/>
+          <p:cNvSpPr>
+            <a:spLocks noGrp="1" noRot="1" noChangeAspect="1"/>
+          </p:cNvSpPr>
+          <p:nvPr>
+            <p:ph type="sldImg"/>
+          </p:nvPr>
+        </p:nvSpPr>
+        <p:spPr/>
+      </p:sp>
+      <p:sp>
+        <p:nvSpPr>
+          <p:cNvPr id="3" name="슬라이드 노트 개체 틀 2"/>
+          <p:cNvSpPr>
+            <a:spLocks noGrp="1"/>
+          </p:cNvSpPr>
+          <p:nvPr>
+            <p:ph type="body" idx="1"/>
+          </p:nvPr>
+        </p:nvSpPr>
+        <p:spPr/>
+        <p:txBody>
+          <a:bodyPr/>
+          <a:lstStyle/>
+          <a:p>
+            <a:r>
+              <a:rPr lang="ko-KR" altLang="en-US" dirty="0"/>
+              <a:t>그 중 제가 앞으로 몇 번의 세미나 동안 공부하고 조사해올 프레임워크는 </a:t>
+            </a:r>
+            <a:r>
+              <a:rPr lang="en-US" altLang="ko-KR" dirty="0"/>
+              <a:t>Vue.js</a:t>
+            </a:r>
+            <a:r>
+              <a:rPr lang="ko-KR" altLang="en-US" dirty="0"/>
+              <a:t>입니다</a:t>
+            </a:r>
+            <a:r>
+              <a:rPr lang="en-US" altLang="ko-KR" dirty="0"/>
+              <a:t>.</a:t>
+            </a:r>
+          </a:p>
+          <a:p>
+            <a:endParaRPr lang="en-US" altLang="ko-KR" dirty="0"/>
+          </a:p>
+          <a:p>
+            <a:r>
+              <a:rPr lang="ko-KR" altLang="en-US" dirty="0"/>
+              <a:t>저번 방학 때</a:t>
+            </a:r>
+            <a:r>
+              <a:rPr lang="en-US" altLang="ko-KR" dirty="0"/>
+              <a:t>, </a:t>
+            </a:r>
+            <a:r>
+              <a:rPr lang="ko-KR" altLang="en-US" dirty="0" err="1"/>
+              <a:t>셈틀꾼</a:t>
+            </a:r>
+            <a:r>
+              <a:rPr lang="ko-KR" altLang="en-US" dirty="0"/>
+              <a:t> 홈페이지를 만드는 프로젝트도 해보고</a:t>
+            </a:r>
+            <a:r>
+              <a:rPr lang="en-US" altLang="ko-KR" dirty="0"/>
+              <a:t>, </a:t>
+            </a:r>
+            <a:r>
+              <a:rPr lang="ko-KR" altLang="en-US" dirty="0"/>
+              <a:t>최근에는 </a:t>
+            </a:r>
+            <a:r>
+              <a:rPr lang="ko-KR" altLang="en-US" dirty="0" err="1"/>
+              <a:t>오픈소스프로젝트를</a:t>
+            </a:r>
+            <a:r>
+              <a:rPr lang="ko-KR" altLang="en-US" dirty="0"/>
+              <a:t> 이 프레임워크를 사용해 구현하는 등 </a:t>
+            </a:r>
+            <a:r>
+              <a:rPr lang="ko-KR" altLang="en-US" dirty="0" err="1"/>
+              <a:t>접할기회가</a:t>
+            </a:r>
+            <a:r>
+              <a:rPr lang="ko-KR" altLang="en-US" dirty="0"/>
+              <a:t> 많았습니다</a:t>
+            </a:r>
+            <a:r>
+              <a:rPr lang="en-US" altLang="ko-KR" dirty="0"/>
+              <a:t>.</a:t>
+            </a:r>
+          </a:p>
+          <a:p>
+            <a:endParaRPr lang="en-US" altLang="ko-KR" dirty="0"/>
+          </a:p>
+          <a:p>
+            <a:r>
+              <a:rPr lang="ko-KR" altLang="en-US" dirty="0"/>
+              <a:t>그 때 당시에는</a:t>
+            </a:r>
+            <a:r>
+              <a:rPr lang="en-US" altLang="ko-KR" dirty="0"/>
+              <a:t>, </a:t>
+            </a:r>
+            <a:r>
+              <a:rPr lang="ko-KR" altLang="en-US" dirty="0"/>
+              <a:t>이 프레임워크에 대해 깊게 이해하거나</a:t>
+            </a:r>
+            <a:r>
+              <a:rPr lang="en-US" altLang="ko-KR" dirty="0"/>
+              <a:t>, </a:t>
+            </a:r>
+            <a:r>
+              <a:rPr lang="ko-KR" altLang="en-US" dirty="0" err="1"/>
+              <a:t>용어등</a:t>
+            </a:r>
+            <a:r>
+              <a:rPr lang="ko-KR" altLang="en-US" dirty="0"/>
+              <a:t> 헷갈리고 모르는 부분이 있어도 급급히 사용법만 숙지하거나 구글의 힘을 </a:t>
+            </a:r>
+            <a:r>
+              <a:rPr lang="ko-KR" altLang="en-US"/>
+              <a:t>빌려 프로그래밍을 </a:t>
+            </a:r>
+            <a:r>
+              <a:rPr lang="ko-KR" altLang="en-US" dirty="0"/>
+              <a:t>진행해 왔습니다</a:t>
+            </a:r>
+            <a:r>
+              <a:rPr lang="en-US" altLang="ko-KR" dirty="0"/>
+              <a:t>.</a:t>
+            </a:r>
+          </a:p>
+          <a:p>
+            <a:endParaRPr lang="en-US" altLang="ko-KR" dirty="0"/>
+          </a:p>
+          <a:p>
+            <a:r>
+              <a:rPr lang="ko-KR" altLang="en-US" dirty="0"/>
+              <a:t>앞으로 있을 세미나를 계기로 제가 가장 자주 활용하는 프레임워크인 </a:t>
+            </a:r>
+            <a:r>
+              <a:rPr lang="en-US" altLang="ko-KR" dirty="0"/>
+              <a:t>Vue.js</a:t>
+            </a:r>
+            <a:r>
+              <a:rPr lang="ko-KR" altLang="en-US" dirty="0"/>
+              <a:t>에 </a:t>
+            </a:r>
+            <a:r>
+              <a:rPr lang="ko-KR" altLang="en-US"/>
+              <a:t>대한 이해와 사용법 중요한 특징등을 세미나를 통해 알아보고 같이 배워보겠습니다</a:t>
+            </a:r>
+            <a:r>
+              <a:rPr lang="en-US" altLang="ko-KR"/>
+              <a:t>.</a:t>
+            </a:r>
+            <a:endParaRPr lang="en-US" altLang="ko-KR" dirty="0"/>
+          </a:p>
+        </p:txBody>
+      </p:sp>
+      <p:sp>
+        <p:nvSpPr>
+          <p:cNvPr id="4" name="슬라이드 번호 개체 틀 3"/>
+          <p:cNvSpPr>
+            <a:spLocks noGrp="1"/>
+          </p:cNvSpPr>
+          <p:nvPr>
+            <p:ph type="sldNum" sz="quarter" idx="5"/>
+          </p:nvPr>
+        </p:nvSpPr>
+        <p:spPr/>
+        <p:txBody>
+          <a:bodyPr/>
+          <a:lstStyle/>
+          <a:p>
+            <a:fld id="{D77D3CDB-C11F-4B3C-8011-4CB70A9F6877}" type="slidenum">
+              <a:rPr lang="ko-KR" altLang="en-US" smtClean="0"/>
+              <a:t>19</a:t>
+            </a:fld>
+            <a:endParaRPr lang="ko-KR" altLang="en-US"/>
+          </a:p>
+        </p:txBody>
+      </p:sp>
+    </p:spTree>
+    <p:extLst>
+      <p:ext uri="{BB962C8B-B14F-4D97-AF65-F5344CB8AC3E}">
+        <p14:creationId xmlns:p14="http://schemas.microsoft.com/office/powerpoint/2010/main" val="1674570516"/>
       </p:ext>
     </p:extLst>
   </p:cSld>
@@ -3939,6 +4160,90 @@
 </p:notes>
 </file>
 
+<file path=ppt/notesSlides/notesSlide20.xml><?xml version="1.0" encoding="utf-8"?>
+<p:notes xmlns:a="http://schemas.openxmlformats.org/drawingml/2006/main" xmlns:r="http://schemas.openxmlformats.org/officeDocument/2006/relationships" xmlns:p="http://schemas.openxmlformats.org/presentationml/2006/main">
+  <p:cSld>
+    <p:spTree>
+      <p:nvGrpSpPr>
+        <p:cNvPr id="1" name=""/>
+        <p:cNvGrpSpPr/>
+        <p:nvPr/>
+      </p:nvGrpSpPr>
+      <p:grpSpPr>
+        <a:xfrm>
+          <a:off x="0" y="0"/>
+          <a:ext cx="0" cy="0"/>
+          <a:chOff x="0" y="0"/>
+          <a:chExt cx="0" cy="0"/>
+        </a:xfrm>
+      </p:grpSpPr>
+      <p:sp>
+        <p:nvSpPr>
+          <p:cNvPr id="2" name="슬라이드 이미지 개체 틀 1"/>
+          <p:cNvSpPr>
+            <a:spLocks noGrp="1" noRot="1" noChangeAspect="1"/>
+          </p:cNvSpPr>
+          <p:nvPr>
+            <p:ph type="sldImg"/>
+          </p:nvPr>
+        </p:nvSpPr>
+        <p:spPr/>
+      </p:sp>
+      <p:sp>
+        <p:nvSpPr>
+          <p:cNvPr id="3" name="슬라이드 노트 개체 틀 2"/>
+          <p:cNvSpPr>
+            <a:spLocks noGrp="1"/>
+          </p:cNvSpPr>
+          <p:nvPr>
+            <p:ph type="body" idx="1"/>
+          </p:nvPr>
+        </p:nvSpPr>
+        <p:spPr/>
+        <p:txBody>
+          <a:bodyPr/>
+          <a:lstStyle/>
+          <a:p>
+            <a:endParaRPr lang="ko-KR" altLang="en-US" dirty="0"/>
+          </a:p>
+        </p:txBody>
+      </p:sp>
+      <p:sp>
+        <p:nvSpPr>
+          <p:cNvPr id="4" name="슬라이드 번호 개체 틀 3"/>
+          <p:cNvSpPr>
+            <a:spLocks noGrp="1"/>
+          </p:cNvSpPr>
+          <p:nvPr>
+            <p:ph type="sldNum" sz="quarter" idx="5"/>
+          </p:nvPr>
+        </p:nvSpPr>
+        <p:spPr/>
+        <p:txBody>
+          <a:bodyPr/>
+          <a:lstStyle/>
+          <a:p>
+            <a:fld id="{D77D3CDB-C11F-4B3C-8011-4CB70A9F6877}" type="slidenum">
+              <a:rPr lang="ko-KR" altLang="en-US" smtClean="0"/>
+              <a:t>20</a:t>
+            </a:fld>
+            <a:endParaRPr lang="ko-KR" altLang="en-US"/>
+          </a:p>
+        </p:txBody>
+      </p:sp>
+    </p:spTree>
+    <p:extLst>
+      <p:ext uri="{BB962C8B-B14F-4D97-AF65-F5344CB8AC3E}">
+        <p14:creationId xmlns:p14="http://schemas.microsoft.com/office/powerpoint/2010/main" val="167855094"/>
+      </p:ext>
+    </p:extLst>
+  </p:cSld>
+  <p:clrMapOvr>
+    <a:masterClrMapping/>
+  </p:clrMapOvr>
+</p:notes>
+</file>
+
 <file path=ppt/notesSlides/notesSlide3.xml><?xml version="1.0" encoding="utf-8"?>
 <p:notes xmlns:a="http://schemas.openxmlformats.org/drawingml/2006/main" xmlns:r="http://schemas.openxmlformats.org/officeDocument/2006/relationships" xmlns:p="http://schemas.openxmlformats.org/presentationml/2006/main">
   <p:cSld>
@@ -4002,12 +4307,19 @@
           <a:p>
             <a:r>
               <a:rPr lang="ko-KR" altLang="en-US" dirty="0"/>
-              <a:t>웹 프로그래밍은 웹 사이트 또는 웹 페이지를 만드는 과정을 말합니다</a:t>
-            </a:r>
-            <a:r>
-              <a:rPr lang="en-US" altLang="ko-KR" dirty="0"/>
+              <a:t>웹 프로그래밍은 웹 사이트 또는 웹 페이지를 만드는 과정을 </a:t>
+            </a:r>
+            <a:r>
+              <a:rPr lang="ko-KR" altLang="en-US"/>
+              <a:t>말합니다</a:t>
+            </a:r>
+            <a:r>
+              <a:rPr lang="en-US" altLang="ko-KR"/>
               <a:t>.</a:t>
             </a:r>
+          </a:p>
+          <a:p>
+            <a:endParaRPr lang="en-US" altLang="ko-KR" dirty="0"/>
           </a:p>
           <a:p>
             <a:r>
@@ -4134,8 +4446,25 @@
           <a:lstStyle/>
           <a:p>
             <a:r>
-              <a:rPr lang="ko-KR" altLang="en-US" dirty="0"/>
-              <a:t>좀 더 쉽게 설명하자면 컴퓨터를 쓰는 사용자가 웹 사이트에 접속하여 마주볼 수 있는 화면을 설계하는 분야라고 생각하면 됩니다</a:t>
+              <a:rPr lang="ko-KR" altLang="en-US"/>
+              <a:t>프론트엔드는 사용자의 화면에 나타나는 웹 화면을 프론트엔드 영역이라 하고 이러한 영역을 그리는 기술입니다</a:t>
+            </a:r>
+            <a:r>
+              <a:rPr lang="en-US" altLang="ko-KR"/>
+              <a:t>.</a:t>
+            </a:r>
+          </a:p>
+          <a:p>
+            <a:endParaRPr lang="en-US" altLang="ko-KR"/>
+          </a:p>
+          <a:p>
+            <a:r>
+              <a:rPr lang="ko-KR" altLang="en-US"/>
+              <a:t>좀 </a:t>
+            </a:r>
+            <a:r>
+              <a:rPr lang="ko-KR" altLang="en-US" dirty="0"/>
+              <a:t>더 쉽게 설명하자면 컴퓨터를 쓰는 사용자가 웹 사이트에 접속하여 마주볼 수 있는 화면을 설계하는 분야라고 생각하면 됩니다</a:t>
             </a:r>
             <a:r>
               <a:rPr lang="en-US" altLang="ko-KR" dirty="0"/>
@@ -4284,16 +4613,20 @@
           </a:p>
           <a:p>
             <a:r>
-              <a:rPr lang="ko-KR" altLang="en-US" dirty="0"/>
-              <a:t>제가 준비해오는 부분은 앞으로 </a:t>
-            </a:r>
-            <a:r>
-              <a:rPr lang="ko-KR" altLang="en-US" dirty="0" err="1"/>
-              <a:t>프론트엔드</a:t>
-            </a:r>
-            <a:r>
-              <a:rPr lang="ko-KR" altLang="en-US" dirty="0"/>
-              <a:t> 영역이라고 생각하시면 됩니다</a:t>
+              <a:rPr lang="ko-KR" altLang="en-US"/>
+              <a:t>제가 앞으로 </a:t>
+            </a:r>
+            <a:r>
+              <a:rPr lang="ko-KR" altLang="en-US" dirty="0"/>
+              <a:t>준비해오는 </a:t>
+            </a:r>
+            <a:r>
+              <a:rPr lang="ko-KR" altLang="en-US"/>
+              <a:t>부분은 프론트엔드 </a:t>
+            </a:r>
+            <a:r>
+              <a:rPr lang="ko-KR" altLang="en-US" dirty="0"/>
+              <a:t>영역이라고 생각하시면 됩니다</a:t>
             </a:r>
             <a:r>
               <a:rPr lang="en-US" altLang="ko-KR" dirty="0"/>
@@ -4480,7 +4813,15 @@
           <a:p>
             <a:r>
               <a:rPr lang="ko-KR" altLang="en-US" dirty="0"/>
-              <a:t>놓여 있어라 하고 가져다 놓는 수단이라고 생각하시면 됩니다</a:t>
+              <a:t>놓여 있어라 하고 가져다 </a:t>
+            </a:r>
+            <a:r>
+              <a:rPr lang="ko-KR" altLang="en-US"/>
+              <a:t>놓는 지시 수단이라고 </a:t>
+            </a:r>
+            <a:r>
+              <a:rPr lang="ko-KR" altLang="en-US" dirty="0"/>
+              <a:t>생각하시면 됩니다</a:t>
             </a:r>
             <a:r>
               <a:rPr lang="en-US" altLang="ko-KR" dirty="0"/>
@@ -4604,7 +4945,15 @@
           <a:p>
             <a:r>
               <a:rPr lang="ko-KR" altLang="en-US" dirty="0"/>
-              <a:t>사칙 연산을 수행해서 내역으로 남기는 간단한 계산기를 만들어보겠습니다</a:t>
+              <a:t>사칙 연산을 수행해서 내역으로 남기는 </a:t>
+            </a:r>
+            <a:r>
+              <a:rPr lang="ko-KR" altLang="en-US"/>
+              <a:t>간단한 계산기를 웹으로 </a:t>
+            </a:r>
+            <a:r>
+              <a:rPr lang="ko-KR" altLang="en-US" dirty="0"/>
+              <a:t>만들어보겠습니다</a:t>
             </a:r>
             <a:r>
               <a:rPr lang="en-US" altLang="ko-KR" dirty="0"/>
@@ -5002,8 +5351,12 @@
           </a:p>
           <a:p>
             <a:r>
-              <a:rPr lang="ko-KR" altLang="en-US" dirty="0"/>
-              <a:t>마지막으로 내역들이 표시될 상자를 넣고</a:t>
+              <a:rPr lang="ko-KR" altLang="en-US"/>
+              <a:t>마지막으로 계산 결과들이 </a:t>
+            </a:r>
+            <a:r>
+              <a:rPr lang="ko-KR" altLang="en-US" dirty="0"/>
+              <a:t>표시될 상자를 넣고</a:t>
             </a:r>
             <a:r>
               <a:rPr lang="en-US" altLang="ko-KR" dirty="0"/>
@@ -5550,7 +5903,7 @@
           <a:p>
             <a:fld id="{784D74D0-C08C-4FA0-B1AC-58A8B9A14615}" type="datetimeFigureOut">
               <a:rPr lang="ko-KR" altLang="en-US" smtClean="0"/>
-              <a:t>2020-11-10</a:t>
+              <a:t>2020-11-11</a:t>
             </a:fld>
             <a:endParaRPr lang="ko-KR" altLang="en-US"/>
           </a:p>
@@ -5748,7 +6101,7 @@
           <a:p>
             <a:fld id="{784D74D0-C08C-4FA0-B1AC-58A8B9A14615}" type="datetimeFigureOut">
               <a:rPr lang="ko-KR" altLang="en-US" smtClean="0"/>
-              <a:t>2020-11-10</a:t>
+              <a:t>2020-11-11</a:t>
             </a:fld>
             <a:endParaRPr lang="ko-KR" altLang="en-US"/>
           </a:p>
@@ -5956,7 +6309,7 @@
           <a:p>
             <a:fld id="{784D74D0-C08C-4FA0-B1AC-58A8B9A14615}" type="datetimeFigureOut">
               <a:rPr lang="ko-KR" altLang="en-US" smtClean="0"/>
-              <a:t>2020-11-10</a:t>
+              <a:t>2020-11-11</a:t>
             </a:fld>
             <a:endParaRPr lang="ko-KR" altLang="en-US"/>
           </a:p>
@@ -6154,7 +6507,7 @@
           <a:p>
             <a:fld id="{784D74D0-C08C-4FA0-B1AC-58A8B9A14615}" type="datetimeFigureOut">
               <a:rPr lang="ko-KR" altLang="en-US" smtClean="0"/>
-              <a:t>2020-11-10</a:t>
+              <a:t>2020-11-11</a:t>
             </a:fld>
             <a:endParaRPr lang="ko-KR" altLang="en-US"/>
           </a:p>
@@ -6429,7 +6782,7 @@
           <a:p>
             <a:fld id="{784D74D0-C08C-4FA0-B1AC-58A8B9A14615}" type="datetimeFigureOut">
               <a:rPr lang="ko-KR" altLang="en-US" smtClean="0"/>
-              <a:t>2020-11-10</a:t>
+              <a:t>2020-11-11</a:t>
             </a:fld>
             <a:endParaRPr lang="ko-KR" altLang="en-US"/>
           </a:p>
@@ -6694,7 +7047,7 @@
           <a:p>
             <a:fld id="{784D74D0-C08C-4FA0-B1AC-58A8B9A14615}" type="datetimeFigureOut">
               <a:rPr lang="ko-KR" altLang="en-US" smtClean="0"/>
-              <a:t>2020-11-10</a:t>
+              <a:t>2020-11-11</a:t>
             </a:fld>
             <a:endParaRPr lang="ko-KR" altLang="en-US"/>
           </a:p>
@@ -7106,7 +7459,7 @@
           <a:p>
             <a:fld id="{784D74D0-C08C-4FA0-B1AC-58A8B9A14615}" type="datetimeFigureOut">
               <a:rPr lang="ko-KR" altLang="en-US" smtClean="0"/>
-              <a:t>2020-11-10</a:t>
+              <a:t>2020-11-11</a:t>
             </a:fld>
             <a:endParaRPr lang="ko-KR" altLang="en-US"/>
           </a:p>
@@ -7247,7 +7600,7 @@
           <a:p>
             <a:fld id="{784D74D0-C08C-4FA0-B1AC-58A8B9A14615}" type="datetimeFigureOut">
               <a:rPr lang="ko-KR" altLang="en-US" smtClean="0"/>
-              <a:t>2020-11-10</a:t>
+              <a:t>2020-11-11</a:t>
             </a:fld>
             <a:endParaRPr lang="ko-KR" altLang="en-US"/>
           </a:p>
@@ -7360,7 +7713,7 @@
           <a:p>
             <a:fld id="{784D74D0-C08C-4FA0-B1AC-58A8B9A14615}" type="datetimeFigureOut">
               <a:rPr lang="ko-KR" altLang="en-US" smtClean="0"/>
-              <a:t>2020-11-10</a:t>
+              <a:t>2020-11-11</a:t>
             </a:fld>
             <a:endParaRPr lang="ko-KR" altLang="en-US"/>
           </a:p>
@@ -7671,7 +8024,7 @@
           <a:p>
             <a:fld id="{784D74D0-C08C-4FA0-B1AC-58A8B9A14615}" type="datetimeFigureOut">
               <a:rPr lang="ko-KR" altLang="en-US" smtClean="0"/>
-              <a:t>2020-11-10</a:t>
+              <a:t>2020-11-11</a:t>
             </a:fld>
             <a:endParaRPr lang="ko-KR" altLang="en-US"/>
           </a:p>
@@ -7959,7 +8312,7 @@
           <a:p>
             <a:fld id="{784D74D0-C08C-4FA0-B1AC-58A8B9A14615}" type="datetimeFigureOut">
               <a:rPr lang="ko-KR" altLang="en-US" smtClean="0"/>
-              <a:t>2020-11-10</a:t>
+              <a:t>2020-11-11</a:t>
             </a:fld>
             <a:endParaRPr lang="ko-KR" altLang="en-US"/>
           </a:p>
@@ -8200,7 +8553,7 @@
           <a:p>
             <a:fld id="{784D74D0-C08C-4FA0-B1AC-58A8B9A14615}" type="datetimeFigureOut">
               <a:rPr lang="ko-KR" altLang="en-US" smtClean="0"/>
-              <a:t>2020-11-10</a:t>
+              <a:t>2020-11-11</a:t>
             </a:fld>
             <a:endParaRPr lang="ko-KR" altLang="en-US"/>
           </a:p>
@@ -8927,10 +9280,10 @@
                 <a:latin typeface="THE정고딕140" panose="02020603020101020101" pitchFamily="18" charset="-127"/>
                 <a:ea typeface="THE정고딕140" panose="02020603020101020101" pitchFamily="18" charset="-127"/>
               </a:rPr>
-              <a:t>웹 프로그래밍과 </a:t>
-            </a:r>
-            <a:r>
-              <a:rPr lang="en-US" altLang="ko-KR" sz="3200" dirty="0">
+              <a:t>웹 </a:t>
+            </a:r>
+            <a:r>
+              <a:rPr lang="ko-KR" altLang="en-US" sz="3200">
                 <a:ln>
                   <a:solidFill>
                     <a:schemeClr val="tx1">
@@ -8941,8 +9294,33 @@
                 <a:latin typeface="THE정고딕140" panose="02020603020101020101" pitchFamily="18" charset="-127"/>
                 <a:ea typeface="THE정고딕140" panose="02020603020101020101" pitchFamily="18" charset="-127"/>
               </a:rPr>
-              <a:t>Vue.js</a:t>
-            </a:r>
+              <a:t>프로그래밍과 </a:t>
+            </a:r>
+            <a:r>
+              <a:rPr lang="en-US" altLang="ko-KR" sz="3200">
+                <a:ln>
+                  <a:solidFill>
+                    <a:schemeClr val="tx1">
+                      <a:alpha val="10000"/>
+                    </a:schemeClr>
+                  </a:solidFill>
+                </a:ln>
+                <a:latin typeface="THE정고딕140" panose="02020603020101020101" pitchFamily="18" charset="-127"/>
+                <a:ea typeface="THE정고딕140" panose="02020603020101020101" pitchFamily="18" charset="-127"/>
+              </a:rPr>
+              <a:t>JavaScript</a:t>
+            </a:r>
+            <a:endParaRPr lang="en-US" altLang="ko-KR" sz="3200" dirty="0">
+              <a:ln>
+                <a:solidFill>
+                  <a:schemeClr val="tx1">
+                    <a:alpha val="10000"/>
+                  </a:schemeClr>
+                </a:solidFill>
+              </a:ln>
+              <a:latin typeface="THE정고딕140" panose="02020603020101020101" pitchFamily="18" charset="-127"/>
+              <a:ea typeface="THE정고딕140" panose="02020603020101020101" pitchFamily="18" charset="-127"/>
+            </a:endParaRPr>
           </a:p>
         </p:txBody>
       </p:sp>
@@ -9297,65 +9675,6 @@
       </p:grpSp>
       <p:sp>
         <p:nvSpPr>
-          <p:cNvPr id="3" name="TextBox 2">
-            <a:extLst>
-              <a:ext uri="{FF2B5EF4-FFF2-40B4-BE49-F238E27FC236}">
-                <a16:creationId xmlns:a16="http://schemas.microsoft.com/office/drawing/2014/main" id="{8E94E537-B9FE-42FC-BC09-D69259767E5C}"/>
-              </a:ext>
-            </a:extLst>
-          </p:cNvPr>
-          <p:cNvSpPr txBox="1"/>
-          <p:nvPr/>
-        </p:nvSpPr>
-        <p:spPr>
-          <a:xfrm>
-            <a:off x="2388869" y="422305"/>
-            <a:ext cx="6574377" cy="307777"/>
-          </a:xfrm>
-          <a:prstGeom prst="rect">
-            <a:avLst/>
-          </a:prstGeom>
-          <a:noFill/>
-          <a:ln>
-            <a:noFill/>
-          </a:ln>
-        </p:spPr>
-        <p:txBody>
-          <a:bodyPr wrap="square" rtlCol="0">
-            <a:spAutoFit/>
-          </a:bodyPr>
-          <a:lstStyle/>
-          <a:p>
-            <a:r>
-              <a:rPr lang="ko-KR" altLang="en-US" sz="1400" dirty="0">
-                <a:ln>
-                  <a:solidFill>
-                    <a:schemeClr val="tx1">
-                      <a:alpha val="30000"/>
-                    </a:schemeClr>
-                  </a:solidFill>
-                </a:ln>
-                <a:latin typeface="THE정고딕140" panose="02020603020101020101" pitchFamily="18" charset="-127"/>
-                <a:ea typeface="THE정고딕140" panose="02020603020101020101" pitchFamily="18" charset="-127"/>
-              </a:rPr>
-              <a:t>이름의 유래</a:t>
-            </a:r>
-            <a:endParaRPr lang="en-US" altLang="ko-KR" sz="1400" dirty="0">
-              <a:ln>
-                <a:solidFill>
-                  <a:schemeClr val="tx1">
-                    <a:alpha val="30000"/>
-                  </a:schemeClr>
-                </a:solidFill>
-              </a:ln>
-              <a:latin typeface="THE정고딕140" panose="02020603020101020101" pitchFamily="18" charset="-127"/>
-              <a:ea typeface="THE정고딕140" panose="02020603020101020101" pitchFamily="18" charset="-127"/>
-            </a:endParaRPr>
-          </a:p>
-        </p:txBody>
-      </p:sp>
-      <p:sp>
-        <p:nvSpPr>
           <p:cNvPr id="4" name="TextBox 3">
             <a:extLst>
               <a:ext uri="{FF2B5EF4-FFF2-40B4-BE49-F238E27FC236}">
@@ -9789,65 +10108,6 @@
           </p:txBody>
         </p:sp>
       </p:grpSp>
-      <p:sp>
-        <p:nvSpPr>
-          <p:cNvPr id="3" name="TextBox 2">
-            <a:extLst>
-              <a:ext uri="{FF2B5EF4-FFF2-40B4-BE49-F238E27FC236}">
-                <a16:creationId xmlns:a16="http://schemas.microsoft.com/office/drawing/2014/main" id="{8E94E537-B9FE-42FC-BC09-D69259767E5C}"/>
-              </a:ext>
-            </a:extLst>
-          </p:cNvPr>
-          <p:cNvSpPr txBox="1"/>
-          <p:nvPr/>
-        </p:nvSpPr>
-        <p:spPr>
-          <a:xfrm>
-            <a:off x="2388869" y="422305"/>
-            <a:ext cx="6574377" cy="307777"/>
-          </a:xfrm>
-          <a:prstGeom prst="rect">
-            <a:avLst/>
-          </a:prstGeom>
-          <a:noFill/>
-          <a:ln>
-            <a:noFill/>
-          </a:ln>
-        </p:spPr>
-        <p:txBody>
-          <a:bodyPr wrap="square" rtlCol="0">
-            <a:spAutoFit/>
-          </a:bodyPr>
-          <a:lstStyle/>
-          <a:p>
-            <a:r>
-              <a:rPr lang="ko-KR" altLang="en-US" sz="1400" dirty="0">
-                <a:ln>
-                  <a:solidFill>
-                    <a:schemeClr val="tx1">
-                      <a:alpha val="30000"/>
-                    </a:schemeClr>
-                  </a:solidFill>
-                </a:ln>
-                <a:latin typeface="THE정고딕140" panose="02020603020101020101" pitchFamily="18" charset="-127"/>
-                <a:ea typeface="THE정고딕140" panose="02020603020101020101" pitchFamily="18" charset="-127"/>
-              </a:rPr>
-              <a:t>오늘날 자바스크립트의 위상</a:t>
-            </a:r>
-            <a:endParaRPr lang="en-US" altLang="ko-KR" sz="1400" dirty="0">
-              <a:ln>
-                <a:solidFill>
-                  <a:schemeClr val="tx1">
-                    <a:alpha val="30000"/>
-                  </a:schemeClr>
-                </a:solidFill>
-              </a:ln>
-              <a:latin typeface="THE정고딕140" panose="02020603020101020101" pitchFamily="18" charset="-127"/>
-              <a:ea typeface="THE정고딕140" panose="02020603020101020101" pitchFamily="18" charset="-127"/>
-            </a:endParaRPr>
-          </a:p>
-        </p:txBody>
-      </p:sp>
       <p:pic>
         <p:nvPicPr>
           <p:cNvPr id="7" name="그림 6">
@@ -9970,6 +10230,903 @@
 </file>
 
 <file path=ppt/slides/slide15.xml><?xml version="1.0" encoding="utf-8"?>
+<p:sld xmlns:a="http://schemas.openxmlformats.org/drawingml/2006/main" xmlns:r="http://schemas.openxmlformats.org/officeDocument/2006/relationships" xmlns:p="http://schemas.openxmlformats.org/presentationml/2006/main">
+  <p:cSld>
+    <p:spTree>
+      <p:nvGrpSpPr>
+        <p:cNvPr id="1" name=""/>
+        <p:cNvGrpSpPr/>
+        <p:nvPr/>
+      </p:nvGrpSpPr>
+      <p:grpSpPr>
+        <a:xfrm>
+          <a:off x="0" y="0"/>
+          <a:ext cx="0" cy="0"/>
+          <a:chOff x="0" y="0"/>
+          <a:chExt cx="0" cy="0"/>
+        </a:xfrm>
+      </p:grpSpPr>
+      <p:grpSp>
+        <p:nvGrpSpPr>
+          <p:cNvPr id="6" name="그룹 5">
+            <a:extLst>
+              <a:ext uri="{FF2B5EF4-FFF2-40B4-BE49-F238E27FC236}">
+                <a16:creationId xmlns:a16="http://schemas.microsoft.com/office/drawing/2014/main" id="{CA7BD838-D4FB-4EA7-B68C-FA7B6D147BA2}"/>
+              </a:ext>
+            </a:extLst>
+          </p:cNvPr>
+          <p:cNvGrpSpPr/>
+          <p:nvPr/>
+        </p:nvGrpSpPr>
+        <p:grpSpPr>
+          <a:xfrm>
+            <a:off x="159192" y="182880"/>
+            <a:ext cx="1852488" cy="854227"/>
+            <a:chOff x="640080" y="-971550"/>
+            <a:chExt cx="1660746" cy="765810"/>
+          </a:xfrm>
+        </p:grpSpPr>
+        <p:sp>
+          <p:nvSpPr>
+            <p:cNvPr id="18" name="TextBox 17">
+              <a:extLst>
+                <a:ext uri="{FF2B5EF4-FFF2-40B4-BE49-F238E27FC236}">
+                  <a16:creationId xmlns:a16="http://schemas.microsoft.com/office/drawing/2014/main" id="{D7B7EE40-BAD9-4569-9BF6-F6E9ACA78A3C}"/>
+                </a:ext>
+              </a:extLst>
+            </p:cNvPr>
+            <p:cNvSpPr txBox="1"/>
+            <p:nvPr/>
+          </p:nvSpPr>
+          <p:spPr>
+            <a:xfrm>
+              <a:off x="675005" y="-733504"/>
+              <a:ext cx="1590896" cy="289716"/>
+            </a:xfrm>
+            <a:prstGeom prst="rect">
+              <a:avLst/>
+            </a:prstGeom>
+            <a:noFill/>
+          </p:spPr>
+          <p:txBody>
+            <a:bodyPr wrap="square" rtlCol="0">
+              <a:spAutoFit/>
+            </a:bodyPr>
+            <a:lstStyle/>
+            <a:p>
+              <a:pPr algn="ctr"/>
+              <a:r>
+                <a:rPr lang="en-US" altLang="ko-KR" sz="1500">
+                  <a:ln>
+                    <a:solidFill>
+                      <a:schemeClr val="tx1">
+                        <a:alpha val="30000"/>
+                      </a:schemeClr>
+                    </a:solidFill>
+                  </a:ln>
+                  <a:latin typeface="THE정고딕140" panose="02020603020101020101" pitchFamily="18" charset="-127"/>
+                  <a:ea typeface="THE정고딕140" panose="02020603020101020101" pitchFamily="18" charset="-127"/>
+                </a:rPr>
+                <a:t>SPA</a:t>
+              </a:r>
+              <a:endParaRPr lang="ko-KR" altLang="en-US" sz="1500" dirty="0">
+                <a:ln>
+                  <a:solidFill>
+                    <a:schemeClr val="tx1">
+                      <a:alpha val="30000"/>
+                    </a:schemeClr>
+                  </a:solidFill>
+                </a:ln>
+                <a:latin typeface="THE정고딕140" panose="02020603020101020101" pitchFamily="18" charset="-127"/>
+                <a:ea typeface="THE정고딕140" panose="02020603020101020101" pitchFamily="18" charset="-127"/>
+              </a:endParaRPr>
+            </a:p>
+          </p:txBody>
+        </p:sp>
+        <p:sp>
+          <p:nvSpPr>
+            <p:cNvPr id="5" name="직사각형 4">
+              <a:extLst>
+                <a:ext uri="{FF2B5EF4-FFF2-40B4-BE49-F238E27FC236}">
+                  <a16:creationId xmlns:a16="http://schemas.microsoft.com/office/drawing/2014/main" id="{AB4C8245-D0E4-4D79-B3E9-2FB89CE6FE84}"/>
+                </a:ext>
+              </a:extLst>
+            </p:cNvPr>
+            <p:cNvSpPr/>
+            <p:nvPr/>
+          </p:nvSpPr>
+          <p:spPr>
+            <a:xfrm>
+              <a:off x="640080" y="-971550"/>
+              <a:ext cx="1660746" cy="765810"/>
+            </a:xfrm>
+            <a:prstGeom prst="rect">
+              <a:avLst/>
+            </a:prstGeom>
+            <a:noFill/>
+            <a:ln w="25400">
+              <a:solidFill>
+                <a:schemeClr val="tx1"/>
+              </a:solidFill>
+            </a:ln>
+          </p:spPr>
+          <p:style>
+            <a:lnRef idx="2">
+              <a:schemeClr val="accent1">
+                <a:shade val="50000"/>
+              </a:schemeClr>
+            </a:lnRef>
+            <a:fillRef idx="1">
+              <a:schemeClr val="accent1"/>
+            </a:fillRef>
+            <a:effectRef idx="0">
+              <a:schemeClr val="accent1"/>
+            </a:effectRef>
+            <a:fontRef idx="minor">
+              <a:schemeClr val="lt1"/>
+            </a:fontRef>
+          </p:style>
+          <p:txBody>
+            <a:bodyPr rtlCol="0" anchor="ctr"/>
+            <a:lstStyle/>
+            <a:p>
+              <a:pPr algn="ctr"/>
+              <a:endParaRPr lang="ko-KR" altLang="en-US">
+                <a:latin typeface="THE정고딕140" panose="02020603020101020101" pitchFamily="18" charset="-127"/>
+                <a:ea typeface="THE정고딕140" panose="02020603020101020101" pitchFamily="18" charset="-127"/>
+              </a:endParaRPr>
+            </a:p>
+          </p:txBody>
+        </p:sp>
+      </p:grpSp>
+      <p:sp>
+        <p:nvSpPr>
+          <p:cNvPr id="8" name="TextBox 7">
+            <a:extLst>
+              <a:ext uri="{FF2B5EF4-FFF2-40B4-BE49-F238E27FC236}">
+                <a16:creationId xmlns:a16="http://schemas.microsoft.com/office/drawing/2014/main" id="{2E329BF9-FC3E-4D7B-9548-2D0DEAB24D3D}"/>
+              </a:ext>
+            </a:extLst>
+          </p:cNvPr>
+          <p:cNvSpPr txBox="1"/>
+          <p:nvPr/>
+        </p:nvSpPr>
+        <p:spPr>
+          <a:xfrm>
+            <a:off x="306594" y="2813447"/>
+            <a:ext cx="11578811" cy="1231106"/>
+          </a:xfrm>
+          <a:prstGeom prst="rect">
+            <a:avLst/>
+          </a:prstGeom>
+          <a:noFill/>
+        </p:spPr>
+        <p:txBody>
+          <a:bodyPr wrap="none" rtlCol="0">
+            <a:spAutoFit/>
+          </a:bodyPr>
+          <a:lstStyle/>
+          <a:p>
+            <a:r>
+              <a:rPr lang="en-US" altLang="ko-KR" sz="7400" dirty="0">
+                <a:latin typeface="THE정고딕140" panose="02020603020101020101" pitchFamily="18" charset="-127"/>
+                <a:ea typeface="THE정고딕140" panose="02020603020101020101" pitchFamily="18" charset="-127"/>
+              </a:rPr>
+              <a:t>Single Page Application</a:t>
+            </a:r>
+            <a:endParaRPr lang="ko-KR" altLang="en-US" sz="7400" dirty="0">
+              <a:latin typeface="THE정고딕140" panose="02020603020101020101" pitchFamily="18" charset="-127"/>
+              <a:ea typeface="THE정고딕140" panose="02020603020101020101" pitchFamily="18" charset="-127"/>
+            </a:endParaRPr>
+          </a:p>
+        </p:txBody>
+      </p:sp>
+    </p:spTree>
+    <p:extLst>
+      <p:ext uri="{BB962C8B-B14F-4D97-AF65-F5344CB8AC3E}">
+        <p14:creationId xmlns:p14="http://schemas.microsoft.com/office/powerpoint/2010/main" val="1077921025"/>
+      </p:ext>
+    </p:extLst>
+  </p:cSld>
+  <p:clrMapOvr>
+    <a:masterClrMapping/>
+  </p:clrMapOvr>
+</p:sld>
+</file>
+
+<file path=ppt/slides/slide16.xml><?xml version="1.0" encoding="utf-8"?>
+<p:sld xmlns:a="http://schemas.openxmlformats.org/drawingml/2006/main" xmlns:r="http://schemas.openxmlformats.org/officeDocument/2006/relationships" xmlns:p="http://schemas.openxmlformats.org/presentationml/2006/main">
+  <p:cSld>
+    <p:spTree>
+      <p:nvGrpSpPr>
+        <p:cNvPr id="1" name=""/>
+        <p:cNvGrpSpPr/>
+        <p:nvPr/>
+      </p:nvGrpSpPr>
+      <p:grpSpPr>
+        <a:xfrm>
+          <a:off x="0" y="0"/>
+          <a:ext cx="0" cy="0"/>
+          <a:chOff x="0" y="0"/>
+          <a:chExt cx="0" cy="0"/>
+        </a:xfrm>
+      </p:grpSpPr>
+      <p:grpSp>
+        <p:nvGrpSpPr>
+          <p:cNvPr id="6" name="그룹 5">
+            <a:extLst>
+              <a:ext uri="{FF2B5EF4-FFF2-40B4-BE49-F238E27FC236}">
+                <a16:creationId xmlns:a16="http://schemas.microsoft.com/office/drawing/2014/main" id="{CA7BD838-D4FB-4EA7-B68C-FA7B6D147BA2}"/>
+              </a:ext>
+            </a:extLst>
+          </p:cNvPr>
+          <p:cNvGrpSpPr/>
+          <p:nvPr/>
+        </p:nvGrpSpPr>
+        <p:grpSpPr>
+          <a:xfrm>
+            <a:off x="159192" y="182880"/>
+            <a:ext cx="1852488" cy="854227"/>
+            <a:chOff x="640080" y="-971550"/>
+            <a:chExt cx="1660746" cy="765810"/>
+          </a:xfrm>
+        </p:grpSpPr>
+        <p:sp>
+          <p:nvSpPr>
+            <p:cNvPr id="18" name="TextBox 17">
+              <a:extLst>
+                <a:ext uri="{FF2B5EF4-FFF2-40B4-BE49-F238E27FC236}">
+                  <a16:creationId xmlns:a16="http://schemas.microsoft.com/office/drawing/2014/main" id="{D7B7EE40-BAD9-4569-9BF6-F6E9ACA78A3C}"/>
+                </a:ext>
+              </a:extLst>
+            </p:cNvPr>
+            <p:cNvSpPr txBox="1"/>
+            <p:nvPr/>
+          </p:nvSpPr>
+          <p:spPr>
+            <a:xfrm>
+              <a:off x="675005" y="-733504"/>
+              <a:ext cx="1590896" cy="289716"/>
+            </a:xfrm>
+            <a:prstGeom prst="rect">
+              <a:avLst/>
+            </a:prstGeom>
+            <a:noFill/>
+          </p:spPr>
+          <p:txBody>
+            <a:bodyPr wrap="square" rtlCol="0">
+              <a:spAutoFit/>
+            </a:bodyPr>
+            <a:lstStyle/>
+            <a:p>
+              <a:pPr algn="ctr"/>
+              <a:r>
+                <a:rPr lang="en-US" altLang="ko-KR" sz="1500">
+                  <a:ln>
+                    <a:solidFill>
+                      <a:schemeClr val="tx1">
+                        <a:alpha val="30000"/>
+                      </a:schemeClr>
+                    </a:solidFill>
+                  </a:ln>
+                  <a:latin typeface="THE정고딕140" panose="02020603020101020101" pitchFamily="18" charset="-127"/>
+                  <a:ea typeface="THE정고딕140" panose="02020603020101020101" pitchFamily="18" charset="-127"/>
+                </a:rPr>
+                <a:t>SPA</a:t>
+              </a:r>
+              <a:endParaRPr lang="ko-KR" altLang="en-US" sz="1500" dirty="0">
+                <a:ln>
+                  <a:solidFill>
+                    <a:schemeClr val="tx1">
+                      <a:alpha val="30000"/>
+                    </a:schemeClr>
+                  </a:solidFill>
+                </a:ln>
+                <a:latin typeface="THE정고딕140" panose="02020603020101020101" pitchFamily="18" charset="-127"/>
+                <a:ea typeface="THE정고딕140" panose="02020603020101020101" pitchFamily="18" charset="-127"/>
+              </a:endParaRPr>
+            </a:p>
+          </p:txBody>
+        </p:sp>
+        <p:sp>
+          <p:nvSpPr>
+            <p:cNvPr id="5" name="직사각형 4">
+              <a:extLst>
+                <a:ext uri="{FF2B5EF4-FFF2-40B4-BE49-F238E27FC236}">
+                  <a16:creationId xmlns:a16="http://schemas.microsoft.com/office/drawing/2014/main" id="{AB4C8245-D0E4-4D79-B3E9-2FB89CE6FE84}"/>
+                </a:ext>
+              </a:extLst>
+            </p:cNvPr>
+            <p:cNvSpPr/>
+            <p:nvPr/>
+          </p:nvSpPr>
+          <p:spPr>
+            <a:xfrm>
+              <a:off x="640080" y="-971550"/>
+              <a:ext cx="1660746" cy="765810"/>
+            </a:xfrm>
+            <a:prstGeom prst="rect">
+              <a:avLst/>
+            </a:prstGeom>
+            <a:noFill/>
+            <a:ln w="25400">
+              <a:solidFill>
+                <a:schemeClr val="tx1"/>
+              </a:solidFill>
+            </a:ln>
+          </p:spPr>
+          <p:style>
+            <a:lnRef idx="2">
+              <a:schemeClr val="accent1">
+                <a:shade val="50000"/>
+              </a:schemeClr>
+            </a:lnRef>
+            <a:fillRef idx="1">
+              <a:schemeClr val="accent1"/>
+            </a:fillRef>
+            <a:effectRef idx="0">
+              <a:schemeClr val="accent1"/>
+            </a:effectRef>
+            <a:fontRef idx="minor">
+              <a:schemeClr val="lt1"/>
+            </a:fontRef>
+          </p:style>
+          <p:txBody>
+            <a:bodyPr rtlCol="0" anchor="ctr"/>
+            <a:lstStyle/>
+            <a:p>
+              <a:pPr algn="ctr"/>
+              <a:endParaRPr lang="ko-KR" altLang="en-US">
+                <a:latin typeface="THE정고딕140" panose="02020603020101020101" pitchFamily="18" charset="-127"/>
+                <a:ea typeface="THE정고딕140" panose="02020603020101020101" pitchFamily="18" charset="-127"/>
+              </a:endParaRPr>
+            </a:p>
+          </p:txBody>
+        </p:sp>
+      </p:grpSp>
+      <p:pic>
+        <p:nvPicPr>
+          <p:cNvPr id="3" name="그래픽 2" descr="서버">
+            <a:extLst>
+              <a:ext uri="{FF2B5EF4-FFF2-40B4-BE49-F238E27FC236}">
+                <a16:creationId xmlns:a16="http://schemas.microsoft.com/office/drawing/2014/main" id="{2475D6D2-CE10-494A-A5CE-84A7699EF1D4}"/>
+              </a:ext>
+            </a:extLst>
+          </p:cNvPr>
+          <p:cNvPicPr>
+            <a:picLocks noChangeAspect="1"/>
+          </p:cNvPicPr>
+          <p:nvPr/>
+        </p:nvPicPr>
+        <p:blipFill>
+          <a:blip r:embed="rId3">
+            <a:extLst>
+              <a:ext uri="{28A0092B-C50C-407E-A947-70E740481C1C}">
+                <a14:useLocalDpi xmlns:a14="http://schemas.microsoft.com/office/drawing/2010/main" val="0"/>
+              </a:ext>
+              <a:ext uri="{96DAC541-7B7A-43D3-8B79-37D633B846F1}">
+                <asvg:svgBlip xmlns:asvg="http://schemas.microsoft.com/office/drawing/2016/SVG/main" r:embed="rId4"/>
+              </a:ext>
+            </a:extLst>
+          </a:blip>
+          <a:stretch>
+            <a:fillRect/>
+          </a:stretch>
+        </p:blipFill>
+        <p:spPr>
+          <a:xfrm>
+            <a:off x="5263515" y="2596515"/>
+            <a:ext cx="1664970" cy="1664970"/>
+          </a:xfrm>
+          <a:prstGeom prst="rect">
+            <a:avLst/>
+          </a:prstGeom>
+        </p:spPr>
+      </p:pic>
+      <p:pic>
+        <p:nvPicPr>
+          <p:cNvPr id="7" name="그래픽 6" descr="모니터">
+            <a:extLst>
+              <a:ext uri="{FF2B5EF4-FFF2-40B4-BE49-F238E27FC236}">
+                <a16:creationId xmlns:a16="http://schemas.microsoft.com/office/drawing/2014/main" id="{A4C3FF64-ABF9-4F68-83A6-C84CF7E5A879}"/>
+              </a:ext>
+            </a:extLst>
+          </p:cNvPr>
+          <p:cNvPicPr>
+            <a:picLocks noChangeAspect="1"/>
+          </p:cNvPicPr>
+          <p:nvPr/>
+        </p:nvPicPr>
+        <p:blipFill>
+          <a:blip r:embed="rId5">
+            <a:extLst>
+              <a:ext uri="{28A0092B-C50C-407E-A947-70E740481C1C}">
+                <a14:useLocalDpi xmlns:a14="http://schemas.microsoft.com/office/drawing/2010/main" val="0"/>
+              </a:ext>
+              <a:ext uri="{96DAC541-7B7A-43D3-8B79-37D633B846F1}">
+                <asvg:svgBlip xmlns:asvg="http://schemas.microsoft.com/office/drawing/2016/SVG/main" r:embed="rId6"/>
+              </a:ext>
+            </a:extLst>
+          </a:blip>
+          <a:stretch>
+            <a:fillRect/>
+          </a:stretch>
+        </p:blipFill>
+        <p:spPr>
+          <a:xfrm>
+            <a:off x="803910" y="2596515"/>
+            <a:ext cx="1664970" cy="1664970"/>
+          </a:xfrm>
+          <a:prstGeom prst="rect">
+            <a:avLst/>
+          </a:prstGeom>
+        </p:spPr>
+      </p:pic>
+      <p:pic>
+        <p:nvPicPr>
+          <p:cNvPr id="10" name="그래픽 9" descr="데이터베이스">
+            <a:extLst>
+              <a:ext uri="{FF2B5EF4-FFF2-40B4-BE49-F238E27FC236}">
+                <a16:creationId xmlns:a16="http://schemas.microsoft.com/office/drawing/2014/main" id="{7C16ECB7-A164-4315-B39C-1D43C9A06BF4}"/>
+              </a:ext>
+            </a:extLst>
+          </p:cNvPr>
+          <p:cNvPicPr>
+            <a:picLocks noChangeAspect="1"/>
+          </p:cNvPicPr>
+          <p:nvPr/>
+        </p:nvPicPr>
+        <p:blipFill>
+          <a:blip r:embed="rId7">
+            <a:extLst>
+              <a:ext uri="{28A0092B-C50C-407E-A947-70E740481C1C}">
+                <a14:useLocalDpi xmlns:a14="http://schemas.microsoft.com/office/drawing/2010/main" val="0"/>
+              </a:ext>
+              <a:ext uri="{96DAC541-7B7A-43D3-8B79-37D633B846F1}">
+                <asvg:svgBlip xmlns:asvg="http://schemas.microsoft.com/office/drawing/2016/SVG/main" r:embed="rId8"/>
+              </a:ext>
+            </a:extLst>
+          </a:blip>
+          <a:stretch>
+            <a:fillRect/>
+          </a:stretch>
+        </p:blipFill>
+        <p:spPr>
+          <a:xfrm>
+            <a:off x="9723120" y="2596515"/>
+            <a:ext cx="1664970" cy="1664970"/>
+          </a:xfrm>
+          <a:prstGeom prst="rect">
+            <a:avLst/>
+          </a:prstGeom>
+        </p:spPr>
+      </p:pic>
+      <p:sp>
+        <p:nvSpPr>
+          <p:cNvPr id="11" name="TextBox 10">
+            <a:extLst>
+              <a:ext uri="{FF2B5EF4-FFF2-40B4-BE49-F238E27FC236}">
+                <a16:creationId xmlns:a16="http://schemas.microsoft.com/office/drawing/2014/main" id="{00D7DDE0-F4E1-49CB-8E32-71D7935C9676}"/>
+              </a:ext>
+            </a:extLst>
+          </p:cNvPr>
+          <p:cNvSpPr txBox="1"/>
+          <p:nvPr/>
+        </p:nvSpPr>
+        <p:spPr>
+          <a:xfrm>
+            <a:off x="1214644" y="4076819"/>
+            <a:ext cx="843501" cy="369332"/>
+          </a:xfrm>
+          <a:prstGeom prst="rect">
+            <a:avLst/>
+          </a:prstGeom>
+          <a:noFill/>
+        </p:spPr>
+        <p:txBody>
+          <a:bodyPr wrap="none" rtlCol="0">
+            <a:spAutoFit/>
+          </a:bodyPr>
+          <a:lstStyle/>
+          <a:p>
+            <a:r>
+              <a:rPr lang="en-US" altLang="ko-KR">
+                <a:latin typeface="THE정고딕140" panose="02020603020101020101" pitchFamily="18" charset="-127"/>
+                <a:ea typeface="THE정고딕140" panose="02020603020101020101" pitchFamily="18" charset="-127"/>
+              </a:rPr>
+              <a:t>Client</a:t>
+            </a:r>
+            <a:endParaRPr lang="ko-KR" altLang="en-US">
+              <a:latin typeface="THE정고딕140" panose="02020603020101020101" pitchFamily="18" charset="-127"/>
+              <a:ea typeface="THE정고딕140" panose="02020603020101020101" pitchFamily="18" charset="-127"/>
+            </a:endParaRPr>
+          </a:p>
+        </p:txBody>
+      </p:sp>
+      <p:sp>
+        <p:nvSpPr>
+          <p:cNvPr id="12" name="TextBox 11">
+            <a:extLst>
+              <a:ext uri="{FF2B5EF4-FFF2-40B4-BE49-F238E27FC236}">
+                <a16:creationId xmlns:a16="http://schemas.microsoft.com/office/drawing/2014/main" id="{D95AACB1-3A80-4A4C-B8D1-CA7C2CF265C2}"/>
+              </a:ext>
+            </a:extLst>
+          </p:cNvPr>
+          <p:cNvSpPr txBox="1"/>
+          <p:nvPr/>
+        </p:nvSpPr>
+        <p:spPr>
+          <a:xfrm>
+            <a:off x="5674249" y="4076819"/>
+            <a:ext cx="906017" cy="369332"/>
+          </a:xfrm>
+          <a:prstGeom prst="rect">
+            <a:avLst/>
+          </a:prstGeom>
+          <a:noFill/>
+        </p:spPr>
+        <p:txBody>
+          <a:bodyPr wrap="none" rtlCol="0">
+            <a:spAutoFit/>
+          </a:bodyPr>
+          <a:lstStyle/>
+          <a:p>
+            <a:r>
+              <a:rPr lang="en-US" altLang="ko-KR">
+                <a:latin typeface="THE정고딕140" panose="02020603020101020101" pitchFamily="18" charset="-127"/>
+                <a:ea typeface="THE정고딕140" panose="02020603020101020101" pitchFamily="18" charset="-127"/>
+              </a:rPr>
+              <a:t>Server</a:t>
+            </a:r>
+            <a:endParaRPr lang="ko-KR" altLang="en-US">
+              <a:latin typeface="THE정고딕140" panose="02020603020101020101" pitchFamily="18" charset="-127"/>
+              <a:ea typeface="THE정고딕140" panose="02020603020101020101" pitchFamily="18" charset="-127"/>
+            </a:endParaRPr>
+          </a:p>
+        </p:txBody>
+      </p:sp>
+      <p:sp>
+        <p:nvSpPr>
+          <p:cNvPr id="14" name="TextBox 13">
+            <a:extLst>
+              <a:ext uri="{FF2B5EF4-FFF2-40B4-BE49-F238E27FC236}">
+                <a16:creationId xmlns:a16="http://schemas.microsoft.com/office/drawing/2014/main" id="{E020F1A9-A837-44A9-9800-586360972387}"/>
+              </a:ext>
+            </a:extLst>
+          </p:cNvPr>
+          <p:cNvSpPr txBox="1"/>
+          <p:nvPr/>
+        </p:nvSpPr>
+        <p:spPr>
+          <a:xfrm>
+            <a:off x="9896610" y="4076819"/>
+            <a:ext cx="1317990" cy="369332"/>
+          </a:xfrm>
+          <a:prstGeom prst="rect">
+            <a:avLst/>
+          </a:prstGeom>
+          <a:noFill/>
+        </p:spPr>
+        <p:txBody>
+          <a:bodyPr wrap="none" rtlCol="0">
+            <a:spAutoFit/>
+          </a:bodyPr>
+          <a:lstStyle/>
+          <a:p>
+            <a:r>
+              <a:rPr lang="en-US" altLang="ko-KR">
+                <a:latin typeface="THE정고딕140" panose="02020603020101020101" pitchFamily="18" charset="-127"/>
+                <a:ea typeface="THE정고딕140" panose="02020603020101020101" pitchFamily="18" charset="-127"/>
+              </a:rPr>
+              <a:t>Database</a:t>
+            </a:r>
+            <a:endParaRPr lang="ko-KR" altLang="en-US">
+              <a:latin typeface="THE정고딕140" panose="02020603020101020101" pitchFamily="18" charset="-127"/>
+              <a:ea typeface="THE정고딕140" panose="02020603020101020101" pitchFamily="18" charset="-127"/>
+            </a:endParaRPr>
+          </a:p>
+        </p:txBody>
+      </p:sp>
+      <p:cxnSp>
+        <p:nvCxnSpPr>
+          <p:cNvPr id="20" name="직선 화살표 연결선 19">
+            <a:extLst>
+              <a:ext uri="{FF2B5EF4-FFF2-40B4-BE49-F238E27FC236}">
+                <a16:creationId xmlns:a16="http://schemas.microsoft.com/office/drawing/2014/main" id="{B77285B1-5B0D-4F5C-B514-BC05295C542F}"/>
+              </a:ext>
+            </a:extLst>
+          </p:cNvPr>
+          <p:cNvCxnSpPr>
+            <a:stCxn id="7" idx="3"/>
+            <a:endCxn id="3" idx="1"/>
+          </p:cNvCxnSpPr>
+          <p:nvPr/>
+        </p:nvCxnSpPr>
+        <p:spPr>
+          <a:xfrm>
+            <a:off x="2468880" y="3429000"/>
+            <a:ext cx="2794635" cy="0"/>
+          </a:xfrm>
+          <a:prstGeom prst="straightConnector1">
+            <a:avLst/>
+          </a:prstGeom>
+          <a:ln>
+            <a:headEnd type="triangle"/>
+            <a:tailEnd type="triangle"/>
+          </a:ln>
+        </p:spPr>
+        <p:style>
+          <a:lnRef idx="3">
+            <a:schemeClr val="dk1"/>
+          </a:lnRef>
+          <a:fillRef idx="0">
+            <a:schemeClr val="dk1"/>
+          </a:fillRef>
+          <a:effectRef idx="2">
+            <a:schemeClr val="dk1"/>
+          </a:effectRef>
+          <a:fontRef idx="minor">
+            <a:schemeClr val="tx1"/>
+          </a:fontRef>
+        </p:style>
+      </p:cxnSp>
+      <p:cxnSp>
+        <p:nvCxnSpPr>
+          <p:cNvPr id="21" name="직선 화살표 연결선 20">
+            <a:extLst>
+              <a:ext uri="{FF2B5EF4-FFF2-40B4-BE49-F238E27FC236}">
+                <a16:creationId xmlns:a16="http://schemas.microsoft.com/office/drawing/2014/main" id="{3C5D10AC-7A5C-40D4-8E35-D6A47A5A666B}"/>
+              </a:ext>
+            </a:extLst>
+          </p:cNvPr>
+          <p:cNvCxnSpPr>
+            <a:cxnSpLocks/>
+            <a:stCxn id="3" idx="3"/>
+            <a:endCxn id="10" idx="1"/>
+          </p:cNvCxnSpPr>
+          <p:nvPr/>
+        </p:nvCxnSpPr>
+        <p:spPr>
+          <a:xfrm>
+            <a:off x="6928485" y="3429000"/>
+            <a:ext cx="2794635" cy="0"/>
+          </a:xfrm>
+          <a:prstGeom prst="straightConnector1">
+            <a:avLst/>
+          </a:prstGeom>
+          <a:ln>
+            <a:headEnd type="triangle"/>
+            <a:tailEnd type="triangle"/>
+          </a:ln>
+        </p:spPr>
+        <p:style>
+          <a:lnRef idx="3">
+            <a:schemeClr val="dk1"/>
+          </a:lnRef>
+          <a:fillRef idx="0">
+            <a:schemeClr val="dk1"/>
+          </a:fillRef>
+          <a:effectRef idx="2">
+            <a:schemeClr val="dk1"/>
+          </a:effectRef>
+          <a:fontRef idx="minor">
+            <a:schemeClr val="tx1"/>
+          </a:fontRef>
+        </p:style>
+      </p:cxnSp>
+    </p:spTree>
+    <p:extLst>
+      <p:ext uri="{BB962C8B-B14F-4D97-AF65-F5344CB8AC3E}">
+        <p14:creationId xmlns:p14="http://schemas.microsoft.com/office/powerpoint/2010/main" val="2164116289"/>
+      </p:ext>
+    </p:extLst>
+  </p:cSld>
+  <p:clrMapOvr>
+    <a:masterClrMapping/>
+  </p:clrMapOvr>
+</p:sld>
+</file>
+
+<file path=ppt/slides/slide17.xml><?xml version="1.0" encoding="utf-8"?>
+<p:sld xmlns:a="http://schemas.openxmlformats.org/drawingml/2006/main" xmlns:r="http://schemas.openxmlformats.org/officeDocument/2006/relationships" xmlns:p="http://schemas.openxmlformats.org/presentationml/2006/main">
+  <p:cSld>
+    <p:spTree>
+      <p:nvGrpSpPr>
+        <p:cNvPr id="1" name=""/>
+        <p:cNvGrpSpPr/>
+        <p:nvPr/>
+      </p:nvGrpSpPr>
+      <p:grpSpPr>
+        <a:xfrm>
+          <a:off x="0" y="0"/>
+          <a:ext cx="0" cy="0"/>
+          <a:chOff x="0" y="0"/>
+          <a:chExt cx="0" cy="0"/>
+        </a:xfrm>
+      </p:grpSpPr>
+      <p:grpSp>
+        <p:nvGrpSpPr>
+          <p:cNvPr id="6" name="그룹 5">
+            <a:extLst>
+              <a:ext uri="{FF2B5EF4-FFF2-40B4-BE49-F238E27FC236}">
+                <a16:creationId xmlns:a16="http://schemas.microsoft.com/office/drawing/2014/main" id="{CA7BD838-D4FB-4EA7-B68C-FA7B6D147BA2}"/>
+              </a:ext>
+            </a:extLst>
+          </p:cNvPr>
+          <p:cNvGrpSpPr/>
+          <p:nvPr/>
+        </p:nvGrpSpPr>
+        <p:grpSpPr>
+          <a:xfrm>
+            <a:off x="159192" y="182880"/>
+            <a:ext cx="1852488" cy="854227"/>
+            <a:chOff x="640080" y="-971550"/>
+            <a:chExt cx="1660746" cy="765810"/>
+          </a:xfrm>
+        </p:grpSpPr>
+        <p:sp>
+          <p:nvSpPr>
+            <p:cNvPr id="18" name="TextBox 17">
+              <a:extLst>
+                <a:ext uri="{FF2B5EF4-FFF2-40B4-BE49-F238E27FC236}">
+                  <a16:creationId xmlns:a16="http://schemas.microsoft.com/office/drawing/2014/main" id="{D7B7EE40-BAD9-4569-9BF6-F6E9ACA78A3C}"/>
+                </a:ext>
+              </a:extLst>
+            </p:cNvPr>
+            <p:cNvSpPr txBox="1"/>
+            <p:nvPr/>
+          </p:nvSpPr>
+          <p:spPr>
+            <a:xfrm>
+              <a:off x="675005" y="-733504"/>
+              <a:ext cx="1590896" cy="289716"/>
+            </a:xfrm>
+            <a:prstGeom prst="rect">
+              <a:avLst/>
+            </a:prstGeom>
+            <a:noFill/>
+          </p:spPr>
+          <p:txBody>
+            <a:bodyPr wrap="square" rtlCol="0">
+              <a:spAutoFit/>
+            </a:bodyPr>
+            <a:lstStyle/>
+            <a:p>
+              <a:pPr algn="ctr"/>
+              <a:r>
+                <a:rPr lang="en-US" altLang="ko-KR" sz="1500">
+                  <a:ln>
+                    <a:solidFill>
+                      <a:schemeClr val="tx1">
+                        <a:alpha val="30000"/>
+                      </a:schemeClr>
+                    </a:solidFill>
+                  </a:ln>
+                  <a:latin typeface="THE정고딕140" panose="02020603020101020101" pitchFamily="18" charset="-127"/>
+                  <a:ea typeface="THE정고딕140" panose="02020603020101020101" pitchFamily="18" charset="-127"/>
+                </a:rPr>
+                <a:t>FrameWork</a:t>
+              </a:r>
+              <a:endParaRPr lang="ko-KR" altLang="en-US" sz="1500" dirty="0">
+                <a:ln>
+                  <a:solidFill>
+                    <a:schemeClr val="tx1">
+                      <a:alpha val="30000"/>
+                    </a:schemeClr>
+                  </a:solidFill>
+                </a:ln>
+                <a:latin typeface="THE정고딕140" panose="02020603020101020101" pitchFamily="18" charset="-127"/>
+                <a:ea typeface="THE정고딕140" panose="02020603020101020101" pitchFamily="18" charset="-127"/>
+              </a:endParaRPr>
+            </a:p>
+          </p:txBody>
+        </p:sp>
+        <p:sp>
+          <p:nvSpPr>
+            <p:cNvPr id="5" name="직사각형 4">
+              <a:extLst>
+                <a:ext uri="{FF2B5EF4-FFF2-40B4-BE49-F238E27FC236}">
+                  <a16:creationId xmlns:a16="http://schemas.microsoft.com/office/drawing/2014/main" id="{AB4C8245-D0E4-4D79-B3E9-2FB89CE6FE84}"/>
+                </a:ext>
+              </a:extLst>
+            </p:cNvPr>
+            <p:cNvSpPr/>
+            <p:nvPr/>
+          </p:nvSpPr>
+          <p:spPr>
+            <a:xfrm>
+              <a:off x="640080" y="-971550"/>
+              <a:ext cx="1660746" cy="765810"/>
+            </a:xfrm>
+            <a:prstGeom prst="rect">
+              <a:avLst/>
+            </a:prstGeom>
+            <a:noFill/>
+            <a:ln w="25400">
+              <a:solidFill>
+                <a:schemeClr val="tx1"/>
+              </a:solidFill>
+            </a:ln>
+          </p:spPr>
+          <p:style>
+            <a:lnRef idx="2">
+              <a:schemeClr val="accent1">
+                <a:shade val="50000"/>
+              </a:schemeClr>
+            </a:lnRef>
+            <a:fillRef idx="1">
+              <a:schemeClr val="accent1"/>
+            </a:fillRef>
+            <a:effectRef idx="0">
+              <a:schemeClr val="accent1"/>
+            </a:effectRef>
+            <a:fontRef idx="minor">
+              <a:schemeClr val="lt1"/>
+            </a:fontRef>
+          </p:style>
+          <p:txBody>
+            <a:bodyPr rtlCol="0" anchor="ctr"/>
+            <a:lstStyle/>
+            <a:p>
+              <a:pPr algn="ctr"/>
+              <a:endParaRPr lang="ko-KR" altLang="en-US">
+                <a:latin typeface="THE정고딕140" panose="02020603020101020101" pitchFamily="18" charset="-127"/>
+                <a:ea typeface="THE정고딕140" panose="02020603020101020101" pitchFamily="18" charset="-127"/>
+              </a:endParaRPr>
+            </a:p>
+          </p:txBody>
+        </p:sp>
+      </p:grpSp>
+      <p:pic>
+        <p:nvPicPr>
+          <p:cNvPr id="7" name="그림 6">
+            <a:extLst>
+              <a:ext uri="{FF2B5EF4-FFF2-40B4-BE49-F238E27FC236}">
+                <a16:creationId xmlns:a16="http://schemas.microsoft.com/office/drawing/2014/main" id="{C720C432-5C13-4FB3-BFB0-EBEE68B4EC45}"/>
+              </a:ext>
+            </a:extLst>
+          </p:cNvPr>
+          <p:cNvPicPr>
+            <a:picLocks noChangeAspect="1"/>
+          </p:cNvPicPr>
+          <p:nvPr/>
+        </p:nvPicPr>
+        <p:blipFill>
+          <a:blip r:embed="rId3">
+            <a:extLst>
+              <a:ext uri="{28A0092B-C50C-407E-A947-70E740481C1C}">
+                <a14:useLocalDpi xmlns:a14="http://schemas.microsoft.com/office/drawing/2010/main" val="0"/>
+              </a:ext>
+            </a:extLst>
+          </a:blip>
+          <a:stretch>
+            <a:fillRect/>
+          </a:stretch>
+        </p:blipFill>
+        <p:spPr>
+          <a:xfrm>
+            <a:off x="2286000" y="1123950"/>
+            <a:ext cx="7620000" cy="5734050"/>
+          </a:xfrm>
+          <a:prstGeom prst="rect">
+            <a:avLst/>
+          </a:prstGeom>
+        </p:spPr>
+      </p:pic>
+    </p:spTree>
+    <p:extLst>
+      <p:ext uri="{BB962C8B-B14F-4D97-AF65-F5344CB8AC3E}">
+        <p14:creationId xmlns:p14="http://schemas.microsoft.com/office/powerpoint/2010/main" val="1700693684"/>
+      </p:ext>
+    </p:extLst>
+  </p:cSld>
+  <p:clrMapOvr>
+    <a:masterClrMapping/>
+  </p:clrMapOvr>
+</p:sld>
+</file>
+
+<file path=ppt/slides/slide18.xml><?xml version="1.0" encoding="utf-8"?>
 <p:sld xmlns:a="http://schemas.openxmlformats.org/drawingml/2006/main" xmlns:r="http://schemas.openxmlformats.org/officeDocument/2006/relationships" xmlns:p="http://schemas.openxmlformats.org/presentationml/2006/main">
   <p:cSld>
     <p:spTree>
@@ -10119,125 +11276,115 @@
           </p:txBody>
         </p:sp>
       </p:grpSp>
-      <p:sp>
-        <p:nvSpPr>
-          <p:cNvPr id="3" name="TextBox 2">
+      <p:pic>
+        <p:nvPicPr>
+          <p:cNvPr id="4" name="그림 3">
             <a:extLst>
               <a:ext uri="{FF2B5EF4-FFF2-40B4-BE49-F238E27FC236}">
-                <a16:creationId xmlns:a16="http://schemas.microsoft.com/office/drawing/2014/main" id="{8E94E537-B9FE-42FC-BC09-D69259767E5C}"/>
+                <a16:creationId xmlns:a16="http://schemas.microsoft.com/office/drawing/2014/main" id="{9D1EEF0F-708D-47BB-BCC0-499C4508069E}"/>
               </a:ext>
             </a:extLst>
           </p:cNvPr>
-          <p:cNvSpPr txBox="1"/>
+          <p:cNvPicPr>
+            <a:picLocks noChangeAspect="1"/>
+          </p:cNvPicPr>
           <p:nvPr/>
-        </p:nvSpPr>
+        </p:nvPicPr>
+        <p:blipFill rotWithShape="1">
+          <a:blip r:embed="rId3">
+            <a:extLst>
+              <a:ext uri="{28A0092B-C50C-407E-A947-70E740481C1C}">
+                <a14:useLocalDpi xmlns:a14="http://schemas.microsoft.com/office/drawing/2010/main" val="0"/>
+              </a:ext>
+            </a:extLst>
+          </a:blip>
+          <a:srcRect t="4887" b="5008"/>
+          <a:stretch/>
+        </p:blipFill>
         <p:spPr>
           <a:xfrm>
-            <a:off x="2388869" y="422305"/>
-            <a:ext cx="6574377" cy="307777"/>
+            <a:off x="450882" y="2420467"/>
+            <a:ext cx="2652757" cy="2390274"/>
           </a:xfrm>
           <a:prstGeom prst="rect">
             <a:avLst/>
           </a:prstGeom>
-          <a:noFill/>
-          <a:ln>
-            <a:noFill/>
-          </a:ln>
         </p:spPr>
-        <p:txBody>
-          <a:bodyPr wrap="square" rtlCol="0">
-            <a:spAutoFit/>
-          </a:bodyPr>
-          <a:lstStyle/>
-          <a:p>
-            <a:r>
-              <a:rPr lang="en-US" altLang="ko-KR" sz="1400" dirty="0">
-                <a:ln>
-                  <a:solidFill>
-                    <a:schemeClr val="tx1">
-                      <a:alpha val="30000"/>
-                    </a:schemeClr>
-                  </a:solidFill>
-                </a:ln>
-                <a:latin typeface="THE정고딕140" panose="02020603020101020101" pitchFamily="18" charset="-127"/>
-                <a:ea typeface="THE정고딕140" panose="02020603020101020101" pitchFamily="18" charset="-127"/>
-              </a:rPr>
-              <a:t>SPA?</a:t>
-            </a:r>
-            <a:r>
-              <a:rPr lang="ko-KR" altLang="en-US" sz="1400" dirty="0">
-                <a:ln>
-                  <a:solidFill>
-                    <a:schemeClr val="tx1">
-                      <a:alpha val="30000"/>
-                    </a:schemeClr>
-                  </a:solidFill>
-                </a:ln>
-                <a:latin typeface="THE정고딕140" panose="02020603020101020101" pitchFamily="18" charset="-127"/>
-                <a:ea typeface="THE정고딕140" panose="02020603020101020101" pitchFamily="18" charset="-127"/>
-              </a:rPr>
-              <a:t> </a:t>
-            </a:r>
-            <a:endParaRPr lang="en-US" altLang="ko-KR" sz="1400" dirty="0">
-              <a:ln>
-                <a:solidFill>
-                  <a:schemeClr val="tx1">
-                    <a:alpha val="30000"/>
-                  </a:schemeClr>
-                </a:solidFill>
-              </a:ln>
-              <a:latin typeface="THE정고딕140" panose="02020603020101020101" pitchFamily="18" charset="-127"/>
-              <a:ea typeface="THE정고딕140" panose="02020603020101020101" pitchFamily="18" charset="-127"/>
-            </a:endParaRPr>
-          </a:p>
-        </p:txBody>
-      </p:sp>
-      <p:sp>
-        <p:nvSpPr>
-          <p:cNvPr id="8" name="TextBox 7">
+      </p:pic>
+      <p:pic>
+        <p:nvPicPr>
+          <p:cNvPr id="9" name="그림 8">
             <a:extLst>
               <a:ext uri="{FF2B5EF4-FFF2-40B4-BE49-F238E27FC236}">
-                <a16:creationId xmlns:a16="http://schemas.microsoft.com/office/drawing/2014/main" id="{2E329BF9-FC3E-4D7B-9548-2D0DEAB24D3D}"/>
+                <a16:creationId xmlns:a16="http://schemas.microsoft.com/office/drawing/2014/main" id="{B20DADDF-4AFB-4089-977B-F164D5EDBCBC}"/>
               </a:ext>
             </a:extLst>
           </p:cNvPr>
-          <p:cNvSpPr txBox="1"/>
+          <p:cNvPicPr>
+            <a:picLocks noChangeAspect="1"/>
+          </p:cNvPicPr>
           <p:nvPr/>
-        </p:nvSpPr>
+        </p:nvPicPr>
+        <p:blipFill rotWithShape="1">
+          <a:blip r:embed="rId4">
+            <a:extLst>
+              <a:ext uri="{28A0092B-C50C-407E-A947-70E740481C1C}">
+                <a14:useLocalDpi xmlns:a14="http://schemas.microsoft.com/office/drawing/2010/main" val="0"/>
+              </a:ext>
+            </a:extLst>
+          </a:blip>
+          <a:srcRect l="-597" t="6770" r="1685" b="7043"/>
+          <a:stretch/>
+        </p:blipFill>
         <p:spPr>
           <a:xfrm>
-            <a:off x="306594" y="2813447"/>
-            <a:ext cx="11578811" cy="1231106"/>
+            <a:off x="4598649" y="2310895"/>
+            <a:ext cx="2994701" cy="2609418"/>
           </a:xfrm>
           <a:prstGeom prst="rect">
             <a:avLst/>
           </a:prstGeom>
-          <a:noFill/>
         </p:spPr>
-        <p:txBody>
-          <a:bodyPr wrap="none" rtlCol="0">
-            <a:spAutoFit/>
-          </a:bodyPr>
-          <a:lstStyle/>
-          <a:p>
-            <a:r>
-              <a:rPr lang="en-US" altLang="ko-KR" sz="7400" dirty="0">
-                <a:latin typeface="THE정고딕140" panose="02020603020101020101" pitchFamily="18" charset="-127"/>
-                <a:ea typeface="THE정고딕140" panose="02020603020101020101" pitchFamily="18" charset="-127"/>
-              </a:rPr>
-              <a:t>Single Page Application</a:t>
-            </a:r>
-            <a:endParaRPr lang="ko-KR" altLang="en-US" sz="7400" dirty="0">
-              <a:latin typeface="THE정고딕140" panose="02020603020101020101" pitchFamily="18" charset="-127"/>
-              <a:ea typeface="THE정고딕140" panose="02020603020101020101" pitchFamily="18" charset="-127"/>
-            </a:endParaRPr>
-          </a:p>
-        </p:txBody>
-      </p:sp>
+      </p:pic>
+      <p:pic>
+        <p:nvPicPr>
+          <p:cNvPr id="11" name="그림 10">
+            <a:extLst>
+              <a:ext uri="{FF2B5EF4-FFF2-40B4-BE49-F238E27FC236}">
+                <a16:creationId xmlns:a16="http://schemas.microsoft.com/office/drawing/2014/main" id="{E6570AF0-17F8-4B6B-B038-0A7F9CE3C6BA}"/>
+              </a:ext>
+            </a:extLst>
+          </p:cNvPr>
+          <p:cNvPicPr>
+            <a:picLocks noChangeAspect="1"/>
+          </p:cNvPicPr>
+          <p:nvPr/>
+        </p:nvPicPr>
+        <p:blipFill rotWithShape="1">
+          <a:blip r:embed="rId5">
+            <a:extLst>
+              <a:ext uri="{28A0092B-C50C-407E-A947-70E740481C1C}">
+                <a14:useLocalDpi xmlns:a14="http://schemas.microsoft.com/office/drawing/2010/main" val="0"/>
+              </a:ext>
+            </a:extLst>
+          </a:blip>
+          <a:srcRect l="30049" t="24372" r="30542"/>
+          <a:stretch/>
+        </p:blipFill>
+        <p:spPr>
+          <a:xfrm>
+            <a:off x="9144132" y="2146951"/>
+            <a:ext cx="2612571" cy="2773362"/>
+          </a:xfrm>
+          <a:prstGeom prst="rect">
+            <a:avLst/>
+          </a:prstGeom>
+        </p:spPr>
+      </p:pic>
     </p:spTree>
     <p:extLst>
       <p:ext uri="{BB962C8B-B14F-4D97-AF65-F5344CB8AC3E}">
-        <p14:creationId xmlns:p14="http://schemas.microsoft.com/office/powerpoint/2010/main" val="1077921025"/>
+        <p14:creationId xmlns:p14="http://schemas.microsoft.com/office/powerpoint/2010/main" val="2767981600"/>
       </p:ext>
     </p:extLst>
   </p:cSld>
@@ -10247,7 +11394,7 @@
 </p:sld>
 </file>
 
-<file path=ppt/slides/slide16.xml><?xml version="1.0" encoding="utf-8"?>
+<file path=ppt/slides/slide19.xml><?xml version="1.0" encoding="utf-8"?>
 <p:sld xmlns:a="http://schemas.openxmlformats.org/drawingml/2006/main" xmlns:r="http://schemas.openxmlformats.org/officeDocument/2006/relationships" xmlns:p="http://schemas.openxmlformats.org/presentationml/2006/main">
   <p:cSld>
     <p:spTree>
@@ -10397,370 +11544,6 @@
           </p:txBody>
         </p:sp>
       </p:grpSp>
-      <p:sp>
-        <p:nvSpPr>
-          <p:cNvPr id="3" name="TextBox 2">
-            <a:extLst>
-              <a:ext uri="{FF2B5EF4-FFF2-40B4-BE49-F238E27FC236}">
-                <a16:creationId xmlns:a16="http://schemas.microsoft.com/office/drawing/2014/main" id="{8E94E537-B9FE-42FC-BC09-D69259767E5C}"/>
-              </a:ext>
-            </a:extLst>
-          </p:cNvPr>
-          <p:cNvSpPr txBox="1"/>
-          <p:nvPr/>
-        </p:nvSpPr>
-        <p:spPr>
-          <a:xfrm>
-            <a:off x="2388869" y="422305"/>
-            <a:ext cx="6574377" cy="307777"/>
-          </a:xfrm>
-          <a:prstGeom prst="rect">
-            <a:avLst/>
-          </a:prstGeom>
-          <a:noFill/>
-          <a:ln>
-            <a:noFill/>
-          </a:ln>
-        </p:spPr>
-        <p:txBody>
-          <a:bodyPr wrap="square" rtlCol="0">
-            <a:spAutoFit/>
-          </a:bodyPr>
-          <a:lstStyle/>
-          <a:p>
-            <a:r>
-              <a:rPr lang="en-US" altLang="ko-KR" sz="1400" dirty="0">
-                <a:ln>
-                  <a:solidFill>
-                    <a:schemeClr val="tx1">
-                      <a:alpha val="30000"/>
-                    </a:schemeClr>
-                  </a:solidFill>
-                </a:ln>
-                <a:latin typeface="THE정고딕140" panose="02020603020101020101" pitchFamily="18" charset="-127"/>
-                <a:ea typeface="THE정고딕140" panose="02020603020101020101" pitchFamily="18" charset="-127"/>
-              </a:rPr>
-              <a:t>SPA Framework</a:t>
-            </a:r>
-          </a:p>
-        </p:txBody>
-      </p:sp>
-      <p:pic>
-        <p:nvPicPr>
-          <p:cNvPr id="4" name="그림 3">
-            <a:extLst>
-              <a:ext uri="{FF2B5EF4-FFF2-40B4-BE49-F238E27FC236}">
-                <a16:creationId xmlns:a16="http://schemas.microsoft.com/office/drawing/2014/main" id="{9D1EEF0F-708D-47BB-BCC0-499C4508069E}"/>
-              </a:ext>
-            </a:extLst>
-          </p:cNvPr>
-          <p:cNvPicPr>
-            <a:picLocks noChangeAspect="1"/>
-          </p:cNvPicPr>
-          <p:nvPr/>
-        </p:nvPicPr>
-        <p:blipFill rotWithShape="1">
-          <a:blip r:embed="rId3">
-            <a:extLst>
-              <a:ext uri="{28A0092B-C50C-407E-A947-70E740481C1C}">
-                <a14:useLocalDpi xmlns:a14="http://schemas.microsoft.com/office/drawing/2010/main" val="0"/>
-              </a:ext>
-            </a:extLst>
-          </a:blip>
-          <a:srcRect t="4887" b="5008"/>
-          <a:stretch/>
-        </p:blipFill>
-        <p:spPr>
-          <a:xfrm>
-            <a:off x="450882" y="2420467"/>
-            <a:ext cx="2652757" cy="2390274"/>
-          </a:xfrm>
-          <a:prstGeom prst="rect">
-            <a:avLst/>
-          </a:prstGeom>
-        </p:spPr>
-      </p:pic>
-      <p:pic>
-        <p:nvPicPr>
-          <p:cNvPr id="9" name="그림 8">
-            <a:extLst>
-              <a:ext uri="{FF2B5EF4-FFF2-40B4-BE49-F238E27FC236}">
-                <a16:creationId xmlns:a16="http://schemas.microsoft.com/office/drawing/2014/main" id="{B20DADDF-4AFB-4089-977B-F164D5EDBCBC}"/>
-              </a:ext>
-            </a:extLst>
-          </p:cNvPr>
-          <p:cNvPicPr>
-            <a:picLocks noChangeAspect="1"/>
-          </p:cNvPicPr>
-          <p:nvPr/>
-        </p:nvPicPr>
-        <p:blipFill rotWithShape="1">
-          <a:blip r:embed="rId4">
-            <a:extLst>
-              <a:ext uri="{28A0092B-C50C-407E-A947-70E740481C1C}">
-                <a14:useLocalDpi xmlns:a14="http://schemas.microsoft.com/office/drawing/2010/main" val="0"/>
-              </a:ext>
-            </a:extLst>
-          </a:blip>
-          <a:srcRect l="-597" t="6770" r="1685" b="7043"/>
-          <a:stretch/>
-        </p:blipFill>
-        <p:spPr>
-          <a:xfrm>
-            <a:off x="4598649" y="2310895"/>
-            <a:ext cx="2994701" cy="2609418"/>
-          </a:xfrm>
-          <a:prstGeom prst="rect">
-            <a:avLst/>
-          </a:prstGeom>
-        </p:spPr>
-      </p:pic>
-      <p:pic>
-        <p:nvPicPr>
-          <p:cNvPr id="11" name="그림 10">
-            <a:extLst>
-              <a:ext uri="{FF2B5EF4-FFF2-40B4-BE49-F238E27FC236}">
-                <a16:creationId xmlns:a16="http://schemas.microsoft.com/office/drawing/2014/main" id="{E6570AF0-17F8-4B6B-B038-0A7F9CE3C6BA}"/>
-              </a:ext>
-            </a:extLst>
-          </p:cNvPr>
-          <p:cNvPicPr>
-            <a:picLocks noChangeAspect="1"/>
-          </p:cNvPicPr>
-          <p:nvPr/>
-        </p:nvPicPr>
-        <p:blipFill rotWithShape="1">
-          <a:blip r:embed="rId5">
-            <a:extLst>
-              <a:ext uri="{28A0092B-C50C-407E-A947-70E740481C1C}">
-                <a14:useLocalDpi xmlns:a14="http://schemas.microsoft.com/office/drawing/2010/main" val="0"/>
-              </a:ext>
-            </a:extLst>
-          </a:blip>
-          <a:srcRect l="30049" t="24372" r="30542"/>
-          <a:stretch/>
-        </p:blipFill>
-        <p:spPr>
-          <a:xfrm>
-            <a:off x="9144132" y="2146951"/>
-            <a:ext cx="2612571" cy="2773362"/>
-          </a:xfrm>
-          <a:prstGeom prst="rect">
-            <a:avLst/>
-          </a:prstGeom>
-        </p:spPr>
-      </p:pic>
-    </p:spTree>
-    <p:extLst>
-      <p:ext uri="{BB962C8B-B14F-4D97-AF65-F5344CB8AC3E}">
-        <p14:creationId xmlns:p14="http://schemas.microsoft.com/office/powerpoint/2010/main" val="2767981600"/>
-      </p:ext>
-    </p:extLst>
-  </p:cSld>
-  <p:clrMapOvr>
-    <a:masterClrMapping/>
-  </p:clrMapOvr>
-</p:sld>
-</file>
-
-<file path=ppt/slides/slide17.xml><?xml version="1.0" encoding="utf-8"?>
-<p:sld xmlns:a="http://schemas.openxmlformats.org/drawingml/2006/main" xmlns:r="http://schemas.openxmlformats.org/officeDocument/2006/relationships" xmlns:p="http://schemas.openxmlformats.org/presentationml/2006/main">
-  <p:cSld>
-    <p:spTree>
-      <p:nvGrpSpPr>
-        <p:cNvPr id="1" name=""/>
-        <p:cNvGrpSpPr/>
-        <p:nvPr/>
-      </p:nvGrpSpPr>
-      <p:grpSpPr>
-        <a:xfrm>
-          <a:off x="0" y="0"/>
-          <a:ext cx="0" cy="0"/>
-          <a:chOff x="0" y="0"/>
-          <a:chExt cx="0" cy="0"/>
-        </a:xfrm>
-      </p:grpSpPr>
-      <p:grpSp>
-        <p:nvGrpSpPr>
-          <p:cNvPr id="6" name="그룹 5">
-            <a:extLst>
-              <a:ext uri="{FF2B5EF4-FFF2-40B4-BE49-F238E27FC236}">
-                <a16:creationId xmlns:a16="http://schemas.microsoft.com/office/drawing/2014/main" id="{CA7BD838-D4FB-4EA7-B68C-FA7B6D147BA2}"/>
-              </a:ext>
-            </a:extLst>
-          </p:cNvPr>
-          <p:cNvGrpSpPr/>
-          <p:nvPr/>
-        </p:nvGrpSpPr>
-        <p:grpSpPr>
-          <a:xfrm>
-            <a:off x="159192" y="182880"/>
-            <a:ext cx="1852488" cy="854227"/>
-            <a:chOff x="640080" y="-971550"/>
-            <a:chExt cx="1660746" cy="765810"/>
-          </a:xfrm>
-        </p:grpSpPr>
-        <p:sp>
-          <p:nvSpPr>
-            <p:cNvPr id="18" name="TextBox 17">
-              <a:extLst>
-                <a:ext uri="{FF2B5EF4-FFF2-40B4-BE49-F238E27FC236}">
-                  <a16:creationId xmlns:a16="http://schemas.microsoft.com/office/drawing/2014/main" id="{D7B7EE40-BAD9-4569-9BF6-F6E9ACA78A3C}"/>
-                </a:ext>
-              </a:extLst>
-            </p:cNvPr>
-            <p:cNvSpPr txBox="1"/>
-            <p:nvPr/>
-          </p:nvSpPr>
-          <p:spPr>
-            <a:xfrm>
-              <a:off x="675005" y="-733504"/>
-              <a:ext cx="1590896" cy="289716"/>
-            </a:xfrm>
-            <a:prstGeom prst="rect">
-              <a:avLst/>
-            </a:prstGeom>
-            <a:noFill/>
-          </p:spPr>
-          <p:txBody>
-            <a:bodyPr wrap="square" rtlCol="0">
-              <a:spAutoFit/>
-            </a:bodyPr>
-            <a:lstStyle/>
-            <a:p>
-              <a:pPr algn="ctr"/>
-              <a:r>
-                <a:rPr lang="en-US" altLang="ko-KR" sz="1500" dirty="0">
-                  <a:ln>
-                    <a:solidFill>
-                      <a:schemeClr val="tx1">
-                        <a:alpha val="30000"/>
-                      </a:schemeClr>
-                    </a:solidFill>
-                  </a:ln>
-                  <a:latin typeface="THE정고딕140" panose="02020603020101020101" pitchFamily="18" charset="-127"/>
-                  <a:ea typeface="THE정고딕140" panose="02020603020101020101" pitchFamily="18" charset="-127"/>
-                </a:rPr>
-                <a:t>JavaScript</a:t>
-              </a:r>
-              <a:endParaRPr lang="ko-KR" altLang="en-US" sz="1500" dirty="0">
-                <a:ln>
-                  <a:solidFill>
-                    <a:schemeClr val="tx1">
-                      <a:alpha val="30000"/>
-                    </a:schemeClr>
-                  </a:solidFill>
-                </a:ln>
-                <a:latin typeface="THE정고딕140" panose="02020603020101020101" pitchFamily="18" charset="-127"/>
-                <a:ea typeface="THE정고딕140" panose="02020603020101020101" pitchFamily="18" charset="-127"/>
-              </a:endParaRPr>
-            </a:p>
-          </p:txBody>
-        </p:sp>
-        <p:sp>
-          <p:nvSpPr>
-            <p:cNvPr id="5" name="직사각형 4">
-              <a:extLst>
-                <a:ext uri="{FF2B5EF4-FFF2-40B4-BE49-F238E27FC236}">
-                  <a16:creationId xmlns:a16="http://schemas.microsoft.com/office/drawing/2014/main" id="{AB4C8245-D0E4-4D79-B3E9-2FB89CE6FE84}"/>
-                </a:ext>
-              </a:extLst>
-            </p:cNvPr>
-            <p:cNvSpPr/>
-            <p:nvPr/>
-          </p:nvSpPr>
-          <p:spPr>
-            <a:xfrm>
-              <a:off x="640080" y="-971550"/>
-              <a:ext cx="1660746" cy="765810"/>
-            </a:xfrm>
-            <a:prstGeom prst="rect">
-              <a:avLst/>
-            </a:prstGeom>
-            <a:noFill/>
-            <a:ln w="25400">
-              <a:solidFill>
-                <a:schemeClr val="tx1"/>
-              </a:solidFill>
-            </a:ln>
-          </p:spPr>
-          <p:style>
-            <a:lnRef idx="2">
-              <a:schemeClr val="accent1">
-                <a:shade val="50000"/>
-              </a:schemeClr>
-            </a:lnRef>
-            <a:fillRef idx="1">
-              <a:schemeClr val="accent1"/>
-            </a:fillRef>
-            <a:effectRef idx="0">
-              <a:schemeClr val="accent1"/>
-            </a:effectRef>
-            <a:fontRef idx="minor">
-              <a:schemeClr val="lt1"/>
-            </a:fontRef>
-          </p:style>
-          <p:txBody>
-            <a:bodyPr rtlCol="0" anchor="ctr"/>
-            <a:lstStyle/>
-            <a:p>
-              <a:pPr algn="ctr"/>
-              <a:endParaRPr lang="ko-KR" altLang="en-US">
-                <a:latin typeface="THE정고딕140" panose="02020603020101020101" pitchFamily="18" charset="-127"/>
-                <a:ea typeface="THE정고딕140" panose="02020603020101020101" pitchFamily="18" charset="-127"/>
-              </a:endParaRPr>
-            </a:p>
-          </p:txBody>
-        </p:sp>
-      </p:grpSp>
-      <p:sp>
-        <p:nvSpPr>
-          <p:cNvPr id="3" name="TextBox 2">
-            <a:extLst>
-              <a:ext uri="{FF2B5EF4-FFF2-40B4-BE49-F238E27FC236}">
-                <a16:creationId xmlns:a16="http://schemas.microsoft.com/office/drawing/2014/main" id="{8E94E537-B9FE-42FC-BC09-D69259767E5C}"/>
-              </a:ext>
-            </a:extLst>
-          </p:cNvPr>
-          <p:cNvSpPr txBox="1"/>
-          <p:nvPr/>
-        </p:nvSpPr>
-        <p:spPr>
-          <a:xfrm>
-            <a:off x="2388869" y="422305"/>
-            <a:ext cx="6574377" cy="307777"/>
-          </a:xfrm>
-          <a:prstGeom prst="rect">
-            <a:avLst/>
-          </a:prstGeom>
-          <a:noFill/>
-          <a:ln>
-            <a:noFill/>
-          </a:ln>
-        </p:spPr>
-        <p:txBody>
-          <a:bodyPr wrap="square" rtlCol="0">
-            <a:spAutoFit/>
-          </a:bodyPr>
-          <a:lstStyle/>
-          <a:p>
-            <a:r>
-              <a:rPr lang="en-US" altLang="ko-KR" sz="1400" dirty="0">
-                <a:ln>
-                  <a:solidFill>
-                    <a:schemeClr val="tx1">
-                      <a:alpha val="30000"/>
-                    </a:schemeClr>
-                  </a:solidFill>
-                </a:ln>
-                <a:latin typeface="THE정고딕140" panose="02020603020101020101" pitchFamily="18" charset="-127"/>
-                <a:ea typeface="THE정고딕140" panose="02020603020101020101" pitchFamily="18" charset="-127"/>
-              </a:rPr>
-              <a:t>SPA Framework</a:t>
-            </a:r>
-          </a:p>
-        </p:txBody>
-      </p:sp>
       <p:pic>
         <p:nvPicPr>
           <p:cNvPr id="4" name="그림 3">
@@ -10800,222 +11583,6 @@
     <p:extLst>
       <p:ext uri="{BB962C8B-B14F-4D97-AF65-F5344CB8AC3E}">
         <p14:creationId xmlns:p14="http://schemas.microsoft.com/office/powerpoint/2010/main" val="3597121457"/>
-      </p:ext>
-    </p:extLst>
-  </p:cSld>
-  <p:clrMapOvr>
-    <a:masterClrMapping/>
-  </p:clrMapOvr>
-</p:sld>
-</file>
-
-<file path=ppt/slides/slide18.xml><?xml version="1.0" encoding="utf-8"?>
-<p:sld xmlns:a="http://schemas.openxmlformats.org/drawingml/2006/main" xmlns:r="http://schemas.openxmlformats.org/officeDocument/2006/relationships" xmlns:p="http://schemas.openxmlformats.org/presentationml/2006/main">
-  <p:cSld>
-    <p:spTree>
-      <p:nvGrpSpPr>
-        <p:cNvPr id="1" name=""/>
-        <p:cNvGrpSpPr/>
-        <p:nvPr/>
-      </p:nvGrpSpPr>
-      <p:grpSpPr>
-        <a:xfrm>
-          <a:off x="0" y="0"/>
-          <a:ext cx="0" cy="0"/>
-          <a:chOff x="0" y="0"/>
-          <a:chExt cx="0" cy="0"/>
-        </a:xfrm>
-      </p:grpSpPr>
-      <p:pic>
-        <p:nvPicPr>
-          <p:cNvPr id="8" name="그림 7">
-            <a:extLst>
-              <a:ext uri="{FF2B5EF4-FFF2-40B4-BE49-F238E27FC236}">
-                <a16:creationId xmlns:a16="http://schemas.microsoft.com/office/drawing/2014/main" id="{C2EA47E2-A6CE-494D-BC7B-25F35DFDD49F}"/>
-              </a:ext>
-            </a:extLst>
-          </p:cNvPr>
-          <p:cNvPicPr>
-            <a:picLocks noChangeAspect="1"/>
-          </p:cNvPicPr>
-          <p:nvPr/>
-        </p:nvPicPr>
-        <p:blipFill>
-          <a:blip r:embed="rId3">
-            <a:extLst>
-              <a:ext uri="{28A0092B-C50C-407E-A947-70E740481C1C}">
-                <a14:useLocalDpi xmlns:a14="http://schemas.microsoft.com/office/drawing/2010/main" val="0"/>
-              </a:ext>
-            </a:extLst>
-          </a:blip>
-          <a:stretch>
-            <a:fillRect/>
-          </a:stretch>
-        </p:blipFill>
-        <p:spPr>
-          <a:xfrm>
-            <a:off x="0" y="0"/>
-            <a:ext cx="12192000" cy="6858000"/>
-          </a:xfrm>
-          <a:prstGeom prst="rect">
-            <a:avLst/>
-          </a:prstGeom>
-        </p:spPr>
-      </p:pic>
-      <p:sp>
-        <p:nvSpPr>
-          <p:cNvPr id="2" name="TextBox 1">
-            <a:extLst>
-              <a:ext uri="{FF2B5EF4-FFF2-40B4-BE49-F238E27FC236}">
-                <a16:creationId xmlns:a16="http://schemas.microsoft.com/office/drawing/2014/main" id="{8C8FCD74-879C-42EB-8E54-8521F532144E}"/>
-              </a:ext>
-            </a:extLst>
-          </p:cNvPr>
-          <p:cNvSpPr txBox="1"/>
-          <p:nvPr/>
-        </p:nvSpPr>
-        <p:spPr>
-          <a:xfrm>
-            <a:off x="5384106" y="3044279"/>
-            <a:ext cx="1423788" cy="769441"/>
-          </a:xfrm>
-          <a:prstGeom prst="rect">
-            <a:avLst/>
-          </a:prstGeom>
-          <a:noFill/>
-        </p:spPr>
-        <p:txBody>
-          <a:bodyPr wrap="none" rtlCol="0">
-            <a:spAutoFit/>
-          </a:bodyPr>
-          <a:lstStyle/>
-          <a:p>
-            <a:r>
-              <a:rPr lang="en-US" altLang="ko-KR" sz="4400">
-                <a:latin typeface="THE정고딕140" panose="02020603020101020101" pitchFamily="18" charset="-127"/>
-                <a:ea typeface="THE정고딕140" panose="02020603020101020101" pitchFamily="18" charset="-127"/>
-              </a:rPr>
-              <a:t>QnA</a:t>
-            </a:r>
-            <a:endParaRPr lang="ko-KR" altLang="en-US" sz="4400" dirty="0">
-              <a:latin typeface="THE정고딕140" panose="02020603020101020101" pitchFamily="18" charset="-127"/>
-              <a:ea typeface="THE정고딕140" panose="02020603020101020101" pitchFamily="18" charset="-127"/>
-            </a:endParaRPr>
-          </a:p>
-        </p:txBody>
-      </p:sp>
-    </p:spTree>
-    <p:extLst>
-      <p:ext uri="{BB962C8B-B14F-4D97-AF65-F5344CB8AC3E}">
-        <p14:creationId xmlns:p14="http://schemas.microsoft.com/office/powerpoint/2010/main" val="1947517016"/>
-      </p:ext>
-    </p:extLst>
-  </p:cSld>
-  <p:clrMapOvr>
-    <a:masterClrMapping/>
-  </p:clrMapOvr>
-</p:sld>
-</file>
-
-<file path=ppt/slides/slide19.xml><?xml version="1.0" encoding="utf-8"?>
-<p:sld xmlns:a="http://schemas.openxmlformats.org/drawingml/2006/main" xmlns:r="http://schemas.openxmlformats.org/officeDocument/2006/relationships" xmlns:p="http://schemas.openxmlformats.org/presentationml/2006/main">
-  <p:cSld>
-    <p:spTree>
-      <p:nvGrpSpPr>
-        <p:cNvPr id="1" name=""/>
-        <p:cNvGrpSpPr/>
-        <p:nvPr/>
-      </p:nvGrpSpPr>
-      <p:grpSpPr>
-        <a:xfrm>
-          <a:off x="0" y="0"/>
-          <a:ext cx="0" cy="0"/>
-          <a:chOff x="0" y="0"/>
-          <a:chExt cx="0" cy="0"/>
-        </a:xfrm>
-      </p:grpSpPr>
-      <p:pic>
-        <p:nvPicPr>
-          <p:cNvPr id="8" name="그림 7">
-            <a:extLst>
-              <a:ext uri="{FF2B5EF4-FFF2-40B4-BE49-F238E27FC236}">
-                <a16:creationId xmlns:a16="http://schemas.microsoft.com/office/drawing/2014/main" id="{C2EA47E2-A6CE-494D-BC7B-25F35DFDD49F}"/>
-              </a:ext>
-            </a:extLst>
-          </p:cNvPr>
-          <p:cNvPicPr>
-            <a:picLocks noChangeAspect="1"/>
-          </p:cNvPicPr>
-          <p:nvPr/>
-        </p:nvPicPr>
-        <p:blipFill>
-          <a:blip r:embed="rId2">
-            <a:extLst>
-              <a:ext uri="{28A0092B-C50C-407E-A947-70E740481C1C}">
-                <a14:useLocalDpi xmlns:a14="http://schemas.microsoft.com/office/drawing/2010/main" val="0"/>
-              </a:ext>
-            </a:extLst>
-          </a:blip>
-          <a:stretch>
-            <a:fillRect/>
-          </a:stretch>
-        </p:blipFill>
-        <p:spPr>
-          <a:xfrm>
-            <a:off x="0" y="0"/>
-            <a:ext cx="12192000" cy="6858000"/>
-          </a:xfrm>
-          <a:prstGeom prst="rect">
-            <a:avLst/>
-          </a:prstGeom>
-        </p:spPr>
-      </p:pic>
-      <p:sp>
-        <p:nvSpPr>
-          <p:cNvPr id="2" name="TextBox 1">
-            <a:extLst>
-              <a:ext uri="{FF2B5EF4-FFF2-40B4-BE49-F238E27FC236}">
-                <a16:creationId xmlns:a16="http://schemas.microsoft.com/office/drawing/2014/main" id="{8C8FCD74-879C-42EB-8E54-8521F532144E}"/>
-              </a:ext>
-            </a:extLst>
-          </p:cNvPr>
-          <p:cNvSpPr txBox="1"/>
-          <p:nvPr/>
-        </p:nvSpPr>
-        <p:spPr>
-          <a:xfrm>
-            <a:off x="4403870" y="3044279"/>
-            <a:ext cx="3384260" cy="769441"/>
-          </a:xfrm>
-          <a:prstGeom prst="rect">
-            <a:avLst/>
-          </a:prstGeom>
-          <a:noFill/>
-        </p:spPr>
-        <p:txBody>
-          <a:bodyPr wrap="none" rtlCol="0">
-            <a:spAutoFit/>
-          </a:bodyPr>
-          <a:lstStyle/>
-          <a:p>
-            <a:r>
-              <a:rPr lang="en-US" altLang="ko-KR" sz="4400" dirty="0">
-                <a:latin typeface="THE정고딕140" panose="02020603020101020101" pitchFamily="18" charset="-127"/>
-                <a:ea typeface="THE정고딕140" panose="02020603020101020101" pitchFamily="18" charset="-127"/>
-              </a:rPr>
-              <a:t>Thank you </a:t>
-            </a:r>
-            <a:endParaRPr lang="ko-KR" altLang="en-US" sz="4400" dirty="0">
-              <a:latin typeface="THE정고딕140" panose="02020603020101020101" pitchFamily="18" charset="-127"/>
-              <a:ea typeface="THE정고딕140" panose="02020603020101020101" pitchFamily="18" charset="-127"/>
-            </a:endParaRPr>
-          </a:p>
-        </p:txBody>
-      </p:sp>
-    </p:spTree>
-    <p:extLst>
-      <p:ext uri="{BB962C8B-B14F-4D97-AF65-F5344CB8AC3E}">
-        <p14:creationId xmlns:p14="http://schemas.microsoft.com/office/powerpoint/2010/main" val="1516793110"/>
       </p:ext>
     </p:extLst>
   </p:cSld>
@@ -11201,7 +11768,7 @@
         </p:nvSpPr>
         <p:spPr>
           <a:xfrm>
-            <a:off x="4815479" y="2489491"/>
+            <a:off x="4815479" y="2151688"/>
             <a:ext cx="2143590" cy="338554"/>
           </a:xfrm>
           <a:prstGeom prst="rect">
@@ -11257,7 +11824,7 @@
         </p:nvSpPr>
         <p:spPr>
           <a:xfrm>
-            <a:off x="4815479" y="4729509"/>
+            <a:off x="4815479" y="4498306"/>
             <a:ext cx="2143590" cy="338554"/>
           </a:xfrm>
           <a:prstGeom prst="rect">
@@ -11313,7 +11880,7 @@
         </p:nvSpPr>
         <p:spPr>
           <a:xfrm>
-            <a:off x="4815478" y="3609500"/>
+            <a:off x="4815478" y="2933894"/>
             <a:ext cx="1952521" cy="338554"/>
           </a:xfrm>
           <a:prstGeom prst="rect">
@@ -11328,7 +11895,7 @@
           <a:lstStyle/>
           <a:p>
             <a:r>
-              <a:rPr lang="en-US" altLang="ko-KR" sz="1600" dirty="0">
+              <a:rPr lang="en-US" altLang="ko-KR" sz="1600">
                 <a:ln>
                   <a:solidFill>
                     <a:schemeClr val="tx1">
@@ -11339,7 +11906,7 @@
                 <a:latin typeface="THE정고딕140" panose="02020603020101020101" pitchFamily="18" charset="-127"/>
                 <a:ea typeface="THE정고딕140" panose="02020603020101020101" pitchFamily="18" charset="-127"/>
               </a:rPr>
-              <a:t>Vue.js</a:t>
+              <a:t>SPA</a:t>
             </a:r>
             <a:endParaRPr lang="ko-KR" altLang="en-US" sz="1600" dirty="0">
               <a:ln>
@@ -11355,10 +11922,282 @@
           </a:p>
         </p:txBody>
       </p:sp>
+      <p:sp>
+        <p:nvSpPr>
+          <p:cNvPr id="3" name="TextBox 2">
+            <a:extLst>
+              <a:ext uri="{FF2B5EF4-FFF2-40B4-BE49-F238E27FC236}">
+                <a16:creationId xmlns:a16="http://schemas.microsoft.com/office/drawing/2014/main" id="{5BB881AD-BAED-4729-B061-CB1CFB2073EF}"/>
+              </a:ext>
+            </a:extLst>
+          </p:cNvPr>
+          <p:cNvSpPr txBox="1"/>
+          <p:nvPr/>
+        </p:nvSpPr>
+        <p:spPr>
+          <a:xfrm>
+            <a:off x="4815477" y="3716100"/>
+            <a:ext cx="1952521" cy="338554"/>
+          </a:xfrm>
+          <a:prstGeom prst="rect">
+            <a:avLst/>
+          </a:prstGeom>
+          <a:noFill/>
+        </p:spPr>
+        <p:txBody>
+          <a:bodyPr wrap="square" rtlCol="0">
+            <a:spAutoFit/>
+          </a:bodyPr>
+          <a:lstStyle/>
+          <a:p>
+            <a:r>
+              <a:rPr lang="en-US" altLang="ko-KR" sz="1600">
+                <a:ln>
+                  <a:solidFill>
+                    <a:schemeClr val="tx1">
+                      <a:alpha val="30000"/>
+                    </a:schemeClr>
+                  </a:solidFill>
+                </a:ln>
+                <a:latin typeface="THE정고딕140" panose="02020603020101020101" pitchFamily="18" charset="-127"/>
+                <a:ea typeface="THE정고딕140" panose="02020603020101020101" pitchFamily="18" charset="-127"/>
+              </a:rPr>
+              <a:t>FrameWork</a:t>
+            </a:r>
+            <a:endParaRPr lang="ko-KR" altLang="en-US" sz="1600" dirty="0">
+              <a:ln>
+                <a:solidFill>
+                  <a:schemeClr val="tx1">
+                    <a:alpha val="30000"/>
+                  </a:schemeClr>
+                </a:solidFill>
+              </a:ln>
+              <a:latin typeface="THE정고딕140" panose="02020603020101020101" pitchFamily="18" charset="-127"/>
+              <a:ea typeface="THE정고딕140" panose="02020603020101020101" pitchFamily="18" charset="-127"/>
+            </a:endParaRPr>
+          </a:p>
+        </p:txBody>
+      </p:sp>
     </p:spTree>
     <p:extLst>
       <p:ext uri="{BB962C8B-B14F-4D97-AF65-F5344CB8AC3E}">
         <p14:creationId xmlns:p14="http://schemas.microsoft.com/office/powerpoint/2010/main" val="3058634759"/>
+      </p:ext>
+    </p:extLst>
+  </p:cSld>
+  <p:clrMapOvr>
+    <a:masterClrMapping/>
+  </p:clrMapOvr>
+</p:sld>
+</file>
+
+<file path=ppt/slides/slide20.xml><?xml version="1.0" encoding="utf-8"?>
+<p:sld xmlns:a="http://schemas.openxmlformats.org/drawingml/2006/main" xmlns:r="http://schemas.openxmlformats.org/officeDocument/2006/relationships" xmlns:p="http://schemas.openxmlformats.org/presentationml/2006/main">
+  <p:cSld>
+    <p:spTree>
+      <p:nvGrpSpPr>
+        <p:cNvPr id="1" name=""/>
+        <p:cNvGrpSpPr/>
+        <p:nvPr/>
+      </p:nvGrpSpPr>
+      <p:grpSpPr>
+        <a:xfrm>
+          <a:off x="0" y="0"/>
+          <a:ext cx="0" cy="0"/>
+          <a:chOff x="0" y="0"/>
+          <a:chExt cx="0" cy="0"/>
+        </a:xfrm>
+      </p:grpSpPr>
+      <p:pic>
+        <p:nvPicPr>
+          <p:cNvPr id="8" name="그림 7">
+            <a:extLst>
+              <a:ext uri="{FF2B5EF4-FFF2-40B4-BE49-F238E27FC236}">
+                <a16:creationId xmlns:a16="http://schemas.microsoft.com/office/drawing/2014/main" id="{C2EA47E2-A6CE-494D-BC7B-25F35DFDD49F}"/>
+              </a:ext>
+            </a:extLst>
+          </p:cNvPr>
+          <p:cNvPicPr>
+            <a:picLocks noChangeAspect="1"/>
+          </p:cNvPicPr>
+          <p:nvPr/>
+        </p:nvPicPr>
+        <p:blipFill>
+          <a:blip r:embed="rId3">
+            <a:extLst>
+              <a:ext uri="{28A0092B-C50C-407E-A947-70E740481C1C}">
+                <a14:useLocalDpi xmlns:a14="http://schemas.microsoft.com/office/drawing/2010/main" val="0"/>
+              </a:ext>
+            </a:extLst>
+          </a:blip>
+          <a:stretch>
+            <a:fillRect/>
+          </a:stretch>
+        </p:blipFill>
+        <p:spPr>
+          <a:xfrm>
+            <a:off x="0" y="0"/>
+            <a:ext cx="12192000" cy="6858000"/>
+          </a:xfrm>
+          <a:prstGeom prst="rect">
+            <a:avLst/>
+          </a:prstGeom>
+        </p:spPr>
+      </p:pic>
+      <p:sp>
+        <p:nvSpPr>
+          <p:cNvPr id="2" name="TextBox 1">
+            <a:extLst>
+              <a:ext uri="{FF2B5EF4-FFF2-40B4-BE49-F238E27FC236}">
+                <a16:creationId xmlns:a16="http://schemas.microsoft.com/office/drawing/2014/main" id="{8C8FCD74-879C-42EB-8E54-8521F532144E}"/>
+              </a:ext>
+            </a:extLst>
+          </p:cNvPr>
+          <p:cNvSpPr txBox="1"/>
+          <p:nvPr/>
+        </p:nvSpPr>
+        <p:spPr>
+          <a:xfrm>
+            <a:off x="5384106" y="3044279"/>
+            <a:ext cx="1423788" cy="769441"/>
+          </a:xfrm>
+          <a:prstGeom prst="rect">
+            <a:avLst/>
+          </a:prstGeom>
+          <a:noFill/>
+        </p:spPr>
+        <p:txBody>
+          <a:bodyPr wrap="none" rtlCol="0">
+            <a:spAutoFit/>
+          </a:bodyPr>
+          <a:lstStyle/>
+          <a:p>
+            <a:r>
+              <a:rPr lang="en-US" altLang="ko-KR" sz="4400">
+                <a:latin typeface="THE정고딕140" panose="02020603020101020101" pitchFamily="18" charset="-127"/>
+                <a:ea typeface="THE정고딕140" panose="02020603020101020101" pitchFamily="18" charset="-127"/>
+              </a:rPr>
+              <a:t>QnA</a:t>
+            </a:r>
+            <a:endParaRPr lang="ko-KR" altLang="en-US" sz="4400" dirty="0">
+              <a:latin typeface="THE정고딕140" panose="02020603020101020101" pitchFamily="18" charset="-127"/>
+              <a:ea typeface="THE정고딕140" panose="02020603020101020101" pitchFamily="18" charset="-127"/>
+            </a:endParaRPr>
+          </a:p>
+        </p:txBody>
+      </p:sp>
+    </p:spTree>
+    <p:extLst>
+      <p:ext uri="{BB962C8B-B14F-4D97-AF65-F5344CB8AC3E}">
+        <p14:creationId xmlns:p14="http://schemas.microsoft.com/office/powerpoint/2010/main" val="1947517016"/>
+      </p:ext>
+    </p:extLst>
+  </p:cSld>
+  <p:clrMapOvr>
+    <a:masterClrMapping/>
+  </p:clrMapOvr>
+</p:sld>
+</file>
+
+<file path=ppt/slides/slide21.xml><?xml version="1.0" encoding="utf-8"?>
+<p:sld xmlns:a="http://schemas.openxmlformats.org/drawingml/2006/main" xmlns:r="http://schemas.openxmlformats.org/officeDocument/2006/relationships" xmlns:p="http://schemas.openxmlformats.org/presentationml/2006/main">
+  <p:cSld>
+    <p:spTree>
+      <p:nvGrpSpPr>
+        <p:cNvPr id="1" name=""/>
+        <p:cNvGrpSpPr/>
+        <p:nvPr/>
+      </p:nvGrpSpPr>
+      <p:grpSpPr>
+        <a:xfrm>
+          <a:off x="0" y="0"/>
+          <a:ext cx="0" cy="0"/>
+          <a:chOff x="0" y="0"/>
+          <a:chExt cx="0" cy="0"/>
+        </a:xfrm>
+      </p:grpSpPr>
+      <p:pic>
+        <p:nvPicPr>
+          <p:cNvPr id="8" name="그림 7">
+            <a:extLst>
+              <a:ext uri="{FF2B5EF4-FFF2-40B4-BE49-F238E27FC236}">
+                <a16:creationId xmlns:a16="http://schemas.microsoft.com/office/drawing/2014/main" id="{C2EA47E2-A6CE-494D-BC7B-25F35DFDD49F}"/>
+              </a:ext>
+            </a:extLst>
+          </p:cNvPr>
+          <p:cNvPicPr>
+            <a:picLocks noChangeAspect="1"/>
+          </p:cNvPicPr>
+          <p:nvPr/>
+        </p:nvPicPr>
+        <p:blipFill>
+          <a:blip r:embed="rId2">
+            <a:extLst>
+              <a:ext uri="{28A0092B-C50C-407E-A947-70E740481C1C}">
+                <a14:useLocalDpi xmlns:a14="http://schemas.microsoft.com/office/drawing/2010/main" val="0"/>
+              </a:ext>
+            </a:extLst>
+          </a:blip>
+          <a:stretch>
+            <a:fillRect/>
+          </a:stretch>
+        </p:blipFill>
+        <p:spPr>
+          <a:xfrm>
+            <a:off x="0" y="0"/>
+            <a:ext cx="12192000" cy="6858000"/>
+          </a:xfrm>
+          <a:prstGeom prst="rect">
+            <a:avLst/>
+          </a:prstGeom>
+        </p:spPr>
+      </p:pic>
+      <p:sp>
+        <p:nvSpPr>
+          <p:cNvPr id="2" name="TextBox 1">
+            <a:extLst>
+              <a:ext uri="{FF2B5EF4-FFF2-40B4-BE49-F238E27FC236}">
+                <a16:creationId xmlns:a16="http://schemas.microsoft.com/office/drawing/2014/main" id="{8C8FCD74-879C-42EB-8E54-8521F532144E}"/>
+              </a:ext>
+            </a:extLst>
+          </p:cNvPr>
+          <p:cNvSpPr txBox="1"/>
+          <p:nvPr/>
+        </p:nvSpPr>
+        <p:spPr>
+          <a:xfrm>
+            <a:off x="4403870" y="3044279"/>
+            <a:ext cx="3384260" cy="769441"/>
+          </a:xfrm>
+          <a:prstGeom prst="rect">
+            <a:avLst/>
+          </a:prstGeom>
+          <a:noFill/>
+        </p:spPr>
+        <p:txBody>
+          <a:bodyPr wrap="none" rtlCol="0">
+            <a:spAutoFit/>
+          </a:bodyPr>
+          <a:lstStyle/>
+          <a:p>
+            <a:r>
+              <a:rPr lang="en-US" altLang="ko-KR" sz="4400" dirty="0">
+                <a:latin typeface="THE정고딕140" panose="02020603020101020101" pitchFamily="18" charset="-127"/>
+                <a:ea typeface="THE정고딕140" panose="02020603020101020101" pitchFamily="18" charset="-127"/>
+              </a:rPr>
+              <a:t>Thank you </a:t>
+            </a:r>
+            <a:endParaRPr lang="ko-KR" altLang="en-US" sz="4400" dirty="0">
+              <a:latin typeface="THE정고딕140" panose="02020603020101020101" pitchFamily="18" charset="-127"/>
+              <a:ea typeface="THE정고딕140" panose="02020603020101020101" pitchFamily="18" charset="-127"/>
+            </a:endParaRPr>
+          </a:p>
+        </p:txBody>
+      </p:sp>
+    </p:spTree>
+    <p:extLst>
+      <p:ext uri="{BB962C8B-B14F-4D97-AF65-F5344CB8AC3E}">
+        <p14:creationId xmlns:p14="http://schemas.microsoft.com/office/powerpoint/2010/main" val="1516793110"/>
       </p:ext>
     </p:extLst>
   </p:cSld>
@@ -11564,68 +12403,6 @@
           </a:p>
         </p:txBody>
       </p:sp>
-      <p:sp>
-        <p:nvSpPr>
-          <p:cNvPr id="3" name="TextBox 2">
-            <a:extLst>
-              <a:ext uri="{FF2B5EF4-FFF2-40B4-BE49-F238E27FC236}">
-                <a16:creationId xmlns:a16="http://schemas.microsoft.com/office/drawing/2014/main" id="{8E94E537-B9FE-42FC-BC09-D69259767E5C}"/>
-              </a:ext>
-            </a:extLst>
-          </p:cNvPr>
-          <p:cNvSpPr txBox="1"/>
-          <p:nvPr/>
-        </p:nvSpPr>
-        <p:spPr>
-          <a:xfrm>
-            <a:off x="2388869" y="422305"/>
-            <a:ext cx="6574377" cy="307777"/>
-          </a:xfrm>
-          <a:prstGeom prst="rect">
-            <a:avLst/>
-          </a:prstGeom>
-          <a:noFill/>
-          <a:ln>
-            <a:noFill/>
-          </a:ln>
-        </p:spPr>
-        <p:txBody>
-          <a:bodyPr wrap="square" rtlCol="0">
-            <a:spAutoFit/>
-          </a:bodyPr>
-          <a:lstStyle/>
-          <a:p>
-            <a:r>
-              <a:rPr lang="ko-KR" altLang="en-US" sz="1400" dirty="0">
-                <a:ln>
-                  <a:solidFill>
-                    <a:schemeClr val="tx1">
-                      <a:alpha val="30000"/>
-                    </a:schemeClr>
-                  </a:solidFill>
-                </a:ln>
-                <a:latin typeface="THE정고딕140" panose="02020603020101020101" pitchFamily="18" charset="-127"/>
-                <a:ea typeface="THE정고딕140" panose="02020603020101020101" pitchFamily="18" charset="-127"/>
-              </a:rPr>
-              <a:t>웹 프로그래밍이란</a:t>
-            </a:r>
-            <a:r>
-              <a:rPr lang="en-US" altLang="ko-KR" sz="1400" dirty="0">
-                <a:ln>
-                  <a:solidFill>
-                    <a:schemeClr val="tx1">
-                      <a:alpha val="30000"/>
-                    </a:schemeClr>
-                  </a:solidFill>
-                </a:ln>
-                <a:latin typeface="THE정고딕140" panose="02020603020101020101" pitchFamily="18" charset="-127"/>
-                <a:ea typeface="THE정고딕140" panose="02020603020101020101" pitchFamily="18" charset="-127"/>
-              </a:rPr>
-              <a:t>?</a:t>
-            </a:r>
-          </a:p>
-        </p:txBody>
-      </p:sp>
     </p:spTree>
     <p:extLst>
       <p:ext uri="{BB962C8B-B14F-4D97-AF65-F5344CB8AC3E}">
@@ -11780,110 +12557,6 @@
       </p:grpSp>
       <p:sp>
         <p:nvSpPr>
-          <p:cNvPr id="3" name="TextBox 2">
-            <a:extLst>
-              <a:ext uri="{FF2B5EF4-FFF2-40B4-BE49-F238E27FC236}">
-                <a16:creationId xmlns:a16="http://schemas.microsoft.com/office/drawing/2014/main" id="{8E94E537-B9FE-42FC-BC09-D69259767E5C}"/>
-              </a:ext>
-            </a:extLst>
-          </p:cNvPr>
-          <p:cNvSpPr txBox="1"/>
-          <p:nvPr/>
-        </p:nvSpPr>
-        <p:spPr>
-          <a:xfrm>
-            <a:off x="2388869" y="422305"/>
-            <a:ext cx="6574377" cy="307777"/>
-          </a:xfrm>
-          <a:prstGeom prst="rect">
-            <a:avLst/>
-          </a:prstGeom>
-          <a:noFill/>
-          <a:ln>
-            <a:noFill/>
-          </a:ln>
-        </p:spPr>
-        <p:txBody>
-          <a:bodyPr wrap="square" rtlCol="0">
-            <a:spAutoFit/>
-          </a:bodyPr>
-          <a:lstStyle/>
-          <a:p>
-            <a:r>
-              <a:rPr lang="ko-KR" altLang="en-US" sz="1400" dirty="0" err="1">
-                <a:ln>
-                  <a:solidFill>
-                    <a:schemeClr val="tx1">
-                      <a:alpha val="30000"/>
-                    </a:schemeClr>
-                  </a:solidFill>
-                </a:ln>
-                <a:latin typeface="THE정고딕140" panose="02020603020101020101" pitchFamily="18" charset="-127"/>
-                <a:ea typeface="THE정고딕140" panose="02020603020101020101" pitchFamily="18" charset="-127"/>
-              </a:rPr>
-              <a:t>프론트엔드</a:t>
-            </a:r>
-            <a:r>
-              <a:rPr lang="en-US" altLang="ko-KR" sz="1400" dirty="0">
-                <a:ln>
-                  <a:solidFill>
-                    <a:schemeClr val="tx1">
-                      <a:alpha val="30000"/>
-                    </a:schemeClr>
-                  </a:solidFill>
-                </a:ln>
-                <a:latin typeface="THE정고딕140" panose="02020603020101020101" pitchFamily="18" charset="-127"/>
-                <a:ea typeface="THE정고딕140" panose="02020603020101020101" pitchFamily="18" charset="-127"/>
-              </a:rPr>
-              <a:t>?</a:t>
-            </a:r>
-            <a:r>
-              <a:rPr lang="ko-KR" altLang="en-US" sz="1400" dirty="0">
-                <a:ln>
-                  <a:solidFill>
-                    <a:schemeClr val="tx1">
-                      <a:alpha val="30000"/>
-                    </a:schemeClr>
-                  </a:solidFill>
-                </a:ln>
-                <a:latin typeface="THE정고딕140" panose="02020603020101020101" pitchFamily="18" charset="-127"/>
-                <a:ea typeface="THE정고딕140" panose="02020603020101020101" pitchFamily="18" charset="-127"/>
-              </a:rPr>
-              <a:t> </a:t>
-            </a:r>
-            <a:r>
-              <a:rPr lang="ko-KR" altLang="en-US" sz="1400" dirty="0" err="1">
-                <a:ln>
-                  <a:solidFill>
-                    <a:schemeClr val="tx1">
-                      <a:alpha val="30000"/>
-                    </a:schemeClr>
-                  </a:solidFill>
-                </a:ln>
-                <a:latin typeface="THE정고딕140" panose="02020603020101020101" pitchFamily="18" charset="-127"/>
-                <a:ea typeface="THE정고딕140" panose="02020603020101020101" pitchFamily="18" charset="-127"/>
-              </a:rPr>
-              <a:t>백엔드</a:t>
-            </a:r>
-            <a:r>
-              <a:rPr lang="en-US" altLang="ko-KR" sz="1400" dirty="0">
-                <a:ln>
-                  <a:solidFill>
-                    <a:schemeClr val="tx1">
-                      <a:alpha val="30000"/>
-                    </a:schemeClr>
-                  </a:solidFill>
-                </a:ln>
-                <a:latin typeface="THE정고딕140" panose="02020603020101020101" pitchFamily="18" charset="-127"/>
-                <a:ea typeface="THE정고딕140" panose="02020603020101020101" pitchFamily="18" charset="-127"/>
-              </a:rPr>
-              <a:t>?</a:t>
-            </a:r>
-          </a:p>
-        </p:txBody>
-      </p:sp>
-      <p:sp>
-        <p:nvSpPr>
           <p:cNvPr id="2" name="TextBox 1">
             <a:extLst>
               <a:ext uri="{FF2B5EF4-FFF2-40B4-BE49-F238E27FC236}">
@@ -12312,65 +12985,6 @@
           </p:txBody>
         </p:sp>
       </p:grpSp>
-      <p:sp>
-        <p:nvSpPr>
-          <p:cNvPr id="3" name="TextBox 2">
-            <a:extLst>
-              <a:ext uri="{FF2B5EF4-FFF2-40B4-BE49-F238E27FC236}">
-                <a16:creationId xmlns:a16="http://schemas.microsoft.com/office/drawing/2014/main" id="{8E94E537-B9FE-42FC-BC09-D69259767E5C}"/>
-              </a:ext>
-            </a:extLst>
-          </p:cNvPr>
-          <p:cNvSpPr txBox="1"/>
-          <p:nvPr/>
-        </p:nvSpPr>
-        <p:spPr>
-          <a:xfrm>
-            <a:off x="2388869" y="422305"/>
-            <a:ext cx="6574377" cy="307777"/>
-          </a:xfrm>
-          <a:prstGeom prst="rect">
-            <a:avLst/>
-          </a:prstGeom>
-          <a:noFill/>
-          <a:ln>
-            <a:noFill/>
-          </a:ln>
-        </p:spPr>
-        <p:txBody>
-          <a:bodyPr wrap="square" rtlCol="0">
-            <a:spAutoFit/>
-          </a:bodyPr>
-          <a:lstStyle/>
-          <a:p>
-            <a:r>
-              <a:rPr lang="ko-KR" altLang="en-US" sz="1400" dirty="0">
-                <a:ln>
-                  <a:solidFill>
-                    <a:schemeClr val="tx1">
-                      <a:alpha val="30000"/>
-                    </a:schemeClr>
-                  </a:solidFill>
-                </a:ln>
-                <a:latin typeface="THE정고딕140" panose="02020603020101020101" pitchFamily="18" charset="-127"/>
-                <a:ea typeface="THE정고딕140" panose="02020603020101020101" pitchFamily="18" charset="-127"/>
-              </a:rPr>
-              <a:t>개발에 사용하는 언어</a:t>
-            </a:r>
-            <a:endParaRPr lang="en-US" altLang="ko-KR" sz="1400" dirty="0">
-              <a:ln>
-                <a:solidFill>
-                  <a:schemeClr val="tx1">
-                    <a:alpha val="30000"/>
-                  </a:schemeClr>
-                </a:solidFill>
-              </a:ln>
-              <a:latin typeface="THE정고딕140" panose="02020603020101020101" pitchFamily="18" charset="-127"/>
-              <a:ea typeface="THE정고딕140" panose="02020603020101020101" pitchFamily="18" charset="-127"/>
-            </a:endParaRPr>
-          </a:p>
-        </p:txBody>
-      </p:sp>
       <p:pic>
         <p:nvPicPr>
           <p:cNvPr id="22" name="그림 21">
@@ -12756,65 +13370,6 @@
           </p:txBody>
         </p:sp>
       </p:grpSp>
-      <p:sp>
-        <p:nvSpPr>
-          <p:cNvPr id="3" name="TextBox 2">
-            <a:extLst>
-              <a:ext uri="{FF2B5EF4-FFF2-40B4-BE49-F238E27FC236}">
-                <a16:creationId xmlns:a16="http://schemas.microsoft.com/office/drawing/2014/main" id="{8E94E537-B9FE-42FC-BC09-D69259767E5C}"/>
-              </a:ext>
-            </a:extLst>
-          </p:cNvPr>
-          <p:cNvSpPr txBox="1"/>
-          <p:nvPr/>
-        </p:nvSpPr>
-        <p:spPr>
-          <a:xfrm>
-            <a:off x="2388869" y="422305"/>
-            <a:ext cx="6574377" cy="307777"/>
-          </a:xfrm>
-          <a:prstGeom prst="rect">
-            <a:avLst/>
-          </a:prstGeom>
-          <a:noFill/>
-          <a:ln>
-            <a:noFill/>
-          </a:ln>
-        </p:spPr>
-        <p:txBody>
-          <a:bodyPr wrap="square" rtlCol="0">
-            <a:spAutoFit/>
-          </a:bodyPr>
-          <a:lstStyle/>
-          <a:p>
-            <a:r>
-              <a:rPr lang="ko-KR" altLang="en-US" sz="1400" dirty="0">
-                <a:ln>
-                  <a:solidFill>
-                    <a:schemeClr val="tx1">
-                      <a:alpha val="30000"/>
-                    </a:schemeClr>
-                  </a:solidFill>
-                </a:ln>
-                <a:latin typeface="THE정고딕140" panose="02020603020101020101" pitchFamily="18" charset="-127"/>
-                <a:ea typeface="THE정고딕140" panose="02020603020101020101" pitchFamily="18" charset="-127"/>
-              </a:rPr>
-              <a:t>개발에 사용하는 언어</a:t>
-            </a:r>
-            <a:endParaRPr lang="en-US" altLang="ko-KR" sz="1400" dirty="0">
-              <a:ln>
-                <a:solidFill>
-                  <a:schemeClr val="tx1">
-                    <a:alpha val="30000"/>
-                  </a:schemeClr>
-                </a:solidFill>
-              </a:ln>
-              <a:latin typeface="THE정고딕140" panose="02020603020101020101" pitchFamily="18" charset="-127"/>
-              <a:ea typeface="THE정고딕140" panose="02020603020101020101" pitchFamily="18" charset="-127"/>
-            </a:endParaRPr>
-          </a:p>
-        </p:txBody>
-      </p:sp>
       <p:pic>
         <p:nvPicPr>
           <p:cNvPr id="4" name="그림 3">

--- a/2020_11_11/세미나1.pptx
+++ b/2020_11_11/세미나1.pptx
@@ -5,7 +5,7 @@
     <p:sldMasterId id="2147483648" r:id="rId1"/>
   </p:sldMasterIdLst>
   <p:notesMasterIdLst>
-    <p:notesMasterId r:id="rId23"/>
+    <p:notesMasterId r:id="rId25"/>
   </p:notesMasterIdLst>
   <p:sldIdLst>
     <p:sldId id="271" r:id="rId2"/>
@@ -23,24 +23,26 @@
     <p:sldId id="288" r:id="rId14"/>
     <p:sldId id="289" r:id="rId15"/>
     <p:sldId id="297" r:id="rId16"/>
-    <p:sldId id="301" r:id="rId17"/>
-    <p:sldId id="300" r:id="rId18"/>
-    <p:sldId id="298" r:id="rId19"/>
-    <p:sldId id="299" r:id="rId20"/>
-    <p:sldId id="286" r:id="rId21"/>
-    <p:sldId id="280" r:id="rId22"/>
+    <p:sldId id="302" r:id="rId17"/>
+    <p:sldId id="301" r:id="rId18"/>
+    <p:sldId id="300" r:id="rId19"/>
+    <p:sldId id="303" r:id="rId20"/>
+    <p:sldId id="298" r:id="rId21"/>
+    <p:sldId id="299" r:id="rId22"/>
+    <p:sldId id="286" r:id="rId23"/>
+    <p:sldId id="280" r:id="rId24"/>
   </p:sldIdLst>
   <p:sldSz cx="12192000" cy="6858000"/>
   <p:notesSz cx="6858000" cy="9144000"/>
   <p:embeddedFontLst>
     <p:embeddedFont>
       <p:font typeface="THE정고딕140" panose="02020603020101020101" pitchFamily="18" charset="-127"/>
-      <p:regular r:id="rId24"/>
+      <p:regular r:id="rId26"/>
     </p:embeddedFont>
     <p:embeddedFont>
       <p:font typeface="맑은 고딕" panose="020B0503020000020004" pitchFamily="50" charset="-127"/>
-      <p:regular r:id="rId25"/>
-      <p:bold r:id="rId26"/>
+      <p:regular r:id="rId27"/>
+      <p:bold r:id="rId28"/>
     </p:embeddedFont>
   </p:embeddedFontLst>
   <p:defaultTextStyle>
@@ -1647,7 +1649,7 @@
             </a:r>
             <a:r>
               <a:rPr lang="ko-KR" altLang="en-US"/>
-              <a:t>후배들에게는 이러한 진로도 존재하고 미리 알아가자는 취지로</a:t>
+              <a:t>후배들에게는 이러한 분야도 존재하고 미리 알아가자는 취지로</a:t>
             </a:r>
             <a:r>
               <a:rPr lang="en-US" altLang="ko-KR"/>
@@ -1959,54 +1961,38 @@
           </a:p>
           <a:p>
             <a:r>
-              <a:rPr lang="en-US" altLang="ko-KR" dirty="0"/>
+              <a:rPr lang="en-US" altLang="ko-KR"/>
               <a:t>Calculate</a:t>
             </a:r>
             <a:r>
-              <a:rPr lang="ko-KR" altLang="en-US" dirty="0"/>
-              <a:t> 함수는 먼저 </a:t>
-            </a:r>
-            <a:r>
-              <a:rPr lang="ko-KR" altLang="en-US" dirty="0" err="1"/>
-              <a:t>입력칸의</a:t>
-            </a:r>
-            <a:r>
-              <a:rPr lang="ko-KR" altLang="en-US" dirty="0"/>
-              <a:t> 텍스트가</a:t>
-            </a:r>
+              <a:rPr lang="ko-KR" altLang="en-US"/>
+              <a:t> 함수는</a:t>
+            </a:r>
+            <a:endParaRPr lang="en-US" altLang="ko-KR"/>
+          </a:p>
+          <a:p>
             <a:endParaRPr lang="en-US" altLang="ko-KR" dirty="0"/>
           </a:p>
           <a:p>
-            <a:endParaRPr lang="en-US" altLang="ko-KR" dirty="0"/>
-          </a:p>
-          <a:p>
-            <a:r>
-              <a:rPr lang="ko-KR" altLang="en-US" dirty="0"/>
-              <a:t>사칙연산 공식에 맞는 형식인지를 확인한 다음</a:t>
-            </a:r>
-            <a:endParaRPr lang="en-US" altLang="ko-KR" dirty="0"/>
-          </a:p>
-          <a:p>
-            <a:endParaRPr lang="en-US" altLang="ko-KR" dirty="0"/>
-          </a:p>
-          <a:p>
-            <a:r>
-              <a:rPr lang="ko-KR" altLang="en-US" dirty="0" err="1"/>
-              <a:t>맞다면</a:t>
-            </a:r>
-            <a:r>
-              <a:rPr lang="ko-KR" altLang="en-US" dirty="0"/>
-              <a:t> 그걸로 계산을 수행해서</a:t>
-            </a:r>
-            <a:endParaRPr lang="en-US" altLang="ko-KR" dirty="0"/>
-          </a:p>
-          <a:p>
-            <a:endParaRPr lang="en-US" altLang="ko-KR" dirty="0"/>
-          </a:p>
-          <a:p>
-            <a:r>
-              <a:rPr lang="ko-KR" altLang="en-US" dirty="0"/>
-              <a:t>계산 내역 상자에 계산 결과 혹은 실패 메시지를</a:t>
+            <a:r>
+              <a:rPr lang="ko-KR" altLang="en-US"/>
+              <a:t>계산을 수행해서</a:t>
+            </a:r>
+            <a:r>
+              <a:rPr lang="en-US" altLang="ko-KR"/>
+              <a:t> </a:t>
+            </a:r>
+            <a:r>
+              <a:rPr lang="ko-KR" altLang="en-US"/>
+              <a:t>계산 </a:t>
+            </a:r>
+            <a:r>
+              <a:rPr lang="ko-KR" altLang="en-US" dirty="0"/>
+              <a:t>내역 상자에 </a:t>
+            </a:r>
+            <a:r>
+              <a:rPr lang="ko-KR" altLang="en-US"/>
+              <a:t>계산 결과를</a:t>
             </a:r>
             <a:endParaRPr lang="en-US" altLang="ko-KR" dirty="0"/>
           </a:p>
@@ -2139,9 +2125,13 @@
           <a:p>
             <a:r>
               <a:rPr lang="ko-KR" altLang="en-US" dirty="0"/>
-              <a:t>아까도 말했지만 웹 프로그래밍이라는 거창한 말을 했지만</a:t>
-            </a:r>
-            <a:endParaRPr lang="en-US" altLang="ko-KR" dirty="0"/>
+              <a:t>아까도 </a:t>
+            </a:r>
+            <a:r>
+              <a:rPr lang="ko-KR" altLang="en-US"/>
+              <a:t>말했지만 </a:t>
+            </a:r>
+            <a:endParaRPr lang="en-US" altLang="ko-KR"/>
           </a:p>
           <a:p>
             <a:endParaRPr lang="en-US" altLang="ko-KR" dirty="0"/>
@@ -2217,6 +2207,35 @@
             <a:r>
               <a:rPr lang="ko-KR" altLang="en-US"/>
               <a:t>여러 이벤트에 웹이 적절한 동작을 취하도록 해주는 중요한 언어입니다</a:t>
+            </a:r>
+            <a:r>
+              <a:rPr lang="en-US" altLang="ko-KR"/>
+              <a:t>.</a:t>
+            </a:r>
+          </a:p>
+          <a:p>
+            <a:endParaRPr lang="en-US" altLang="ko-KR"/>
+          </a:p>
+          <a:p>
+            <a:r>
+              <a:rPr lang="ko-KR" altLang="en-US"/>
+              <a:t>그</a:t>
+            </a:r>
+            <a:r>
+              <a:rPr lang="en-US" altLang="ko-KR"/>
+              <a:t> </a:t>
+            </a:r>
+            <a:r>
+              <a:rPr lang="ko-KR" altLang="en-US"/>
+              <a:t>외에도 </a:t>
+            </a:r>
+            <a:r>
+              <a:rPr lang="en-US" altLang="ko-KR"/>
+              <a:t>HTML</a:t>
+            </a:r>
+            <a:r>
+              <a:rPr lang="ko-KR" altLang="en-US"/>
+              <a:t>의 요소를 집어와 변경시키고 새로 생성시킬 수도 있죠</a:t>
             </a:r>
             <a:r>
               <a:rPr lang="en-US" altLang="ko-KR"/>
@@ -2791,7 +2810,15 @@
             </a:r>
             <a:r>
               <a:rPr lang="ko-KR" altLang="en-US" dirty="0"/>
-              <a:t>제가 다룰 분야는 자바스크립트를 활용한 웹 프로그래밍입니다</a:t>
+              <a:t>제가 </a:t>
+            </a:r>
+            <a:r>
+              <a:rPr lang="ko-KR" altLang="en-US"/>
+              <a:t>다룰 분야는 </a:t>
+            </a:r>
+            <a:r>
+              <a:rPr lang="ko-KR" altLang="en-US" dirty="0"/>
+              <a:t>웹 프로그래밍입니다</a:t>
             </a:r>
             <a:r>
               <a:rPr lang="en-US" altLang="ko-KR" dirty="0"/>
@@ -2803,12 +2830,32 @@
           </a:p>
           <a:p>
             <a:r>
-              <a:rPr lang="ko-KR" altLang="en-US" dirty="0"/>
-              <a:t>오늘날 웹 프로그래밍의 </a:t>
-            </a:r>
-            <a:r>
-              <a:rPr lang="ko-KR" altLang="en-US"/>
-              <a:t>동향은 </a:t>
+              <a:rPr lang="ko-KR" altLang="en-US"/>
+              <a:t>오늘날 자바스크립트를 활용한 </a:t>
+            </a:r>
+            <a:r>
+              <a:rPr lang="ko-KR" altLang="en-US" dirty="0"/>
+              <a:t>웹 </a:t>
+            </a:r>
+            <a:r>
+              <a:rPr lang="ko-KR" altLang="en-US"/>
+              <a:t>프로그래밍의 동향</a:t>
+            </a:r>
+            <a:r>
+              <a:rPr lang="en-US" altLang="ko-KR"/>
+              <a:t>(</a:t>
+            </a:r>
+            <a:r>
+              <a:rPr lang="ko-KR" altLang="en-US"/>
+              <a:t>트렌드</a:t>
+            </a:r>
+            <a:r>
+              <a:rPr lang="en-US" altLang="ko-KR"/>
+              <a:t>)</a:t>
+            </a:r>
+            <a:r>
+              <a:rPr lang="ko-KR" altLang="en-US"/>
+              <a:t>은 </a:t>
             </a:r>
             <a:r>
               <a:rPr lang="en-US" altLang="ko-KR"/>
@@ -2965,7 +3012,7 @@
             </a:r>
             <a:r>
               <a:rPr lang="en-US" altLang="ko-KR"/>
-              <a:t>.</a:t>
+              <a:t>. </a:t>
             </a:r>
           </a:p>
           <a:p>
@@ -2974,187 +3021,12 @@
           <a:p>
             <a:r>
               <a:rPr lang="ko-KR" altLang="en-US"/>
-              <a:t>이 과정을 서버 입장에서 살펴보자면 사용자가 최초에 이 게시물의 주소로 접속했을 때</a:t>
-            </a:r>
-            <a:r>
-              <a:rPr lang="en-US" altLang="ko-KR"/>
-              <a:t>, </a:t>
-            </a:r>
-            <a:r>
-              <a:rPr lang="ko-KR" altLang="en-US"/>
-              <a:t>서버는 이를 파악하고 데이터베이스에서 해당 페이지에 대한 여러 정보들을 받아와 </a:t>
-            </a:r>
-            <a:r>
-              <a:rPr lang="en-US" altLang="ko-KR"/>
-              <a:t>HTML CSS JavaScript</a:t>
-            </a:r>
-            <a:r>
-              <a:rPr lang="ko-KR" altLang="en-US"/>
-              <a:t>로 페이지를 작성해 사용자 화면에 보여지게 하는거죠</a:t>
-            </a:r>
-            <a:endParaRPr lang="en-US" altLang="ko-KR"/>
-          </a:p>
-          <a:p>
-            <a:endParaRPr lang="en-US" altLang="ko-KR"/>
-          </a:p>
-          <a:p>
-            <a:r>
-              <a:rPr lang="ko-KR" altLang="en-US"/>
-              <a:t>이 때</a:t>
-            </a:r>
-            <a:r>
-              <a:rPr lang="en-US" altLang="ko-KR"/>
-              <a:t>, </a:t>
-            </a:r>
-            <a:r>
-              <a:rPr lang="ko-KR" altLang="en-US"/>
-              <a:t>사용자가 좋아요를 누르면</a:t>
-            </a:r>
-            <a:endParaRPr lang="en-US" altLang="ko-KR"/>
-          </a:p>
-          <a:p>
-            <a:endParaRPr lang="en-US" altLang="ko-KR"/>
-          </a:p>
-          <a:p>
-            <a:r>
-              <a:rPr lang="ko-KR" altLang="en-US"/>
-              <a:t>서버는 또 이를 파악해 데이터베이스에서 아까 불러온 많은 양의 데이터들과 함께 </a:t>
-            </a:r>
-            <a:r>
-              <a:rPr lang="en-US" altLang="ko-KR"/>
-              <a:t>HTML CSS JavaScript</a:t>
-            </a:r>
-            <a:r>
-              <a:rPr lang="ko-KR" altLang="en-US"/>
-              <a:t>로 작성해 사용자 화면에 보이게 만들어야합니다</a:t>
-            </a:r>
-            <a:r>
-              <a:rPr lang="en-US" altLang="ko-KR"/>
-              <a:t>. </a:t>
-            </a:r>
-            <a:r>
-              <a:rPr lang="ko-KR" altLang="en-US"/>
-              <a:t>새로운 페이지로요</a:t>
-            </a:r>
-            <a:endParaRPr lang="en-US" altLang="ko-KR"/>
-          </a:p>
-          <a:p>
-            <a:endParaRPr lang="en-US" altLang="ko-KR"/>
-          </a:p>
-          <a:p>
-            <a:r>
-              <a:rPr lang="ko-KR" altLang="en-US"/>
-              <a:t>좋아요 수를 바꾼다고 이러한 과정을 반복한다면</a:t>
-            </a:r>
-            <a:r>
-              <a:rPr lang="en-US" altLang="ko-KR"/>
-              <a:t>, </a:t>
-            </a:r>
-            <a:r>
-              <a:rPr lang="ko-KR" altLang="en-US"/>
-              <a:t>특히나 해당 페이지에 많은 내용이 들어있다면 데이터의 낭비는 더욱 심해지겠죠</a:t>
-            </a:r>
-            <a:endParaRPr lang="en-US" altLang="ko-KR"/>
-          </a:p>
-          <a:p>
-            <a:endParaRPr lang="en-US" altLang="ko-KR"/>
-          </a:p>
-          <a:p>
-            <a:r>
-              <a:rPr lang="ko-KR" altLang="en-US"/>
-              <a:t>이게 과연 효율적이라고 볼 수 있을까요</a:t>
+              <a:t>뭔가 좀 어색하지 않나요</a:t>
             </a:r>
             <a:r>
               <a:rPr lang="en-US" altLang="ko-KR"/>
               <a:t>?</a:t>
             </a:r>
-          </a:p>
-          <a:p>
-            <a:endParaRPr lang="en-US" altLang="ko-KR"/>
-          </a:p>
-          <a:p>
-            <a:r>
-              <a:rPr lang="ko-KR" altLang="en-US"/>
-              <a:t>예전에는 이러한 웹 페이지들이 대부분이었다고 합니다</a:t>
-            </a:r>
-            <a:r>
-              <a:rPr lang="en-US" altLang="ko-KR"/>
-              <a:t>.</a:t>
-            </a:r>
-          </a:p>
-          <a:p>
-            <a:endParaRPr lang="en-US" altLang="ko-KR"/>
-          </a:p>
-          <a:p>
-            <a:r>
-              <a:rPr lang="ko-KR" altLang="en-US"/>
-              <a:t>여기서 </a:t>
-            </a:r>
-            <a:r>
-              <a:rPr lang="en-US" altLang="ko-KR"/>
-              <a:t>SPA</a:t>
-            </a:r>
-            <a:r>
-              <a:rPr lang="ko-KR" altLang="en-US"/>
-              <a:t>의 강점이 드러납니다</a:t>
-            </a:r>
-            <a:r>
-              <a:rPr lang="en-US" altLang="ko-KR"/>
-              <a:t>.</a:t>
-            </a:r>
-          </a:p>
-          <a:p>
-            <a:endParaRPr lang="en-US" altLang="ko-KR"/>
-          </a:p>
-          <a:p>
-            <a:r>
-              <a:rPr lang="ko-KR" altLang="en-US"/>
-              <a:t>서버로부터 완전히 새로운 페이지를 불러오지 않고 현재의 페이지를 동적으로 다시 작성해서 마치 사용자와 소통하는 듯한 웹 사이트 이게 </a:t>
-            </a:r>
-            <a:r>
-              <a:rPr lang="en-US" altLang="ko-KR"/>
-              <a:t>SPA,</a:t>
-            </a:r>
-            <a:r>
-              <a:rPr lang="ko-KR" altLang="en-US"/>
-              <a:t> </a:t>
-            </a:r>
-            <a:r>
-              <a:rPr lang="en-US" altLang="ko-KR"/>
-              <a:t>Single Page Application</a:t>
-            </a:r>
-            <a:r>
-              <a:rPr lang="ko-KR" altLang="en-US"/>
-              <a:t>입니다</a:t>
-            </a:r>
-            <a:r>
-              <a:rPr lang="en-US" altLang="ko-KR"/>
-              <a:t>.</a:t>
-            </a:r>
-          </a:p>
-          <a:p>
-            <a:endParaRPr lang="en-US" altLang="ko-KR"/>
-          </a:p>
-          <a:p>
-            <a:r>
-              <a:rPr lang="ko-KR" altLang="en-US"/>
-              <a:t>사용자가 행동을 취할 때 마다 페이지를 만들어서 보여줘야 할 필요가 없이 한 페이지내에서 이를 업데이트 하면 된다는 뜻에 </a:t>
-            </a:r>
-            <a:r>
-              <a:rPr lang="en-US" altLang="ko-KR"/>
-              <a:t>Single</a:t>
-            </a:r>
-            <a:r>
-              <a:rPr lang="ko-KR" altLang="en-US"/>
-              <a:t>라는 약자를 가진 것으로 보입니다</a:t>
-            </a:r>
-            <a:r>
-              <a:rPr lang="en-US" altLang="ko-KR"/>
-              <a:t>.</a:t>
-            </a:r>
-          </a:p>
-          <a:p>
-            <a:endParaRPr lang="en-US" altLang="ko-KR" dirty="0"/>
           </a:p>
         </p:txBody>
       </p:sp>
@@ -3184,7 +3056,7 @@
     </p:spTree>
     <p:extLst>
       <p:ext uri="{BB962C8B-B14F-4D97-AF65-F5344CB8AC3E}">
-        <p14:creationId xmlns:p14="http://schemas.microsoft.com/office/powerpoint/2010/main" val="1636395551"/>
+        <p14:creationId xmlns:p14="http://schemas.microsoft.com/office/powerpoint/2010/main" val="2116847457"/>
       </p:ext>
     </p:extLst>
   </p:cSld>
@@ -3239,25 +3111,130 @@
           <a:lstStyle/>
           <a:p>
             <a:r>
+              <a:rPr lang="ko-KR" altLang="en-US"/>
+              <a:t>이 과정을 서버 입장에서 살펴보자면 사용자가 최초에 이 게시물의 주소로 접속했을 때</a:t>
+            </a:r>
+            <a:r>
+              <a:rPr lang="en-US" altLang="ko-KR"/>
+              <a:t>, </a:t>
+            </a:r>
+            <a:r>
+              <a:rPr lang="ko-KR" altLang="en-US"/>
+              <a:t>서버는 이를 파악하고 데이터베이스에서 해당 페이지에 대한 여러 정보들을 받아와 </a:t>
+            </a:r>
+            <a:r>
+              <a:rPr lang="en-US" altLang="ko-KR"/>
+              <a:t>HTML CSS JavaScript</a:t>
+            </a:r>
+            <a:r>
+              <a:rPr lang="ko-KR" altLang="en-US"/>
+              <a:t>로 페이지를 작성해 사용자 화면에 보여지게 하는거죠</a:t>
+            </a:r>
+            <a:endParaRPr lang="en-US" altLang="ko-KR"/>
+          </a:p>
+          <a:p>
+            <a:endParaRPr lang="en-US" altLang="ko-KR"/>
+          </a:p>
+          <a:p>
+            <a:r>
+              <a:rPr lang="ko-KR" altLang="en-US"/>
+              <a:t>이 때</a:t>
+            </a:r>
+            <a:r>
+              <a:rPr lang="en-US" altLang="ko-KR"/>
+              <a:t>, </a:t>
+            </a:r>
+            <a:r>
+              <a:rPr lang="ko-KR" altLang="en-US"/>
+              <a:t>사용자가 좋아요를 누르면</a:t>
+            </a:r>
+            <a:endParaRPr lang="en-US" altLang="ko-KR"/>
+          </a:p>
+          <a:p>
+            <a:endParaRPr lang="en-US" altLang="ko-KR"/>
+          </a:p>
+          <a:p>
+            <a:r>
+              <a:rPr lang="ko-KR" altLang="en-US"/>
+              <a:t>서버는 또 이를 파악해 데이터베이스에서 아까 불러온 많은 양의 데이터들과 함께 </a:t>
+            </a:r>
+            <a:r>
+              <a:rPr lang="en-US" altLang="ko-KR"/>
+              <a:t>HTML, CSS, JavaScript</a:t>
+            </a:r>
+            <a:r>
+              <a:rPr lang="ko-KR" altLang="en-US"/>
+              <a:t>로 작성해 사용자 화면에 보이게 만들어야합니다</a:t>
+            </a:r>
+            <a:r>
+              <a:rPr lang="en-US" altLang="ko-KR"/>
+              <a:t>. </a:t>
+            </a:r>
+            <a:r>
+              <a:rPr lang="ko-KR" altLang="en-US"/>
+              <a:t>새로운 페이지로요</a:t>
+            </a:r>
+            <a:endParaRPr lang="en-US" altLang="ko-KR"/>
+          </a:p>
+          <a:p>
+            <a:endParaRPr lang="en-US" altLang="ko-KR"/>
+          </a:p>
+          <a:p>
+            <a:r>
+              <a:rPr lang="ko-KR" altLang="en-US"/>
+              <a:t>좋아요 수를 바꾼다고 이러한 과정을 반복한다면</a:t>
+            </a:r>
+            <a:r>
+              <a:rPr lang="en-US" altLang="ko-KR"/>
+              <a:t>, </a:t>
+            </a:r>
+            <a:r>
+              <a:rPr lang="ko-KR" altLang="en-US"/>
+              <a:t>특히나 해당 페이지에 많은 내용이 들어있다면 데이터의 낭비는 더욱 심해지겠죠</a:t>
+            </a:r>
+            <a:endParaRPr lang="en-US" altLang="ko-KR"/>
+          </a:p>
+          <a:p>
+            <a:endParaRPr lang="en-US" altLang="ko-KR"/>
+          </a:p>
+          <a:p>
+            <a:r>
+              <a:rPr lang="ko-KR" altLang="en-US"/>
+              <a:t>이게 과연 효율적이라고 볼 수 있을까요</a:t>
+            </a:r>
+            <a:r>
+              <a:rPr lang="en-US" altLang="ko-KR"/>
+              <a:t>?</a:t>
+            </a:r>
+          </a:p>
+          <a:p>
+            <a:endParaRPr lang="en-US" altLang="ko-KR"/>
+          </a:p>
+          <a:p>
+            <a:r>
+              <a:rPr lang="ko-KR" altLang="en-US"/>
+              <a:t>예전에는 이러한 웹 페이지들이 대부분이었다고 합니다</a:t>
+            </a:r>
+            <a:r>
+              <a:rPr lang="en-US" altLang="ko-KR"/>
+              <a:t>.</a:t>
+            </a:r>
+          </a:p>
+          <a:p>
+            <a:endParaRPr lang="en-US" altLang="ko-KR"/>
+          </a:p>
+          <a:p>
+            <a:r>
+              <a:rPr lang="ko-KR" altLang="en-US"/>
+              <a:t>여기서 </a:t>
+            </a:r>
+            <a:r>
               <a:rPr lang="en-US" altLang="ko-KR"/>
               <a:t>SPA</a:t>
             </a:r>
             <a:r>
               <a:rPr lang="ko-KR" altLang="en-US"/>
-              <a:t>와 같은 웹 페이지를 쉽게 만들 수 있는 방법은 뭐가 있을까요</a:t>
-            </a:r>
-            <a:r>
-              <a:rPr lang="en-US" altLang="ko-KR"/>
-              <a:t>?</a:t>
-            </a:r>
-          </a:p>
-          <a:p>
-            <a:endParaRPr lang="en-US" altLang="ko-KR"/>
-          </a:p>
-          <a:p>
-            <a:r>
-              <a:rPr lang="ko-KR" altLang="en-US"/>
-              <a:t>바로 자바스크립트 프레임워크를 사용하는 것입니다</a:t>
+              <a:t>의 강점이 드러납니다</a:t>
             </a:r>
             <a:r>
               <a:rPr lang="en-US" altLang="ko-KR"/>
@@ -3269,12 +3246,24 @@
           </a:p>
           <a:p>
             <a:r>
+              <a:rPr lang="ko-KR" altLang="en-US"/>
+              <a:t>서버로부터 완전히 새로운 페이지를 불러오지 않고 현재의 페이지를 동적으로 다시 작성해서 마치 사용자와 소통하는 듯한 웹 사이트 이게 </a:t>
+            </a:r>
+            <a:r>
               <a:rPr lang="en-US" altLang="ko-KR"/>
-              <a:t>SPA framework </a:t>
-            </a:r>
-            <a:r>
-              <a:rPr lang="ko-KR" altLang="en-US"/>
-              <a:t>라고도 불립니다</a:t>
+              <a:t>SPA,</a:t>
+            </a:r>
+            <a:r>
+              <a:rPr lang="ko-KR" altLang="en-US"/>
+              <a:t> </a:t>
+            </a:r>
+            <a:r>
+              <a:rPr lang="en-US" altLang="ko-KR"/>
+              <a:t>Single Page Application</a:t>
+            </a:r>
+            <a:r>
+              <a:rPr lang="ko-KR" altLang="en-US"/>
+              <a:t>입니다</a:t>
             </a:r>
             <a:r>
               <a:rPr lang="en-US" altLang="ko-KR"/>
@@ -3287,337 +3276,20 @@
           <a:p>
             <a:r>
               <a:rPr lang="ko-KR" altLang="en-US"/>
-              <a:t>여기서 프레임워크란 복잡한 내용을 간단히 미리 규격화</a:t>
+              <a:t>사용자가 행동을 취할 때 마다 페이지를 만들어서 보여줘야 할 필요가 없이 한 페이지내에서 이를 업데이트 하면 된다는 뜻에 </a:t>
             </a:r>
             <a:r>
               <a:rPr lang="en-US" altLang="ko-KR"/>
-              <a:t>/</a:t>
-            </a:r>
-            <a:r>
-              <a:rPr lang="ko-KR" altLang="en-US"/>
-              <a:t>모듈화 해둔 도구를 말합니다</a:t>
-            </a:r>
-            <a:r>
-              <a:rPr lang="en-US" altLang="ko-KR"/>
-              <a:t>. </a:t>
-            </a:r>
-          </a:p>
-          <a:p>
-            <a:endParaRPr lang="en-US" altLang="ko-KR"/>
-          </a:p>
-          <a:p>
-            <a:r>
-              <a:rPr lang="ko-KR" altLang="en-US"/>
-              <a:t>무언가를 간편화 했기 때문에 가지는 장점도 있지만</a:t>
-            </a:r>
-            <a:r>
-              <a:rPr lang="en-US" altLang="ko-KR"/>
-              <a:t>, </a:t>
-            </a:r>
-            <a:r>
-              <a:rPr lang="ko-KR" altLang="en-US"/>
-              <a:t>동시에 원본이 갖고있는 장점이나</a:t>
-            </a:r>
-            <a:r>
-              <a:rPr lang="en-US" altLang="ko-KR"/>
-              <a:t>, </a:t>
-            </a:r>
-            <a:r>
-              <a:rPr lang="ko-KR" altLang="en-US"/>
-              <a:t>디테일한 내용을 잃는 부작용이 발생하죠</a:t>
+              <a:t>Single</a:t>
+            </a:r>
+            <a:r>
+              <a:rPr lang="ko-KR" altLang="en-US"/>
+              <a:t>라는 약자를 가진 것으로 보입니다</a:t>
             </a:r>
             <a:r>
               <a:rPr lang="en-US" altLang="ko-KR"/>
               <a:t>.</a:t>
             </a:r>
-          </a:p>
-          <a:p>
-            <a:endParaRPr lang="en-US" altLang="ko-KR"/>
-          </a:p>
-          <a:p>
-            <a:r>
-              <a:rPr lang="ko-KR" altLang="en-US"/>
-              <a:t>음 열권짜리 원본이 있는책을 </a:t>
-            </a:r>
-            <a:r>
-              <a:rPr lang="en-US" altLang="ko-KR"/>
-              <a:t>1</a:t>
-            </a:r>
-            <a:r>
-              <a:rPr lang="ko-KR" altLang="en-US"/>
-              <a:t>시간짜리 영상으로 만들어 보는 것과 비슷합니다</a:t>
-            </a:r>
-            <a:r>
-              <a:rPr lang="en-US" altLang="ko-KR"/>
-              <a:t>.</a:t>
-            </a:r>
-          </a:p>
-          <a:p>
-            <a:endParaRPr lang="en-US" altLang="ko-KR"/>
-          </a:p>
-          <a:p>
-            <a:r>
-              <a:rPr lang="ko-KR" altLang="en-US"/>
-              <a:t>더 이해하기 쉽고</a:t>
-            </a:r>
-            <a:r>
-              <a:rPr lang="en-US" altLang="ko-KR"/>
-              <a:t>, </a:t>
-            </a:r>
-            <a:r>
-              <a:rPr lang="ko-KR" altLang="en-US"/>
-              <a:t>빠른 시간내에 이해할 수 있지만 원본이 가지는 디테일은 잃는 위험부담이 있죠</a:t>
-            </a:r>
-            <a:r>
-              <a:rPr lang="en-US" altLang="ko-KR"/>
-              <a:t>..</a:t>
-            </a:r>
-          </a:p>
-          <a:p>
-            <a:endParaRPr lang="en-US" altLang="ko-KR"/>
-          </a:p>
-          <a:p>
-            <a:pPr marL="0" marR="0" lvl="0" indent="0" algn="l" defTabSz="914400" rtl="0" eaLnBrk="1" fontAlgn="auto" latinLnBrk="1" hangingPunct="1">
-              <a:lnSpc>
-                <a:spcPct val="100000"/>
-              </a:lnSpc>
-              <a:spcBef>
-                <a:spcPts val="0"/>
-              </a:spcBef>
-              <a:spcAft>
-                <a:spcPts val="0"/>
-              </a:spcAft>
-              <a:buClrTx/>
-              <a:buSzTx/>
-              <a:buFontTx/>
-              <a:buNone/>
-              <a:tabLst/>
-              <a:defRPr/>
-            </a:pPr>
-            <a:r>
-              <a:rPr lang="ko-KR" altLang="en-US"/>
-              <a:t>간혹 프레임워크가 남이 이미 짜놓은 코드라는 점에서 라이브러리와 비슷한 점이 있어 헷갈릴 수 있는데</a:t>
-            </a:r>
-            <a:r>
-              <a:rPr lang="en-US" altLang="ko-KR"/>
-              <a:t>,</a:t>
-            </a:r>
-          </a:p>
-          <a:p>
-            <a:pPr marL="0" marR="0" lvl="0" indent="0" algn="l" defTabSz="914400" rtl="0" eaLnBrk="1" fontAlgn="auto" latinLnBrk="1" hangingPunct="1">
-              <a:lnSpc>
-                <a:spcPct val="100000"/>
-              </a:lnSpc>
-              <a:spcBef>
-                <a:spcPts val="0"/>
-              </a:spcBef>
-              <a:spcAft>
-                <a:spcPts val="0"/>
-              </a:spcAft>
-              <a:buClrTx/>
-              <a:buSzTx/>
-              <a:buFontTx/>
-              <a:buNone/>
-              <a:tabLst/>
-              <a:defRPr/>
-            </a:pPr>
-            <a:endParaRPr lang="en-US" altLang="ko-KR"/>
-          </a:p>
-          <a:p>
-            <a:pPr marL="0" marR="0" lvl="0" indent="0" algn="l" defTabSz="914400" rtl="0" eaLnBrk="1" fontAlgn="auto" latinLnBrk="1" hangingPunct="1">
-              <a:lnSpc>
-                <a:spcPct val="100000"/>
-              </a:lnSpc>
-              <a:spcBef>
-                <a:spcPts val="0"/>
-              </a:spcBef>
-              <a:spcAft>
-                <a:spcPts val="0"/>
-              </a:spcAft>
-              <a:buClrTx/>
-              <a:buSzTx/>
-              <a:buFontTx/>
-              <a:buNone/>
-              <a:tabLst/>
-              <a:defRPr/>
-            </a:pPr>
-            <a:r>
-              <a:rPr lang="ko-KR" altLang="en-US"/>
-              <a:t>라이브러리가 각각 개별적인 기능들이라고 한다면</a:t>
-            </a:r>
-            <a:r>
-              <a:rPr lang="en-US" altLang="ko-KR"/>
-              <a:t>, </a:t>
-            </a:r>
-            <a:r>
-              <a:rPr lang="ko-KR" altLang="en-US"/>
-              <a:t>프레임워크는 이것들이 연결되어 기초적인 골격을 갖춘 상태입니다</a:t>
-            </a:r>
-            <a:r>
-              <a:rPr lang="en-US" altLang="ko-KR"/>
-              <a:t>.</a:t>
-            </a:r>
-          </a:p>
-          <a:p>
-            <a:pPr marL="0" marR="0" lvl="0" indent="0" algn="l" defTabSz="914400" rtl="0" eaLnBrk="1" fontAlgn="auto" latinLnBrk="1" hangingPunct="1">
-              <a:lnSpc>
-                <a:spcPct val="100000"/>
-              </a:lnSpc>
-              <a:spcBef>
-                <a:spcPts val="0"/>
-              </a:spcBef>
-              <a:spcAft>
-                <a:spcPts val="0"/>
-              </a:spcAft>
-              <a:buClrTx/>
-              <a:buSzTx/>
-              <a:buFontTx/>
-              <a:buNone/>
-              <a:tabLst/>
-              <a:defRPr/>
-            </a:pPr>
-            <a:endParaRPr lang="en-US" altLang="ko-KR"/>
-          </a:p>
-          <a:p>
-            <a:pPr marL="0" marR="0" lvl="0" indent="0" algn="l" defTabSz="914400" rtl="0" eaLnBrk="1" fontAlgn="auto" latinLnBrk="1" hangingPunct="1">
-              <a:lnSpc>
-                <a:spcPct val="100000"/>
-              </a:lnSpc>
-              <a:spcBef>
-                <a:spcPts val="0"/>
-              </a:spcBef>
-              <a:spcAft>
-                <a:spcPts val="0"/>
-              </a:spcAft>
-              <a:buClrTx/>
-              <a:buSzTx/>
-              <a:buFontTx/>
-              <a:buNone/>
-              <a:tabLst/>
-              <a:defRPr/>
-            </a:pPr>
-            <a:r>
-              <a:rPr lang="ko-KR" altLang="en-US"/>
-              <a:t>쉽게 말해 가져다 쓰는게 라이브러리고</a:t>
-            </a:r>
-            <a:r>
-              <a:rPr lang="en-US" altLang="ko-KR"/>
-              <a:t>, </a:t>
-            </a:r>
-            <a:r>
-              <a:rPr lang="ko-KR" altLang="en-US"/>
-              <a:t>기본 틀로 삼아 위에 뭘 덧붙이는게 프레임워크입니다</a:t>
-            </a:r>
-            <a:r>
-              <a:rPr lang="en-US" altLang="ko-KR"/>
-              <a:t>.</a:t>
-            </a:r>
-          </a:p>
-          <a:p>
-            <a:pPr marL="0" marR="0" lvl="0" indent="0" algn="l" defTabSz="914400" rtl="0" eaLnBrk="1" fontAlgn="auto" latinLnBrk="1" hangingPunct="1">
-              <a:lnSpc>
-                <a:spcPct val="100000"/>
-              </a:lnSpc>
-              <a:spcBef>
-                <a:spcPts val="0"/>
-              </a:spcBef>
-              <a:spcAft>
-                <a:spcPts val="0"/>
-              </a:spcAft>
-              <a:buClrTx/>
-              <a:buSzTx/>
-              <a:buFontTx/>
-              <a:buNone/>
-              <a:tabLst/>
-              <a:defRPr/>
-            </a:pPr>
-            <a:endParaRPr lang="en-US" altLang="ko-KR"/>
-          </a:p>
-          <a:p>
-            <a:pPr marL="0" marR="0" lvl="0" indent="0" algn="l" defTabSz="914400" rtl="0" eaLnBrk="1" fontAlgn="auto" latinLnBrk="1" hangingPunct="1">
-              <a:lnSpc>
-                <a:spcPct val="100000"/>
-              </a:lnSpc>
-              <a:spcBef>
-                <a:spcPts val="0"/>
-              </a:spcBef>
-              <a:spcAft>
-                <a:spcPts val="0"/>
-              </a:spcAft>
-              <a:buClrTx/>
-              <a:buSzTx/>
-              <a:buFontTx/>
-              <a:buNone/>
-              <a:tabLst/>
-              <a:defRPr/>
-            </a:pPr>
-            <a:r>
-              <a:rPr lang="ko-KR" altLang="en-US"/>
-              <a:t>현재 </a:t>
-            </a:r>
-            <a:r>
-              <a:rPr lang="en-US" altLang="ko-KR"/>
-              <a:t>JavaScript</a:t>
-            </a:r>
-            <a:r>
-              <a:rPr lang="ko-KR" altLang="en-US"/>
-              <a:t>라는 언어를 프레임워크화 해 사용하기 편리하게 만든 것을 바로 자바스크립트 프레임워크라고 부릅니다</a:t>
-            </a:r>
-            <a:r>
-              <a:rPr lang="en-US" altLang="ko-KR"/>
-              <a:t>.</a:t>
-            </a:r>
-          </a:p>
-          <a:p>
-            <a:pPr marL="0" marR="0" lvl="0" indent="0" algn="l" defTabSz="914400" rtl="0" eaLnBrk="1" fontAlgn="auto" latinLnBrk="1" hangingPunct="1">
-              <a:lnSpc>
-                <a:spcPct val="100000"/>
-              </a:lnSpc>
-              <a:spcBef>
-                <a:spcPts val="0"/>
-              </a:spcBef>
-              <a:spcAft>
-                <a:spcPts val="0"/>
-              </a:spcAft>
-              <a:buClrTx/>
-              <a:buSzTx/>
-              <a:buFontTx/>
-              <a:buNone/>
-              <a:tabLst/>
-              <a:defRPr/>
-            </a:pPr>
-            <a:endParaRPr lang="en-US" altLang="ko-KR"/>
-          </a:p>
-          <a:p>
-            <a:r>
-              <a:rPr lang="ko-KR" altLang="en-US"/>
-              <a:t>이러한 프레임워크들은 다음과 같이 상당히 많은 종류가 있습니다</a:t>
-            </a:r>
-            <a:r>
-              <a:rPr lang="en-US" altLang="ko-KR"/>
-              <a:t>.</a:t>
-            </a:r>
-          </a:p>
-          <a:p>
-            <a:endParaRPr lang="en-US" altLang="ko-KR"/>
-          </a:p>
-          <a:p>
-            <a:r>
-              <a:rPr lang="ko-KR" altLang="en-US"/>
-              <a:t>저도 이번에 찾아보다 알게되었는데 프레임워크의 이름이 </a:t>
-            </a:r>
-            <a:r>
-              <a:rPr lang="en-US" altLang="ko-KR"/>
-              <a:t>D.va.js </a:t>
-            </a:r>
-            <a:r>
-              <a:rPr lang="ko-KR" altLang="en-US"/>
-              <a:t>라는 프레임워크도 있더라고요</a:t>
-            </a:r>
-            <a:endParaRPr lang="en-US" altLang="ko-KR"/>
-          </a:p>
-          <a:p>
-            <a:endParaRPr lang="en-US" altLang="ko-KR"/>
           </a:p>
           <a:p>
             <a:endParaRPr lang="en-US" altLang="ko-KR" dirty="0"/>
@@ -3650,7 +3322,7 @@
     </p:spTree>
     <p:extLst>
       <p:ext uri="{BB962C8B-B14F-4D97-AF65-F5344CB8AC3E}">
-        <p14:creationId xmlns:p14="http://schemas.microsoft.com/office/powerpoint/2010/main" val="1454235683"/>
+        <p14:creationId xmlns:p14="http://schemas.microsoft.com/office/powerpoint/2010/main" val="1636395551"/>
       </p:ext>
     </p:extLst>
   </p:cSld>
@@ -3705,71 +3377,113 @@
           <a:lstStyle/>
           <a:p>
             <a:r>
-              <a:rPr lang="ko-KR" altLang="en-US"/>
-              <a:t>수 많은 프레임워크들 중 가장 </a:t>
-            </a:r>
-            <a:r>
-              <a:rPr lang="ko-KR" altLang="en-US" dirty="0"/>
-              <a:t>인기가 </a:t>
-            </a:r>
-            <a:r>
-              <a:rPr lang="ko-KR" altLang="en-US"/>
-              <a:t>많은 세 개가 </a:t>
-            </a:r>
-            <a:r>
-              <a:rPr lang="ko-KR" altLang="en-US" dirty="0"/>
-              <a:t>있는데 각 </a:t>
-            </a:r>
-            <a:r>
-              <a:rPr lang="ko-KR" altLang="en-US" dirty="0" err="1"/>
-              <a:t>각</a:t>
-            </a:r>
-            <a:r>
-              <a:rPr lang="ko-KR" altLang="en-US" dirty="0"/>
+              <a:rPr lang="en-US" altLang="ko-KR"/>
+              <a:t>SPA</a:t>
+            </a:r>
+            <a:r>
+              <a:rPr lang="ko-KR" altLang="en-US"/>
+              <a:t>와 같은 웹 페이지를 쉽게 만들 수 있는 방법은 뭐가 있을까요</a:t>
+            </a:r>
+            <a:r>
+              <a:rPr lang="en-US" altLang="ko-KR"/>
+              <a:t>?</a:t>
+            </a:r>
+          </a:p>
+          <a:p>
+            <a:endParaRPr lang="en-US" altLang="ko-KR"/>
+          </a:p>
+          <a:p>
+            <a:r>
+              <a:rPr lang="ko-KR" altLang="en-US"/>
+              <a:t>바로 자바스크립트 프레임워크를 사용하는 것입니다</a:t>
+            </a:r>
+            <a:r>
+              <a:rPr lang="en-US" altLang="ko-KR"/>
+              <a:t>.</a:t>
+            </a:r>
+          </a:p>
+          <a:p>
+            <a:endParaRPr lang="en-US" altLang="ko-KR"/>
+          </a:p>
+          <a:p>
+            <a:r>
+              <a:rPr lang="en-US" altLang="ko-KR"/>
+              <a:t>SPA </a:t>
+            </a:r>
+            <a:r>
+              <a:rPr lang="ko-KR" altLang="en-US"/>
+              <a:t>프레임워크</a:t>
+            </a:r>
+            <a:r>
+              <a:rPr lang="en-US" altLang="ko-KR"/>
               <a:t> </a:t>
             </a:r>
-            <a:endParaRPr lang="en-US" altLang="ko-KR" dirty="0"/>
-          </a:p>
-          <a:p>
-            <a:endParaRPr lang="en-US" altLang="ko-KR" dirty="0"/>
-          </a:p>
-          <a:p>
-            <a:r>
-              <a:rPr lang="en-US" altLang="ko-KR" dirty="0"/>
-              <a:t>Vue.js, React, </a:t>
-            </a:r>
-            <a:r>
-              <a:rPr lang="en-US" altLang="ko-KR" dirty="0" err="1"/>
-              <a:t>Angluar</a:t>
-            </a:r>
-            <a:r>
-              <a:rPr lang="ko-KR" altLang="en-US" dirty="0"/>
-              <a:t>입니다</a:t>
-            </a:r>
-            <a:r>
-              <a:rPr lang="en-US" altLang="ko-KR" dirty="0"/>
+            <a:r>
+              <a:rPr lang="ko-KR" altLang="en-US"/>
+              <a:t>라고도 불립니다</a:t>
+            </a:r>
+            <a:r>
+              <a:rPr lang="en-US" altLang="ko-KR"/>
               <a:t>.</a:t>
             </a:r>
           </a:p>
           <a:p>
-            <a:endParaRPr lang="en-US" altLang="ko-KR" dirty="0"/>
-          </a:p>
-          <a:p>
-            <a:r>
-              <a:rPr lang="ko-KR" altLang="en-US" dirty="0"/>
-              <a:t>개발자들이 뽑은 인기 </a:t>
-            </a:r>
-            <a:r>
-              <a:rPr lang="ko-KR" altLang="en-US"/>
-              <a:t>순도 </a:t>
+            <a:endParaRPr lang="en-US" altLang="ko-KR"/>
+          </a:p>
+          <a:p>
+            <a:r>
+              <a:rPr lang="ko-KR" altLang="en-US"/>
+              <a:t>여기서 프레임워크란 복잡한 내용을 간단히 미리 규격화</a:t>
             </a:r>
             <a:r>
               <a:rPr lang="en-US" altLang="ko-KR"/>
-              <a:t>Vue.js</a:t>
-            </a:r>
-            <a:r>
-              <a:rPr lang="ko-KR" altLang="en-US"/>
-              <a:t>가 </a:t>
+              <a:t>/</a:t>
+            </a:r>
+            <a:r>
+              <a:rPr lang="ko-KR" altLang="en-US"/>
+              <a:t>모듈화 해둔 도구를 말합니다</a:t>
+            </a:r>
+            <a:r>
+              <a:rPr lang="en-US" altLang="ko-KR"/>
+              <a:t>. </a:t>
+            </a:r>
+          </a:p>
+          <a:p>
+            <a:endParaRPr lang="en-US" altLang="ko-KR"/>
+          </a:p>
+          <a:p>
+            <a:r>
+              <a:rPr lang="ko-KR" altLang="en-US"/>
+              <a:t>무언가를 간편화 했기 때문에 가지는 장점도 있지만</a:t>
+            </a:r>
+            <a:r>
+              <a:rPr lang="en-US" altLang="ko-KR"/>
+              <a:t>, </a:t>
+            </a:r>
+            <a:r>
+              <a:rPr lang="ko-KR" altLang="en-US"/>
+              <a:t>동시에 원본이 갖고있는 장점이나</a:t>
+            </a:r>
+            <a:r>
+              <a:rPr lang="en-US" altLang="ko-KR"/>
+              <a:t>, </a:t>
+            </a:r>
+            <a:r>
+              <a:rPr lang="ko-KR" altLang="en-US"/>
+              <a:t>디테일한 내용을 잃는 부작용이 발생하죠</a:t>
+            </a:r>
+            <a:r>
+              <a:rPr lang="en-US" altLang="ko-KR"/>
+              <a:t>.</a:t>
+            </a:r>
+          </a:p>
+          <a:p>
+            <a:endParaRPr lang="en-US" altLang="ko-KR"/>
+          </a:p>
+          <a:p>
+            <a:r>
+              <a:rPr lang="ko-KR" altLang="en-US"/>
+              <a:t>음 예를 들자면 열권짜리 원본이 있는책을 </a:t>
             </a:r>
             <a:r>
               <a:rPr lang="en-US" altLang="ko-KR"/>
@@ -3777,48 +3491,258 @@
             </a:r>
             <a:r>
               <a:rPr lang="ko-KR" altLang="en-US"/>
-              <a:t>등</a:t>
-            </a:r>
-            <a:r>
-              <a:rPr lang="en-US" altLang="ko-KR"/>
-              <a:t>, React</a:t>
-            </a:r>
-            <a:r>
-              <a:rPr lang="ko-KR" altLang="en-US"/>
-              <a:t>가 </a:t>
-            </a:r>
-            <a:r>
-              <a:rPr lang="en-US" altLang="ko-KR"/>
-              <a:t>2</a:t>
-            </a:r>
-            <a:r>
-              <a:rPr lang="ko-KR" altLang="en-US"/>
-              <a:t>등</a:t>
-            </a:r>
-            <a:r>
-              <a:rPr lang="en-US" altLang="ko-KR"/>
-              <a:t>, Angluar</a:t>
-            </a:r>
-            <a:r>
-              <a:rPr lang="ko-KR" altLang="en-US"/>
-              <a:t>가 </a:t>
-            </a:r>
-            <a:r>
-              <a:rPr lang="en-US" altLang="ko-KR"/>
-              <a:t>3</a:t>
-            </a:r>
-            <a:r>
-              <a:rPr lang="ko-KR" altLang="en-US"/>
-              <a:t>등입니다</a:t>
+              <a:t>시간짜리 영상으로 만들어 보는 것과 비슷합니다</a:t>
             </a:r>
             <a:r>
               <a:rPr lang="en-US" altLang="ko-KR"/>
               <a:t>.</a:t>
             </a:r>
-            <a:endParaRPr lang="en-US" altLang="ko-KR" dirty="0"/>
-          </a:p>
-          <a:p>
-            <a:endParaRPr lang="en-US" altLang="ko-KR" dirty="0"/>
+          </a:p>
+          <a:p>
+            <a:endParaRPr lang="en-US" altLang="ko-KR"/>
+          </a:p>
+          <a:p>
+            <a:r>
+              <a:rPr lang="ko-KR" altLang="en-US"/>
+              <a:t>더 이해하기 쉽고</a:t>
+            </a:r>
+            <a:r>
+              <a:rPr lang="en-US" altLang="ko-KR"/>
+              <a:t>, </a:t>
+            </a:r>
+            <a:r>
+              <a:rPr lang="ko-KR" altLang="en-US"/>
+              <a:t>빠른 시간내에 이해할 수 있지만 원본이 가지는 디테일은 잃는 위험부담이 있죠</a:t>
+            </a:r>
+            <a:r>
+              <a:rPr lang="en-US" altLang="ko-KR"/>
+              <a:t>..</a:t>
+            </a:r>
+          </a:p>
+          <a:p>
+            <a:endParaRPr lang="en-US" altLang="ko-KR"/>
+          </a:p>
+          <a:p>
+            <a:pPr marL="0" marR="0" lvl="0" indent="0" algn="l" defTabSz="914400" rtl="0" eaLnBrk="1" fontAlgn="auto" latinLnBrk="1" hangingPunct="1">
+              <a:lnSpc>
+                <a:spcPct val="100000"/>
+              </a:lnSpc>
+              <a:spcBef>
+                <a:spcPts val="0"/>
+              </a:spcBef>
+              <a:spcAft>
+                <a:spcPts val="0"/>
+              </a:spcAft>
+              <a:buClrTx/>
+              <a:buSzTx/>
+              <a:buFontTx/>
+              <a:buNone/>
+              <a:tabLst/>
+              <a:defRPr/>
+            </a:pPr>
+            <a:r>
+              <a:rPr lang="ko-KR" altLang="en-US"/>
+              <a:t>그리고 간혹 프레임워크가 남이 이미 짜놓은 코드라는 점에서 라이브러리와 비슷한 점이 있어 헷갈릴 수 있는데</a:t>
+            </a:r>
+            <a:r>
+              <a:rPr lang="en-US" altLang="ko-KR"/>
+              <a:t>,</a:t>
+            </a:r>
+          </a:p>
+          <a:p>
+            <a:pPr marL="0" marR="0" lvl="0" indent="0" algn="l" defTabSz="914400" rtl="0" eaLnBrk="1" fontAlgn="auto" latinLnBrk="1" hangingPunct="1">
+              <a:lnSpc>
+                <a:spcPct val="100000"/>
+              </a:lnSpc>
+              <a:spcBef>
+                <a:spcPts val="0"/>
+              </a:spcBef>
+              <a:spcAft>
+                <a:spcPts val="0"/>
+              </a:spcAft>
+              <a:buClrTx/>
+              <a:buSzTx/>
+              <a:buFontTx/>
+              <a:buNone/>
+              <a:tabLst/>
+              <a:defRPr/>
+            </a:pPr>
+            <a:endParaRPr lang="en-US" altLang="ko-KR"/>
+          </a:p>
+          <a:p>
+            <a:pPr marL="0" marR="0" lvl="0" indent="0" algn="l" defTabSz="914400" rtl="0" eaLnBrk="1" fontAlgn="auto" latinLnBrk="1" hangingPunct="1">
+              <a:lnSpc>
+                <a:spcPct val="100000"/>
+              </a:lnSpc>
+              <a:spcBef>
+                <a:spcPts val="0"/>
+              </a:spcBef>
+              <a:spcAft>
+                <a:spcPts val="0"/>
+              </a:spcAft>
+              <a:buClrTx/>
+              <a:buSzTx/>
+              <a:buFontTx/>
+              <a:buNone/>
+              <a:tabLst/>
+              <a:defRPr/>
+            </a:pPr>
+            <a:r>
+              <a:rPr lang="ko-KR" altLang="en-US"/>
+              <a:t>라이브러리가 각각 개별적인 기능들이라고 한다면</a:t>
+            </a:r>
+            <a:r>
+              <a:rPr lang="en-US" altLang="ko-KR"/>
+              <a:t>, </a:t>
+            </a:r>
+            <a:r>
+              <a:rPr lang="ko-KR" altLang="en-US"/>
+              <a:t>프레임워크는 이것들이 연결되어 기초적인 골격을 갖춘 상태입니다</a:t>
+            </a:r>
+            <a:r>
+              <a:rPr lang="en-US" altLang="ko-KR"/>
+              <a:t>.</a:t>
+            </a:r>
+          </a:p>
+          <a:p>
+            <a:pPr marL="0" marR="0" lvl="0" indent="0" algn="l" defTabSz="914400" rtl="0" eaLnBrk="1" fontAlgn="auto" latinLnBrk="1" hangingPunct="1">
+              <a:lnSpc>
+                <a:spcPct val="100000"/>
+              </a:lnSpc>
+              <a:spcBef>
+                <a:spcPts val="0"/>
+              </a:spcBef>
+              <a:spcAft>
+                <a:spcPts val="0"/>
+              </a:spcAft>
+              <a:buClrTx/>
+              <a:buSzTx/>
+              <a:buFontTx/>
+              <a:buNone/>
+              <a:tabLst/>
+              <a:defRPr/>
+            </a:pPr>
+            <a:endParaRPr lang="en-US" altLang="ko-KR"/>
+          </a:p>
+          <a:p>
+            <a:pPr marL="0" marR="0" lvl="0" indent="0" algn="l" defTabSz="914400" rtl="0" eaLnBrk="1" fontAlgn="auto" latinLnBrk="1" hangingPunct="1">
+              <a:lnSpc>
+                <a:spcPct val="100000"/>
+              </a:lnSpc>
+              <a:spcBef>
+                <a:spcPts val="0"/>
+              </a:spcBef>
+              <a:spcAft>
+                <a:spcPts val="0"/>
+              </a:spcAft>
+              <a:buClrTx/>
+              <a:buSzTx/>
+              <a:buFontTx/>
+              <a:buNone/>
+              <a:tabLst/>
+              <a:defRPr/>
+            </a:pPr>
+            <a:r>
+              <a:rPr lang="ko-KR" altLang="en-US"/>
+              <a:t>쉽게 말해 가져다 쓰는게 라이브러리고</a:t>
+            </a:r>
+            <a:r>
+              <a:rPr lang="en-US" altLang="ko-KR"/>
+              <a:t>, </a:t>
+            </a:r>
+            <a:r>
+              <a:rPr lang="ko-KR" altLang="en-US"/>
+              <a:t>기본 틀로 삼아 위에 뭘 덧붙이는게 프레임워크입니다</a:t>
+            </a:r>
+            <a:r>
+              <a:rPr lang="en-US" altLang="ko-KR"/>
+              <a:t>.</a:t>
+            </a:r>
+          </a:p>
+          <a:p>
+            <a:pPr marL="0" marR="0" lvl="0" indent="0" algn="l" defTabSz="914400" rtl="0" eaLnBrk="1" fontAlgn="auto" latinLnBrk="1" hangingPunct="1">
+              <a:lnSpc>
+                <a:spcPct val="100000"/>
+              </a:lnSpc>
+              <a:spcBef>
+                <a:spcPts val="0"/>
+              </a:spcBef>
+              <a:spcAft>
+                <a:spcPts val="0"/>
+              </a:spcAft>
+              <a:buClrTx/>
+              <a:buSzTx/>
+              <a:buFontTx/>
+              <a:buNone/>
+              <a:tabLst/>
+              <a:defRPr/>
+            </a:pPr>
+            <a:endParaRPr lang="en-US" altLang="ko-KR"/>
+          </a:p>
+          <a:p>
+            <a:pPr marL="0" marR="0" lvl="0" indent="0" algn="l" defTabSz="914400" rtl="0" eaLnBrk="1" fontAlgn="auto" latinLnBrk="1" hangingPunct="1">
+              <a:lnSpc>
+                <a:spcPct val="100000"/>
+              </a:lnSpc>
+              <a:spcBef>
+                <a:spcPts val="0"/>
+              </a:spcBef>
+              <a:spcAft>
+                <a:spcPts val="0"/>
+              </a:spcAft>
+              <a:buClrTx/>
+              <a:buSzTx/>
+              <a:buFontTx/>
+              <a:buNone/>
+              <a:tabLst/>
+              <a:defRPr/>
+            </a:pPr>
+            <a:r>
+              <a:rPr lang="ko-KR" altLang="en-US"/>
+              <a:t>현재 </a:t>
+            </a:r>
+            <a:r>
+              <a:rPr lang="en-US" altLang="ko-KR"/>
+              <a:t>JavaScript</a:t>
+            </a:r>
+            <a:r>
+              <a:rPr lang="ko-KR" altLang="en-US"/>
+              <a:t>라는 언어를 프레임워크화 해 사용하기 편리하게 만든 것을 바로 우리가 흔히 부르는 자바스크립트 프레임워크라고 부릅니다</a:t>
+            </a:r>
+            <a:r>
+              <a:rPr lang="en-US" altLang="ko-KR"/>
+              <a:t>.</a:t>
+            </a:r>
+          </a:p>
+          <a:p>
+            <a:pPr marL="0" marR="0" lvl="0" indent="0" algn="l" defTabSz="914400" rtl="0" eaLnBrk="1" fontAlgn="auto" latinLnBrk="1" hangingPunct="1">
+              <a:lnSpc>
+                <a:spcPct val="100000"/>
+              </a:lnSpc>
+              <a:spcBef>
+                <a:spcPts val="0"/>
+              </a:spcBef>
+              <a:spcAft>
+                <a:spcPts val="0"/>
+              </a:spcAft>
+              <a:buClrTx/>
+              <a:buSzTx/>
+              <a:buFontTx/>
+              <a:buNone/>
+              <a:tabLst/>
+              <a:defRPr/>
+            </a:pPr>
+            <a:endParaRPr lang="en-US" altLang="ko-KR"/>
+          </a:p>
+          <a:p>
+            <a:r>
+              <a:rPr lang="ko-KR" altLang="en-US"/>
+              <a:t>이러한 프레임워크들은 다음과 같이 상당히 많은 종류가 있습니다</a:t>
+            </a:r>
+            <a:r>
+              <a:rPr lang="en-US" altLang="ko-KR"/>
+              <a:t>.</a:t>
+            </a:r>
           </a:p>
           <a:p>
             <a:endParaRPr lang="en-US" altLang="ko-KR" dirty="0"/>
@@ -3851,7 +3775,7 @@
     </p:spTree>
     <p:extLst>
       <p:ext uri="{BB962C8B-B14F-4D97-AF65-F5344CB8AC3E}">
-        <p14:creationId xmlns:p14="http://schemas.microsoft.com/office/powerpoint/2010/main" val="1964135762"/>
+        <p14:creationId xmlns:p14="http://schemas.microsoft.com/office/powerpoint/2010/main" val="1454235683"/>
       </p:ext>
     </p:extLst>
   </p:cSld>
@@ -3906,137 +3830,18 @@
           <a:lstStyle/>
           <a:p>
             <a:r>
-              <a:rPr lang="ko-KR" altLang="en-US" dirty="0"/>
-              <a:t>그 중 제가 앞으로 몇 번의 세미나 동안 공부하고 조사해올 프레임워크는 </a:t>
-            </a:r>
-            <a:r>
-              <a:rPr lang="en-US" altLang="ko-KR" dirty="0"/>
-              <a:t>Vue.js</a:t>
-            </a:r>
-            <a:r>
-              <a:rPr lang="ko-KR" altLang="en-US" dirty="0"/>
-              <a:t>입니다</a:t>
-            </a:r>
-            <a:r>
-              <a:rPr lang="en-US" altLang="ko-KR" dirty="0"/>
-              <a:t>.</a:t>
-            </a:r>
-          </a:p>
-          <a:p>
-            <a:endParaRPr lang="en-US" altLang="ko-KR" dirty="0"/>
-          </a:p>
-          <a:p>
-            <a:r>
-              <a:rPr lang="ko-KR" altLang="en-US" dirty="0"/>
-              <a:t>저번 방학 때</a:t>
-            </a:r>
-            <a:r>
-              <a:rPr lang="en-US" altLang="ko-KR" dirty="0"/>
-              <a:t>, </a:t>
-            </a:r>
-            <a:r>
-              <a:rPr lang="ko-KR" altLang="en-US" dirty="0" err="1"/>
-              <a:t>셈틀꾼</a:t>
-            </a:r>
-            <a:r>
-              <a:rPr lang="ko-KR" altLang="en-US" dirty="0"/>
-              <a:t> 홈페이지를 만드는 프로젝트도 해보고</a:t>
-            </a:r>
-            <a:r>
-              <a:rPr lang="en-US" altLang="ko-KR" dirty="0"/>
-              <a:t>, </a:t>
-            </a:r>
-            <a:r>
-              <a:rPr lang="ko-KR" altLang="en-US" dirty="0"/>
-              <a:t>최근에는 </a:t>
-            </a:r>
-            <a:r>
-              <a:rPr lang="ko-KR" altLang="en-US" dirty="0" err="1"/>
-              <a:t>오픈소스프로젝트를</a:t>
-            </a:r>
-            <a:r>
-              <a:rPr lang="ko-KR" altLang="en-US" dirty="0"/>
-              <a:t> 이 프레임워크를 사용해 구현하는 등 </a:t>
-            </a:r>
-            <a:r>
-              <a:rPr lang="ko-KR" altLang="en-US" dirty="0" err="1"/>
-              <a:t>접할기회가</a:t>
-            </a:r>
-            <a:r>
-              <a:rPr lang="ko-KR" altLang="en-US" dirty="0"/>
-              <a:t> 많았습니다</a:t>
-            </a:r>
-            <a:r>
-              <a:rPr lang="en-US" altLang="ko-KR" dirty="0"/>
-              <a:t>.</a:t>
-            </a:r>
-          </a:p>
-          <a:p>
-            <a:endParaRPr lang="en-US" altLang="ko-KR" dirty="0"/>
-          </a:p>
-          <a:p>
-            <a:r>
-              <a:rPr lang="ko-KR" altLang="en-US" dirty="0"/>
-              <a:t>그 때 당시에는</a:t>
-            </a:r>
-            <a:r>
-              <a:rPr lang="en-US" altLang="ko-KR" dirty="0"/>
-              <a:t>, </a:t>
-            </a:r>
-            <a:r>
-              <a:rPr lang="ko-KR" altLang="en-US" dirty="0"/>
-              <a:t>이 프레임워크에 대해 깊게 이해하거나</a:t>
-            </a:r>
-            <a:r>
-              <a:rPr lang="en-US" altLang="ko-KR" dirty="0"/>
-              <a:t>, </a:t>
-            </a:r>
-            <a:r>
-              <a:rPr lang="ko-KR" altLang="en-US" dirty="0" err="1"/>
-              <a:t>용어등</a:t>
-            </a:r>
-            <a:r>
-              <a:rPr lang="ko-KR" altLang="en-US" dirty="0"/>
-              <a:t> 헷갈리고 모르는 부분이 있어도 급급히 사용법만 숙지하거나 구글의 힘을 </a:t>
-            </a:r>
-            <a:r>
-              <a:rPr lang="ko-KR" altLang="en-US"/>
-              <a:t>빌려 프로그래밍을 </a:t>
-            </a:r>
-            <a:r>
-              <a:rPr lang="ko-KR" altLang="en-US" dirty="0"/>
-              <a:t>진행해 왔습니다</a:t>
-            </a:r>
-            <a:r>
-              <a:rPr lang="en-US" altLang="ko-KR" dirty="0"/>
-              <a:t>.</a:t>
-            </a:r>
-          </a:p>
-          <a:p>
-            <a:endParaRPr lang="en-US" altLang="ko-KR" dirty="0"/>
-          </a:p>
-          <a:p>
-            <a:r>
-              <a:rPr lang="ko-KR" altLang="en-US" dirty="0"/>
-              <a:t>앞으로 있을 세미나를 계기로 제가 가장 자주 활용하는 프레임워크인 </a:t>
-            </a:r>
-            <a:r>
-              <a:rPr lang="en-US" altLang="ko-KR" dirty="0"/>
-              <a:t>Vue.js</a:t>
-            </a:r>
-            <a:r>
-              <a:rPr lang="ko-KR" altLang="en-US" dirty="0"/>
-              <a:t>에 </a:t>
-            </a:r>
-            <a:r>
-              <a:rPr lang="ko-KR" altLang="en-US"/>
-              <a:t>대한 이해와 사용법 중요한 특징등을 세미나를 통해 알아보고 같이 배워보겠습니다</a:t>
+              <a:rPr lang="ko-KR" altLang="en-US"/>
+              <a:t>저도 이번에 찾아보다 알게되었는데 프레임워크의 이름이 </a:t>
             </a:r>
             <a:r>
               <a:rPr lang="en-US" altLang="ko-KR"/>
-              <a:t>.</a:t>
-            </a:r>
-            <a:endParaRPr lang="en-US" altLang="ko-KR" dirty="0"/>
+              <a:t>D.va.js </a:t>
+            </a:r>
+            <a:r>
+              <a:rPr lang="ko-KR" altLang="en-US"/>
+              <a:t>라는 프레임워크도 있더라고요</a:t>
+            </a:r>
+            <a:endParaRPr lang="en-US" altLang="ko-KR"/>
           </a:p>
         </p:txBody>
       </p:sp>
@@ -4066,7 +3871,7 @@
     </p:spTree>
     <p:extLst>
       <p:ext uri="{BB962C8B-B14F-4D97-AF65-F5344CB8AC3E}">
-        <p14:creationId xmlns:p14="http://schemas.microsoft.com/office/powerpoint/2010/main" val="1674570516"/>
+        <p14:creationId xmlns:p14="http://schemas.microsoft.com/office/powerpoint/2010/main" val="522712395"/>
       </p:ext>
     </p:extLst>
   </p:cSld>
@@ -4204,7 +4009,124 @@
           <a:bodyPr/>
           <a:lstStyle/>
           <a:p>
-            <a:endParaRPr lang="ko-KR" altLang="en-US" dirty="0"/>
+            <a:r>
+              <a:rPr lang="ko-KR" altLang="en-US"/>
+              <a:t>수 많은 프레임워크들 중 가장 </a:t>
+            </a:r>
+            <a:r>
+              <a:rPr lang="ko-KR" altLang="en-US" dirty="0"/>
+              <a:t>인기가 </a:t>
+            </a:r>
+            <a:r>
+              <a:rPr lang="ko-KR" altLang="en-US"/>
+              <a:t>많은 세 개가 </a:t>
+            </a:r>
+            <a:r>
+              <a:rPr lang="ko-KR" altLang="en-US" dirty="0"/>
+              <a:t>있는데 각 </a:t>
+            </a:r>
+            <a:r>
+              <a:rPr lang="ko-KR" altLang="en-US" dirty="0" err="1"/>
+              <a:t>각</a:t>
+            </a:r>
+            <a:r>
+              <a:rPr lang="ko-KR" altLang="en-US" dirty="0"/>
+              <a:t> </a:t>
+            </a:r>
+            <a:endParaRPr lang="en-US" altLang="ko-KR" dirty="0"/>
+          </a:p>
+          <a:p>
+            <a:endParaRPr lang="en-US" altLang="ko-KR" dirty="0"/>
+          </a:p>
+          <a:p>
+            <a:r>
+              <a:rPr lang="en-US" altLang="ko-KR" dirty="0"/>
+              <a:t>Vue.js, React, </a:t>
+            </a:r>
+            <a:r>
+              <a:rPr lang="en-US" altLang="ko-KR" dirty="0" err="1"/>
+              <a:t>Angluar</a:t>
+            </a:r>
+            <a:r>
+              <a:rPr lang="ko-KR" altLang="en-US" dirty="0"/>
+              <a:t>입니다</a:t>
+            </a:r>
+            <a:r>
+              <a:rPr lang="en-US" altLang="ko-KR" dirty="0"/>
+              <a:t>.</a:t>
+            </a:r>
+          </a:p>
+          <a:p>
+            <a:endParaRPr lang="en-US" altLang="ko-KR" dirty="0"/>
+          </a:p>
+          <a:p>
+            <a:r>
+              <a:rPr lang="ko-KR" altLang="en-US" dirty="0"/>
+              <a:t>개발자들이 뽑은 인기 </a:t>
+            </a:r>
+            <a:r>
+              <a:rPr lang="ko-KR" altLang="en-US"/>
+              <a:t>순도 </a:t>
+            </a:r>
+            <a:r>
+              <a:rPr lang="en-US" altLang="ko-KR"/>
+              <a:t>Vue.js</a:t>
+            </a:r>
+            <a:r>
+              <a:rPr lang="ko-KR" altLang="en-US"/>
+              <a:t>가 </a:t>
+            </a:r>
+            <a:r>
+              <a:rPr lang="en-US" altLang="ko-KR"/>
+              <a:t>1</a:t>
+            </a:r>
+            <a:r>
+              <a:rPr lang="ko-KR" altLang="en-US"/>
+              <a:t>등</a:t>
+            </a:r>
+            <a:r>
+              <a:rPr lang="en-US" altLang="ko-KR"/>
+              <a:t>, React</a:t>
+            </a:r>
+            <a:r>
+              <a:rPr lang="ko-KR" altLang="en-US"/>
+              <a:t>가 </a:t>
+            </a:r>
+            <a:r>
+              <a:rPr lang="en-US" altLang="ko-KR"/>
+              <a:t>2</a:t>
+            </a:r>
+            <a:r>
+              <a:rPr lang="ko-KR" altLang="en-US"/>
+              <a:t>등</a:t>
+            </a:r>
+            <a:r>
+              <a:rPr lang="en-US" altLang="ko-KR"/>
+              <a:t>, Angluar</a:t>
+            </a:r>
+            <a:r>
+              <a:rPr lang="ko-KR" altLang="en-US"/>
+              <a:t>가 </a:t>
+            </a:r>
+            <a:r>
+              <a:rPr lang="en-US" altLang="ko-KR"/>
+              <a:t>3</a:t>
+            </a:r>
+            <a:r>
+              <a:rPr lang="ko-KR" altLang="en-US"/>
+              <a:t>등입니다</a:t>
+            </a:r>
+            <a:r>
+              <a:rPr lang="en-US" altLang="ko-KR"/>
+              <a:t>.</a:t>
+            </a:r>
+            <a:endParaRPr lang="en-US" altLang="ko-KR" dirty="0"/>
+          </a:p>
+          <a:p>
+            <a:endParaRPr lang="en-US" altLang="ko-KR" dirty="0"/>
+          </a:p>
+          <a:p>
+            <a:endParaRPr lang="en-US" altLang="ko-KR" dirty="0"/>
           </a:p>
         </p:txBody>
       </p:sp>
@@ -4226,6 +4148,346 @@
             <a:fld id="{D77D3CDB-C11F-4B3C-8011-4CB70A9F6877}" type="slidenum">
               <a:rPr lang="ko-KR" altLang="en-US" smtClean="0"/>
               <a:t>20</a:t>
+            </a:fld>
+            <a:endParaRPr lang="ko-KR" altLang="en-US"/>
+          </a:p>
+        </p:txBody>
+      </p:sp>
+    </p:spTree>
+    <p:extLst>
+      <p:ext uri="{BB962C8B-B14F-4D97-AF65-F5344CB8AC3E}">
+        <p14:creationId xmlns:p14="http://schemas.microsoft.com/office/powerpoint/2010/main" val="1964135762"/>
+      </p:ext>
+    </p:extLst>
+  </p:cSld>
+  <p:clrMapOvr>
+    <a:masterClrMapping/>
+  </p:clrMapOvr>
+</p:notes>
+</file>
+
+<file path=ppt/notesSlides/notesSlide21.xml><?xml version="1.0" encoding="utf-8"?>
+<p:notes xmlns:a="http://schemas.openxmlformats.org/drawingml/2006/main" xmlns:r="http://schemas.openxmlformats.org/officeDocument/2006/relationships" xmlns:p="http://schemas.openxmlformats.org/presentationml/2006/main">
+  <p:cSld>
+    <p:spTree>
+      <p:nvGrpSpPr>
+        <p:cNvPr id="1" name=""/>
+        <p:cNvGrpSpPr/>
+        <p:nvPr/>
+      </p:nvGrpSpPr>
+      <p:grpSpPr>
+        <a:xfrm>
+          <a:off x="0" y="0"/>
+          <a:ext cx="0" cy="0"/>
+          <a:chOff x="0" y="0"/>
+          <a:chExt cx="0" cy="0"/>
+        </a:xfrm>
+      </p:grpSpPr>
+      <p:sp>
+        <p:nvSpPr>
+          <p:cNvPr id="2" name="슬라이드 이미지 개체 틀 1"/>
+          <p:cNvSpPr>
+            <a:spLocks noGrp="1" noRot="1" noChangeAspect="1"/>
+          </p:cNvSpPr>
+          <p:nvPr>
+            <p:ph type="sldImg"/>
+          </p:nvPr>
+        </p:nvSpPr>
+        <p:spPr/>
+      </p:sp>
+      <p:sp>
+        <p:nvSpPr>
+          <p:cNvPr id="3" name="슬라이드 노트 개체 틀 2"/>
+          <p:cNvSpPr>
+            <a:spLocks noGrp="1"/>
+          </p:cNvSpPr>
+          <p:nvPr>
+            <p:ph type="body" idx="1"/>
+          </p:nvPr>
+        </p:nvSpPr>
+        <p:spPr/>
+        <p:txBody>
+          <a:bodyPr/>
+          <a:lstStyle/>
+          <a:p>
+            <a:r>
+              <a:rPr lang="ko-KR" altLang="en-US" dirty="0"/>
+              <a:t>그 중 제가 앞으로 몇 번의 세미나 동안 공부하고 조사해올 프레임워크는 </a:t>
+            </a:r>
+            <a:r>
+              <a:rPr lang="en-US" altLang="ko-KR" dirty="0"/>
+              <a:t>Vue.js</a:t>
+            </a:r>
+            <a:r>
+              <a:rPr lang="ko-KR" altLang="en-US"/>
+              <a:t>입니다</a:t>
+            </a:r>
+            <a:r>
+              <a:rPr lang="en-US" altLang="ko-KR"/>
+              <a:t>.</a:t>
+            </a:r>
+          </a:p>
+          <a:p>
+            <a:endParaRPr lang="en-US" altLang="ko-KR"/>
+          </a:p>
+          <a:p>
+            <a:r>
+              <a:rPr lang="en-US" altLang="ko-KR"/>
+              <a:t>Vue.js</a:t>
+            </a:r>
+            <a:r>
+              <a:rPr lang="ko-KR" altLang="en-US"/>
+              <a:t>의 경우 학습 난이도가 낮고</a:t>
+            </a:r>
+            <a:r>
+              <a:rPr lang="en-US" altLang="ko-KR"/>
+              <a:t>, </a:t>
+            </a:r>
+            <a:r>
+              <a:rPr lang="ko-KR" altLang="en-US"/>
+              <a:t>컴포넌트로 구성되어 있고</a:t>
+            </a:r>
+            <a:r>
+              <a:rPr lang="en-US" altLang="ko-KR"/>
+              <a:t>, </a:t>
+            </a:r>
+            <a:r>
+              <a:rPr lang="ko-KR" altLang="en-US"/>
+              <a:t>최적화가 잘되어 있어 성능이 좋고</a:t>
+            </a:r>
+            <a:r>
+              <a:rPr lang="en-US" altLang="ko-KR"/>
+              <a:t>, </a:t>
+            </a:r>
+            <a:r>
+              <a:rPr lang="ko-KR" altLang="en-US"/>
+              <a:t>모듈도 많은 다양한 장점과 특징이 있습니다</a:t>
+            </a:r>
+            <a:r>
+              <a:rPr lang="en-US" altLang="ko-KR"/>
+              <a:t>.</a:t>
+            </a:r>
+          </a:p>
+          <a:p>
+            <a:endParaRPr lang="en-US" altLang="ko-KR" dirty="0"/>
+          </a:p>
+          <a:p>
+            <a:r>
+              <a:rPr lang="ko-KR" altLang="en-US" dirty="0"/>
+              <a:t>저번 방학 때</a:t>
+            </a:r>
+            <a:r>
+              <a:rPr lang="en-US" altLang="ko-KR" dirty="0"/>
+              <a:t>, </a:t>
+            </a:r>
+            <a:r>
+              <a:rPr lang="ko-KR" altLang="en-US" dirty="0" err="1"/>
+              <a:t>셈틀꾼</a:t>
+            </a:r>
+            <a:r>
+              <a:rPr lang="ko-KR" altLang="en-US" dirty="0"/>
+              <a:t> 홈페이지를 만드는 프로젝트도 해보고</a:t>
+            </a:r>
+            <a:r>
+              <a:rPr lang="en-US" altLang="ko-KR" dirty="0"/>
+              <a:t>, </a:t>
+            </a:r>
+            <a:r>
+              <a:rPr lang="ko-KR" altLang="en-US" dirty="0"/>
+              <a:t>최근에는 </a:t>
+            </a:r>
+            <a:r>
+              <a:rPr lang="ko-KR" altLang="en-US" dirty="0" err="1"/>
+              <a:t>오픈소스프로젝트를</a:t>
+            </a:r>
+            <a:r>
+              <a:rPr lang="ko-KR" altLang="en-US" dirty="0"/>
+              <a:t> 이 프레임워크를 사용해 구현하는 등 </a:t>
+            </a:r>
+            <a:r>
+              <a:rPr lang="ko-KR" altLang="en-US" dirty="0" err="1"/>
+              <a:t>접할기회가</a:t>
+            </a:r>
+            <a:r>
+              <a:rPr lang="ko-KR" altLang="en-US" dirty="0"/>
+              <a:t> 많았습니다</a:t>
+            </a:r>
+            <a:r>
+              <a:rPr lang="en-US" altLang="ko-KR" dirty="0"/>
+              <a:t>.</a:t>
+            </a:r>
+          </a:p>
+          <a:p>
+            <a:endParaRPr lang="en-US" altLang="ko-KR" dirty="0"/>
+          </a:p>
+          <a:p>
+            <a:r>
+              <a:rPr lang="ko-KR" altLang="en-US" dirty="0"/>
+              <a:t>그 때 당시에는</a:t>
+            </a:r>
+            <a:r>
+              <a:rPr lang="en-US" altLang="ko-KR" dirty="0"/>
+              <a:t>, </a:t>
+            </a:r>
+            <a:r>
+              <a:rPr lang="ko-KR" altLang="en-US" dirty="0"/>
+              <a:t>이 프레임워크에 대해 깊게 이해하거나</a:t>
+            </a:r>
+            <a:r>
+              <a:rPr lang="en-US" altLang="ko-KR" dirty="0"/>
+              <a:t>, </a:t>
+            </a:r>
+            <a:r>
+              <a:rPr lang="ko-KR" altLang="en-US" dirty="0" err="1"/>
+              <a:t>용어등</a:t>
+            </a:r>
+            <a:r>
+              <a:rPr lang="ko-KR" altLang="en-US" dirty="0"/>
+              <a:t> 헷갈리고 모르는 부분이 있어도 급급히 사용법만 숙지하거나 구글의 힘을 </a:t>
+            </a:r>
+            <a:r>
+              <a:rPr lang="ko-KR" altLang="en-US"/>
+              <a:t>빌려 프로그래밍을 </a:t>
+            </a:r>
+            <a:r>
+              <a:rPr lang="ko-KR" altLang="en-US" dirty="0"/>
+              <a:t>진행해 왔습니다</a:t>
+            </a:r>
+            <a:r>
+              <a:rPr lang="en-US" altLang="ko-KR" dirty="0"/>
+              <a:t>.</a:t>
+            </a:r>
+          </a:p>
+          <a:p>
+            <a:endParaRPr lang="en-US" altLang="ko-KR" dirty="0"/>
+          </a:p>
+          <a:p>
+            <a:r>
+              <a:rPr lang="ko-KR" altLang="en-US" dirty="0"/>
+              <a:t>앞으로 있을 세미나를 계기로 제가 가장 자주 활용하는 프레임워크인 </a:t>
+            </a:r>
+            <a:r>
+              <a:rPr lang="en-US" altLang="ko-KR" dirty="0"/>
+              <a:t>Vue.js</a:t>
+            </a:r>
+            <a:r>
+              <a:rPr lang="ko-KR" altLang="en-US" dirty="0"/>
+              <a:t>에 </a:t>
+            </a:r>
+            <a:r>
+              <a:rPr lang="ko-KR" altLang="en-US"/>
+              <a:t>대한 이해와 사용법 중요한 특징등을 세미나를 통해 알아보고 같이 배워보겠습니다</a:t>
+            </a:r>
+            <a:r>
+              <a:rPr lang="en-US" altLang="ko-KR"/>
+              <a:t>.</a:t>
+            </a:r>
+            <a:endParaRPr lang="en-US" altLang="ko-KR" dirty="0"/>
+          </a:p>
+        </p:txBody>
+      </p:sp>
+      <p:sp>
+        <p:nvSpPr>
+          <p:cNvPr id="4" name="슬라이드 번호 개체 틀 3"/>
+          <p:cNvSpPr>
+            <a:spLocks noGrp="1"/>
+          </p:cNvSpPr>
+          <p:nvPr>
+            <p:ph type="sldNum" sz="quarter" idx="5"/>
+          </p:nvPr>
+        </p:nvSpPr>
+        <p:spPr/>
+        <p:txBody>
+          <a:bodyPr/>
+          <a:lstStyle/>
+          <a:p>
+            <a:fld id="{D77D3CDB-C11F-4B3C-8011-4CB70A9F6877}" type="slidenum">
+              <a:rPr lang="ko-KR" altLang="en-US" smtClean="0"/>
+              <a:t>21</a:t>
+            </a:fld>
+            <a:endParaRPr lang="ko-KR" altLang="en-US"/>
+          </a:p>
+        </p:txBody>
+      </p:sp>
+    </p:spTree>
+    <p:extLst>
+      <p:ext uri="{BB962C8B-B14F-4D97-AF65-F5344CB8AC3E}">
+        <p14:creationId xmlns:p14="http://schemas.microsoft.com/office/powerpoint/2010/main" val="1674570516"/>
+      </p:ext>
+    </p:extLst>
+  </p:cSld>
+  <p:clrMapOvr>
+    <a:masterClrMapping/>
+  </p:clrMapOvr>
+</p:notes>
+</file>
+
+<file path=ppt/notesSlides/notesSlide22.xml><?xml version="1.0" encoding="utf-8"?>
+<p:notes xmlns:a="http://schemas.openxmlformats.org/drawingml/2006/main" xmlns:r="http://schemas.openxmlformats.org/officeDocument/2006/relationships" xmlns:p="http://schemas.openxmlformats.org/presentationml/2006/main">
+  <p:cSld>
+    <p:spTree>
+      <p:nvGrpSpPr>
+        <p:cNvPr id="1" name=""/>
+        <p:cNvGrpSpPr/>
+        <p:nvPr/>
+      </p:nvGrpSpPr>
+      <p:grpSpPr>
+        <a:xfrm>
+          <a:off x="0" y="0"/>
+          <a:ext cx="0" cy="0"/>
+          <a:chOff x="0" y="0"/>
+          <a:chExt cx="0" cy="0"/>
+        </a:xfrm>
+      </p:grpSpPr>
+      <p:sp>
+        <p:nvSpPr>
+          <p:cNvPr id="2" name="슬라이드 이미지 개체 틀 1"/>
+          <p:cNvSpPr>
+            <a:spLocks noGrp="1" noRot="1" noChangeAspect="1"/>
+          </p:cNvSpPr>
+          <p:nvPr>
+            <p:ph type="sldImg"/>
+          </p:nvPr>
+        </p:nvSpPr>
+        <p:spPr/>
+      </p:sp>
+      <p:sp>
+        <p:nvSpPr>
+          <p:cNvPr id="3" name="슬라이드 노트 개체 틀 2"/>
+          <p:cNvSpPr>
+            <a:spLocks noGrp="1"/>
+          </p:cNvSpPr>
+          <p:nvPr>
+            <p:ph type="body" idx="1"/>
+          </p:nvPr>
+        </p:nvSpPr>
+        <p:spPr/>
+        <p:txBody>
+          <a:bodyPr/>
+          <a:lstStyle/>
+          <a:p>
+            <a:endParaRPr lang="ko-KR" altLang="en-US" dirty="0"/>
+          </a:p>
+        </p:txBody>
+      </p:sp>
+      <p:sp>
+        <p:nvSpPr>
+          <p:cNvPr id="4" name="슬라이드 번호 개체 틀 3"/>
+          <p:cNvSpPr>
+            <a:spLocks noGrp="1"/>
+          </p:cNvSpPr>
+          <p:nvPr>
+            <p:ph type="sldNum" sz="quarter" idx="5"/>
+          </p:nvPr>
+        </p:nvSpPr>
+        <p:spPr/>
+        <p:txBody>
+          <a:bodyPr/>
+          <a:lstStyle/>
+          <a:p>
+            <a:fld id="{D77D3CDB-C11F-4B3C-8011-4CB70A9F6877}" type="slidenum">
+              <a:rPr lang="ko-KR" altLang="en-US" smtClean="0"/>
+              <a:t>22</a:t>
             </a:fld>
             <a:endParaRPr lang="ko-KR" altLang="en-US"/>
           </a:p>
@@ -4537,19 +4799,15 @@
           </a:p>
           <a:p>
             <a:r>
-              <a:rPr lang="ko-KR" altLang="en-US" dirty="0"/>
-              <a:t>그렇다면 </a:t>
-            </a:r>
-            <a:r>
-              <a:rPr lang="ko-KR" altLang="en-US" dirty="0" err="1"/>
-              <a:t>백엔드</a:t>
-            </a:r>
-            <a:r>
-              <a:rPr lang="ko-KR" altLang="en-US" dirty="0"/>
-              <a:t> 프로그래밍이란 </a:t>
-            </a:r>
-            <a:r>
-              <a:rPr lang="ko-KR" altLang="en-US" dirty="0" err="1"/>
+              <a:rPr lang="ko-KR" altLang="en-US"/>
+              <a:t>그렇다면 백엔드란</a:t>
+            </a:r>
+            <a:r>
+              <a:rPr lang="en-US" altLang="ko-KR"/>
+              <a:t> </a:t>
+            </a:r>
+            <a:r>
+              <a:rPr lang="ko-KR" altLang="en-US"/>
               <a:t>뭘까요</a:t>
             </a:r>
             <a:r>
@@ -4895,7 +5153,23 @@
             </a:r>
             <a:r>
               <a:rPr lang="ko-KR" altLang="en-US" dirty="0"/>
-              <a:t>이 올려놓은 요소들을 변형시키거나</a:t>
+              <a:t>이 </a:t>
+            </a:r>
+            <a:r>
+              <a:rPr lang="ko-KR" altLang="en-US"/>
+              <a:t>올려놓은 요소들을 조작하고</a:t>
+            </a:r>
+            <a:r>
+              <a:rPr lang="en-US" altLang="ko-KR"/>
+              <a:t>,</a:t>
+            </a:r>
+            <a:r>
+              <a:rPr lang="ko-KR" altLang="en-US"/>
+              <a:t> </a:t>
+            </a:r>
+            <a:r>
+              <a:rPr lang="ko-KR" altLang="en-US" dirty="0"/>
+              <a:t>변형시키거나</a:t>
             </a:r>
             <a:r>
               <a:rPr lang="en-US" altLang="ko-KR" dirty="0"/>
@@ -9416,10 +9690,10 @@
       </p:grpSpPr>
       <p:pic>
         <p:nvPicPr>
-          <p:cNvPr id="3" name="그림 2">
+          <p:cNvPr id="8" name="그림 7">
             <a:extLst>
               <a:ext uri="{FF2B5EF4-FFF2-40B4-BE49-F238E27FC236}">
-                <a16:creationId xmlns:a16="http://schemas.microsoft.com/office/drawing/2014/main" id="{212B89B8-4FAC-42C2-9CBB-EFD81154CD3C}"/>
+                <a16:creationId xmlns:a16="http://schemas.microsoft.com/office/drawing/2014/main" id="{17596243-694E-4FD6-BE95-9F2C472A4223}"/>
               </a:ext>
             </a:extLst>
           </p:cNvPr>
@@ -9436,8 +9710,8 @@
         </p:blipFill>
         <p:spPr>
           <a:xfrm>
-            <a:off x="2732554" y="0"/>
-            <a:ext cx="6726891" cy="6858000"/>
+            <a:off x="1956428" y="0"/>
+            <a:ext cx="8279144" cy="6858000"/>
           </a:xfrm>
           <a:prstGeom prst="rect">
             <a:avLst/>
@@ -10465,6 +10739,205 @@
         </p:nvGrpSpPr>
         <p:grpSpPr>
           <a:xfrm>
+            <a:off x="159192" y="182882"/>
+            <a:ext cx="1852488" cy="854226"/>
+            <a:chOff x="640080" y="-971550"/>
+            <a:chExt cx="1660746" cy="765810"/>
+          </a:xfrm>
+        </p:grpSpPr>
+        <p:sp>
+          <p:nvSpPr>
+            <p:cNvPr id="18" name="TextBox 17">
+              <a:extLst>
+                <a:ext uri="{FF2B5EF4-FFF2-40B4-BE49-F238E27FC236}">
+                  <a16:creationId xmlns:a16="http://schemas.microsoft.com/office/drawing/2014/main" id="{D7B7EE40-BAD9-4569-9BF6-F6E9ACA78A3C}"/>
+                </a:ext>
+              </a:extLst>
+            </p:cNvPr>
+            <p:cNvSpPr txBox="1"/>
+            <p:nvPr/>
+          </p:nvSpPr>
+          <p:spPr>
+            <a:xfrm>
+              <a:off x="675005" y="-733504"/>
+              <a:ext cx="1590896" cy="289716"/>
+            </a:xfrm>
+            <a:prstGeom prst="rect">
+              <a:avLst/>
+            </a:prstGeom>
+            <a:noFill/>
+          </p:spPr>
+          <p:txBody>
+            <a:bodyPr wrap="square" rtlCol="0">
+              <a:spAutoFit/>
+            </a:bodyPr>
+            <a:lstStyle/>
+            <a:p>
+              <a:pPr algn="ctr"/>
+              <a:r>
+                <a:rPr lang="en-US" altLang="ko-KR" sz="1500">
+                  <a:ln>
+                    <a:solidFill>
+                      <a:schemeClr val="tx1">
+                        <a:alpha val="30000"/>
+                      </a:schemeClr>
+                    </a:solidFill>
+                  </a:ln>
+                  <a:latin typeface="THE정고딕140" panose="02020603020101020101" pitchFamily="18" charset="-127"/>
+                  <a:ea typeface="THE정고딕140" panose="02020603020101020101" pitchFamily="18" charset="-127"/>
+                </a:rPr>
+                <a:t>SPA</a:t>
+              </a:r>
+              <a:endParaRPr lang="ko-KR" altLang="en-US" sz="1500" dirty="0">
+                <a:ln>
+                  <a:solidFill>
+                    <a:schemeClr val="tx1">
+                      <a:alpha val="30000"/>
+                    </a:schemeClr>
+                  </a:solidFill>
+                </a:ln>
+                <a:latin typeface="THE정고딕140" panose="02020603020101020101" pitchFamily="18" charset="-127"/>
+                <a:ea typeface="THE정고딕140" panose="02020603020101020101" pitchFamily="18" charset="-127"/>
+              </a:endParaRPr>
+            </a:p>
+          </p:txBody>
+        </p:sp>
+        <p:sp>
+          <p:nvSpPr>
+            <p:cNvPr id="5" name="직사각형 4">
+              <a:extLst>
+                <a:ext uri="{FF2B5EF4-FFF2-40B4-BE49-F238E27FC236}">
+                  <a16:creationId xmlns:a16="http://schemas.microsoft.com/office/drawing/2014/main" id="{AB4C8245-D0E4-4D79-B3E9-2FB89CE6FE84}"/>
+                </a:ext>
+              </a:extLst>
+            </p:cNvPr>
+            <p:cNvSpPr/>
+            <p:nvPr/>
+          </p:nvSpPr>
+          <p:spPr>
+            <a:xfrm>
+              <a:off x="640080" y="-971550"/>
+              <a:ext cx="1660746" cy="765810"/>
+            </a:xfrm>
+            <a:prstGeom prst="rect">
+              <a:avLst/>
+            </a:prstGeom>
+            <a:noFill/>
+            <a:ln w="25400">
+              <a:solidFill>
+                <a:schemeClr val="tx1"/>
+              </a:solidFill>
+            </a:ln>
+          </p:spPr>
+          <p:style>
+            <a:lnRef idx="2">
+              <a:schemeClr val="accent1">
+                <a:shade val="50000"/>
+              </a:schemeClr>
+            </a:lnRef>
+            <a:fillRef idx="1">
+              <a:schemeClr val="accent1"/>
+            </a:fillRef>
+            <a:effectRef idx="0">
+              <a:schemeClr val="accent1"/>
+            </a:effectRef>
+            <a:fontRef idx="minor">
+              <a:schemeClr val="lt1"/>
+            </a:fontRef>
+          </p:style>
+          <p:txBody>
+            <a:bodyPr rtlCol="0" anchor="ctr"/>
+            <a:lstStyle/>
+            <a:p>
+              <a:pPr algn="ctr"/>
+              <a:endParaRPr lang="ko-KR" altLang="en-US">
+                <a:latin typeface="THE정고딕140" panose="02020603020101020101" pitchFamily="18" charset="-127"/>
+                <a:ea typeface="THE정고딕140" panose="02020603020101020101" pitchFamily="18" charset="-127"/>
+              </a:endParaRPr>
+            </a:p>
+          </p:txBody>
+        </p:sp>
+      </p:grpSp>
+      <p:pic>
+        <p:nvPicPr>
+          <p:cNvPr id="9" name="그림 8">
+            <a:extLst>
+              <a:ext uri="{FF2B5EF4-FFF2-40B4-BE49-F238E27FC236}">
+                <a16:creationId xmlns:a16="http://schemas.microsoft.com/office/drawing/2014/main" id="{781285CA-FF18-4F1E-A20A-14DF4A35FE93}"/>
+              </a:ext>
+            </a:extLst>
+          </p:cNvPr>
+          <p:cNvPicPr>
+            <a:picLocks noChangeAspect="1"/>
+          </p:cNvPicPr>
+          <p:nvPr/>
+        </p:nvPicPr>
+        <p:blipFill>
+          <a:blip r:embed="rId3">
+            <a:extLst>
+              <a:ext uri="{28A0092B-C50C-407E-A947-70E740481C1C}">
+                <a14:useLocalDpi xmlns:a14="http://schemas.microsoft.com/office/drawing/2010/main" val="0"/>
+              </a:ext>
+            </a:extLst>
+          </a:blip>
+          <a:stretch>
+            <a:fillRect/>
+          </a:stretch>
+        </p:blipFill>
+        <p:spPr>
+          <a:xfrm>
+            <a:off x="3488833" y="1003860"/>
+            <a:ext cx="5214334" cy="4850279"/>
+          </a:xfrm>
+          <a:prstGeom prst="rect">
+            <a:avLst/>
+          </a:prstGeom>
+        </p:spPr>
+      </p:pic>
+    </p:spTree>
+    <p:extLst>
+      <p:ext uri="{BB962C8B-B14F-4D97-AF65-F5344CB8AC3E}">
+        <p14:creationId xmlns:p14="http://schemas.microsoft.com/office/powerpoint/2010/main" val="877210725"/>
+      </p:ext>
+    </p:extLst>
+  </p:cSld>
+  <p:clrMapOvr>
+    <a:masterClrMapping/>
+  </p:clrMapOvr>
+</p:sld>
+</file>
+
+<file path=ppt/slides/slide17.xml><?xml version="1.0" encoding="utf-8"?>
+<p:sld xmlns:a="http://schemas.openxmlformats.org/drawingml/2006/main" xmlns:r="http://schemas.openxmlformats.org/officeDocument/2006/relationships" xmlns:p="http://schemas.openxmlformats.org/presentationml/2006/main">
+  <p:cSld>
+    <p:spTree>
+      <p:nvGrpSpPr>
+        <p:cNvPr id="1" name=""/>
+        <p:cNvGrpSpPr/>
+        <p:nvPr/>
+      </p:nvGrpSpPr>
+      <p:grpSpPr>
+        <a:xfrm>
+          <a:off x="0" y="0"/>
+          <a:ext cx="0" cy="0"/>
+          <a:chOff x="0" y="0"/>
+          <a:chExt cx="0" cy="0"/>
+        </a:xfrm>
+      </p:grpSpPr>
+      <p:grpSp>
+        <p:nvGrpSpPr>
+          <p:cNvPr id="6" name="그룹 5">
+            <a:extLst>
+              <a:ext uri="{FF2B5EF4-FFF2-40B4-BE49-F238E27FC236}">
+                <a16:creationId xmlns:a16="http://schemas.microsoft.com/office/drawing/2014/main" id="{CA7BD838-D4FB-4EA7-B68C-FA7B6D147BA2}"/>
+              </a:ext>
+            </a:extLst>
+          </p:cNvPr>
+          <p:cNvGrpSpPr/>
+          <p:nvPr/>
+        </p:nvGrpSpPr>
+        <p:grpSpPr>
+          <a:xfrm>
             <a:off x="159192" y="182880"/>
             <a:ext cx="1852488" cy="854227"/>
             <a:chOff x="640080" y="-971550"/>
@@ -10654,7 +11127,7 @@
         </p:blipFill>
         <p:spPr>
           <a:xfrm>
-            <a:off x="803910" y="2596515"/>
+            <a:off x="2644146" y="2596515"/>
             <a:ext cx="1664970" cy="1664970"/>
           </a:xfrm>
           <a:prstGeom prst="rect">
@@ -10693,7 +11166,7 @@
         </p:blipFill>
         <p:spPr>
           <a:xfrm>
-            <a:off x="9723120" y="2596515"/>
+            <a:off x="7636399" y="2596515"/>
             <a:ext cx="1664970" cy="1664970"/>
           </a:xfrm>
           <a:prstGeom prst="rect">
@@ -10715,7 +11188,7 @@
         </p:nvSpPr>
         <p:spPr>
           <a:xfrm>
-            <a:off x="1214644" y="4076819"/>
+            <a:off x="3054880" y="4076819"/>
             <a:ext cx="843501" cy="369332"/>
           </a:xfrm>
           <a:prstGeom prst="rect">
@@ -10799,7 +11272,7 @@
         </p:nvSpPr>
         <p:spPr>
           <a:xfrm>
-            <a:off x="9896610" y="4076819"/>
+            <a:off x="7809889" y="4076819"/>
             <a:ext cx="1317990" cy="369332"/>
           </a:xfrm>
           <a:prstGeom prst="rect">
@@ -10827,93 +11300,123 @@
           </a:p>
         </p:txBody>
       </p:sp>
-      <p:cxnSp>
-        <p:nvCxnSpPr>
-          <p:cNvPr id="20" name="직선 화살표 연결선 19">
+      <p:pic>
+        <p:nvPicPr>
+          <p:cNvPr id="22" name="그래픽 21" descr="시계 반대 방향으로 굽은 사선 화살표">
             <a:extLst>
               <a:ext uri="{FF2B5EF4-FFF2-40B4-BE49-F238E27FC236}">
-                <a16:creationId xmlns:a16="http://schemas.microsoft.com/office/drawing/2014/main" id="{B77285B1-5B0D-4F5C-B514-BC05295C542F}"/>
+                <a16:creationId xmlns:a16="http://schemas.microsoft.com/office/drawing/2014/main" id="{50790241-B235-467F-9E60-81DDBC6E1EBC}"/>
               </a:ext>
             </a:extLst>
           </p:cNvPr>
-          <p:cNvCxnSpPr>
-            <a:stCxn id="7" idx="3"/>
-            <a:endCxn id="3" idx="1"/>
-          </p:cNvCxnSpPr>
+          <p:cNvPicPr>
+            <a:picLocks noChangeAspect="1"/>
+          </p:cNvPicPr>
           <p:nvPr/>
-        </p:nvCxnSpPr>
+        </p:nvPicPr>
+        <p:blipFill>
+          <a:blip r:embed="rId9">
+            <a:extLst>
+              <a:ext uri="{28A0092B-C50C-407E-A947-70E740481C1C}">
+                <a14:useLocalDpi xmlns:a14="http://schemas.microsoft.com/office/drawing/2010/main" val="0"/>
+              </a:ext>
+              <a:ext uri="{96DAC541-7B7A-43D3-8B79-37D633B846F1}">
+                <asvg:svgBlip xmlns:asvg="http://schemas.microsoft.com/office/drawing/2016/SVG/main" r:embed="rId10"/>
+              </a:ext>
+            </a:extLst>
+          </a:blip>
+          <a:stretch>
+            <a:fillRect/>
+          </a:stretch>
+        </p:blipFill>
         <p:spPr>
-          <a:xfrm>
-            <a:off x="2468880" y="3429000"/>
-            <a:ext cx="2794635" cy="0"/>
+          <a:xfrm rot="16200000">
+            <a:off x="6825242" y="2514600"/>
+            <a:ext cx="914400" cy="914400"/>
           </a:xfrm>
-          <a:prstGeom prst="straightConnector1">
+          <a:prstGeom prst="rect">
             <a:avLst/>
           </a:prstGeom>
-          <a:ln>
-            <a:headEnd type="triangle"/>
-            <a:tailEnd type="triangle"/>
-          </a:ln>
         </p:spPr>
-        <p:style>
-          <a:lnRef idx="3">
-            <a:schemeClr val="dk1"/>
-          </a:lnRef>
-          <a:fillRef idx="0">
-            <a:schemeClr val="dk1"/>
-          </a:fillRef>
-          <a:effectRef idx="2">
-            <a:schemeClr val="dk1"/>
-          </a:effectRef>
-          <a:fontRef idx="minor">
-            <a:schemeClr val="tx1"/>
-          </a:fontRef>
-        </p:style>
-      </p:cxnSp>
-      <p:cxnSp>
-        <p:nvCxnSpPr>
-          <p:cNvPr id="21" name="직선 화살표 연결선 20">
+      </p:pic>
+      <p:pic>
+        <p:nvPicPr>
+          <p:cNvPr id="24" name="그래픽 23" descr="시계 반대 방향으로 굽은 사선 화살표">
             <a:extLst>
               <a:ext uri="{FF2B5EF4-FFF2-40B4-BE49-F238E27FC236}">
-                <a16:creationId xmlns:a16="http://schemas.microsoft.com/office/drawing/2014/main" id="{3C5D10AC-7A5C-40D4-8E35-D6A47A5A666B}"/>
+                <a16:creationId xmlns:a16="http://schemas.microsoft.com/office/drawing/2014/main" id="{B3C9362D-2249-4D44-BB3D-73362BC59662}"/>
               </a:ext>
             </a:extLst>
           </p:cNvPr>
-          <p:cNvCxnSpPr>
-            <a:cxnSpLocks/>
-            <a:stCxn id="3" idx="3"/>
-            <a:endCxn id="10" idx="1"/>
-          </p:cNvCxnSpPr>
+          <p:cNvPicPr>
+            <a:picLocks noChangeAspect="1"/>
+          </p:cNvPicPr>
           <p:nvPr/>
-        </p:nvCxnSpPr>
+        </p:nvPicPr>
+        <p:blipFill>
+          <a:blip r:embed="rId9">
+            <a:extLst>
+              <a:ext uri="{28A0092B-C50C-407E-A947-70E740481C1C}">
+                <a14:useLocalDpi xmlns:a14="http://schemas.microsoft.com/office/drawing/2010/main" val="0"/>
+              </a:ext>
+              <a:ext uri="{96DAC541-7B7A-43D3-8B79-37D633B846F1}">
+                <asvg:svgBlip xmlns:asvg="http://schemas.microsoft.com/office/drawing/2016/SVG/main" r:embed="rId10"/>
+              </a:ext>
+            </a:extLst>
+          </a:blip>
+          <a:stretch>
+            <a:fillRect/>
+          </a:stretch>
+        </p:blipFill>
         <p:spPr>
-          <a:xfrm>
-            <a:off x="6928485" y="3429000"/>
-            <a:ext cx="2794635" cy="0"/>
+          <a:xfrm rot="5400000">
+            <a:off x="6882019" y="3162419"/>
+            <a:ext cx="914400" cy="914400"/>
           </a:xfrm>
-          <a:prstGeom prst="straightConnector1">
+          <a:prstGeom prst="rect">
             <a:avLst/>
           </a:prstGeom>
-          <a:ln>
-            <a:headEnd type="triangle"/>
-            <a:tailEnd type="triangle"/>
-          </a:ln>
         </p:spPr>
-        <p:style>
-          <a:lnRef idx="3">
-            <a:schemeClr val="dk1"/>
-          </a:lnRef>
-          <a:fillRef idx="0">
-            <a:schemeClr val="dk1"/>
-          </a:fillRef>
-          <a:effectRef idx="2">
-            <a:schemeClr val="dk1"/>
-          </a:effectRef>
-          <a:fontRef idx="minor">
-            <a:schemeClr val="tx1"/>
-          </a:fontRef>
-        </p:style>
-      </p:cxnSp>
+      </p:pic>
+      <p:pic>
+        <p:nvPicPr>
+          <p:cNvPr id="26" name="그래픽 25" descr="아래쪽 화살표">
+            <a:extLst>
+              <a:ext uri="{FF2B5EF4-FFF2-40B4-BE49-F238E27FC236}">
+                <a16:creationId xmlns:a16="http://schemas.microsoft.com/office/drawing/2014/main" id="{BDDFBCEC-C042-4FE1-8F1E-3D3612564C29}"/>
+              </a:ext>
+            </a:extLst>
+          </p:cNvPr>
+          <p:cNvPicPr>
+            <a:picLocks noChangeAspect="1"/>
+          </p:cNvPicPr>
+          <p:nvPr/>
+        </p:nvPicPr>
+        <p:blipFill>
+          <a:blip r:embed="rId11">
+            <a:extLst>
+              <a:ext uri="{28A0092B-C50C-407E-A947-70E740481C1C}">
+                <a14:useLocalDpi xmlns:a14="http://schemas.microsoft.com/office/drawing/2010/main" val="0"/>
+              </a:ext>
+              <a:ext uri="{96DAC541-7B7A-43D3-8B79-37D633B846F1}">
+                <asvg:svgBlip xmlns:asvg="http://schemas.microsoft.com/office/drawing/2016/SVG/main" r:embed="rId12"/>
+              </a:ext>
+            </a:extLst>
+          </a:blip>
+          <a:stretch>
+            <a:fillRect/>
+          </a:stretch>
+        </p:blipFill>
+        <p:spPr>
+          <a:xfrm rot="5400000">
+            <a:off x="4292338" y="2971800"/>
+            <a:ext cx="914400" cy="914400"/>
+          </a:xfrm>
+          <a:prstGeom prst="rect">
+            <a:avLst/>
+          </a:prstGeom>
+        </p:spPr>
+      </p:pic>
     </p:spTree>
     <p:extLst>
       <p:ext uri="{BB962C8B-B14F-4D97-AF65-F5344CB8AC3E}">
@@ -10927,7 +11430,7 @@
 </p:sld>
 </file>
 
-<file path=ppt/slides/slide17.xml><?xml version="1.0" encoding="utf-8"?>
+<file path=ppt/slides/slide18.xml><?xml version="1.0" encoding="utf-8"?>
 <p:sld xmlns:a="http://schemas.openxmlformats.org/drawingml/2006/main" xmlns:r="http://schemas.openxmlformats.org/officeDocument/2006/relationships" xmlns:p="http://schemas.openxmlformats.org/presentationml/2006/main">
   <p:cSld>
     <p:spTree>
@@ -11126,7 +11629,465 @@
 </p:sld>
 </file>
 
-<file path=ppt/slides/slide18.xml><?xml version="1.0" encoding="utf-8"?>
+<file path=ppt/slides/slide19.xml><?xml version="1.0" encoding="utf-8"?>
+<p:sld xmlns:a="http://schemas.openxmlformats.org/drawingml/2006/main" xmlns:r="http://schemas.openxmlformats.org/officeDocument/2006/relationships" xmlns:p="http://schemas.openxmlformats.org/presentationml/2006/main">
+  <p:cSld>
+    <p:spTree>
+      <p:nvGrpSpPr>
+        <p:cNvPr id="1" name=""/>
+        <p:cNvGrpSpPr/>
+        <p:nvPr/>
+      </p:nvGrpSpPr>
+      <p:grpSpPr>
+        <a:xfrm>
+          <a:off x="0" y="0"/>
+          <a:ext cx="0" cy="0"/>
+          <a:chOff x="0" y="0"/>
+          <a:chExt cx="0" cy="0"/>
+        </a:xfrm>
+      </p:grpSpPr>
+      <p:pic>
+        <p:nvPicPr>
+          <p:cNvPr id="3" name="그림 2">
+            <a:extLst>
+              <a:ext uri="{FF2B5EF4-FFF2-40B4-BE49-F238E27FC236}">
+                <a16:creationId xmlns:a16="http://schemas.microsoft.com/office/drawing/2014/main" id="{A68118CC-01B4-4EC9-90A8-9CDB797DA6F7}"/>
+              </a:ext>
+            </a:extLst>
+          </p:cNvPr>
+          <p:cNvPicPr>
+            <a:picLocks noChangeAspect="1"/>
+          </p:cNvPicPr>
+          <p:nvPr/>
+        </p:nvPicPr>
+        <p:blipFill rotWithShape="1">
+          <a:blip r:embed="rId3"/>
+          <a:srcRect t="9760"/>
+          <a:stretch/>
+        </p:blipFill>
+        <p:spPr>
+          <a:xfrm>
+            <a:off x="0" y="449287"/>
+            <a:ext cx="12192000" cy="5959425"/>
+          </a:xfrm>
+          <a:prstGeom prst="rect">
+            <a:avLst/>
+          </a:prstGeom>
+        </p:spPr>
+      </p:pic>
+    </p:spTree>
+    <p:extLst>
+      <p:ext uri="{BB962C8B-B14F-4D97-AF65-F5344CB8AC3E}">
+        <p14:creationId xmlns:p14="http://schemas.microsoft.com/office/powerpoint/2010/main" val="1700823060"/>
+      </p:ext>
+    </p:extLst>
+  </p:cSld>
+  <p:clrMapOvr>
+    <a:masterClrMapping/>
+  </p:clrMapOvr>
+</p:sld>
+</file>
+
+<file path=ppt/slides/slide2.xml><?xml version="1.0" encoding="utf-8"?>
+<p:sld xmlns:a="http://schemas.openxmlformats.org/drawingml/2006/main" xmlns:r="http://schemas.openxmlformats.org/officeDocument/2006/relationships" xmlns:p="http://schemas.openxmlformats.org/presentationml/2006/main">
+  <p:cSld>
+    <p:spTree>
+      <p:nvGrpSpPr>
+        <p:cNvPr id="1" name=""/>
+        <p:cNvGrpSpPr/>
+        <p:nvPr/>
+      </p:nvGrpSpPr>
+      <p:grpSpPr>
+        <a:xfrm>
+          <a:off x="0" y="0"/>
+          <a:ext cx="0" cy="0"/>
+          <a:chOff x="0" y="0"/>
+          <a:chExt cx="0" cy="0"/>
+        </a:xfrm>
+      </p:grpSpPr>
+      <p:sp>
+        <p:nvSpPr>
+          <p:cNvPr id="2" name="TextBox 1">
+            <a:extLst>
+              <a:ext uri="{FF2B5EF4-FFF2-40B4-BE49-F238E27FC236}">
+                <a16:creationId xmlns:a16="http://schemas.microsoft.com/office/drawing/2014/main" id="{008E62C0-14A1-4A12-B41E-13F0E87755BC}"/>
+              </a:ext>
+            </a:extLst>
+          </p:cNvPr>
+          <p:cNvSpPr txBox="1"/>
+          <p:nvPr/>
+        </p:nvSpPr>
+        <p:spPr>
+          <a:xfrm>
+            <a:off x="3839219" y="464165"/>
+            <a:ext cx="1952521" cy="461665"/>
+          </a:xfrm>
+          <a:prstGeom prst="rect">
+            <a:avLst/>
+          </a:prstGeom>
+          <a:noFill/>
+        </p:spPr>
+        <p:txBody>
+          <a:bodyPr wrap="square" rtlCol="0">
+            <a:spAutoFit/>
+          </a:bodyPr>
+          <a:lstStyle/>
+          <a:p>
+            <a:r>
+              <a:rPr lang="en-US" altLang="ko-KR" sz="2400" dirty="0">
+                <a:ln>
+                  <a:solidFill>
+                    <a:schemeClr val="tx1">
+                      <a:alpha val="30000"/>
+                    </a:schemeClr>
+                  </a:solidFill>
+                </a:ln>
+                <a:latin typeface="THE정고딕140" panose="02020603020101020101" pitchFamily="18" charset="-127"/>
+                <a:ea typeface="THE정고딕140" panose="02020603020101020101" pitchFamily="18" charset="-127"/>
+              </a:rPr>
+              <a:t>CONTENTS</a:t>
+            </a:r>
+          </a:p>
+        </p:txBody>
+      </p:sp>
+      <p:sp>
+        <p:nvSpPr>
+          <p:cNvPr id="17" name="직사각형 16">
+            <a:extLst>
+              <a:ext uri="{FF2B5EF4-FFF2-40B4-BE49-F238E27FC236}">
+                <a16:creationId xmlns:a16="http://schemas.microsoft.com/office/drawing/2014/main" id="{21582EED-4CEF-4332-AD6E-3A0DE847DFC5}"/>
+              </a:ext>
+            </a:extLst>
+          </p:cNvPr>
+          <p:cNvSpPr/>
+          <p:nvPr/>
+        </p:nvSpPr>
+        <p:spPr>
+          <a:xfrm>
+            <a:off x="3949324" y="807065"/>
+            <a:ext cx="3771900" cy="5097780"/>
+          </a:xfrm>
+          <a:prstGeom prst="rect">
+            <a:avLst/>
+          </a:prstGeom>
+          <a:noFill/>
+          <a:ln w="25400">
+            <a:solidFill>
+              <a:schemeClr val="tx1"/>
+            </a:solidFill>
+          </a:ln>
+        </p:spPr>
+        <p:style>
+          <a:lnRef idx="2">
+            <a:schemeClr val="accent1">
+              <a:shade val="50000"/>
+            </a:schemeClr>
+          </a:lnRef>
+          <a:fillRef idx="1">
+            <a:schemeClr val="accent1"/>
+          </a:fillRef>
+          <a:effectRef idx="0">
+            <a:schemeClr val="accent1"/>
+          </a:effectRef>
+          <a:fontRef idx="minor">
+            <a:schemeClr val="lt1"/>
+          </a:fontRef>
+        </p:style>
+        <p:txBody>
+          <a:bodyPr rtlCol="0" anchor="ctr"/>
+          <a:lstStyle/>
+          <a:p>
+            <a:pPr algn="ctr"/>
+            <a:endParaRPr lang="ko-KR" altLang="en-US">
+              <a:latin typeface="THE정고딕140" panose="02020603020101020101" pitchFamily="18" charset="-127"/>
+              <a:ea typeface="THE정고딕140" panose="02020603020101020101" pitchFamily="18" charset="-127"/>
+            </a:endParaRPr>
+          </a:p>
+        </p:txBody>
+      </p:sp>
+      <p:sp>
+        <p:nvSpPr>
+          <p:cNvPr id="18" name="TextBox 17">
+            <a:extLst>
+              <a:ext uri="{FF2B5EF4-FFF2-40B4-BE49-F238E27FC236}">
+                <a16:creationId xmlns:a16="http://schemas.microsoft.com/office/drawing/2014/main" id="{D7B7EE40-BAD9-4569-9BF6-F6E9ACA78A3C}"/>
+              </a:ext>
+            </a:extLst>
+          </p:cNvPr>
+          <p:cNvSpPr txBox="1"/>
+          <p:nvPr/>
+        </p:nvSpPr>
+        <p:spPr>
+          <a:xfrm>
+            <a:off x="4815479" y="1369482"/>
+            <a:ext cx="1952521" cy="338554"/>
+          </a:xfrm>
+          <a:prstGeom prst="rect">
+            <a:avLst/>
+          </a:prstGeom>
+          <a:noFill/>
+        </p:spPr>
+        <p:txBody>
+          <a:bodyPr wrap="square" rtlCol="0">
+            <a:spAutoFit/>
+          </a:bodyPr>
+          <a:lstStyle/>
+          <a:p>
+            <a:r>
+              <a:rPr lang="ko-KR" altLang="en-US" sz="1600" dirty="0">
+                <a:ln>
+                  <a:solidFill>
+                    <a:schemeClr val="tx1">
+                      <a:alpha val="30000"/>
+                    </a:schemeClr>
+                  </a:solidFill>
+                </a:ln>
+                <a:latin typeface="THE정고딕140" panose="02020603020101020101" pitchFamily="18" charset="-127"/>
+                <a:ea typeface="THE정고딕140" panose="02020603020101020101" pitchFamily="18" charset="-127"/>
+              </a:rPr>
+              <a:t>웹 프로그래밍</a:t>
+            </a:r>
+          </a:p>
+        </p:txBody>
+      </p:sp>
+      <p:sp>
+        <p:nvSpPr>
+          <p:cNvPr id="19" name="TextBox 18">
+            <a:extLst>
+              <a:ext uri="{FF2B5EF4-FFF2-40B4-BE49-F238E27FC236}">
+                <a16:creationId xmlns:a16="http://schemas.microsoft.com/office/drawing/2014/main" id="{3EBEA385-4253-4749-B8C1-9ACBAE8622A7}"/>
+              </a:ext>
+            </a:extLst>
+          </p:cNvPr>
+          <p:cNvSpPr txBox="1"/>
+          <p:nvPr/>
+        </p:nvSpPr>
+        <p:spPr>
+          <a:xfrm>
+            <a:off x="4815479" y="2151688"/>
+            <a:ext cx="2143590" cy="338554"/>
+          </a:xfrm>
+          <a:prstGeom prst="rect">
+            <a:avLst/>
+          </a:prstGeom>
+          <a:noFill/>
+        </p:spPr>
+        <p:txBody>
+          <a:bodyPr wrap="square" rtlCol="0">
+            <a:spAutoFit/>
+          </a:bodyPr>
+          <a:lstStyle/>
+          <a:p>
+            <a:r>
+              <a:rPr lang="en-US" altLang="ko-KR" sz="1600" dirty="0">
+                <a:ln>
+                  <a:solidFill>
+                    <a:schemeClr val="tx1">
+                      <a:alpha val="30000"/>
+                    </a:schemeClr>
+                  </a:solidFill>
+                </a:ln>
+                <a:latin typeface="THE정고딕140" panose="02020603020101020101" pitchFamily="18" charset="-127"/>
+                <a:ea typeface="THE정고딕140" panose="02020603020101020101" pitchFamily="18" charset="-127"/>
+              </a:rPr>
+              <a:t>JavaScript</a:t>
+            </a:r>
+            <a:endParaRPr lang="ko-KR" altLang="en-US" sz="1200" dirty="0">
+              <a:ln>
+                <a:solidFill>
+                  <a:schemeClr val="tx1">
+                    <a:alpha val="30000"/>
+                  </a:schemeClr>
+                </a:solidFill>
+              </a:ln>
+              <a:latin typeface="THE정고딕140" panose="02020603020101020101" pitchFamily="18" charset="-127"/>
+              <a:ea typeface="THE정고딕140" panose="02020603020101020101" pitchFamily="18" charset="-127"/>
+            </a:endParaRPr>
+          </a:p>
+        </p:txBody>
+      </p:sp>
+      <p:sp>
+        <p:nvSpPr>
+          <p:cNvPr id="20" name="TextBox 19">
+            <a:extLst>
+              <a:ext uri="{FF2B5EF4-FFF2-40B4-BE49-F238E27FC236}">
+                <a16:creationId xmlns:a16="http://schemas.microsoft.com/office/drawing/2014/main" id="{4E9F8AD0-7BC8-473F-B209-B77428A0C729}"/>
+              </a:ext>
+            </a:extLst>
+          </p:cNvPr>
+          <p:cNvSpPr txBox="1"/>
+          <p:nvPr/>
+        </p:nvSpPr>
+        <p:spPr>
+          <a:xfrm>
+            <a:off x="4815479" y="4498306"/>
+            <a:ext cx="2143590" cy="338554"/>
+          </a:xfrm>
+          <a:prstGeom prst="rect">
+            <a:avLst/>
+          </a:prstGeom>
+          <a:noFill/>
+        </p:spPr>
+        <p:txBody>
+          <a:bodyPr wrap="square" rtlCol="0">
+            <a:spAutoFit/>
+          </a:bodyPr>
+          <a:lstStyle/>
+          <a:p>
+            <a:r>
+              <a:rPr lang="ko-KR" altLang="en-US" sz="1600">
+                <a:ln>
+                  <a:solidFill>
+                    <a:schemeClr val="tx1">
+                      <a:alpha val="30000"/>
+                    </a:schemeClr>
+                  </a:solidFill>
+                </a:ln>
+                <a:latin typeface="THE정고딕140" panose="02020603020101020101" pitchFamily="18" charset="-127"/>
+                <a:ea typeface="THE정고딕140" panose="02020603020101020101" pitchFamily="18" charset="-127"/>
+              </a:rPr>
+              <a:t>질의응답</a:t>
+            </a:r>
+            <a:endParaRPr lang="ko-KR" altLang="en-US" sz="1600" dirty="0">
+              <a:ln>
+                <a:solidFill>
+                  <a:schemeClr val="tx1">
+                    <a:alpha val="30000"/>
+                  </a:schemeClr>
+                </a:solidFill>
+              </a:ln>
+              <a:latin typeface="THE정고딕140" panose="02020603020101020101" pitchFamily="18" charset="-127"/>
+              <a:ea typeface="THE정고딕140" panose="02020603020101020101" pitchFamily="18" charset="-127"/>
+            </a:endParaRPr>
+          </a:p>
+        </p:txBody>
+      </p:sp>
+      <p:sp>
+        <p:nvSpPr>
+          <p:cNvPr id="4" name="TextBox 3">
+            <a:extLst>
+              <a:ext uri="{FF2B5EF4-FFF2-40B4-BE49-F238E27FC236}">
+                <a16:creationId xmlns:a16="http://schemas.microsoft.com/office/drawing/2014/main" id="{925180F3-63F7-4BFF-8806-CC69D28F35CE}"/>
+              </a:ext>
+            </a:extLst>
+          </p:cNvPr>
+          <p:cNvSpPr txBox="1"/>
+          <p:nvPr/>
+        </p:nvSpPr>
+        <p:spPr>
+          <a:xfrm>
+            <a:off x="4815478" y="2933894"/>
+            <a:ext cx="1952521" cy="338554"/>
+          </a:xfrm>
+          <a:prstGeom prst="rect">
+            <a:avLst/>
+          </a:prstGeom>
+          <a:noFill/>
+        </p:spPr>
+        <p:txBody>
+          <a:bodyPr wrap="square" rtlCol="0">
+            <a:spAutoFit/>
+          </a:bodyPr>
+          <a:lstStyle/>
+          <a:p>
+            <a:r>
+              <a:rPr lang="en-US" altLang="ko-KR" sz="1600">
+                <a:ln>
+                  <a:solidFill>
+                    <a:schemeClr val="tx1">
+                      <a:alpha val="30000"/>
+                    </a:schemeClr>
+                  </a:solidFill>
+                </a:ln>
+                <a:latin typeface="THE정고딕140" panose="02020603020101020101" pitchFamily="18" charset="-127"/>
+                <a:ea typeface="THE정고딕140" panose="02020603020101020101" pitchFamily="18" charset="-127"/>
+              </a:rPr>
+              <a:t>SPA</a:t>
+            </a:r>
+            <a:endParaRPr lang="ko-KR" altLang="en-US" sz="1600" dirty="0">
+              <a:ln>
+                <a:solidFill>
+                  <a:schemeClr val="tx1">
+                    <a:alpha val="30000"/>
+                  </a:schemeClr>
+                </a:solidFill>
+              </a:ln>
+              <a:latin typeface="THE정고딕140" panose="02020603020101020101" pitchFamily="18" charset="-127"/>
+              <a:ea typeface="THE정고딕140" panose="02020603020101020101" pitchFamily="18" charset="-127"/>
+            </a:endParaRPr>
+          </a:p>
+        </p:txBody>
+      </p:sp>
+      <p:sp>
+        <p:nvSpPr>
+          <p:cNvPr id="3" name="TextBox 2">
+            <a:extLst>
+              <a:ext uri="{FF2B5EF4-FFF2-40B4-BE49-F238E27FC236}">
+                <a16:creationId xmlns:a16="http://schemas.microsoft.com/office/drawing/2014/main" id="{5BB881AD-BAED-4729-B061-CB1CFB2073EF}"/>
+              </a:ext>
+            </a:extLst>
+          </p:cNvPr>
+          <p:cNvSpPr txBox="1"/>
+          <p:nvPr/>
+        </p:nvSpPr>
+        <p:spPr>
+          <a:xfrm>
+            <a:off x="4815477" y="3716100"/>
+            <a:ext cx="1952521" cy="338554"/>
+          </a:xfrm>
+          <a:prstGeom prst="rect">
+            <a:avLst/>
+          </a:prstGeom>
+          <a:noFill/>
+        </p:spPr>
+        <p:txBody>
+          <a:bodyPr wrap="square" rtlCol="0">
+            <a:spAutoFit/>
+          </a:bodyPr>
+          <a:lstStyle/>
+          <a:p>
+            <a:r>
+              <a:rPr lang="en-US" altLang="ko-KR" sz="1600">
+                <a:ln>
+                  <a:solidFill>
+                    <a:schemeClr val="tx1">
+                      <a:alpha val="30000"/>
+                    </a:schemeClr>
+                  </a:solidFill>
+                </a:ln>
+                <a:latin typeface="THE정고딕140" panose="02020603020101020101" pitchFamily="18" charset="-127"/>
+                <a:ea typeface="THE정고딕140" panose="02020603020101020101" pitchFamily="18" charset="-127"/>
+              </a:rPr>
+              <a:t>FrameWork</a:t>
+            </a:r>
+            <a:endParaRPr lang="ko-KR" altLang="en-US" sz="1600" dirty="0">
+              <a:ln>
+                <a:solidFill>
+                  <a:schemeClr val="tx1">
+                    <a:alpha val="30000"/>
+                  </a:schemeClr>
+                </a:solidFill>
+              </a:ln>
+              <a:latin typeface="THE정고딕140" panose="02020603020101020101" pitchFamily="18" charset="-127"/>
+              <a:ea typeface="THE정고딕140" panose="02020603020101020101" pitchFamily="18" charset="-127"/>
+            </a:endParaRPr>
+          </a:p>
+        </p:txBody>
+      </p:sp>
+    </p:spTree>
+    <p:extLst>
+      <p:ext uri="{BB962C8B-B14F-4D97-AF65-F5344CB8AC3E}">
+        <p14:creationId xmlns:p14="http://schemas.microsoft.com/office/powerpoint/2010/main" val="3058634759"/>
+      </p:ext>
+    </p:extLst>
+  </p:cSld>
+  <p:clrMapOvr>
+    <a:masterClrMapping/>
+  </p:clrMapOvr>
+</p:sld>
+</file>
+
+<file path=ppt/slides/slide20.xml><?xml version="1.0" encoding="utf-8"?>
 <p:sld xmlns:a="http://schemas.openxmlformats.org/drawingml/2006/main" xmlns:r="http://schemas.openxmlformats.org/officeDocument/2006/relationships" xmlns:p="http://schemas.openxmlformats.org/presentationml/2006/main">
   <p:cSld>
     <p:spTree>
@@ -11193,7 +12154,7 @@
             <a:p>
               <a:pPr algn="ctr"/>
               <a:r>
-                <a:rPr lang="en-US" altLang="ko-KR" sz="1500" dirty="0">
+                <a:rPr lang="en-US" altLang="ko-KR" sz="1500">
                   <a:ln>
                     <a:solidFill>
                       <a:schemeClr val="tx1">
@@ -11204,7 +12165,7 @@
                   <a:latin typeface="THE정고딕140" panose="02020603020101020101" pitchFamily="18" charset="-127"/>
                   <a:ea typeface="THE정고딕140" panose="02020603020101020101" pitchFamily="18" charset="-127"/>
                 </a:rPr>
-                <a:t>JavaScript</a:t>
+                <a:t>FrameWork</a:t>
               </a:r>
               <a:endParaRPr lang="ko-KR" altLang="en-US" sz="1500" dirty="0">
                 <a:ln>
@@ -11394,7 +12355,7 @@
 </p:sld>
 </file>
 
-<file path=ppt/slides/slide19.xml><?xml version="1.0" encoding="utf-8"?>
+<file path=ppt/slides/slide21.xml><?xml version="1.0" encoding="utf-8"?>
 <p:sld xmlns:a="http://schemas.openxmlformats.org/drawingml/2006/main" xmlns:r="http://schemas.openxmlformats.org/officeDocument/2006/relationships" xmlns:p="http://schemas.openxmlformats.org/presentationml/2006/main">
   <p:cSld>
     <p:spTree>
@@ -11461,7 +12422,7 @@
             <a:p>
               <a:pPr algn="ctr"/>
               <a:r>
-                <a:rPr lang="en-US" altLang="ko-KR" sz="1500" dirty="0">
+                <a:rPr lang="en-US" altLang="ko-KR" sz="1500">
                   <a:ln>
                     <a:solidFill>
                       <a:schemeClr val="tx1">
@@ -11472,7 +12433,7 @@
                   <a:latin typeface="THE정고딕140" panose="02020603020101020101" pitchFamily="18" charset="-127"/>
                   <a:ea typeface="THE정고딕140" panose="02020603020101020101" pitchFamily="18" charset="-127"/>
                 </a:rPr>
-                <a:t>JavaScript</a:t>
+                <a:t>FrameWork</a:t>
               </a:r>
               <a:endParaRPr lang="ko-KR" altLang="en-US" sz="1500" dirty="0">
                 <a:ln>
@@ -11592,406 +12553,7 @@
 </p:sld>
 </file>
 
-<file path=ppt/slides/slide2.xml><?xml version="1.0" encoding="utf-8"?>
-<p:sld xmlns:a="http://schemas.openxmlformats.org/drawingml/2006/main" xmlns:r="http://schemas.openxmlformats.org/officeDocument/2006/relationships" xmlns:p="http://schemas.openxmlformats.org/presentationml/2006/main">
-  <p:cSld>
-    <p:spTree>
-      <p:nvGrpSpPr>
-        <p:cNvPr id="1" name=""/>
-        <p:cNvGrpSpPr/>
-        <p:nvPr/>
-      </p:nvGrpSpPr>
-      <p:grpSpPr>
-        <a:xfrm>
-          <a:off x="0" y="0"/>
-          <a:ext cx="0" cy="0"/>
-          <a:chOff x="0" y="0"/>
-          <a:chExt cx="0" cy="0"/>
-        </a:xfrm>
-      </p:grpSpPr>
-      <p:sp>
-        <p:nvSpPr>
-          <p:cNvPr id="2" name="TextBox 1">
-            <a:extLst>
-              <a:ext uri="{FF2B5EF4-FFF2-40B4-BE49-F238E27FC236}">
-                <a16:creationId xmlns:a16="http://schemas.microsoft.com/office/drawing/2014/main" id="{008E62C0-14A1-4A12-B41E-13F0E87755BC}"/>
-              </a:ext>
-            </a:extLst>
-          </p:cNvPr>
-          <p:cNvSpPr txBox="1"/>
-          <p:nvPr/>
-        </p:nvSpPr>
-        <p:spPr>
-          <a:xfrm>
-            <a:off x="3839219" y="464165"/>
-            <a:ext cx="1952521" cy="461665"/>
-          </a:xfrm>
-          <a:prstGeom prst="rect">
-            <a:avLst/>
-          </a:prstGeom>
-          <a:noFill/>
-        </p:spPr>
-        <p:txBody>
-          <a:bodyPr wrap="square" rtlCol="0">
-            <a:spAutoFit/>
-          </a:bodyPr>
-          <a:lstStyle/>
-          <a:p>
-            <a:r>
-              <a:rPr lang="en-US" altLang="ko-KR" sz="2400" dirty="0">
-                <a:ln>
-                  <a:solidFill>
-                    <a:schemeClr val="tx1">
-                      <a:alpha val="30000"/>
-                    </a:schemeClr>
-                  </a:solidFill>
-                </a:ln>
-                <a:latin typeface="THE정고딕140" panose="02020603020101020101" pitchFamily="18" charset="-127"/>
-                <a:ea typeface="THE정고딕140" panose="02020603020101020101" pitchFamily="18" charset="-127"/>
-              </a:rPr>
-              <a:t>CONTENTS</a:t>
-            </a:r>
-          </a:p>
-        </p:txBody>
-      </p:sp>
-      <p:sp>
-        <p:nvSpPr>
-          <p:cNvPr id="17" name="직사각형 16">
-            <a:extLst>
-              <a:ext uri="{FF2B5EF4-FFF2-40B4-BE49-F238E27FC236}">
-                <a16:creationId xmlns:a16="http://schemas.microsoft.com/office/drawing/2014/main" id="{21582EED-4CEF-4332-AD6E-3A0DE847DFC5}"/>
-              </a:ext>
-            </a:extLst>
-          </p:cNvPr>
-          <p:cNvSpPr/>
-          <p:nvPr/>
-        </p:nvSpPr>
-        <p:spPr>
-          <a:xfrm>
-            <a:off x="3949324" y="807065"/>
-            <a:ext cx="3771900" cy="5097780"/>
-          </a:xfrm>
-          <a:prstGeom prst="rect">
-            <a:avLst/>
-          </a:prstGeom>
-          <a:noFill/>
-          <a:ln w="25400">
-            <a:solidFill>
-              <a:schemeClr val="tx1"/>
-            </a:solidFill>
-          </a:ln>
-        </p:spPr>
-        <p:style>
-          <a:lnRef idx="2">
-            <a:schemeClr val="accent1">
-              <a:shade val="50000"/>
-            </a:schemeClr>
-          </a:lnRef>
-          <a:fillRef idx="1">
-            <a:schemeClr val="accent1"/>
-          </a:fillRef>
-          <a:effectRef idx="0">
-            <a:schemeClr val="accent1"/>
-          </a:effectRef>
-          <a:fontRef idx="minor">
-            <a:schemeClr val="lt1"/>
-          </a:fontRef>
-        </p:style>
-        <p:txBody>
-          <a:bodyPr rtlCol="0" anchor="ctr"/>
-          <a:lstStyle/>
-          <a:p>
-            <a:pPr algn="ctr"/>
-            <a:endParaRPr lang="ko-KR" altLang="en-US">
-              <a:latin typeface="THE정고딕140" panose="02020603020101020101" pitchFamily="18" charset="-127"/>
-              <a:ea typeface="THE정고딕140" panose="02020603020101020101" pitchFamily="18" charset="-127"/>
-            </a:endParaRPr>
-          </a:p>
-        </p:txBody>
-      </p:sp>
-      <p:sp>
-        <p:nvSpPr>
-          <p:cNvPr id="18" name="TextBox 17">
-            <a:extLst>
-              <a:ext uri="{FF2B5EF4-FFF2-40B4-BE49-F238E27FC236}">
-                <a16:creationId xmlns:a16="http://schemas.microsoft.com/office/drawing/2014/main" id="{D7B7EE40-BAD9-4569-9BF6-F6E9ACA78A3C}"/>
-              </a:ext>
-            </a:extLst>
-          </p:cNvPr>
-          <p:cNvSpPr txBox="1"/>
-          <p:nvPr/>
-        </p:nvSpPr>
-        <p:spPr>
-          <a:xfrm>
-            <a:off x="4815479" y="1369482"/>
-            <a:ext cx="1952521" cy="338554"/>
-          </a:xfrm>
-          <a:prstGeom prst="rect">
-            <a:avLst/>
-          </a:prstGeom>
-          <a:noFill/>
-        </p:spPr>
-        <p:txBody>
-          <a:bodyPr wrap="square" rtlCol="0">
-            <a:spAutoFit/>
-          </a:bodyPr>
-          <a:lstStyle/>
-          <a:p>
-            <a:r>
-              <a:rPr lang="ko-KR" altLang="en-US" sz="1600" dirty="0">
-                <a:ln>
-                  <a:solidFill>
-                    <a:schemeClr val="tx1">
-                      <a:alpha val="30000"/>
-                    </a:schemeClr>
-                  </a:solidFill>
-                </a:ln>
-                <a:latin typeface="THE정고딕140" panose="02020603020101020101" pitchFamily="18" charset="-127"/>
-                <a:ea typeface="THE정고딕140" panose="02020603020101020101" pitchFamily="18" charset="-127"/>
-              </a:rPr>
-              <a:t>웹 프로그래밍</a:t>
-            </a:r>
-          </a:p>
-        </p:txBody>
-      </p:sp>
-      <p:sp>
-        <p:nvSpPr>
-          <p:cNvPr id="19" name="TextBox 18">
-            <a:extLst>
-              <a:ext uri="{FF2B5EF4-FFF2-40B4-BE49-F238E27FC236}">
-                <a16:creationId xmlns:a16="http://schemas.microsoft.com/office/drawing/2014/main" id="{3EBEA385-4253-4749-B8C1-9ACBAE8622A7}"/>
-              </a:ext>
-            </a:extLst>
-          </p:cNvPr>
-          <p:cNvSpPr txBox="1"/>
-          <p:nvPr/>
-        </p:nvSpPr>
-        <p:spPr>
-          <a:xfrm>
-            <a:off x="4815479" y="2151688"/>
-            <a:ext cx="2143590" cy="338554"/>
-          </a:xfrm>
-          <a:prstGeom prst="rect">
-            <a:avLst/>
-          </a:prstGeom>
-          <a:noFill/>
-        </p:spPr>
-        <p:txBody>
-          <a:bodyPr wrap="square" rtlCol="0">
-            <a:spAutoFit/>
-          </a:bodyPr>
-          <a:lstStyle/>
-          <a:p>
-            <a:r>
-              <a:rPr lang="en-US" altLang="ko-KR" sz="1600" dirty="0">
-                <a:ln>
-                  <a:solidFill>
-                    <a:schemeClr val="tx1">
-                      <a:alpha val="30000"/>
-                    </a:schemeClr>
-                  </a:solidFill>
-                </a:ln>
-                <a:latin typeface="THE정고딕140" panose="02020603020101020101" pitchFamily="18" charset="-127"/>
-                <a:ea typeface="THE정고딕140" panose="02020603020101020101" pitchFamily="18" charset="-127"/>
-              </a:rPr>
-              <a:t>JavaScript</a:t>
-            </a:r>
-            <a:endParaRPr lang="ko-KR" altLang="en-US" sz="1200" dirty="0">
-              <a:ln>
-                <a:solidFill>
-                  <a:schemeClr val="tx1">
-                    <a:alpha val="30000"/>
-                  </a:schemeClr>
-                </a:solidFill>
-              </a:ln>
-              <a:latin typeface="THE정고딕140" panose="02020603020101020101" pitchFamily="18" charset="-127"/>
-              <a:ea typeface="THE정고딕140" panose="02020603020101020101" pitchFamily="18" charset="-127"/>
-            </a:endParaRPr>
-          </a:p>
-        </p:txBody>
-      </p:sp>
-      <p:sp>
-        <p:nvSpPr>
-          <p:cNvPr id="20" name="TextBox 19">
-            <a:extLst>
-              <a:ext uri="{FF2B5EF4-FFF2-40B4-BE49-F238E27FC236}">
-                <a16:creationId xmlns:a16="http://schemas.microsoft.com/office/drawing/2014/main" id="{4E9F8AD0-7BC8-473F-B209-B77428A0C729}"/>
-              </a:ext>
-            </a:extLst>
-          </p:cNvPr>
-          <p:cNvSpPr txBox="1"/>
-          <p:nvPr/>
-        </p:nvSpPr>
-        <p:spPr>
-          <a:xfrm>
-            <a:off x="4815479" y="4498306"/>
-            <a:ext cx="2143590" cy="338554"/>
-          </a:xfrm>
-          <a:prstGeom prst="rect">
-            <a:avLst/>
-          </a:prstGeom>
-          <a:noFill/>
-        </p:spPr>
-        <p:txBody>
-          <a:bodyPr wrap="square" rtlCol="0">
-            <a:spAutoFit/>
-          </a:bodyPr>
-          <a:lstStyle/>
-          <a:p>
-            <a:r>
-              <a:rPr lang="ko-KR" altLang="en-US" sz="1600">
-                <a:ln>
-                  <a:solidFill>
-                    <a:schemeClr val="tx1">
-                      <a:alpha val="30000"/>
-                    </a:schemeClr>
-                  </a:solidFill>
-                </a:ln>
-                <a:latin typeface="THE정고딕140" panose="02020603020101020101" pitchFamily="18" charset="-127"/>
-                <a:ea typeface="THE정고딕140" panose="02020603020101020101" pitchFamily="18" charset="-127"/>
-              </a:rPr>
-              <a:t>질의응답</a:t>
-            </a:r>
-            <a:endParaRPr lang="ko-KR" altLang="en-US" sz="1600" dirty="0">
-              <a:ln>
-                <a:solidFill>
-                  <a:schemeClr val="tx1">
-                    <a:alpha val="30000"/>
-                  </a:schemeClr>
-                </a:solidFill>
-              </a:ln>
-              <a:latin typeface="THE정고딕140" panose="02020603020101020101" pitchFamily="18" charset="-127"/>
-              <a:ea typeface="THE정고딕140" panose="02020603020101020101" pitchFamily="18" charset="-127"/>
-            </a:endParaRPr>
-          </a:p>
-        </p:txBody>
-      </p:sp>
-      <p:sp>
-        <p:nvSpPr>
-          <p:cNvPr id="4" name="TextBox 3">
-            <a:extLst>
-              <a:ext uri="{FF2B5EF4-FFF2-40B4-BE49-F238E27FC236}">
-                <a16:creationId xmlns:a16="http://schemas.microsoft.com/office/drawing/2014/main" id="{925180F3-63F7-4BFF-8806-CC69D28F35CE}"/>
-              </a:ext>
-            </a:extLst>
-          </p:cNvPr>
-          <p:cNvSpPr txBox="1"/>
-          <p:nvPr/>
-        </p:nvSpPr>
-        <p:spPr>
-          <a:xfrm>
-            <a:off x="4815478" y="2933894"/>
-            <a:ext cx="1952521" cy="338554"/>
-          </a:xfrm>
-          <a:prstGeom prst="rect">
-            <a:avLst/>
-          </a:prstGeom>
-          <a:noFill/>
-        </p:spPr>
-        <p:txBody>
-          <a:bodyPr wrap="square" rtlCol="0">
-            <a:spAutoFit/>
-          </a:bodyPr>
-          <a:lstStyle/>
-          <a:p>
-            <a:r>
-              <a:rPr lang="en-US" altLang="ko-KR" sz="1600">
-                <a:ln>
-                  <a:solidFill>
-                    <a:schemeClr val="tx1">
-                      <a:alpha val="30000"/>
-                    </a:schemeClr>
-                  </a:solidFill>
-                </a:ln>
-                <a:latin typeface="THE정고딕140" panose="02020603020101020101" pitchFamily="18" charset="-127"/>
-                <a:ea typeface="THE정고딕140" panose="02020603020101020101" pitchFamily="18" charset="-127"/>
-              </a:rPr>
-              <a:t>SPA</a:t>
-            </a:r>
-            <a:endParaRPr lang="ko-KR" altLang="en-US" sz="1600" dirty="0">
-              <a:ln>
-                <a:solidFill>
-                  <a:schemeClr val="tx1">
-                    <a:alpha val="30000"/>
-                  </a:schemeClr>
-                </a:solidFill>
-              </a:ln>
-              <a:latin typeface="THE정고딕140" panose="02020603020101020101" pitchFamily="18" charset="-127"/>
-              <a:ea typeface="THE정고딕140" panose="02020603020101020101" pitchFamily="18" charset="-127"/>
-            </a:endParaRPr>
-          </a:p>
-        </p:txBody>
-      </p:sp>
-      <p:sp>
-        <p:nvSpPr>
-          <p:cNvPr id="3" name="TextBox 2">
-            <a:extLst>
-              <a:ext uri="{FF2B5EF4-FFF2-40B4-BE49-F238E27FC236}">
-                <a16:creationId xmlns:a16="http://schemas.microsoft.com/office/drawing/2014/main" id="{5BB881AD-BAED-4729-B061-CB1CFB2073EF}"/>
-              </a:ext>
-            </a:extLst>
-          </p:cNvPr>
-          <p:cNvSpPr txBox="1"/>
-          <p:nvPr/>
-        </p:nvSpPr>
-        <p:spPr>
-          <a:xfrm>
-            <a:off x="4815477" y="3716100"/>
-            <a:ext cx="1952521" cy="338554"/>
-          </a:xfrm>
-          <a:prstGeom prst="rect">
-            <a:avLst/>
-          </a:prstGeom>
-          <a:noFill/>
-        </p:spPr>
-        <p:txBody>
-          <a:bodyPr wrap="square" rtlCol="0">
-            <a:spAutoFit/>
-          </a:bodyPr>
-          <a:lstStyle/>
-          <a:p>
-            <a:r>
-              <a:rPr lang="en-US" altLang="ko-KR" sz="1600">
-                <a:ln>
-                  <a:solidFill>
-                    <a:schemeClr val="tx1">
-                      <a:alpha val="30000"/>
-                    </a:schemeClr>
-                  </a:solidFill>
-                </a:ln>
-                <a:latin typeface="THE정고딕140" panose="02020603020101020101" pitchFamily="18" charset="-127"/>
-                <a:ea typeface="THE정고딕140" panose="02020603020101020101" pitchFamily="18" charset="-127"/>
-              </a:rPr>
-              <a:t>FrameWork</a:t>
-            </a:r>
-            <a:endParaRPr lang="ko-KR" altLang="en-US" sz="1600" dirty="0">
-              <a:ln>
-                <a:solidFill>
-                  <a:schemeClr val="tx1">
-                    <a:alpha val="30000"/>
-                  </a:schemeClr>
-                </a:solidFill>
-              </a:ln>
-              <a:latin typeface="THE정고딕140" panose="02020603020101020101" pitchFamily="18" charset="-127"/>
-              <a:ea typeface="THE정고딕140" panose="02020603020101020101" pitchFamily="18" charset="-127"/>
-            </a:endParaRPr>
-          </a:p>
-        </p:txBody>
-      </p:sp>
-    </p:spTree>
-    <p:extLst>
-      <p:ext uri="{BB962C8B-B14F-4D97-AF65-F5344CB8AC3E}">
-        <p14:creationId xmlns:p14="http://schemas.microsoft.com/office/powerpoint/2010/main" val="3058634759"/>
-      </p:ext>
-    </p:extLst>
-  </p:cSld>
-  <p:clrMapOvr>
-    <a:masterClrMapping/>
-  </p:clrMapOvr>
-</p:sld>
-</file>
-
-<file path=ppt/slides/slide20.xml><?xml version="1.0" encoding="utf-8"?>
+<file path=ppt/slides/slide22.xml><?xml version="1.0" encoding="utf-8"?>
 <p:sld xmlns:a="http://schemas.openxmlformats.org/drawingml/2006/main" xmlns:r="http://schemas.openxmlformats.org/officeDocument/2006/relationships" xmlns:p="http://schemas.openxmlformats.org/presentationml/2006/main">
   <p:cSld>
     <p:spTree>
@@ -12099,7 +12661,7 @@
 </p:sld>
 </file>
 
-<file path=ppt/slides/slide21.xml><?xml version="1.0" encoding="utf-8"?>
+<file path=ppt/slides/slide23.xml><?xml version="1.0" encoding="utf-8"?>
 <p:sld xmlns:a="http://schemas.openxmlformats.org/drawingml/2006/main" xmlns:r="http://schemas.openxmlformats.org/officeDocument/2006/relationships" xmlns:p="http://schemas.openxmlformats.org/presentationml/2006/main">
   <p:cSld>
     <p:spTree>
@@ -12584,7 +13146,7 @@
           <a:lstStyle/>
           <a:p>
             <a:r>
-              <a:rPr lang="ko-KR" altLang="en-US" sz="3200" dirty="0" err="1">
+              <a:rPr lang="ko-KR" altLang="en-US" sz="3200">
                 <a:ln>
                   <a:solidFill>
                     <a:schemeClr val="tx1">
@@ -12597,21 +13159,7 @@
               </a:rPr>
               <a:t>프론트엔드</a:t>
             </a:r>
-            <a:r>
-              <a:rPr lang="ko-KR" altLang="en-US" sz="3200" dirty="0">
-                <a:ln>
-                  <a:solidFill>
-                    <a:schemeClr val="tx1">
-                      <a:alpha val="10000"/>
-                    </a:schemeClr>
-                  </a:solidFill>
-                </a:ln>
-                <a:latin typeface="THE정고딕140" panose="02020603020101020101" pitchFamily="18" charset="-127"/>
-                <a:ea typeface="THE정고딕140" panose="02020603020101020101" pitchFamily="18" charset="-127"/>
-              </a:rPr>
-              <a:t> 프로그래밍</a:t>
-            </a:r>
-            <a:endParaRPr lang="en-US" altLang="ko-KR" sz="3200" dirty="0">
+            <a:endParaRPr lang="en-US" altLang="ko-KR" sz="3200">
               <a:ln>
                 <a:solidFill>
                   <a:schemeClr val="tx1">
@@ -12625,7 +13173,7 @@
           </a:p>
           <a:p>
             <a:r>
-              <a:rPr lang="en-US" altLang="ko-KR" sz="2400" dirty="0">
+              <a:rPr lang="en-US" altLang="ko-KR" sz="2400">
                 <a:ln>
                   <a:solidFill>
                     <a:schemeClr val="tx1">
@@ -12639,7 +13187,7 @@
               <a:t>	</a:t>
             </a:r>
             <a:r>
-              <a:rPr lang="ko-KR" altLang="en-US" sz="2000" dirty="0">
+              <a:rPr lang="ko-KR" altLang="en-US" sz="2000">
                 <a:ln>
                   <a:solidFill>
                     <a:schemeClr val="tx1">
@@ -12650,38 +13198,10 @@
                 <a:latin typeface="THE정고딕140" panose="02020603020101020101" pitchFamily="18" charset="-127"/>
                 <a:ea typeface="THE정고딕140" panose="02020603020101020101" pitchFamily="18" charset="-127"/>
               </a:rPr>
-              <a:t>사용자의 화면에 나타나는 웹 화면을 </a:t>
-            </a:r>
-            <a:r>
-              <a:rPr lang="ko-KR" altLang="en-US" sz="2000" dirty="0" err="1">
-                <a:ln>
-                  <a:solidFill>
-                    <a:schemeClr val="tx1">
-                      <a:alpha val="10000"/>
-                    </a:schemeClr>
-                  </a:solidFill>
-                </a:ln>
-                <a:latin typeface="THE정고딕140" panose="02020603020101020101" pitchFamily="18" charset="-127"/>
-                <a:ea typeface="THE정고딕140" panose="02020603020101020101" pitchFamily="18" charset="-127"/>
-              </a:rPr>
-              <a:t>프론트엔드</a:t>
-            </a:r>
-            <a:r>
-              <a:rPr lang="ko-KR" altLang="en-US" sz="2000" dirty="0">
-                <a:ln>
-                  <a:solidFill>
-                    <a:schemeClr val="tx1">
-                      <a:alpha val="10000"/>
-                    </a:schemeClr>
-                  </a:solidFill>
-                </a:ln>
-                <a:latin typeface="THE정고딕140" panose="02020603020101020101" pitchFamily="18" charset="-127"/>
-                <a:ea typeface="THE정고딕140" panose="02020603020101020101" pitchFamily="18" charset="-127"/>
-              </a:rPr>
-              <a:t> 영역이라 하고 이러한 영역을 그리는 </a:t>
-            </a:r>
-            <a:r>
-              <a:rPr lang="en-US" altLang="ko-KR" sz="2000" dirty="0">
+              <a:t>사용자의 화면에 나타나는 웹 화면을 프론트엔드 영역이라 하고 이러한 영역을 그리는 </a:t>
+            </a:r>
+            <a:r>
+              <a:rPr lang="en-US" altLang="ko-KR" sz="2000">
                 <a:ln>
                   <a:solidFill>
                     <a:schemeClr val="tx1">
@@ -12695,7 +13215,7 @@
               <a:t>	</a:t>
             </a:r>
             <a:r>
-              <a:rPr lang="ko-KR" altLang="en-US" sz="2000" dirty="0">
+              <a:rPr lang="ko-KR" altLang="en-US" sz="2000">
                 <a:ln>
                   <a:solidFill>
                     <a:schemeClr val="tx1">
@@ -12751,7 +13271,7 @@
           <a:lstStyle/>
           <a:p>
             <a:r>
-              <a:rPr lang="ko-KR" altLang="en-US" sz="3200" dirty="0" err="1">
+              <a:rPr lang="ko-KR" altLang="en-US" sz="3200">
                 <a:ln>
                   <a:solidFill>
                     <a:schemeClr val="tx1">
@@ -12763,20 +13283,6 @@
                 <a:ea typeface="THE정고딕140" panose="02020603020101020101" pitchFamily="18" charset="-127"/>
               </a:rPr>
               <a:t>백엔드</a:t>
-            </a:r>
-            <a:r>
-              <a:rPr lang="ko-KR" altLang="en-US" sz="3200" dirty="0">
-                <a:ln>
-                  <a:solidFill>
-                    <a:schemeClr val="tx1">
-                      <a:alpha val="10000"/>
-                    </a:schemeClr>
-                  </a:solidFill>
-                </a:ln>
-                <a:latin typeface="THE정고딕140" panose="02020603020101020101" pitchFamily="18" charset="-127"/>
-                <a:ea typeface="THE정고딕140" panose="02020603020101020101" pitchFamily="18" charset="-127"/>
-              </a:rPr>
-              <a:t> 프로그래밍</a:t>
             </a:r>
             <a:endParaRPr lang="en-US" altLang="ko-KR" sz="3200" dirty="0">
               <a:ln>

--- a/2020_11_11/세미나1.pptx
+++ b/2020_11_11/세미나1.pptx
@@ -4048,13 +4048,58 @@
               <a:t>Angluar</a:t>
             </a:r>
             <a:r>
-              <a:rPr lang="ko-KR" altLang="en-US" dirty="0"/>
+              <a:rPr lang="ko-KR" altLang="en-US"/>
               <a:t>입니다</a:t>
             </a:r>
             <a:r>
-              <a:rPr lang="en-US" altLang="ko-KR" dirty="0"/>
+              <a:rPr lang="en-US" altLang="ko-KR"/>
               <a:t>.</a:t>
             </a:r>
+          </a:p>
+          <a:p>
+            <a:endParaRPr lang="en-US" altLang="ko-KR"/>
+          </a:p>
+          <a:p>
+            <a:r>
+              <a:rPr lang="en-US" altLang="ko-KR"/>
+              <a:t>Vue.js </a:t>
+            </a:r>
+            <a:r>
+              <a:rPr lang="ko-KR" altLang="en-US"/>
+              <a:t>는 오픈소스로 작성된 웹 인터페이스를 구현하기 위한 프레임워크이고</a:t>
+            </a:r>
+            <a:endParaRPr lang="en-US" altLang="ko-KR"/>
+          </a:p>
+          <a:p>
+            <a:endParaRPr lang="en-US" altLang="ko-KR"/>
+          </a:p>
+          <a:p>
+            <a:r>
+              <a:rPr lang="en-US" altLang="ko-KR"/>
+              <a:t>React</a:t>
+            </a:r>
+            <a:r>
+              <a:rPr lang="ko-KR" altLang="en-US"/>
+              <a:t> 는 페이스북에서 관리하고 만들어진 프레임워크라고합니다</a:t>
+            </a:r>
+            <a:r>
+              <a:rPr lang="en-US" altLang="ko-KR"/>
+              <a:t>.</a:t>
+            </a:r>
+          </a:p>
+          <a:p>
+            <a:endParaRPr lang="en-US" altLang="ko-KR"/>
+          </a:p>
+          <a:p>
+            <a:r>
+              <a:rPr lang="en-US" altLang="ko-KR"/>
+              <a:t>Angluar</a:t>
+            </a:r>
+            <a:r>
+              <a:rPr lang="ko-KR" altLang="en-US"/>
+              <a:t>는 구글에서 만든 프레임워크구요</a:t>
+            </a:r>
+            <a:endParaRPr lang="en-US" altLang="ko-KR" dirty="0"/>
           </a:p>
           <a:p>
             <a:endParaRPr lang="en-US" altLang="ko-KR" dirty="0"/>

--- a/2020_11_11/세미나1.pptx
+++ b/2020_11_11/세미나1.pptx
@@ -36,13 +36,9 @@
   <p:notesSz cx="6858000" cy="9144000"/>
   <p:embeddedFontLst>
     <p:embeddedFont>
-      <p:font typeface="THE정고딕140" panose="02020603020101020101" pitchFamily="18" charset="-127"/>
+      <p:font typeface="맑은 고딕" panose="020B0503020000020004" pitchFamily="50" charset="-127"/>
       <p:regular r:id="rId26"/>
-    </p:embeddedFont>
-    <p:embeddedFont>
-      <p:font typeface="맑은 고딕" panose="020B0503020000020004" pitchFamily="50" charset="-127"/>
-      <p:regular r:id="rId27"/>
-      <p:bold r:id="rId28"/>
+      <p:bold r:id="rId27"/>
     </p:embeddedFont>
   </p:embeddedFontLst>
   <p:defaultTextStyle>
@@ -1307,7 +1303,7 @@
           <a:p>
             <a:fld id="{0EB398E2-E316-4E96-990E-23BE4EE0A812}" type="datetimeFigureOut">
               <a:rPr lang="ko-KR" altLang="en-US" smtClean="0"/>
-              <a:t>2020-11-11</a:t>
+              <a:t>2020-11-18</a:t>
             </a:fld>
             <a:endParaRPr lang="ko-KR" altLang="en-US"/>
           </a:p>
@@ -2006,11 +2002,28 @@
             </a:r>
             <a:r>
               <a:rPr lang="ko-KR" altLang="en-US" dirty="0"/>
-              <a:t>생성해서 집어넣습니다</a:t>
-            </a:r>
-            <a:r>
-              <a:rPr lang="en-US" altLang="ko-KR" dirty="0"/>
+              <a:t>생성해서 </a:t>
+            </a:r>
+            <a:r>
+              <a:rPr lang="ko-KR" altLang="en-US"/>
+              <a:t>집어넣습니다</a:t>
+            </a:r>
+            <a:r>
+              <a:rPr lang="en-US" altLang="ko-KR"/>
               <a:t>.</a:t>
+            </a:r>
+          </a:p>
+          <a:p>
+            <a:endParaRPr lang="en-US" altLang="ko-KR"/>
+          </a:p>
+          <a:p>
+            <a:r>
+              <a:rPr lang="ko-KR" altLang="en-US"/>
+              <a:t>결과를 한번 볼까요</a:t>
+            </a:r>
+            <a:r>
+              <a:rPr lang="en-US" altLang="ko-KR"/>
+              <a:t>?</a:t>
             </a:r>
             <a:endParaRPr lang="ko-KR" altLang="en-US" dirty="0"/>
           </a:p>
@@ -4106,8 +4119,12 @@
           </a:p>
           <a:p>
             <a:r>
-              <a:rPr lang="ko-KR" altLang="en-US" dirty="0"/>
-              <a:t>개발자들이 뽑은 인기 </a:t>
+              <a:rPr lang="ko-KR" altLang="en-US"/>
+              <a:t>전세계 개발자들이 </a:t>
+            </a:r>
+            <a:r>
+              <a:rPr lang="ko-KR" altLang="en-US" dirty="0"/>
+              <a:t>뽑은 인기 </a:t>
             </a:r>
             <a:r>
               <a:rPr lang="ko-KR" altLang="en-US"/>
@@ -4257,7 +4274,15 @@
           <a:p>
             <a:r>
               <a:rPr lang="ko-KR" altLang="en-US" dirty="0"/>
-              <a:t>그 중 제가 앞으로 몇 번의 세미나 동안 공부하고 조사해올 프레임워크는 </a:t>
+              <a:t>그 중 </a:t>
+            </a:r>
+            <a:r>
+              <a:rPr lang="ko-KR" altLang="en-US"/>
+              <a:t>제가 앞으로 약 </a:t>
+            </a:r>
+            <a:r>
+              <a:rPr lang="ko-KR" altLang="en-US" dirty="0"/>
+              <a:t>몇 번의 세미나 동안 공부하고 조사해올 프레임워크는 </a:t>
             </a:r>
             <a:r>
               <a:rPr lang="en-US" altLang="ko-KR" dirty="0"/>
@@ -4334,12 +4359,12 @@
               <a:t> 홈페이지를 만드는 프로젝트도 해보고</a:t>
             </a:r>
             <a:r>
-              <a:rPr lang="en-US" altLang="ko-KR" dirty="0"/>
+              <a:rPr lang="en-US" altLang="ko-KR"/>
               <a:t>, </a:t>
             </a:r>
             <a:r>
-              <a:rPr lang="ko-KR" altLang="en-US" dirty="0"/>
-              <a:t>최근에는 </a:t>
+              <a:rPr lang="ko-KR" altLang="en-US"/>
+              <a:t>요즘은 </a:t>
             </a:r>
             <a:r>
               <a:rPr lang="ko-KR" altLang="en-US" dirty="0" err="1"/>
@@ -4614,14 +4639,10 @@
           <a:p>
             <a:r>
               <a:rPr lang="ko-KR" altLang="en-US" dirty="0"/>
-              <a:t>웹 프로그래밍은 웹 사이트 또는 웹 페이지를 만드는 과정을 </a:t>
-            </a:r>
-            <a:r>
-              <a:rPr lang="ko-KR" altLang="en-US"/>
-              <a:t>말합니다</a:t>
-            </a:r>
-            <a:r>
-              <a:rPr lang="en-US" altLang="ko-KR"/>
+              <a:t>웹 프로그래밍은 웹 사이트 또는 웹 페이지를 만드는 과정을 말합니다</a:t>
+            </a:r>
+            <a:r>
+              <a:rPr lang="en-US" altLang="ko-KR" dirty="0"/>
               <a:t>.</a:t>
             </a:r>
           </a:p>
@@ -6222,7 +6243,7 @@
           <a:p>
             <a:fld id="{784D74D0-C08C-4FA0-B1AC-58A8B9A14615}" type="datetimeFigureOut">
               <a:rPr lang="ko-KR" altLang="en-US" smtClean="0"/>
-              <a:t>2020-11-11</a:t>
+              <a:t>2020-11-18</a:t>
             </a:fld>
             <a:endParaRPr lang="ko-KR" altLang="en-US"/>
           </a:p>
@@ -6420,7 +6441,7 @@
           <a:p>
             <a:fld id="{784D74D0-C08C-4FA0-B1AC-58A8B9A14615}" type="datetimeFigureOut">
               <a:rPr lang="ko-KR" altLang="en-US" smtClean="0"/>
-              <a:t>2020-11-11</a:t>
+              <a:t>2020-11-18</a:t>
             </a:fld>
             <a:endParaRPr lang="ko-KR" altLang="en-US"/>
           </a:p>
@@ -6628,7 +6649,7 @@
           <a:p>
             <a:fld id="{784D74D0-C08C-4FA0-B1AC-58A8B9A14615}" type="datetimeFigureOut">
               <a:rPr lang="ko-KR" altLang="en-US" smtClean="0"/>
-              <a:t>2020-11-11</a:t>
+              <a:t>2020-11-18</a:t>
             </a:fld>
             <a:endParaRPr lang="ko-KR" altLang="en-US"/>
           </a:p>
@@ -6826,7 +6847,7 @@
           <a:p>
             <a:fld id="{784D74D0-C08C-4FA0-B1AC-58A8B9A14615}" type="datetimeFigureOut">
               <a:rPr lang="ko-KR" altLang="en-US" smtClean="0"/>
-              <a:t>2020-11-11</a:t>
+              <a:t>2020-11-18</a:t>
             </a:fld>
             <a:endParaRPr lang="ko-KR" altLang="en-US"/>
           </a:p>
@@ -7101,7 +7122,7 @@
           <a:p>
             <a:fld id="{784D74D0-C08C-4FA0-B1AC-58A8B9A14615}" type="datetimeFigureOut">
               <a:rPr lang="ko-KR" altLang="en-US" smtClean="0"/>
-              <a:t>2020-11-11</a:t>
+              <a:t>2020-11-18</a:t>
             </a:fld>
             <a:endParaRPr lang="ko-KR" altLang="en-US"/>
           </a:p>
@@ -7366,7 +7387,7 @@
           <a:p>
             <a:fld id="{784D74D0-C08C-4FA0-B1AC-58A8B9A14615}" type="datetimeFigureOut">
               <a:rPr lang="ko-KR" altLang="en-US" smtClean="0"/>
-              <a:t>2020-11-11</a:t>
+              <a:t>2020-11-18</a:t>
             </a:fld>
             <a:endParaRPr lang="ko-KR" altLang="en-US"/>
           </a:p>
@@ -7778,7 +7799,7 @@
           <a:p>
             <a:fld id="{784D74D0-C08C-4FA0-B1AC-58A8B9A14615}" type="datetimeFigureOut">
               <a:rPr lang="ko-KR" altLang="en-US" smtClean="0"/>
-              <a:t>2020-11-11</a:t>
+              <a:t>2020-11-18</a:t>
             </a:fld>
             <a:endParaRPr lang="ko-KR" altLang="en-US"/>
           </a:p>
@@ -7919,7 +7940,7 @@
           <a:p>
             <a:fld id="{784D74D0-C08C-4FA0-B1AC-58A8B9A14615}" type="datetimeFigureOut">
               <a:rPr lang="ko-KR" altLang="en-US" smtClean="0"/>
-              <a:t>2020-11-11</a:t>
+              <a:t>2020-11-18</a:t>
             </a:fld>
             <a:endParaRPr lang="ko-KR" altLang="en-US"/>
           </a:p>
@@ -8032,7 +8053,7 @@
           <a:p>
             <a:fld id="{784D74D0-C08C-4FA0-B1AC-58A8B9A14615}" type="datetimeFigureOut">
               <a:rPr lang="ko-KR" altLang="en-US" smtClean="0"/>
-              <a:t>2020-11-11</a:t>
+              <a:t>2020-11-18</a:t>
             </a:fld>
             <a:endParaRPr lang="ko-KR" altLang="en-US"/>
           </a:p>
@@ -8343,7 +8364,7 @@
           <a:p>
             <a:fld id="{784D74D0-C08C-4FA0-B1AC-58A8B9A14615}" type="datetimeFigureOut">
               <a:rPr lang="ko-KR" altLang="en-US" smtClean="0"/>
-              <a:t>2020-11-11</a:t>
+              <a:t>2020-11-18</a:t>
             </a:fld>
             <a:endParaRPr lang="ko-KR" altLang="en-US"/>
           </a:p>
@@ -8631,7 +8652,7 @@
           <a:p>
             <a:fld id="{784D74D0-C08C-4FA0-B1AC-58A8B9A14615}" type="datetimeFigureOut">
               <a:rPr lang="ko-KR" altLang="en-US" smtClean="0"/>
-              <a:t>2020-11-11</a:t>
+              <a:t>2020-11-18</a:t>
             </a:fld>
             <a:endParaRPr lang="ko-KR" altLang="en-US"/>
           </a:p>
@@ -8872,7 +8893,7 @@
           <a:p>
             <a:fld id="{784D74D0-C08C-4FA0-B1AC-58A8B9A14615}" type="datetimeFigureOut">
               <a:rPr lang="ko-KR" altLang="en-US" smtClean="0"/>
-              <a:t>2020-11-11</a:t>
+              <a:t>2020-11-18</a:t>
             </a:fld>
             <a:endParaRPr lang="ko-KR" altLang="en-US"/>
           </a:p>
@@ -9327,8 +9348,8 @@
                     </a:schemeClr>
                   </a:solidFill>
                 </a:ln>
-                <a:latin typeface="THE정고딕140" panose="02020603020101020101" pitchFamily="18" charset="-127"/>
-                <a:ea typeface="THE정고딕140" panose="02020603020101020101" pitchFamily="18" charset="-127"/>
+                <a:latin typeface="맑은 고딕" panose="020B0503020000020004" pitchFamily="50" charset="-127"/>
+                <a:ea typeface="맑은 고딕" panose="020B0503020000020004" pitchFamily="50" charset="-127"/>
               </a:rPr>
               <a:t>SSL</a:t>
             </a:r>
@@ -9341,8 +9362,8 @@
                     </a:schemeClr>
                   </a:solidFill>
                 </a:ln>
-                <a:latin typeface="THE정고딕140" panose="02020603020101020101" pitchFamily="18" charset="-127"/>
-                <a:ea typeface="THE정고딕140" panose="02020603020101020101" pitchFamily="18" charset="-127"/>
+                <a:latin typeface="맑은 고딕" panose="020B0503020000020004" pitchFamily="50" charset="-127"/>
+                <a:ea typeface="맑은 고딕" panose="020B0503020000020004" pitchFamily="50" charset="-127"/>
               </a:rPr>
               <a:t> 세미나</a:t>
             </a:r>
@@ -9354,8 +9375,8 @@
                   </a:schemeClr>
                 </a:solidFill>
               </a:ln>
-              <a:latin typeface="THE정고딕140" panose="02020603020101020101" pitchFamily="18" charset="-127"/>
-              <a:ea typeface="THE정고딕140" panose="02020603020101020101" pitchFamily="18" charset="-127"/>
+              <a:latin typeface="맑은 고딕" panose="020B0503020000020004" pitchFamily="50" charset="-127"/>
+              <a:ea typeface="맑은 고딕" panose="020B0503020000020004" pitchFamily="50" charset="-127"/>
             </a:endParaRPr>
           </a:p>
           <a:p>
@@ -9368,8 +9389,8 @@
                   </a:schemeClr>
                 </a:solidFill>
               </a:ln>
-              <a:latin typeface="THE정고딕140" panose="02020603020101020101" pitchFamily="18" charset="-127"/>
-              <a:ea typeface="THE정고딕140" panose="02020603020101020101" pitchFamily="18" charset="-127"/>
+              <a:latin typeface="맑은 고딕" panose="020B0503020000020004" pitchFamily="50" charset="-127"/>
+              <a:ea typeface="맑은 고딕" panose="020B0503020000020004" pitchFamily="50" charset="-127"/>
             </a:endParaRPr>
           </a:p>
         </p:txBody>
@@ -9494,8 +9515,8 @@
             <a:p>
               <a:pPr algn="ctr"/>
               <a:endParaRPr lang="ko-KR" altLang="en-US" sz="2000" dirty="0">
-                <a:latin typeface="THE정고딕140" panose="02020603020101020101" pitchFamily="18" charset="-127"/>
-                <a:ea typeface="THE정고딕140" panose="02020603020101020101" pitchFamily="18" charset="-127"/>
+                <a:latin typeface="맑은 고딕" panose="020B0503020000020004" pitchFamily="50" charset="-127"/>
+                <a:ea typeface="맑은 고딕" panose="020B0503020000020004" pitchFamily="50" charset="-127"/>
               </a:endParaRPr>
             </a:p>
           </p:txBody>
@@ -9551,8 +9572,8 @@
             <a:p>
               <a:pPr algn="ctr"/>
               <a:endParaRPr lang="ko-KR" altLang="en-US" sz="2000" dirty="0">
-                <a:latin typeface="THE정고딕140" panose="02020603020101020101" pitchFamily="18" charset="-127"/>
-                <a:ea typeface="THE정고딕140" panose="02020603020101020101" pitchFamily="18" charset="-127"/>
+                <a:latin typeface="맑은 고딕" panose="020B0503020000020004" pitchFamily="50" charset="-127"/>
+                <a:ea typeface="맑은 고딕" panose="020B0503020000020004" pitchFamily="50" charset="-127"/>
               </a:endParaRPr>
             </a:p>
           </p:txBody>
@@ -9596,13 +9617,13 @@
                     </a:schemeClr>
                   </a:solidFill>
                 </a:ln>
-                <a:latin typeface="THE정고딕140" panose="02020603020101020101" pitchFamily="18" charset="-127"/>
-                <a:ea typeface="THE정고딕140" panose="02020603020101020101" pitchFamily="18" charset="-127"/>
+                <a:latin typeface="맑은 고딕" panose="020B0503020000020004" pitchFamily="50" charset="-127"/>
+                <a:ea typeface="맑은 고딕" panose="020B0503020000020004" pitchFamily="50" charset="-127"/>
               </a:rPr>
-              <a:t>웹 </a:t>
-            </a:r>
-            <a:r>
-              <a:rPr lang="ko-KR" altLang="en-US" sz="3200">
+              <a:t>웹 프로그래밍과 </a:t>
+            </a:r>
+            <a:r>
+              <a:rPr lang="en-US" altLang="ko-KR" sz="3200" dirty="0">
                 <a:ln>
                   <a:solidFill>
                     <a:schemeClr val="tx1">
@@ -9610,36 +9631,11 @@
                     </a:schemeClr>
                   </a:solidFill>
                 </a:ln>
-                <a:latin typeface="THE정고딕140" panose="02020603020101020101" pitchFamily="18" charset="-127"/>
-                <a:ea typeface="THE정고딕140" panose="02020603020101020101" pitchFamily="18" charset="-127"/>
-              </a:rPr>
-              <a:t>프로그래밍과 </a:t>
-            </a:r>
-            <a:r>
-              <a:rPr lang="en-US" altLang="ko-KR" sz="3200">
-                <a:ln>
-                  <a:solidFill>
-                    <a:schemeClr val="tx1">
-                      <a:alpha val="10000"/>
-                    </a:schemeClr>
-                  </a:solidFill>
-                </a:ln>
-                <a:latin typeface="THE정고딕140" panose="02020603020101020101" pitchFamily="18" charset="-127"/>
-                <a:ea typeface="THE정고딕140" panose="02020603020101020101" pitchFamily="18" charset="-127"/>
+                <a:latin typeface="맑은 고딕" panose="020B0503020000020004" pitchFamily="50" charset="-127"/>
+                <a:ea typeface="맑은 고딕" panose="020B0503020000020004" pitchFamily="50" charset="-127"/>
               </a:rPr>
               <a:t>JavaScript</a:t>
             </a:r>
-            <a:endParaRPr lang="en-US" altLang="ko-KR" sz="3200" dirty="0">
-              <a:ln>
-                <a:solidFill>
-                  <a:schemeClr val="tx1">
-                    <a:alpha val="10000"/>
-                  </a:schemeClr>
-                </a:solidFill>
-              </a:ln>
-              <a:latin typeface="THE정고딕140" panose="02020603020101020101" pitchFamily="18" charset="-127"/>
-              <a:ea typeface="THE정고딕140" panose="02020603020101020101" pitchFamily="18" charset="-127"/>
-            </a:endParaRPr>
           </a:p>
         </p:txBody>
       </p:sp>
@@ -9917,8 +9913,8 @@
                       </a:schemeClr>
                     </a:solidFill>
                   </a:ln>
-                  <a:latin typeface="THE정고딕140" panose="02020603020101020101" pitchFamily="18" charset="-127"/>
-                  <a:ea typeface="THE정고딕140" panose="02020603020101020101" pitchFamily="18" charset="-127"/>
+                  <a:latin typeface="맑은 고딕" panose="020B0503020000020004" pitchFamily="50" charset="-127"/>
+                  <a:ea typeface="맑은 고딕" panose="020B0503020000020004" pitchFamily="50" charset="-127"/>
                 </a:rPr>
                 <a:t>JavaScript</a:t>
               </a:r>
@@ -9930,8 +9926,8 @@
                     </a:schemeClr>
                   </a:solidFill>
                 </a:ln>
-                <a:latin typeface="THE정고딕140" panose="02020603020101020101" pitchFamily="18" charset="-127"/>
-                <a:ea typeface="THE정고딕140" panose="02020603020101020101" pitchFamily="18" charset="-127"/>
+                <a:latin typeface="맑은 고딕" panose="020B0503020000020004" pitchFamily="50" charset="-127"/>
+                <a:ea typeface="맑은 고딕" panose="020B0503020000020004" pitchFamily="50" charset="-127"/>
               </a:endParaRPr>
             </a:p>
           </p:txBody>
@@ -9984,9 +9980,9 @@
             <a:lstStyle/>
             <a:p>
               <a:pPr algn="ctr"/>
-              <a:endParaRPr lang="ko-KR" altLang="en-US">
-                <a:latin typeface="THE정고딕140" panose="02020603020101020101" pitchFamily="18" charset="-127"/>
-                <a:ea typeface="THE정고딕140" panose="02020603020101020101" pitchFamily="18" charset="-127"/>
+              <a:endParaRPr lang="ko-KR" altLang="en-US" dirty="0">
+                <a:latin typeface="맑은 고딕" panose="020B0503020000020004" pitchFamily="50" charset="-127"/>
+                <a:ea typeface="맑은 고딕" panose="020B0503020000020004" pitchFamily="50" charset="-127"/>
               </a:endParaRPr>
             </a:p>
           </p:txBody>
@@ -10006,7 +10002,7 @@
         </p:nvSpPr>
         <p:spPr>
           <a:xfrm>
-            <a:off x="592140" y="3136231"/>
+            <a:off x="594311" y="3136229"/>
             <a:ext cx="1541460" cy="584775"/>
           </a:xfrm>
           <a:prstGeom prst="rect">
@@ -10029,8 +10025,8 @@
                     </a:schemeClr>
                   </a:solidFill>
                 </a:ln>
-                <a:latin typeface="THE정고딕140" panose="02020603020101020101" pitchFamily="18" charset="-127"/>
-                <a:ea typeface="THE정고딕140" panose="02020603020101020101" pitchFamily="18" charset="-127"/>
+                <a:latin typeface="맑은 고딕" panose="020B0503020000020004" pitchFamily="50" charset="-127"/>
+                <a:ea typeface="맑은 고딕" panose="020B0503020000020004" pitchFamily="50" charset="-127"/>
               </a:rPr>
               <a:t>Mocha</a:t>
             </a:r>
@@ -10051,7 +10047,7 @@
         </p:nvSpPr>
         <p:spPr>
           <a:xfrm>
-            <a:off x="4985084" y="3136612"/>
+            <a:off x="4985084" y="3136229"/>
             <a:ext cx="2221832" cy="584775"/>
           </a:xfrm>
           <a:prstGeom prst="rect">
@@ -10074,8 +10070,8 @@
                     </a:schemeClr>
                   </a:solidFill>
                 </a:ln>
-                <a:latin typeface="THE정고딕140" panose="02020603020101020101" pitchFamily="18" charset="-127"/>
-                <a:ea typeface="THE정고딕140" panose="02020603020101020101" pitchFamily="18" charset="-127"/>
+                <a:latin typeface="맑은 고딕" panose="020B0503020000020004" pitchFamily="50" charset="-127"/>
+                <a:ea typeface="맑은 고딕" panose="020B0503020000020004" pitchFamily="50" charset="-127"/>
               </a:rPr>
               <a:t>LiveScript</a:t>
             </a:r>
@@ -10087,8 +10083,8 @@
                   </a:schemeClr>
                 </a:solidFill>
               </a:ln>
-              <a:latin typeface="THE정고딕140" panose="02020603020101020101" pitchFamily="18" charset="-127"/>
-              <a:ea typeface="THE정고딕140" panose="02020603020101020101" pitchFamily="18" charset="-127"/>
+              <a:latin typeface="맑은 고딕" panose="020B0503020000020004" pitchFamily="50" charset="-127"/>
+              <a:ea typeface="맑은 고딕" panose="020B0503020000020004" pitchFamily="50" charset="-127"/>
             </a:endParaRPr>
           </a:p>
         </p:txBody>
@@ -10107,7 +10103,7 @@
         </p:nvSpPr>
         <p:spPr>
           <a:xfrm>
-            <a:off x="9265453" y="3136612"/>
+            <a:off x="9265452" y="3136229"/>
             <a:ext cx="2334407" cy="584775"/>
           </a:xfrm>
           <a:prstGeom prst="rect">
@@ -10130,8 +10126,8 @@
                     </a:schemeClr>
                   </a:solidFill>
                 </a:ln>
-                <a:latin typeface="THE정고딕140" panose="02020603020101020101" pitchFamily="18" charset="-127"/>
-                <a:ea typeface="THE정고딕140" panose="02020603020101020101" pitchFamily="18" charset="-127"/>
+                <a:latin typeface="맑은 고딕" panose="020B0503020000020004" pitchFamily="50" charset="-127"/>
+                <a:ea typeface="맑은 고딕" panose="020B0503020000020004" pitchFamily="50" charset="-127"/>
               </a:rPr>
               <a:t>JavaScript</a:t>
             </a:r>
@@ -10175,8 +10171,8 @@
                     </a:schemeClr>
                   </a:solidFill>
                 </a:ln>
-                <a:latin typeface="THE정고딕140" panose="02020603020101020101" pitchFamily="18" charset="-127"/>
-                <a:ea typeface="THE정고딕140" panose="02020603020101020101" pitchFamily="18" charset="-127"/>
+                <a:latin typeface="맑은 고딕" panose="020B0503020000020004" pitchFamily="50" charset="-127"/>
+                <a:ea typeface="맑은 고딕" panose="020B0503020000020004" pitchFamily="50" charset="-127"/>
               </a:rPr>
               <a:t>-&gt;</a:t>
             </a:r>
@@ -10220,8 +10216,8 @@
                     </a:schemeClr>
                   </a:solidFill>
                 </a:ln>
-                <a:latin typeface="THE정고딕140" panose="02020603020101020101" pitchFamily="18" charset="-127"/>
-                <a:ea typeface="THE정고딕140" panose="02020603020101020101" pitchFamily="18" charset="-127"/>
+                <a:latin typeface="맑은 고딕" panose="020B0503020000020004" pitchFamily="50" charset="-127"/>
+                <a:ea typeface="맑은 고딕" panose="020B0503020000020004" pitchFamily="50" charset="-127"/>
               </a:rPr>
               <a:t>-&gt;</a:t>
             </a:r>
@@ -10352,8 +10348,8 @@
                       </a:schemeClr>
                     </a:solidFill>
                   </a:ln>
-                  <a:latin typeface="THE정고딕140" panose="02020603020101020101" pitchFamily="18" charset="-127"/>
-                  <a:ea typeface="THE정고딕140" panose="02020603020101020101" pitchFamily="18" charset="-127"/>
+                  <a:latin typeface="맑은 고딕" panose="020B0503020000020004" pitchFamily="50" charset="-127"/>
+                  <a:ea typeface="맑은 고딕" panose="020B0503020000020004" pitchFamily="50" charset="-127"/>
                 </a:rPr>
                 <a:t>JavaScript</a:t>
               </a:r>
@@ -10365,8 +10361,8 @@
                     </a:schemeClr>
                   </a:solidFill>
                 </a:ln>
-                <a:latin typeface="THE정고딕140" panose="02020603020101020101" pitchFamily="18" charset="-127"/>
-                <a:ea typeface="THE정고딕140" panose="02020603020101020101" pitchFamily="18" charset="-127"/>
+                <a:latin typeface="맑은 고딕" panose="020B0503020000020004" pitchFamily="50" charset="-127"/>
+                <a:ea typeface="맑은 고딕" panose="020B0503020000020004" pitchFamily="50" charset="-127"/>
               </a:endParaRPr>
             </a:p>
           </p:txBody>
@@ -10419,9 +10415,9 @@
             <a:lstStyle/>
             <a:p>
               <a:pPr algn="ctr"/>
-              <a:endParaRPr lang="ko-KR" altLang="en-US">
-                <a:latin typeface="THE정고딕140" panose="02020603020101020101" pitchFamily="18" charset="-127"/>
-                <a:ea typeface="THE정고딕140" panose="02020603020101020101" pitchFamily="18" charset="-127"/>
+              <a:endParaRPr lang="ko-KR" altLang="en-US" dirty="0">
+                <a:latin typeface="맑은 고딕" panose="020B0503020000020004" pitchFamily="50" charset="-127"/>
+                <a:ea typeface="맑은 고딕" panose="020B0503020000020004" pitchFamily="50" charset="-127"/>
               </a:endParaRPr>
             </a:p>
           </p:txBody>
@@ -10615,7 +10611,7 @@
             <a:p>
               <a:pPr algn="ctr"/>
               <a:r>
-                <a:rPr lang="en-US" altLang="ko-KR" sz="1500">
+                <a:rPr lang="en-US" altLang="ko-KR" sz="1500" dirty="0">
                   <a:ln>
                     <a:solidFill>
                       <a:schemeClr val="tx1">
@@ -10623,8 +10619,8 @@
                       </a:schemeClr>
                     </a:solidFill>
                   </a:ln>
-                  <a:latin typeface="THE정고딕140" panose="02020603020101020101" pitchFamily="18" charset="-127"/>
-                  <a:ea typeface="THE정고딕140" panose="02020603020101020101" pitchFamily="18" charset="-127"/>
+                  <a:latin typeface="맑은 고딕" panose="020B0503020000020004" pitchFamily="50" charset="-127"/>
+                  <a:ea typeface="맑은 고딕" panose="020B0503020000020004" pitchFamily="50" charset="-127"/>
                 </a:rPr>
                 <a:t>SPA</a:t>
               </a:r>
@@ -10636,8 +10632,8 @@
                     </a:schemeClr>
                   </a:solidFill>
                 </a:ln>
-                <a:latin typeface="THE정고딕140" panose="02020603020101020101" pitchFamily="18" charset="-127"/>
-                <a:ea typeface="THE정고딕140" panose="02020603020101020101" pitchFamily="18" charset="-127"/>
+                <a:latin typeface="맑은 고딕" panose="020B0503020000020004" pitchFamily="50" charset="-127"/>
+                <a:ea typeface="맑은 고딕" panose="020B0503020000020004" pitchFamily="50" charset="-127"/>
               </a:endParaRPr>
             </a:p>
           </p:txBody>
@@ -10690,9 +10686,9 @@
             <a:lstStyle/>
             <a:p>
               <a:pPr algn="ctr"/>
-              <a:endParaRPr lang="ko-KR" altLang="en-US">
-                <a:latin typeface="THE정고딕140" panose="02020603020101020101" pitchFamily="18" charset="-127"/>
-                <a:ea typeface="THE정고딕140" panose="02020603020101020101" pitchFamily="18" charset="-127"/>
+              <a:endParaRPr lang="ko-KR" altLang="en-US" dirty="0">
+                <a:latin typeface="맑은 고딕" panose="020B0503020000020004" pitchFamily="50" charset="-127"/>
+                <a:ea typeface="맑은 고딕" panose="020B0503020000020004" pitchFamily="50" charset="-127"/>
               </a:endParaRPr>
             </a:p>
           </p:txBody>
@@ -10712,8 +10708,8 @@
         </p:nvSpPr>
         <p:spPr>
           <a:xfrm>
-            <a:off x="306594" y="2813447"/>
-            <a:ext cx="11578811" cy="1231106"/>
+            <a:off x="896916" y="2813447"/>
+            <a:ext cx="10398168" cy="1231106"/>
           </a:xfrm>
           <a:prstGeom prst="rect">
             <a:avLst/>
@@ -10728,14 +10724,14 @@
           <a:p>
             <a:r>
               <a:rPr lang="en-US" altLang="ko-KR" sz="7400" dirty="0">
-                <a:latin typeface="THE정고딕140" panose="02020603020101020101" pitchFamily="18" charset="-127"/>
-                <a:ea typeface="THE정고딕140" panose="02020603020101020101" pitchFamily="18" charset="-127"/>
+                <a:latin typeface="맑은 고딕" panose="020B0503020000020004" pitchFamily="50" charset="-127"/>
+                <a:ea typeface="맑은 고딕" panose="020B0503020000020004" pitchFamily="50" charset="-127"/>
               </a:rPr>
               <a:t>Single Page Application</a:t>
             </a:r>
             <a:endParaRPr lang="ko-KR" altLang="en-US" sz="7400" dirty="0">
-              <a:latin typeface="THE정고딕140" panose="02020603020101020101" pitchFamily="18" charset="-127"/>
-              <a:ea typeface="THE정고딕140" panose="02020603020101020101" pitchFamily="18" charset="-127"/>
+              <a:latin typeface="맑은 고딕" panose="020B0503020000020004" pitchFamily="50" charset="-127"/>
+              <a:ea typeface="맑은 고딕" panose="020B0503020000020004" pitchFamily="50" charset="-127"/>
             </a:endParaRPr>
           </a:p>
         </p:txBody>
@@ -10820,7 +10816,7 @@
             <a:p>
               <a:pPr algn="ctr"/>
               <a:r>
-                <a:rPr lang="en-US" altLang="ko-KR" sz="1500">
+                <a:rPr lang="en-US" altLang="ko-KR" sz="1500" dirty="0">
                   <a:ln>
                     <a:solidFill>
                       <a:schemeClr val="tx1">
@@ -10828,8 +10824,8 @@
                       </a:schemeClr>
                     </a:solidFill>
                   </a:ln>
-                  <a:latin typeface="THE정고딕140" panose="02020603020101020101" pitchFamily="18" charset="-127"/>
-                  <a:ea typeface="THE정고딕140" panose="02020603020101020101" pitchFamily="18" charset="-127"/>
+                  <a:latin typeface="맑은 고딕" panose="020B0503020000020004" pitchFamily="50" charset="-127"/>
+                  <a:ea typeface="맑은 고딕" panose="020B0503020000020004" pitchFamily="50" charset="-127"/>
                 </a:rPr>
                 <a:t>SPA</a:t>
               </a:r>
@@ -10841,8 +10837,8 @@
                     </a:schemeClr>
                   </a:solidFill>
                 </a:ln>
-                <a:latin typeface="THE정고딕140" panose="02020603020101020101" pitchFamily="18" charset="-127"/>
-                <a:ea typeface="THE정고딕140" panose="02020603020101020101" pitchFamily="18" charset="-127"/>
+                <a:latin typeface="맑은 고딕" panose="020B0503020000020004" pitchFamily="50" charset="-127"/>
+                <a:ea typeface="맑은 고딕" panose="020B0503020000020004" pitchFamily="50" charset="-127"/>
               </a:endParaRPr>
             </a:p>
           </p:txBody>
@@ -10895,9 +10891,9 @@
             <a:lstStyle/>
             <a:p>
               <a:pPr algn="ctr"/>
-              <a:endParaRPr lang="ko-KR" altLang="en-US">
-                <a:latin typeface="THE정고딕140" panose="02020603020101020101" pitchFamily="18" charset="-127"/>
-                <a:ea typeface="THE정고딕140" panose="02020603020101020101" pitchFamily="18" charset="-127"/>
+              <a:endParaRPr lang="ko-KR" altLang="en-US" dirty="0">
+                <a:latin typeface="맑은 고딕" panose="020B0503020000020004" pitchFamily="50" charset="-127"/>
+                <a:ea typeface="맑은 고딕" panose="020B0503020000020004" pitchFamily="50" charset="-127"/>
               </a:endParaRPr>
             </a:p>
           </p:txBody>
@@ -11019,7 +11015,7 @@
             <a:p>
               <a:pPr algn="ctr"/>
               <a:r>
-                <a:rPr lang="en-US" altLang="ko-KR" sz="1500">
+                <a:rPr lang="en-US" altLang="ko-KR" sz="1500" dirty="0">
                   <a:ln>
                     <a:solidFill>
                       <a:schemeClr val="tx1">
@@ -11027,8 +11023,8 @@
                       </a:schemeClr>
                     </a:solidFill>
                   </a:ln>
-                  <a:latin typeface="THE정고딕140" panose="02020603020101020101" pitchFamily="18" charset="-127"/>
-                  <a:ea typeface="THE정고딕140" panose="02020603020101020101" pitchFamily="18" charset="-127"/>
+                  <a:latin typeface="맑은 고딕" panose="020B0503020000020004" pitchFamily="50" charset="-127"/>
+                  <a:ea typeface="맑은 고딕" panose="020B0503020000020004" pitchFamily="50" charset="-127"/>
                 </a:rPr>
                 <a:t>SPA</a:t>
               </a:r>
@@ -11040,8 +11036,8 @@
                     </a:schemeClr>
                   </a:solidFill>
                 </a:ln>
-                <a:latin typeface="THE정고딕140" panose="02020603020101020101" pitchFamily="18" charset="-127"/>
-                <a:ea typeface="THE정고딕140" panose="02020603020101020101" pitchFamily="18" charset="-127"/>
+                <a:latin typeface="맑은 고딕" panose="020B0503020000020004" pitchFamily="50" charset="-127"/>
+                <a:ea typeface="맑은 고딕" panose="020B0503020000020004" pitchFamily="50" charset="-127"/>
               </a:endParaRPr>
             </a:p>
           </p:txBody>
@@ -11094,9 +11090,9 @@
             <a:lstStyle/>
             <a:p>
               <a:pPr algn="ctr"/>
-              <a:endParaRPr lang="ko-KR" altLang="en-US">
-                <a:latin typeface="THE정고딕140" panose="02020603020101020101" pitchFamily="18" charset="-127"/>
-                <a:ea typeface="THE정고딕140" panose="02020603020101020101" pitchFamily="18" charset="-127"/>
+              <a:endParaRPr lang="ko-KR" altLang="en-US" dirty="0">
+                <a:latin typeface="맑은 고딕" panose="020B0503020000020004" pitchFamily="50" charset="-127"/>
+                <a:ea typeface="맑은 고딕" panose="020B0503020000020004" pitchFamily="50" charset="-127"/>
               </a:endParaRPr>
             </a:p>
           </p:txBody>
@@ -11233,8 +11229,8 @@
         </p:nvSpPr>
         <p:spPr>
           <a:xfrm>
-            <a:off x="3054880" y="4076819"/>
-            <a:ext cx="843501" cy="369332"/>
+            <a:off x="3092314" y="4076819"/>
+            <a:ext cx="779381" cy="369332"/>
           </a:xfrm>
           <a:prstGeom prst="rect">
             <a:avLst/>
@@ -11248,15 +11244,15 @@
           <a:lstStyle/>
           <a:p>
             <a:r>
-              <a:rPr lang="en-US" altLang="ko-KR">
-                <a:latin typeface="THE정고딕140" panose="02020603020101020101" pitchFamily="18" charset="-127"/>
-                <a:ea typeface="THE정고딕140" panose="02020603020101020101" pitchFamily="18" charset="-127"/>
+              <a:rPr lang="en-US" altLang="ko-KR" dirty="0">
+                <a:latin typeface="맑은 고딕" panose="020B0503020000020004" pitchFamily="50" charset="-127"/>
+                <a:ea typeface="맑은 고딕" panose="020B0503020000020004" pitchFamily="50" charset="-127"/>
               </a:rPr>
               <a:t>Client</a:t>
             </a:r>
-            <a:endParaRPr lang="ko-KR" altLang="en-US">
-              <a:latin typeface="THE정고딕140" panose="02020603020101020101" pitchFamily="18" charset="-127"/>
-              <a:ea typeface="THE정고딕140" panose="02020603020101020101" pitchFamily="18" charset="-127"/>
+            <a:endParaRPr lang="ko-KR" altLang="en-US" dirty="0">
+              <a:latin typeface="맑은 고딕" panose="020B0503020000020004" pitchFamily="50" charset="-127"/>
+              <a:ea typeface="맑은 고딕" panose="020B0503020000020004" pitchFamily="50" charset="-127"/>
             </a:endParaRPr>
           </a:p>
         </p:txBody>
@@ -11275,8 +11271,8 @@
         </p:nvSpPr>
         <p:spPr>
           <a:xfrm>
-            <a:off x="5674249" y="4076819"/>
-            <a:ext cx="906017" cy="369332"/>
+            <a:off x="5675596" y="4076819"/>
+            <a:ext cx="840808" cy="369332"/>
           </a:xfrm>
           <a:prstGeom prst="rect">
             <a:avLst/>
@@ -11290,15 +11286,15 @@
           <a:lstStyle/>
           <a:p>
             <a:r>
-              <a:rPr lang="en-US" altLang="ko-KR">
-                <a:latin typeface="THE정고딕140" panose="02020603020101020101" pitchFamily="18" charset="-127"/>
-                <a:ea typeface="THE정고딕140" panose="02020603020101020101" pitchFamily="18" charset="-127"/>
+              <a:rPr lang="en-US" altLang="ko-KR" dirty="0">
+                <a:latin typeface="맑은 고딕" panose="020B0503020000020004" pitchFamily="50" charset="-127"/>
+                <a:ea typeface="맑은 고딕" panose="020B0503020000020004" pitchFamily="50" charset="-127"/>
               </a:rPr>
               <a:t>Server</a:t>
             </a:r>
-            <a:endParaRPr lang="ko-KR" altLang="en-US">
-              <a:latin typeface="THE정고딕140" panose="02020603020101020101" pitchFamily="18" charset="-127"/>
-              <a:ea typeface="THE정고딕140" panose="02020603020101020101" pitchFamily="18" charset="-127"/>
+            <a:endParaRPr lang="ko-KR" altLang="en-US" dirty="0">
+              <a:latin typeface="맑은 고딕" panose="020B0503020000020004" pitchFamily="50" charset="-127"/>
+              <a:ea typeface="맑은 고딕" panose="020B0503020000020004" pitchFamily="50" charset="-127"/>
             </a:endParaRPr>
           </a:p>
         </p:txBody>
@@ -11317,8 +11313,8 @@
         </p:nvSpPr>
         <p:spPr>
           <a:xfrm>
-            <a:off x="7809889" y="4076819"/>
-            <a:ext cx="1317990" cy="369332"/>
+            <a:off x="7894880" y="4076819"/>
+            <a:ext cx="1148007" cy="369332"/>
           </a:xfrm>
           <a:prstGeom prst="rect">
             <a:avLst/>
@@ -11332,15 +11328,15 @@
           <a:lstStyle/>
           <a:p>
             <a:r>
-              <a:rPr lang="en-US" altLang="ko-KR">
-                <a:latin typeface="THE정고딕140" panose="02020603020101020101" pitchFamily="18" charset="-127"/>
-                <a:ea typeface="THE정고딕140" panose="02020603020101020101" pitchFamily="18" charset="-127"/>
+              <a:rPr lang="en-US" altLang="ko-KR" dirty="0">
+                <a:latin typeface="맑은 고딕" panose="020B0503020000020004" pitchFamily="50" charset="-127"/>
+                <a:ea typeface="맑은 고딕" panose="020B0503020000020004" pitchFamily="50" charset="-127"/>
               </a:rPr>
               <a:t>Database</a:t>
             </a:r>
-            <a:endParaRPr lang="ko-KR" altLang="en-US">
-              <a:latin typeface="THE정고딕140" panose="02020603020101020101" pitchFamily="18" charset="-127"/>
-              <a:ea typeface="THE정고딕140" panose="02020603020101020101" pitchFamily="18" charset="-127"/>
+            <a:endParaRPr lang="ko-KR" altLang="en-US" dirty="0">
+              <a:latin typeface="맑은 고딕" panose="020B0503020000020004" pitchFamily="50" charset="-127"/>
+              <a:ea typeface="맑은 고딕" panose="020B0503020000020004" pitchFamily="50" charset="-127"/>
             </a:endParaRPr>
           </a:p>
         </p:txBody>
@@ -11542,7 +11538,7 @@
             <a:p>
               <a:pPr algn="ctr"/>
               <a:r>
-                <a:rPr lang="en-US" altLang="ko-KR" sz="1500">
+                <a:rPr lang="en-US" altLang="ko-KR" sz="1500" dirty="0" err="1">
                   <a:ln>
                     <a:solidFill>
                       <a:schemeClr val="tx1">
@@ -11550,8 +11546,8 @@
                       </a:schemeClr>
                     </a:solidFill>
                   </a:ln>
-                  <a:latin typeface="THE정고딕140" panose="02020603020101020101" pitchFamily="18" charset="-127"/>
-                  <a:ea typeface="THE정고딕140" panose="02020603020101020101" pitchFamily="18" charset="-127"/>
+                  <a:latin typeface="맑은 고딕" panose="020B0503020000020004" pitchFamily="50" charset="-127"/>
+                  <a:ea typeface="맑은 고딕" panose="020B0503020000020004" pitchFamily="50" charset="-127"/>
                 </a:rPr>
                 <a:t>FrameWork</a:t>
               </a:r>
@@ -11563,8 +11559,8 @@
                     </a:schemeClr>
                   </a:solidFill>
                 </a:ln>
-                <a:latin typeface="THE정고딕140" panose="02020603020101020101" pitchFamily="18" charset="-127"/>
-                <a:ea typeface="THE정고딕140" panose="02020603020101020101" pitchFamily="18" charset="-127"/>
+                <a:latin typeface="맑은 고딕" panose="020B0503020000020004" pitchFamily="50" charset="-127"/>
+                <a:ea typeface="맑은 고딕" panose="020B0503020000020004" pitchFamily="50" charset="-127"/>
               </a:endParaRPr>
             </a:p>
           </p:txBody>
@@ -11617,9 +11613,9 @@
             <a:lstStyle/>
             <a:p>
               <a:pPr algn="ctr"/>
-              <a:endParaRPr lang="ko-KR" altLang="en-US">
-                <a:latin typeface="THE정고딕140" panose="02020603020101020101" pitchFamily="18" charset="-127"/>
-                <a:ea typeface="THE정고딕140" panose="02020603020101020101" pitchFamily="18" charset="-127"/>
+              <a:endParaRPr lang="ko-KR" altLang="en-US" dirty="0">
+                <a:latin typeface="맑은 고딕" panose="020B0503020000020004" pitchFamily="50" charset="-127"/>
+                <a:ea typeface="맑은 고딕" panose="020B0503020000020004" pitchFamily="50" charset="-127"/>
               </a:endParaRPr>
             </a:p>
           </p:txBody>
@@ -11787,8 +11783,8 @@
                     </a:schemeClr>
                   </a:solidFill>
                 </a:ln>
-                <a:latin typeface="THE정고딕140" panose="02020603020101020101" pitchFamily="18" charset="-127"/>
-                <a:ea typeface="THE정고딕140" panose="02020603020101020101" pitchFamily="18" charset="-127"/>
+                <a:latin typeface="맑은 고딕" panose="020B0503020000020004" pitchFamily="50" charset="-127"/>
+                <a:ea typeface="맑은 고딕" panose="020B0503020000020004" pitchFamily="50" charset="-127"/>
               </a:rPr>
               <a:t>CONTENTS</a:t>
             </a:r>
@@ -11843,9 +11839,9 @@
           <a:lstStyle/>
           <a:p>
             <a:pPr algn="ctr"/>
-            <a:endParaRPr lang="ko-KR" altLang="en-US">
-              <a:latin typeface="THE정고딕140" panose="02020603020101020101" pitchFamily="18" charset="-127"/>
-              <a:ea typeface="THE정고딕140" panose="02020603020101020101" pitchFamily="18" charset="-127"/>
+            <a:endParaRPr lang="ko-KR" altLang="en-US" dirty="0">
+              <a:latin typeface="맑은 고딕" panose="020B0503020000020004" pitchFamily="50" charset="-127"/>
+              <a:ea typeface="맑은 고딕" panose="020B0503020000020004" pitchFamily="50" charset="-127"/>
             </a:endParaRPr>
           </a:p>
         </p:txBody>
@@ -11887,8 +11883,8 @@
                     </a:schemeClr>
                   </a:solidFill>
                 </a:ln>
-                <a:latin typeface="THE정고딕140" panose="02020603020101020101" pitchFamily="18" charset="-127"/>
-                <a:ea typeface="THE정고딕140" panose="02020603020101020101" pitchFamily="18" charset="-127"/>
+                <a:latin typeface="맑은 고딕" panose="020B0503020000020004" pitchFamily="50" charset="-127"/>
+                <a:ea typeface="맑은 고딕" panose="020B0503020000020004" pitchFamily="50" charset="-127"/>
               </a:rPr>
               <a:t>웹 프로그래밍</a:t>
             </a:r>
@@ -11932,8 +11928,8 @@
                     </a:schemeClr>
                   </a:solidFill>
                 </a:ln>
-                <a:latin typeface="THE정고딕140" panose="02020603020101020101" pitchFamily="18" charset="-127"/>
-                <a:ea typeface="THE정고딕140" panose="02020603020101020101" pitchFamily="18" charset="-127"/>
+                <a:latin typeface="맑은 고딕" panose="020B0503020000020004" pitchFamily="50" charset="-127"/>
+                <a:ea typeface="맑은 고딕" panose="020B0503020000020004" pitchFamily="50" charset="-127"/>
               </a:rPr>
               <a:t>JavaScript</a:t>
             </a:r>
@@ -11945,8 +11941,8 @@
                   </a:schemeClr>
                 </a:solidFill>
               </a:ln>
-              <a:latin typeface="THE정고딕140" panose="02020603020101020101" pitchFamily="18" charset="-127"/>
-              <a:ea typeface="THE정고딕140" panose="02020603020101020101" pitchFamily="18" charset="-127"/>
+              <a:latin typeface="맑은 고딕" panose="020B0503020000020004" pitchFamily="50" charset="-127"/>
+              <a:ea typeface="맑은 고딕" panose="020B0503020000020004" pitchFamily="50" charset="-127"/>
             </a:endParaRPr>
           </a:p>
         </p:txBody>
@@ -11980,7 +11976,7 @@
           <a:lstStyle/>
           <a:p>
             <a:r>
-              <a:rPr lang="ko-KR" altLang="en-US" sz="1600">
+              <a:rPr lang="ko-KR" altLang="en-US" sz="1600" dirty="0">
                 <a:ln>
                   <a:solidFill>
                     <a:schemeClr val="tx1">
@@ -11988,22 +11984,11 @@
                     </a:schemeClr>
                   </a:solidFill>
                 </a:ln>
-                <a:latin typeface="THE정고딕140" panose="02020603020101020101" pitchFamily="18" charset="-127"/>
-                <a:ea typeface="THE정고딕140" panose="02020603020101020101" pitchFamily="18" charset="-127"/>
+                <a:latin typeface="맑은 고딕" panose="020B0503020000020004" pitchFamily="50" charset="-127"/>
+                <a:ea typeface="맑은 고딕" panose="020B0503020000020004" pitchFamily="50" charset="-127"/>
               </a:rPr>
               <a:t>질의응답</a:t>
             </a:r>
-            <a:endParaRPr lang="ko-KR" altLang="en-US" sz="1600" dirty="0">
-              <a:ln>
-                <a:solidFill>
-                  <a:schemeClr val="tx1">
-                    <a:alpha val="30000"/>
-                  </a:schemeClr>
-                </a:solidFill>
-              </a:ln>
-              <a:latin typeface="THE정고딕140" panose="02020603020101020101" pitchFamily="18" charset="-127"/>
-              <a:ea typeface="THE정고딕140" panose="02020603020101020101" pitchFamily="18" charset="-127"/>
-            </a:endParaRPr>
           </a:p>
         </p:txBody>
       </p:sp>
@@ -12036,7 +12021,7 @@
           <a:lstStyle/>
           <a:p>
             <a:r>
-              <a:rPr lang="en-US" altLang="ko-KR" sz="1600">
+              <a:rPr lang="en-US" altLang="ko-KR" sz="1600" dirty="0">
                 <a:ln>
                   <a:solidFill>
                     <a:schemeClr val="tx1">
@@ -12044,8 +12029,8 @@
                     </a:schemeClr>
                   </a:solidFill>
                 </a:ln>
-                <a:latin typeface="THE정고딕140" panose="02020603020101020101" pitchFamily="18" charset="-127"/>
-                <a:ea typeface="THE정고딕140" panose="02020603020101020101" pitchFamily="18" charset="-127"/>
+                <a:latin typeface="맑은 고딕" panose="020B0503020000020004" pitchFamily="50" charset="-127"/>
+                <a:ea typeface="맑은 고딕" panose="020B0503020000020004" pitchFamily="50" charset="-127"/>
               </a:rPr>
               <a:t>SPA</a:t>
             </a:r>
@@ -12057,8 +12042,8 @@
                   </a:schemeClr>
                 </a:solidFill>
               </a:ln>
-              <a:latin typeface="THE정고딕140" panose="02020603020101020101" pitchFamily="18" charset="-127"/>
-              <a:ea typeface="THE정고딕140" panose="02020603020101020101" pitchFamily="18" charset="-127"/>
+              <a:latin typeface="맑은 고딕" panose="020B0503020000020004" pitchFamily="50" charset="-127"/>
+              <a:ea typeface="맑은 고딕" panose="020B0503020000020004" pitchFamily="50" charset="-127"/>
             </a:endParaRPr>
           </a:p>
         </p:txBody>
@@ -12092,7 +12077,7 @@
           <a:lstStyle/>
           <a:p>
             <a:r>
-              <a:rPr lang="en-US" altLang="ko-KR" sz="1600">
+              <a:rPr lang="en-US" altLang="ko-KR" sz="1600" dirty="0" err="1">
                 <a:ln>
                   <a:solidFill>
                     <a:schemeClr val="tx1">
@@ -12100,8 +12085,8 @@
                     </a:schemeClr>
                   </a:solidFill>
                 </a:ln>
-                <a:latin typeface="THE정고딕140" panose="02020603020101020101" pitchFamily="18" charset="-127"/>
-                <a:ea typeface="THE정고딕140" panose="02020603020101020101" pitchFamily="18" charset="-127"/>
+                <a:latin typeface="맑은 고딕" panose="020B0503020000020004" pitchFamily="50" charset="-127"/>
+                <a:ea typeface="맑은 고딕" panose="020B0503020000020004" pitchFamily="50" charset="-127"/>
               </a:rPr>
               <a:t>FrameWork</a:t>
             </a:r>
@@ -12113,8 +12098,8 @@
                   </a:schemeClr>
                 </a:solidFill>
               </a:ln>
-              <a:latin typeface="THE정고딕140" panose="02020603020101020101" pitchFamily="18" charset="-127"/>
-              <a:ea typeface="THE정고딕140" panose="02020603020101020101" pitchFamily="18" charset="-127"/>
+              <a:latin typeface="맑은 고딕" panose="020B0503020000020004" pitchFamily="50" charset="-127"/>
+              <a:ea typeface="맑은 고딕" panose="020B0503020000020004" pitchFamily="50" charset="-127"/>
             </a:endParaRPr>
           </a:p>
         </p:txBody>
@@ -12199,7 +12184,7 @@
             <a:p>
               <a:pPr algn="ctr"/>
               <a:r>
-                <a:rPr lang="en-US" altLang="ko-KR" sz="1500">
+                <a:rPr lang="en-US" altLang="ko-KR" sz="1500" dirty="0" err="1">
                   <a:ln>
                     <a:solidFill>
                       <a:schemeClr val="tx1">
@@ -12207,8 +12192,8 @@
                       </a:schemeClr>
                     </a:solidFill>
                   </a:ln>
-                  <a:latin typeface="THE정고딕140" panose="02020603020101020101" pitchFamily="18" charset="-127"/>
-                  <a:ea typeface="THE정고딕140" panose="02020603020101020101" pitchFamily="18" charset="-127"/>
+                  <a:latin typeface="맑은 고딕" panose="020B0503020000020004" pitchFamily="50" charset="-127"/>
+                  <a:ea typeface="맑은 고딕" panose="020B0503020000020004" pitchFamily="50" charset="-127"/>
                 </a:rPr>
                 <a:t>FrameWork</a:t>
               </a:r>
@@ -12220,8 +12205,8 @@
                     </a:schemeClr>
                   </a:solidFill>
                 </a:ln>
-                <a:latin typeface="THE정고딕140" panose="02020603020101020101" pitchFamily="18" charset="-127"/>
-                <a:ea typeface="THE정고딕140" panose="02020603020101020101" pitchFamily="18" charset="-127"/>
+                <a:latin typeface="맑은 고딕" panose="020B0503020000020004" pitchFamily="50" charset="-127"/>
+                <a:ea typeface="맑은 고딕" panose="020B0503020000020004" pitchFamily="50" charset="-127"/>
               </a:endParaRPr>
             </a:p>
           </p:txBody>
@@ -12274,9 +12259,9 @@
             <a:lstStyle/>
             <a:p>
               <a:pPr algn="ctr"/>
-              <a:endParaRPr lang="ko-KR" altLang="en-US">
-                <a:latin typeface="THE정고딕140" panose="02020603020101020101" pitchFamily="18" charset="-127"/>
-                <a:ea typeface="THE정고딕140" panose="02020603020101020101" pitchFamily="18" charset="-127"/>
+              <a:endParaRPr lang="ko-KR" altLang="en-US" dirty="0">
+                <a:latin typeface="맑은 고딕" panose="020B0503020000020004" pitchFamily="50" charset="-127"/>
+                <a:ea typeface="맑은 고딕" panose="020B0503020000020004" pitchFamily="50" charset="-127"/>
               </a:endParaRPr>
             </a:p>
           </p:txBody>
@@ -12467,7 +12452,7 @@
             <a:p>
               <a:pPr algn="ctr"/>
               <a:r>
-                <a:rPr lang="en-US" altLang="ko-KR" sz="1500">
+                <a:rPr lang="en-US" altLang="ko-KR" sz="1500" dirty="0" err="1">
                   <a:ln>
                     <a:solidFill>
                       <a:schemeClr val="tx1">
@@ -12475,8 +12460,8 @@
                       </a:schemeClr>
                     </a:solidFill>
                   </a:ln>
-                  <a:latin typeface="THE정고딕140" panose="02020603020101020101" pitchFamily="18" charset="-127"/>
-                  <a:ea typeface="THE정고딕140" panose="02020603020101020101" pitchFamily="18" charset="-127"/>
+                  <a:latin typeface="맑은 고딕" panose="020B0503020000020004" pitchFamily="50" charset="-127"/>
+                  <a:ea typeface="맑은 고딕" panose="020B0503020000020004" pitchFamily="50" charset="-127"/>
                 </a:rPr>
                 <a:t>FrameWork</a:t>
               </a:r>
@@ -12488,8 +12473,8 @@
                     </a:schemeClr>
                   </a:solidFill>
                 </a:ln>
-                <a:latin typeface="THE정고딕140" panose="02020603020101020101" pitchFamily="18" charset="-127"/>
-                <a:ea typeface="THE정고딕140" panose="02020603020101020101" pitchFamily="18" charset="-127"/>
+                <a:latin typeface="맑은 고딕" panose="020B0503020000020004" pitchFamily="50" charset="-127"/>
+                <a:ea typeface="맑은 고딕" panose="020B0503020000020004" pitchFamily="50" charset="-127"/>
               </a:endParaRPr>
             </a:p>
           </p:txBody>
@@ -12542,9 +12527,9 @@
             <a:lstStyle/>
             <a:p>
               <a:pPr algn="ctr"/>
-              <a:endParaRPr lang="ko-KR" altLang="en-US">
-                <a:latin typeface="THE정고딕140" panose="02020603020101020101" pitchFamily="18" charset="-127"/>
-                <a:ea typeface="THE정고딕140" panose="02020603020101020101" pitchFamily="18" charset="-127"/>
+              <a:endParaRPr lang="ko-KR" altLang="en-US" dirty="0">
+                <a:latin typeface="맑은 고딕" panose="020B0503020000020004" pitchFamily="50" charset="-127"/>
+                <a:ea typeface="맑은 고딕" panose="020B0503020000020004" pitchFamily="50" charset="-127"/>
               </a:endParaRPr>
             </a:p>
           </p:txBody>
@@ -12666,7 +12651,7 @@
         <p:spPr>
           <a:xfrm>
             <a:off x="5384106" y="3044279"/>
-            <a:ext cx="1423788" cy="769441"/>
+            <a:ext cx="1319592" cy="769441"/>
           </a:xfrm>
           <a:prstGeom prst="rect">
             <a:avLst/>
@@ -12680,15 +12665,15 @@
           <a:lstStyle/>
           <a:p>
             <a:r>
-              <a:rPr lang="en-US" altLang="ko-KR" sz="4400">
-                <a:latin typeface="THE정고딕140" panose="02020603020101020101" pitchFamily="18" charset="-127"/>
-                <a:ea typeface="THE정고딕140" panose="02020603020101020101" pitchFamily="18" charset="-127"/>
+              <a:rPr lang="en-US" altLang="ko-KR" sz="4400" dirty="0" err="1">
+                <a:latin typeface="맑은 고딕" panose="020B0503020000020004" pitchFamily="50" charset="-127"/>
+                <a:ea typeface="맑은 고딕" panose="020B0503020000020004" pitchFamily="50" charset="-127"/>
               </a:rPr>
               <a:t>QnA</a:t>
             </a:r>
             <a:endParaRPr lang="ko-KR" altLang="en-US" sz="4400" dirty="0">
-              <a:latin typeface="THE정고딕140" panose="02020603020101020101" pitchFamily="18" charset="-127"/>
-              <a:ea typeface="THE정고딕140" panose="02020603020101020101" pitchFamily="18" charset="-127"/>
+              <a:latin typeface="맑은 고딕" panose="020B0503020000020004" pitchFamily="50" charset="-127"/>
+              <a:ea typeface="맑은 고딕" panose="020B0503020000020004" pitchFamily="50" charset="-127"/>
             </a:endParaRPr>
           </a:p>
         </p:txBody>
@@ -12774,7 +12759,7 @@
         <p:spPr>
           <a:xfrm>
             <a:off x="4403870" y="3044279"/>
-            <a:ext cx="3384260" cy="769441"/>
+            <a:ext cx="3055837" cy="769441"/>
           </a:xfrm>
           <a:prstGeom prst="rect">
             <a:avLst/>
@@ -12789,14 +12774,14 @@
           <a:p>
             <a:r>
               <a:rPr lang="en-US" altLang="ko-KR" sz="4400" dirty="0">
-                <a:latin typeface="THE정고딕140" panose="02020603020101020101" pitchFamily="18" charset="-127"/>
-                <a:ea typeface="THE정고딕140" panose="02020603020101020101" pitchFamily="18" charset="-127"/>
+                <a:latin typeface="맑은 고딕" panose="020B0503020000020004" pitchFamily="50" charset="-127"/>
+                <a:ea typeface="맑은 고딕" panose="020B0503020000020004" pitchFamily="50" charset="-127"/>
               </a:rPr>
               <a:t>Thank you </a:t>
             </a:r>
             <a:endParaRPr lang="ko-KR" altLang="en-US" sz="4400" dirty="0">
-              <a:latin typeface="THE정고딕140" panose="02020603020101020101" pitchFamily="18" charset="-127"/>
-              <a:ea typeface="THE정고딕140" panose="02020603020101020101" pitchFamily="18" charset="-127"/>
+              <a:latin typeface="맑은 고딕" panose="020B0503020000020004" pitchFamily="50" charset="-127"/>
+              <a:ea typeface="맑은 고딕" panose="020B0503020000020004" pitchFamily="50" charset="-127"/>
             </a:endParaRPr>
           </a:p>
         </p:txBody>
@@ -12889,8 +12874,8 @@
                       </a:schemeClr>
                     </a:solidFill>
                   </a:ln>
-                  <a:latin typeface="THE정고딕140" panose="02020603020101020101" pitchFamily="18" charset="-127"/>
-                  <a:ea typeface="THE정고딕140" panose="02020603020101020101" pitchFamily="18" charset="-127"/>
+                  <a:latin typeface="맑은 고딕" panose="020B0503020000020004" pitchFamily="50" charset="-127"/>
+                  <a:ea typeface="맑은 고딕" panose="020B0503020000020004" pitchFamily="50" charset="-127"/>
                 </a:rPr>
                 <a:t>웹 프로그래밍</a:t>
               </a:r>
@@ -12945,9 +12930,9 @@
             <a:lstStyle/>
             <a:p>
               <a:pPr algn="ctr"/>
-              <a:endParaRPr lang="ko-KR" altLang="en-US">
-                <a:latin typeface="THE정고딕140" panose="02020603020101020101" pitchFamily="18" charset="-127"/>
-                <a:ea typeface="THE정고딕140" panose="02020603020101020101" pitchFamily="18" charset="-127"/>
+              <a:endParaRPr lang="ko-KR" altLang="en-US" dirty="0">
+                <a:latin typeface="맑은 고딕" panose="020B0503020000020004" pitchFamily="50" charset="-127"/>
+                <a:ea typeface="맑은 고딕" panose="020B0503020000020004" pitchFamily="50" charset="-127"/>
               </a:endParaRPr>
             </a:p>
           </p:txBody>
@@ -12967,8 +12952,8 @@
         </p:nvSpPr>
         <p:spPr>
           <a:xfrm>
-            <a:off x="778042" y="3136612"/>
-            <a:ext cx="10635916" cy="584775"/>
+            <a:off x="727468" y="3136612"/>
+            <a:ext cx="10737064" cy="584775"/>
           </a:xfrm>
           <a:prstGeom prst="rect">
             <a:avLst/>
@@ -12991,8 +12976,8 @@
                     </a:schemeClr>
                   </a:solidFill>
                 </a:ln>
-                <a:latin typeface="THE정고딕140" panose="02020603020101020101" pitchFamily="18" charset="-127"/>
-                <a:ea typeface="THE정고딕140" panose="02020603020101020101" pitchFamily="18" charset="-127"/>
+                <a:latin typeface="맑은 고딕" panose="020B0503020000020004" pitchFamily="50" charset="-127"/>
+                <a:ea typeface="맑은 고딕" panose="020B0503020000020004" pitchFamily="50" charset="-127"/>
               </a:rPr>
               <a:t>웹 프로그래밍은 웹 사이트 또는 웹 페이지를 만드는 과정</a:t>
             </a:r>
@@ -13004,8 +12989,8 @@
                   </a:schemeClr>
                 </a:solidFill>
               </a:ln>
-              <a:latin typeface="THE정고딕140" panose="02020603020101020101" pitchFamily="18" charset="-127"/>
-              <a:ea typeface="THE정고딕140" panose="02020603020101020101" pitchFamily="18" charset="-127"/>
+              <a:latin typeface="맑은 고딕" panose="020B0503020000020004" pitchFamily="50" charset="-127"/>
+              <a:ea typeface="맑은 고딕" panose="020B0503020000020004" pitchFamily="50" charset="-127"/>
             </a:endParaRPr>
           </a:p>
         </p:txBody>
@@ -13098,8 +13083,8 @@
                       </a:schemeClr>
                     </a:solidFill>
                   </a:ln>
-                  <a:latin typeface="THE정고딕140" panose="02020603020101020101" pitchFamily="18" charset="-127"/>
-                  <a:ea typeface="THE정고딕140" panose="02020603020101020101" pitchFamily="18" charset="-127"/>
+                  <a:latin typeface="맑은 고딕" panose="020B0503020000020004" pitchFamily="50" charset="-127"/>
+                  <a:ea typeface="맑은 고딕" panose="020B0503020000020004" pitchFamily="50" charset="-127"/>
                 </a:rPr>
                 <a:t>웹 프로그래밍</a:t>
               </a:r>
@@ -13154,9 +13139,9 @@
             <a:lstStyle/>
             <a:p>
               <a:pPr algn="ctr"/>
-              <a:endParaRPr lang="ko-KR" altLang="en-US">
-                <a:latin typeface="THE정고딕140" panose="02020603020101020101" pitchFamily="18" charset="-127"/>
-                <a:ea typeface="THE정고딕140" panose="02020603020101020101" pitchFamily="18" charset="-127"/>
+              <a:endParaRPr lang="ko-KR" altLang="en-US" dirty="0">
+                <a:latin typeface="맑은 고딕" panose="020B0503020000020004" pitchFamily="50" charset="-127"/>
+                <a:ea typeface="맑은 고딕" panose="020B0503020000020004" pitchFamily="50" charset="-127"/>
               </a:endParaRPr>
             </a:p>
           </p:txBody>
@@ -13191,7 +13176,7 @@
           <a:lstStyle/>
           <a:p>
             <a:r>
-              <a:rPr lang="ko-KR" altLang="en-US" sz="3200">
+              <a:rPr lang="ko-KR" altLang="en-US" sz="3200" dirty="0" err="1">
                 <a:ln>
                   <a:solidFill>
                     <a:schemeClr val="tx1">
@@ -13199,12 +13184,12 @@
                     </a:schemeClr>
                   </a:solidFill>
                 </a:ln>
-                <a:latin typeface="THE정고딕140" panose="02020603020101020101" pitchFamily="18" charset="-127"/>
-                <a:ea typeface="THE정고딕140" panose="02020603020101020101" pitchFamily="18" charset="-127"/>
+                <a:latin typeface="맑은 고딕" panose="020B0503020000020004" pitchFamily="50" charset="-127"/>
+                <a:ea typeface="맑은 고딕" panose="020B0503020000020004" pitchFamily="50" charset="-127"/>
               </a:rPr>
               <a:t>프론트엔드</a:t>
             </a:r>
-            <a:endParaRPr lang="en-US" altLang="ko-KR" sz="3200">
+            <a:endParaRPr lang="en-US" altLang="ko-KR" sz="3200" dirty="0">
               <a:ln>
                 <a:solidFill>
                   <a:schemeClr val="tx1">
@@ -13212,13 +13197,13 @@
                   </a:schemeClr>
                 </a:solidFill>
               </a:ln>
-              <a:latin typeface="THE정고딕140" panose="02020603020101020101" pitchFamily="18" charset="-127"/>
-              <a:ea typeface="THE정고딕140" panose="02020603020101020101" pitchFamily="18" charset="-127"/>
+              <a:latin typeface="맑은 고딕" panose="020B0503020000020004" pitchFamily="50" charset="-127"/>
+              <a:ea typeface="맑은 고딕" panose="020B0503020000020004" pitchFamily="50" charset="-127"/>
             </a:endParaRPr>
           </a:p>
           <a:p>
             <a:r>
-              <a:rPr lang="en-US" altLang="ko-KR" sz="2400">
+              <a:rPr lang="en-US" altLang="ko-KR" sz="2400" dirty="0">
                 <a:ln>
                   <a:solidFill>
                     <a:schemeClr val="tx1">
@@ -13226,13 +13211,13 @@
                     </a:schemeClr>
                   </a:solidFill>
                 </a:ln>
-                <a:latin typeface="THE정고딕140" panose="02020603020101020101" pitchFamily="18" charset="-127"/>
-                <a:ea typeface="THE정고딕140" panose="02020603020101020101" pitchFamily="18" charset="-127"/>
+                <a:latin typeface="맑은 고딕" panose="020B0503020000020004" pitchFamily="50" charset="-127"/>
+                <a:ea typeface="맑은 고딕" panose="020B0503020000020004" pitchFamily="50" charset="-127"/>
               </a:rPr>
               <a:t>	</a:t>
             </a:r>
             <a:r>
-              <a:rPr lang="ko-KR" altLang="en-US" sz="2000">
+              <a:rPr lang="ko-KR" altLang="en-US" sz="2000" dirty="0">
                 <a:ln>
                   <a:solidFill>
                     <a:schemeClr val="tx1">
@@ -13240,13 +13225,13 @@
                     </a:schemeClr>
                   </a:solidFill>
                 </a:ln>
-                <a:latin typeface="THE정고딕140" panose="02020603020101020101" pitchFamily="18" charset="-127"/>
-                <a:ea typeface="THE정고딕140" panose="02020603020101020101" pitchFamily="18" charset="-127"/>
+                <a:latin typeface="맑은 고딕" panose="020B0503020000020004" pitchFamily="50" charset="-127"/>
+                <a:ea typeface="맑은 고딕" panose="020B0503020000020004" pitchFamily="50" charset="-127"/>
               </a:rPr>
-              <a:t>사용자의 화면에 나타나는 웹 화면을 프론트엔드 영역이라 하고 이러한 영역을 그리는 </a:t>
-            </a:r>
-            <a:r>
-              <a:rPr lang="en-US" altLang="ko-KR" sz="2000">
+              <a:t>사용자의 화면에 나타나는 웹 화면을 </a:t>
+            </a:r>
+            <a:r>
+              <a:rPr lang="ko-KR" altLang="en-US" sz="2000" dirty="0" err="1">
                 <a:ln>
                   <a:solidFill>
                     <a:schemeClr val="tx1">
@@ -13254,13 +13239,13 @@
                     </a:schemeClr>
                   </a:solidFill>
                 </a:ln>
-                <a:latin typeface="THE정고딕140" panose="02020603020101020101" pitchFamily="18" charset="-127"/>
-                <a:ea typeface="THE정고딕140" panose="02020603020101020101" pitchFamily="18" charset="-127"/>
+                <a:latin typeface="맑은 고딕" panose="020B0503020000020004" pitchFamily="50" charset="-127"/>
+                <a:ea typeface="맑은 고딕" panose="020B0503020000020004" pitchFamily="50" charset="-127"/>
               </a:rPr>
-              <a:t>	</a:t>
-            </a:r>
-            <a:r>
-              <a:rPr lang="ko-KR" altLang="en-US" sz="2000">
+              <a:t>프론트엔드</a:t>
+            </a:r>
+            <a:r>
+              <a:rPr lang="ko-KR" altLang="en-US" sz="2000" dirty="0">
                 <a:ln>
                   <a:solidFill>
                     <a:schemeClr val="tx1">
@@ -13268,10 +13253,38 @@
                     </a:schemeClr>
                   </a:solidFill>
                 </a:ln>
-                <a:latin typeface="THE정고딕140" panose="02020603020101020101" pitchFamily="18" charset="-127"/>
-                <a:ea typeface="THE정고딕140" panose="02020603020101020101" pitchFamily="18" charset="-127"/>
+                <a:latin typeface="맑은 고딕" panose="020B0503020000020004" pitchFamily="50" charset="-127"/>
+                <a:ea typeface="맑은 고딕" panose="020B0503020000020004" pitchFamily="50" charset="-127"/>
               </a:rPr>
-              <a:t>기술</a:t>
+              <a:t> 영역이라 하고 이러한 영역을 그리</a:t>
+            </a:r>
+            <a:r>
+              <a:rPr lang="en-US" altLang="ko-KR" sz="2000" dirty="0">
+                <a:ln>
+                  <a:solidFill>
+                    <a:schemeClr val="tx1">
+                      <a:alpha val="10000"/>
+                    </a:schemeClr>
+                  </a:solidFill>
+                </a:ln>
+                <a:latin typeface="맑은 고딕" panose="020B0503020000020004" pitchFamily="50" charset="-127"/>
+                <a:ea typeface="맑은 고딕" panose="020B0503020000020004" pitchFamily="50" charset="-127"/>
+              </a:rPr>
+              <a:t>	</a:t>
+            </a:r>
+            <a:r>
+              <a:rPr lang="ko-KR" altLang="en-US" sz="2000" dirty="0">
+                <a:ln>
+                  <a:solidFill>
+                    <a:schemeClr val="tx1">
+                      <a:alpha val="10000"/>
+                    </a:schemeClr>
+                  </a:solidFill>
+                </a:ln>
+                <a:latin typeface="맑은 고딕" panose="020B0503020000020004" pitchFamily="50" charset="-127"/>
+                <a:ea typeface="맑은 고딕" panose="020B0503020000020004" pitchFamily="50" charset="-127"/>
+              </a:rPr>
+              <a:t>는 기술</a:t>
             </a:r>
             <a:endParaRPr lang="en-US" altLang="ko-KR" sz="2000" dirty="0">
               <a:ln>
@@ -13281,8 +13294,8 @@
                   </a:schemeClr>
                 </a:solidFill>
               </a:ln>
-              <a:latin typeface="THE정고딕140" panose="02020603020101020101" pitchFamily="18" charset="-127"/>
-              <a:ea typeface="THE정고딕140" panose="02020603020101020101" pitchFamily="18" charset="-127"/>
+              <a:latin typeface="맑은 고딕" panose="020B0503020000020004" pitchFamily="50" charset="-127"/>
+              <a:ea typeface="맑은 고딕" panose="020B0503020000020004" pitchFamily="50" charset="-127"/>
             </a:endParaRPr>
           </a:p>
         </p:txBody>
@@ -13316,7 +13329,7 @@
           <a:lstStyle/>
           <a:p>
             <a:r>
-              <a:rPr lang="ko-KR" altLang="en-US" sz="3200">
+              <a:rPr lang="ko-KR" altLang="en-US" sz="3200" dirty="0" err="1">
                 <a:ln>
                   <a:solidFill>
                     <a:schemeClr val="tx1">
@@ -13324,8 +13337,8 @@
                     </a:schemeClr>
                   </a:solidFill>
                 </a:ln>
-                <a:latin typeface="THE정고딕140" panose="02020603020101020101" pitchFamily="18" charset="-127"/>
-                <a:ea typeface="THE정고딕140" panose="02020603020101020101" pitchFamily="18" charset="-127"/>
+                <a:latin typeface="맑은 고딕" panose="020B0503020000020004" pitchFamily="50" charset="-127"/>
+                <a:ea typeface="맑은 고딕" panose="020B0503020000020004" pitchFamily="50" charset="-127"/>
               </a:rPr>
               <a:t>백엔드</a:t>
             </a:r>
@@ -13337,8 +13350,8 @@
                   </a:schemeClr>
                 </a:solidFill>
               </a:ln>
-              <a:latin typeface="THE정고딕140" panose="02020603020101020101" pitchFamily="18" charset="-127"/>
-              <a:ea typeface="THE정고딕140" panose="02020603020101020101" pitchFamily="18" charset="-127"/>
+              <a:latin typeface="맑은 고딕" panose="020B0503020000020004" pitchFamily="50" charset="-127"/>
+              <a:ea typeface="맑은 고딕" panose="020B0503020000020004" pitchFamily="50" charset="-127"/>
             </a:endParaRPr>
           </a:p>
           <a:p>
@@ -13351,8 +13364,8 @@
                     </a:schemeClr>
                   </a:solidFill>
                 </a:ln>
-                <a:latin typeface="THE정고딕140" panose="02020603020101020101" pitchFamily="18" charset="-127"/>
-                <a:ea typeface="THE정고딕140" panose="02020603020101020101" pitchFamily="18" charset="-127"/>
+                <a:latin typeface="맑은 고딕" panose="020B0503020000020004" pitchFamily="50" charset="-127"/>
+                <a:ea typeface="맑은 고딕" panose="020B0503020000020004" pitchFamily="50" charset="-127"/>
               </a:rPr>
               <a:t>	</a:t>
             </a:r>
@@ -13365,8 +13378,8 @@
                     </a:schemeClr>
                   </a:solidFill>
                 </a:ln>
-                <a:latin typeface="THE정고딕140" panose="02020603020101020101" pitchFamily="18" charset="-127"/>
-                <a:ea typeface="THE정고딕140" panose="02020603020101020101" pitchFamily="18" charset="-127"/>
+                <a:latin typeface="맑은 고딕" panose="020B0503020000020004" pitchFamily="50" charset="-127"/>
+                <a:ea typeface="맑은 고딕" panose="020B0503020000020004" pitchFamily="50" charset="-127"/>
               </a:rPr>
               <a:t>사용자의 눈에 보이지 않는 서버나 프로그램 기능에 작용하는 기술</a:t>
             </a:r>
@@ -13378,8 +13391,8 @@
                   </a:schemeClr>
                 </a:solidFill>
               </a:ln>
-              <a:latin typeface="THE정고딕140" panose="02020603020101020101" pitchFamily="18" charset="-127"/>
-              <a:ea typeface="THE정고딕140" panose="02020603020101020101" pitchFamily="18" charset="-127"/>
+              <a:latin typeface="맑은 고딕" panose="020B0503020000020004" pitchFamily="50" charset="-127"/>
+              <a:ea typeface="맑은 고딕" panose="020B0503020000020004" pitchFamily="50" charset="-127"/>
             </a:endParaRPr>
           </a:p>
         </p:txBody>
@@ -13472,8 +13485,8 @@
                       </a:schemeClr>
                     </a:solidFill>
                   </a:ln>
-                  <a:latin typeface="THE정고딕140" panose="02020603020101020101" pitchFamily="18" charset="-127"/>
-                  <a:ea typeface="THE정고딕140" panose="02020603020101020101" pitchFamily="18" charset="-127"/>
+                  <a:latin typeface="맑은 고딕" panose="020B0503020000020004" pitchFamily="50" charset="-127"/>
+                  <a:ea typeface="맑은 고딕" panose="020B0503020000020004" pitchFamily="50" charset="-127"/>
                 </a:rPr>
                 <a:t>웹 프로그래밍</a:t>
               </a:r>
@@ -13528,9 +13541,9 @@
             <a:lstStyle/>
             <a:p>
               <a:pPr algn="ctr"/>
-              <a:endParaRPr lang="ko-KR" altLang="en-US">
-                <a:latin typeface="THE정고딕140" panose="02020603020101020101" pitchFamily="18" charset="-127"/>
-                <a:ea typeface="THE정고딕140" panose="02020603020101020101" pitchFamily="18" charset="-127"/>
+              <a:endParaRPr lang="ko-KR" altLang="en-US" dirty="0">
+                <a:latin typeface="맑은 고딕" panose="020B0503020000020004" pitchFamily="50" charset="-127"/>
+                <a:ea typeface="맑은 고딕" panose="020B0503020000020004" pitchFamily="50" charset="-127"/>
               </a:endParaRPr>
             </a:p>
           </p:txBody>
@@ -13658,7 +13671,7 @@
         <p:spPr>
           <a:xfrm>
             <a:off x="9561782" y="4539093"/>
-            <a:ext cx="1401346" cy="369332"/>
+            <a:ext cx="1202830" cy="369332"/>
           </a:xfrm>
           <a:prstGeom prst="rect">
             <a:avLst/>
@@ -13673,14 +13686,14 @@
           <a:p>
             <a:r>
               <a:rPr lang="en-US" altLang="ko-KR" dirty="0">
-                <a:latin typeface="THE정고딕140" panose="02020603020101020101" pitchFamily="18" charset="-127"/>
-                <a:ea typeface="THE정고딕140" panose="02020603020101020101" pitchFamily="18" charset="-127"/>
+                <a:latin typeface="맑은 고딕" panose="020B0503020000020004" pitchFamily="50" charset="-127"/>
+                <a:ea typeface="맑은 고딕" panose="020B0503020000020004" pitchFamily="50" charset="-127"/>
               </a:rPr>
               <a:t>JavaScript</a:t>
             </a:r>
             <a:endParaRPr lang="ko-KR" altLang="en-US" dirty="0">
-              <a:latin typeface="THE정고딕140" panose="02020603020101020101" pitchFamily="18" charset="-127"/>
-              <a:ea typeface="THE정고딕140" panose="02020603020101020101" pitchFamily="18" charset="-127"/>
+              <a:latin typeface="맑은 고딕" panose="020B0503020000020004" pitchFamily="50" charset="-127"/>
+              <a:ea typeface="맑은 고딕" panose="020B0503020000020004" pitchFamily="50" charset="-127"/>
             </a:endParaRPr>
           </a:p>
         </p:txBody>
@@ -13715,14 +13728,14 @@
           <a:p>
             <a:r>
               <a:rPr lang="en-US" altLang="ko-KR" dirty="0">
-                <a:latin typeface="THE정고딕140" panose="02020603020101020101" pitchFamily="18" charset="-127"/>
-                <a:ea typeface="THE정고딕140" panose="02020603020101020101" pitchFamily="18" charset="-127"/>
+                <a:latin typeface="맑은 고딕" panose="020B0503020000020004" pitchFamily="50" charset="-127"/>
+                <a:ea typeface="맑은 고딕" panose="020B0503020000020004" pitchFamily="50" charset="-127"/>
               </a:rPr>
               <a:t>HTML</a:t>
             </a:r>
             <a:endParaRPr lang="ko-KR" altLang="en-US" dirty="0">
-              <a:latin typeface="THE정고딕140" panose="02020603020101020101" pitchFamily="18" charset="-127"/>
-              <a:ea typeface="THE정고딕140" panose="02020603020101020101" pitchFamily="18" charset="-127"/>
+              <a:latin typeface="맑은 고딕" panose="020B0503020000020004" pitchFamily="50" charset="-127"/>
+              <a:ea typeface="맑은 고딕" panose="020B0503020000020004" pitchFamily="50" charset="-127"/>
             </a:endParaRPr>
           </a:p>
         </p:txBody>
@@ -13742,7 +13755,7 @@
         <p:spPr>
           <a:xfrm>
             <a:off x="5772033" y="4539093"/>
-            <a:ext cx="647934" cy="369332"/>
+            <a:ext cx="580608" cy="369332"/>
           </a:xfrm>
           <a:prstGeom prst="rect">
             <a:avLst/>
@@ -13757,14 +13770,14 @@
           <a:p>
             <a:r>
               <a:rPr lang="en-US" altLang="ko-KR" dirty="0">
-                <a:latin typeface="THE정고딕140" panose="02020603020101020101" pitchFamily="18" charset="-127"/>
-                <a:ea typeface="THE정고딕140" panose="02020603020101020101" pitchFamily="18" charset="-127"/>
+                <a:latin typeface="맑은 고딕" panose="020B0503020000020004" pitchFamily="50" charset="-127"/>
+                <a:ea typeface="맑은 고딕" panose="020B0503020000020004" pitchFamily="50" charset="-127"/>
               </a:rPr>
               <a:t>CSS</a:t>
             </a:r>
             <a:endParaRPr lang="ko-KR" altLang="en-US" dirty="0">
-              <a:latin typeface="THE정고딕140" panose="02020603020101020101" pitchFamily="18" charset="-127"/>
-              <a:ea typeface="THE정고딕140" panose="02020603020101020101" pitchFamily="18" charset="-127"/>
+              <a:latin typeface="맑은 고딕" panose="020B0503020000020004" pitchFamily="50" charset="-127"/>
+              <a:ea typeface="맑은 고딕" panose="020B0503020000020004" pitchFamily="50" charset="-127"/>
             </a:endParaRPr>
           </a:p>
         </p:txBody>
@@ -13857,8 +13870,8 @@
                       </a:schemeClr>
                     </a:solidFill>
                   </a:ln>
-                  <a:latin typeface="THE정고딕140" panose="02020603020101020101" pitchFamily="18" charset="-127"/>
-                  <a:ea typeface="THE정고딕140" panose="02020603020101020101" pitchFamily="18" charset="-127"/>
+                  <a:latin typeface="맑은 고딕" panose="020B0503020000020004" pitchFamily="50" charset="-127"/>
+                  <a:ea typeface="맑은 고딕" panose="020B0503020000020004" pitchFamily="50" charset="-127"/>
                 </a:rPr>
                 <a:t>웹 프로그래밍</a:t>
               </a:r>
@@ -13913,9 +13926,9 @@
             <a:lstStyle/>
             <a:p>
               <a:pPr algn="ctr"/>
-              <a:endParaRPr lang="ko-KR" altLang="en-US">
-                <a:latin typeface="THE정고딕140" panose="02020603020101020101" pitchFamily="18" charset="-127"/>
-                <a:ea typeface="THE정고딕140" panose="02020603020101020101" pitchFamily="18" charset="-127"/>
+              <a:endParaRPr lang="ko-KR" altLang="en-US" dirty="0">
+                <a:latin typeface="맑은 고딕" panose="020B0503020000020004" pitchFamily="50" charset="-127"/>
+                <a:ea typeface="맑은 고딕" panose="020B0503020000020004" pitchFamily="50" charset="-127"/>
               </a:endParaRPr>
             </a:p>
           </p:txBody>
